--- a/Clustering&Fitting.pptx
+++ b/Clustering&Fitting.pptx
@@ -14,7 +14,76 @@
       <a:defRPr kern="0"/>
     </a:defPPr>
   </p:defaultTextStyle>
+  <p:extLst>
+    <p:ext uri="{EFAFB233-063F-42B5-8137-9DF3F51BA10A}">
+      <p15:sldGuideLst xmlns:p15="http://schemas.microsoft.com/office/powerpoint/2012/main">
+        <p15:guide id="1" orient="horz" pos="2879">
+          <p15:clr>
+            <a:srgbClr val="A4A3A4"/>
+          </p15:clr>
+        </p15:guide>
+        <p15:guide id="2" pos="2160">
+          <p15:clr>
+            <a:srgbClr val="A4A3A4"/>
+          </p15:clr>
+        </p15:guide>
+      </p15:sldGuideLst>
+    </p:ext>
+  </p:extLst>
 </p:presentation>
+</file>
+
+<file path=ppt/changesInfos/changesInfo1.xml><?xml version="1.0" encoding="utf-8"?>
+<pc:chgInfo xmlns:a="http://schemas.openxmlformats.org/drawingml/2006/main" xmlns:r="http://schemas.openxmlformats.org/officeDocument/2006/relationships" xmlns:ac="http://schemas.microsoft.com/office/drawing/2013/main/command" xmlns:pc="http://schemas.microsoft.com/office/powerpoint/2013/main/command">
+  <pc:docChgLst>
+    <pc:chgData name="Sandra Binu" userId="c8fad9f44ee715b9" providerId="LiveId" clId="{B0312706-2560-42DF-9FE8-D09B28FD6F55}"/>
+    <pc:docChg chg="modSld">
+      <pc:chgData name="Sandra Binu" userId="c8fad9f44ee715b9" providerId="LiveId" clId="{B0312706-2560-42DF-9FE8-D09B28FD6F55}" dt="2024-01-18T11:01:23.489" v="3" actId="123"/>
+      <pc:docMkLst>
+        <pc:docMk/>
+      </pc:docMkLst>
+      <pc:sldChg chg="modSp mod">
+        <pc:chgData name="Sandra Binu" userId="c8fad9f44ee715b9" providerId="LiveId" clId="{B0312706-2560-42DF-9FE8-D09B28FD6F55}" dt="2024-01-18T11:01:23.489" v="3" actId="123"/>
+        <pc:sldMkLst>
+          <pc:docMk/>
+          <pc:sldMk cId="0" sldId="256"/>
+        </pc:sldMkLst>
+        <pc:spChg chg="mod">
+          <ac:chgData name="Sandra Binu" userId="c8fad9f44ee715b9" providerId="LiveId" clId="{B0312706-2560-42DF-9FE8-D09B28FD6F55}" dt="2024-01-18T11:00:59.916" v="0" actId="122"/>
+          <ac:spMkLst>
+            <pc:docMk/>
+            <pc:sldMk cId="0" sldId="256"/>
+            <ac:spMk id="2" creationId="{00000000-0000-0000-0000-000000000000}"/>
+          </ac:spMkLst>
+        </pc:spChg>
+        <pc:spChg chg="mod">
+          <ac:chgData name="Sandra Binu" userId="c8fad9f44ee715b9" providerId="LiveId" clId="{B0312706-2560-42DF-9FE8-D09B28FD6F55}" dt="2024-01-18T11:01:23.489" v="3" actId="123"/>
+          <ac:spMkLst>
+            <pc:docMk/>
+            <pc:sldMk cId="0" sldId="256"/>
+            <ac:spMk id="35" creationId="{00000000-0000-0000-0000-000000000000}"/>
+          </ac:spMkLst>
+        </pc:spChg>
+        <pc:spChg chg="mod">
+          <ac:chgData name="Sandra Binu" userId="c8fad9f44ee715b9" providerId="LiveId" clId="{B0312706-2560-42DF-9FE8-D09B28FD6F55}" dt="2024-01-18T11:01:17.502" v="2" actId="123"/>
+          <ac:spMkLst>
+            <pc:docMk/>
+            <pc:sldMk cId="0" sldId="256"/>
+            <ac:spMk id="36" creationId="{00000000-0000-0000-0000-000000000000}"/>
+          </ac:spMkLst>
+        </pc:spChg>
+        <pc:spChg chg="mod">
+          <ac:chgData name="Sandra Binu" userId="c8fad9f44ee715b9" providerId="LiveId" clId="{B0312706-2560-42DF-9FE8-D09B28FD6F55}" dt="2024-01-18T11:01:10.961" v="1" actId="123"/>
+          <ac:spMkLst>
+            <pc:docMk/>
+            <pc:sldMk cId="0" sldId="256"/>
+            <ac:spMk id="37" creationId="{00000000-0000-0000-0000-000000000000}"/>
+          </ac:spMkLst>
+        </pc:spChg>
+      </pc:sldChg>
+    </pc:docChg>
+  </pc:docChgLst>
+</pc:chgInfo>
 </file>
 
 <file path=ppt/slideLayouts/slideLayout1.xml><?xml version="1.0" encoding="utf-8"?>
@@ -105,10 +174,9 @@
           <a:lstStyle/>
           <a:p>
             <a:r>
-              <a:rPr kumimoji="0" lang="en-US" smtClean="0"/>
+              <a:rPr kumimoji="0" lang="en-US"/>
               <a:t>Click to edit Master title style</a:t>
             </a:r>
-            <a:endParaRPr kumimoji="0" lang="en-US"/>
           </a:p>
         </p:txBody>
       </p:sp>
@@ -168,10 +236,9 @@
           </a:lstStyle>
           <a:p>
             <a:r>
-              <a:rPr kumimoji="0" lang="en-US" smtClean="0"/>
+              <a:rPr kumimoji="0" lang="en-US"/>
               <a:t>Click to edit Master subtitle style</a:t>
             </a:r>
-            <a:endParaRPr kumimoji="0" lang="en-US"/>
           </a:p>
         </p:txBody>
       </p:sp>
@@ -286,10 +353,9 @@
           <a:lstStyle/>
           <a:p>
             <a:r>
-              <a:rPr kumimoji="0" lang="en-US" smtClean="0"/>
+              <a:rPr kumimoji="0" lang="en-US"/>
               <a:t>Click to edit Master title style</a:t>
             </a:r>
-            <a:endParaRPr kumimoji="0" lang="en-US"/>
           </a:p>
         </p:txBody>
       </p:sp>
@@ -310,35 +376,35 @@
           <a:p>
             <a:pPr lvl="0" eaLnBrk="1" latinLnBrk="0" hangingPunct="1"/>
             <a:r>
-              <a:rPr lang="en-US" smtClean="0"/>
+              <a:rPr lang="en-US"/>
               <a:t>Click to edit Master text styles</a:t>
             </a:r>
           </a:p>
           <a:p>
             <a:pPr lvl="1" eaLnBrk="1" latinLnBrk="0" hangingPunct="1"/>
             <a:r>
-              <a:rPr lang="en-US" smtClean="0"/>
+              <a:rPr lang="en-US"/>
               <a:t>Second level</a:t>
             </a:r>
           </a:p>
           <a:p>
             <a:pPr lvl="2" eaLnBrk="1" latinLnBrk="0" hangingPunct="1"/>
             <a:r>
-              <a:rPr lang="en-US" smtClean="0"/>
+              <a:rPr lang="en-US"/>
               <a:t>Third level</a:t>
             </a:r>
           </a:p>
           <a:p>
             <a:pPr lvl="3" eaLnBrk="1" latinLnBrk="0" hangingPunct="1"/>
             <a:r>
-              <a:rPr lang="en-US" smtClean="0"/>
+              <a:rPr lang="en-US"/>
               <a:t>Fourth level</a:t>
             </a:r>
           </a:p>
           <a:p>
             <a:pPr lvl="4" eaLnBrk="1" latinLnBrk="0" hangingPunct="1"/>
             <a:r>
-              <a:rPr lang="en-US" smtClean="0"/>
+              <a:rPr lang="en-US"/>
               <a:t>Fifth level</a:t>
             </a:r>
             <a:endParaRPr kumimoji="0" lang="en-US"/>
@@ -456,10 +522,9 @@
           <a:lstStyle/>
           <a:p>
             <a:r>
-              <a:rPr kumimoji="0" lang="en-US" smtClean="0"/>
+              <a:rPr kumimoji="0" lang="en-US"/>
               <a:t>Click to edit Master title style</a:t>
             </a:r>
-            <a:endParaRPr kumimoji="0" lang="en-US"/>
           </a:p>
         </p:txBody>
       </p:sp>
@@ -485,35 +550,35 @@
           <a:p>
             <a:pPr lvl="0" eaLnBrk="1" latinLnBrk="0" hangingPunct="1"/>
             <a:r>
-              <a:rPr lang="en-US" smtClean="0"/>
+              <a:rPr lang="en-US"/>
               <a:t>Click to edit Master text styles</a:t>
             </a:r>
           </a:p>
           <a:p>
             <a:pPr lvl="1" eaLnBrk="1" latinLnBrk="0" hangingPunct="1"/>
             <a:r>
-              <a:rPr lang="en-US" smtClean="0"/>
+              <a:rPr lang="en-US"/>
               <a:t>Second level</a:t>
             </a:r>
           </a:p>
           <a:p>
             <a:pPr lvl="2" eaLnBrk="1" latinLnBrk="0" hangingPunct="1"/>
             <a:r>
-              <a:rPr lang="en-US" smtClean="0"/>
+              <a:rPr lang="en-US"/>
               <a:t>Third level</a:t>
             </a:r>
           </a:p>
           <a:p>
             <a:pPr lvl="3" eaLnBrk="1" latinLnBrk="0" hangingPunct="1"/>
             <a:r>
-              <a:rPr lang="en-US" smtClean="0"/>
+              <a:rPr lang="en-US"/>
               <a:t>Fourth level</a:t>
             </a:r>
           </a:p>
           <a:p>
             <a:pPr lvl="4" eaLnBrk="1" latinLnBrk="0" hangingPunct="1"/>
             <a:r>
-              <a:rPr lang="en-US" smtClean="0"/>
+              <a:rPr lang="en-US"/>
               <a:t>Fifth level</a:t>
             </a:r>
             <a:endParaRPr kumimoji="0" lang="en-US"/>
@@ -626,10 +691,9 @@
           <a:lstStyle/>
           <a:p>
             <a:r>
-              <a:rPr kumimoji="0" lang="en-US" smtClean="0"/>
+              <a:rPr kumimoji="0" lang="en-US"/>
               <a:t>Click to edit Master title style</a:t>
             </a:r>
-            <a:endParaRPr kumimoji="0" lang="en-US"/>
           </a:p>
         </p:txBody>
       </p:sp>
@@ -650,35 +714,35 @@
           <a:p>
             <a:pPr lvl="0" eaLnBrk="1" latinLnBrk="0" hangingPunct="1"/>
             <a:r>
-              <a:rPr lang="en-US" smtClean="0"/>
+              <a:rPr lang="en-US"/>
               <a:t>Click to edit Master text styles</a:t>
             </a:r>
           </a:p>
           <a:p>
             <a:pPr lvl="1" eaLnBrk="1" latinLnBrk="0" hangingPunct="1"/>
             <a:r>
-              <a:rPr lang="en-US" smtClean="0"/>
+              <a:rPr lang="en-US"/>
               <a:t>Second level</a:t>
             </a:r>
           </a:p>
           <a:p>
             <a:pPr lvl="2" eaLnBrk="1" latinLnBrk="0" hangingPunct="1"/>
             <a:r>
-              <a:rPr lang="en-US" smtClean="0"/>
+              <a:rPr lang="en-US"/>
               <a:t>Third level</a:t>
             </a:r>
           </a:p>
           <a:p>
             <a:pPr lvl="3" eaLnBrk="1" latinLnBrk="0" hangingPunct="1"/>
             <a:r>
-              <a:rPr lang="en-US" smtClean="0"/>
+              <a:rPr lang="en-US"/>
               <a:t>Fourth level</a:t>
             </a:r>
           </a:p>
           <a:p>
             <a:pPr lvl="4" eaLnBrk="1" latinLnBrk="0" hangingPunct="1"/>
             <a:r>
-              <a:rPr lang="en-US" smtClean="0"/>
+              <a:rPr lang="en-US"/>
               <a:t>Fifth level</a:t>
             </a:r>
             <a:endParaRPr kumimoji="0" lang="en-US"/>
@@ -913,7 +977,7 @@
           <a:p>
             <a:pPr lvl="0" eaLnBrk="1" latinLnBrk="0" hangingPunct="1"/>
             <a:r>
-              <a:rPr kumimoji="0" lang="en-US" smtClean="0"/>
+              <a:rPr kumimoji="0" lang="en-US"/>
               <a:t>Click to edit Master text styles</a:t>
             </a:r>
           </a:p>
@@ -1009,10 +1073,9 @@
           </a:lstStyle>
           <a:p>
             <a:r>
-              <a:rPr kumimoji="0" lang="en-US" smtClean="0"/>
+              <a:rPr kumimoji="0" lang="en-US"/>
               <a:t>Click to edit Master title style</a:t>
             </a:r>
-            <a:endParaRPr kumimoji="0" lang="en-US"/>
           </a:p>
         </p:txBody>
       </p:sp>
@@ -1062,10 +1125,9 @@
           <a:lstStyle/>
           <a:p>
             <a:r>
-              <a:rPr kumimoji="0" lang="en-US" smtClean="0"/>
+              <a:rPr kumimoji="0" lang="en-US"/>
               <a:t>Click to edit Master title style</a:t>
             </a:r>
-            <a:endParaRPr kumimoji="0" lang="en-US"/>
           </a:p>
         </p:txBody>
       </p:sp>
@@ -1107,35 +1169,35 @@
           <a:p>
             <a:pPr lvl="0" eaLnBrk="1" latinLnBrk="0" hangingPunct="1"/>
             <a:r>
-              <a:rPr lang="en-US" smtClean="0"/>
+              <a:rPr lang="en-US"/>
               <a:t>Click to edit Master text styles</a:t>
             </a:r>
           </a:p>
           <a:p>
             <a:pPr lvl="1" eaLnBrk="1" latinLnBrk="0" hangingPunct="1"/>
             <a:r>
-              <a:rPr lang="en-US" smtClean="0"/>
+              <a:rPr lang="en-US"/>
               <a:t>Second level</a:t>
             </a:r>
           </a:p>
           <a:p>
             <a:pPr lvl="2" eaLnBrk="1" latinLnBrk="0" hangingPunct="1"/>
             <a:r>
-              <a:rPr lang="en-US" smtClean="0"/>
+              <a:rPr lang="en-US"/>
               <a:t>Third level</a:t>
             </a:r>
           </a:p>
           <a:p>
             <a:pPr lvl="3" eaLnBrk="1" latinLnBrk="0" hangingPunct="1"/>
             <a:r>
-              <a:rPr lang="en-US" smtClean="0"/>
+              <a:rPr lang="en-US"/>
               <a:t>Fourth level</a:t>
             </a:r>
           </a:p>
           <a:p>
             <a:pPr lvl="4" eaLnBrk="1" latinLnBrk="0" hangingPunct="1"/>
             <a:r>
-              <a:rPr lang="en-US" smtClean="0"/>
+              <a:rPr lang="en-US"/>
               <a:t>Fifth level</a:t>
             </a:r>
             <a:endParaRPr kumimoji="0" lang="en-US"/>
@@ -1180,35 +1242,35 @@
           <a:p>
             <a:pPr lvl="0" eaLnBrk="1" latinLnBrk="0" hangingPunct="1"/>
             <a:r>
-              <a:rPr lang="en-US" smtClean="0"/>
+              <a:rPr lang="en-US"/>
               <a:t>Click to edit Master text styles</a:t>
             </a:r>
           </a:p>
           <a:p>
             <a:pPr lvl="1" eaLnBrk="1" latinLnBrk="0" hangingPunct="1"/>
             <a:r>
-              <a:rPr lang="en-US" smtClean="0"/>
+              <a:rPr lang="en-US"/>
               <a:t>Second level</a:t>
             </a:r>
           </a:p>
           <a:p>
             <a:pPr lvl="2" eaLnBrk="1" latinLnBrk="0" hangingPunct="1"/>
             <a:r>
-              <a:rPr lang="en-US" smtClean="0"/>
+              <a:rPr lang="en-US"/>
               <a:t>Third level</a:t>
             </a:r>
           </a:p>
           <a:p>
             <a:pPr lvl="3" eaLnBrk="1" latinLnBrk="0" hangingPunct="1"/>
             <a:r>
-              <a:rPr lang="en-US" smtClean="0"/>
+              <a:rPr lang="en-US"/>
               <a:t>Fourth level</a:t>
             </a:r>
           </a:p>
           <a:p>
             <a:pPr lvl="4" eaLnBrk="1" latinLnBrk="0" hangingPunct="1"/>
             <a:r>
-              <a:rPr lang="en-US" smtClean="0"/>
+              <a:rPr lang="en-US"/>
               <a:t>Fifth level</a:t>
             </a:r>
             <a:endParaRPr kumimoji="0" lang="en-US"/>
@@ -1330,10 +1392,9 @@
           </a:lstStyle>
           <a:p>
             <a:r>
-              <a:rPr kumimoji="0" lang="en-US" smtClean="0"/>
+              <a:rPr kumimoji="0" lang="en-US"/>
               <a:t>Click to edit Master title style</a:t>
             </a:r>
-            <a:endParaRPr kumimoji="0" lang="en-US"/>
           </a:p>
         </p:txBody>
       </p:sp>
@@ -1389,7 +1450,7 @@
           <a:p>
             <a:pPr lvl="0" eaLnBrk="1" latinLnBrk="0" hangingPunct="1"/>
             <a:r>
-              <a:rPr kumimoji="0" lang="en-US" smtClean="0"/>
+              <a:rPr kumimoji="0" lang="en-US"/>
               <a:t>Click to edit Master text styles</a:t>
             </a:r>
           </a:p>
@@ -1447,7 +1508,7 @@
           <a:p>
             <a:pPr lvl="0" eaLnBrk="1" latinLnBrk="0" hangingPunct="1"/>
             <a:r>
-              <a:rPr kumimoji="0" lang="en-US" smtClean="0"/>
+              <a:rPr kumimoji="0" lang="en-US"/>
               <a:t>Click to edit Master text styles</a:t>
             </a:r>
           </a:p>
@@ -1491,35 +1552,35 @@
           <a:p>
             <a:pPr lvl="0" eaLnBrk="1" latinLnBrk="0" hangingPunct="1"/>
             <a:r>
-              <a:rPr lang="en-US" smtClean="0"/>
+              <a:rPr lang="en-US"/>
               <a:t>Click to edit Master text styles</a:t>
             </a:r>
           </a:p>
           <a:p>
             <a:pPr lvl="1" eaLnBrk="1" latinLnBrk="0" hangingPunct="1"/>
             <a:r>
-              <a:rPr lang="en-US" smtClean="0"/>
+              <a:rPr lang="en-US"/>
               <a:t>Second level</a:t>
             </a:r>
           </a:p>
           <a:p>
             <a:pPr lvl="2" eaLnBrk="1" latinLnBrk="0" hangingPunct="1"/>
             <a:r>
-              <a:rPr lang="en-US" smtClean="0"/>
+              <a:rPr lang="en-US"/>
               <a:t>Third level</a:t>
             </a:r>
           </a:p>
           <a:p>
             <a:pPr lvl="3" eaLnBrk="1" latinLnBrk="0" hangingPunct="1"/>
             <a:r>
-              <a:rPr lang="en-US" smtClean="0"/>
+              <a:rPr lang="en-US"/>
               <a:t>Fourth level</a:t>
             </a:r>
           </a:p>
           <a:p>
             <a:pPr lvl="4" eaLnBrk="1" latinLnBrk="0" hangingPunct="1"/>
             <a:r>
-              <a:rPr lang="en-US" smtClean="0"/>
+              <a:rPr lang="en-US"/>
               <a:t>Fifth level</a:t>
             </a:r>
             <a:endParaRPr kumimoji="0" lang="en-US"/>
@@ -1564,35 +1625,35 @@
           <a:p>
             <a:pPr lvl="0" eaLnBrk="1" latinLnBrk="0" hangingPunct="1"/>
             <a:r>
-              <a:rPr lang="en-US" smtClean="0"/>
+              <a:rPr lang="en-US"/>
               <a:t>Click to edit Master text styles</a:t>
             </a:r>
           </a:p>
           <a:p>
             <a:pPr lvl="1" eaLnBrk="1" latinLnBrk="0" hangingPunct="1"/>
             <a:r>
-              <a:rPr lang="en-US" smtClean="0"/>
+              <a:rPr lang="en-US"/>
               <a:t>Second level</a:t>
             </a:r>
           </a:p>
           <a:p>
             <a:pPr lvl="2" eaLnBrk="1" latinLnBrk="0" hangingPunct="1"/>
             <a:r>
-              <a:rPr lang="en-US" smtClean="0"/>
+              <a:rPr lang="en-US"/>
               <a:t>Third level</a:t>
             </a:r>
           </a:p>
           <a:p>
             <a:pPr lvl="3" eaLnBrk="1" latinLnBrk="0" hangingPunct="1"/>
             <a:r>
-              <a:rPr lang="en-US" smtClean="0"/>
+              <a:rPr lang="en-US"/>
               <a:t>Fourth level</a:t>
             </a:r>
           </a:p>
           <a:p>
             <a:pPr lvl="4" eaLnBrk="1" latinLnBrk="0" hangingPunct="1"/>
             <a:r>
-              <a:rPr lang="en-US" smtClean="0"/>
+              <a:rPr lang="en-US"/>
               <a:t>Fifth level</a:t>
             </a:r>
             <a:endParaRPr kumimoji="0" lang="en-US"/>
@@ -1765,10 +1826,9 @@
           <a:lstStyle/>
           <a:p>
             <a:r>
-              <a:rPr kumimoji="0" lang="en-US" smtClean="0"/>
+              <a:rPr kumimoji="0" lang="en-US"/>
               <a:t>Click to edit Master title style</a:t>
             </a:r>
-            <a:endParaRPr kumimoji="0" lang="en-US"/>
           </a:p>
         </p:txBody>
       </p:sp>
@@ -2028,10 +2088,9 @@
           </a:lstStyle>
           <a:p>
             <a:r>
-              <a:rPr kumimoji="0" lang="en-US" smtClean="0"/>
+              <a:rPr kumimoji="0" lang="en-US"/>
               <a:t>Click to edit Master title style</a:t>
             </a:r>
-            <a:endParaRPr kumimoji="0" lang="en-US"/>
           </a:p>
         </p:txBody>
       </p:sp>
@@ -2078,7 +2137,7 @@
           <a:p>
             <a:pPr lvl="0" eaLnBrk="1" latinLnBrk="0" hangingPunct="1"/>
             <a:r>
-              <a:rPr kumimoji="0" lang="en-US" smtClean="0"/>
+              <a:rPr kumimoji="0" lang="en-US"/>
               <a:t>Click to edit Master text styles</a:t>
             </a:r>
           </a:p>
@@ -2122,35 +2181,35 @@
           <a:p>
             <a:pPr lvl="0" eaLnBrk="1" latinLnBrk="0" hangingPunct="1"/>
             <a:r>
-              <a:rPr lang="en-US" smtClean="0"/>
+              <a:rPr lang="en-US"/>
               <a:t>Click to edit Master text styles</a:t>
             </a:r>
           </a:p>
           <a:p>
             <a:pPr lvl="1" eaLnBrk="1" latinLnBrk="0" hangingPunct="1"/>
             <a:r>
-              <a:rPr lang="en-US" smtClean="0"/>
+              <a:rPr lang="en-US"/>
               <a:t>Second level</a:t>
             </a:r>
           </a:p>
           <a:p>
             <a:pPr lvl="2" eaLnBrk="1" latinLnBrk="0" hangingPunct="1"/>
             <a:r>
-              <a:rPr lang="en-US" smtClean="0"/>
+              <a:rPr lang="en-US"/>
               <a:t>Third level</a:t>
             </a:r>
           </a:p>
           <a:p>
             <a:pPr lvl="3" eaLnBrk="1" latinLnBrk="0" hangingPunct="1"/>
             <a:r>
-              <a:rPr lang="en-US" smtClean="0"/>
+              <a:rPr lang="en-US"/>
               <a:t>Fourth level</a:t>
             </a:r>
           </a:p>
           <a:p>
             <a:pPr lvl="4" eaLnBrk="1" latinLnBrk="0" hangingPunct="1"/>
             <a:r>
-              <a:rPr lang="en-US" smtClean="0"/>
+              <a:rPr lang="en-US"/>
               <a:t>Fifth level</a:t>
             </a:r>
             <a:endParaRPr kumimoji="0" lang="en-US"/>
@@ -2284,10 +2343,9 @@
           </a:lstStyle>
           <a:p>
             <a:r>
-              <a:rPr kumimoji="0" lang="en-US" dirty="0" smtClean="0"/>
+              <a:rPr kumimoji="0" lang="en-US" dirty="0"/>
               <a:t>Click icon to add picture</a:t>
             </a:r>
-            <a:endParaRPr kumimoji="0" lang="en-US" dirty="0"/>
           </a:p>
         </p:txBody>
       </p:sp>
@@ -2382,10 +2440,9 @@
           </a:lstStyle>
           <a:p>
             <a:r>
-              <a:rPr kumimoji="0" lang="en-US" smtClean="0"/>
+              <a:rPr kumimoji="0" lang="en-US"/>
               <a:t>Click to edit Master title style</a:t>
             </a:r>
-            <a:endParaRPr kumimoji="0" lang="en-US"/>
           </a:p>
         </p:txBody>
       </p:sp>
@@ -2428,7 +2485,7 @@
           <a:p>
             <a:pPr lvl="0" eaLnBrk="1" latinLnBrk="0" hangingPunct="1"/>
             <a:r>
-              <a:rPr kumimoji="0" lang="en-US" smtClean="0"/>
+              <a:rPr kumimoji="0" lang="en-US"/>
               <a:t>Click to edit Master text styles</a:t>
             </a:r>
           </a:p>
@@ -2541,38 +2598,37 @@
           <a:p>
             <a:pPr lvl="0" eaLnBrk="1" latinLnBrk="0" hangingPunct="1"/>
             <a:r>
-              <a:rPr kumimoji="0" lang="en-US" smtClean="0"/>
+              <a:rPr kumimoji="0" lang="en-US"/>
               <a:t>Click to edit Master text styles</a:t>
             </a:r>
           </a:p>
           <a:p>
             <a:pPr lvl="1" eaLnBrk="1" latinLnBrk="0" hangingPunct="1"/>
             <a:r>
-              <a:rPr kumimoji="0" lang="en-US" smtClean="0"/>
+              <a:rPr kumimoji="0" lang="en-US"/>
               <a:t>Second level</a:t>
             </a:r>
           </a:p>
           <a:p>
             <a:pPr lvl="2" eaLnBrk="1" latinLnBrk="0" hangingPunct="1"/>
             <a:r>
-              <a:rPr kumimoji="0" lang="en-US" smtClean="0"/>
+              <a:rPr kumimoji="0" lang="en-US"/>
               <a:t>Third level</a:t>
             </a:r>
           </a:p>
           <a:p>
             <a:pPr lvl="3" eaLnBrk="1" latinLnBrk="0" hangingPunct="1"/>
             <a:r>
-              <a:rPr kumimoji="0" lang="en-US" smtClean="0"/>
+              <a:rPr kumimoji="0" lang="en-US"/>
               <a:t>Fourth level</a:t>
             </a:r>
           </a:p>
           <a:p>
             <a:pPr lvl="4" eaLnBrk="1" latinLnBrk="0" hangingPunct="1"/>
             <a:r>
-              <a:rPr kumimoji="0" lang="en-US" smtClean="0"/>
+              <a:rPr kumimoji="0" lang="en-US"/>
               <a:t>Fifth level</a:t>
             </a:r>
-            <a:endParaRPr kumimoji="0" lang="en-US"/>
           </a:p>
         </p:txBody>
       </p:sp>
@@ -2721,10 +2777,9 @@
           <a:lstStyle/>
           <a:p>
             <a:r>
-              <a:rPr kumimoji="0" lang="en-US" smtClean="0"/>
+              <a:rPr kumimoji="0" lang="en-US"/>
               <a:t>Click to edit Master title style</a:t>
             </a:r>
-            <a:endParaRPr kumimoji="0" lang="en-US"/>
           </a:p>
         </p:txBody>
       </p:sp>
@@ -3171,7 +3226,7 @@
           </a:bodyPr>
           <a:lstStyle/>
           <a:p>
-            <a:pPr marL="88850" marR="5080" indent="-76791">
+            <a:pPr marL="88850" marR="5080" indent="-76791" algn="ctr">
               <a:lnSpc>
                 <a:spcPts val="3586"/>
               </a:lnSpc>
@@ -3180,7 +3235,7 @@
               </a:spcBef>
             </a:pPr>
             <a:r>
-              <a:rPr lang="en-US" sz="3200" b="1" dirty="0" smtClean="0">
+              <a:rPr lang="en-US" sz="3200" b="1" dirty="0">
                 <a:solidFill>
                   <a:srgbClr val="374151"/>
                 </a:solidFill>
@@ -3235,14 +3290,7 @@
                 <a:latin typeface="Carlito"/>
                 <a:cs typeface="Carlito"/>
               </a:rPr>
-              <a:t>Name</a:t>
-            </a:r>
-            <a:r>
-              <a:rPr sz="2000" i="1" dirty="0" smtClean="0">
-                <a:latin typeface="Carlito"/>
-                <a:cs typeface="Carlito"/>
-              </a:rPr>
-              <a:t>:</a:t>
+              <a:t>Name:</a:t>
             </a:r>
             <a:endParaRPr sz="2000" dirty="0">
               <a:latin typeface="Carlito"/>
@@ -3284,7 +3332,7 @@
               <a:t> </a:t>
             </a:r>
             <a:r>
-              <a:rPr sz="2000" i="1" spc="190" dirty="0" smtClean="0">
+              <a:rPr sz="2000" i="1" spc="190" dirty="0">
                 <a:latin typeface="Carlito"/>
                 <a:cs typeface="Carlito"/>
               </a:rPr>
@@ -3330,7 +3378,7 @@
               </a:spcBef>
             </a:pPr>
             <a:r>
-              <a:rPr sz="2000" b="1" dirty="0" smtClean="0">
+              <a:rPr sz="2000" b="1" dirty="0">
                 <a:latin typeface="Calibri" panose="020F0502020204030204" pitchFamily="34" charset="0"/>
                 <a:ea typeface="Calibri" panose="020F0502020204030204" pitchFamily="34" charset="0"/>
                 <a:cs typeface="Calibri" panose="020F0502020204030204" pitchFamily="34" charset="0"/>
@@ -3338,7 +3386,7 @@
               <a:t>Abstract:</a:t>
             </a:r>
             <a:r>
-              <a:rPr lang="en-US" sz="2000" b="1" dirty="0" smtClean="0">
+              <a:rPr lang="en-US" sz="2000" b="1" dirty="0">
                 <a:latin typeface="Calibri" panose="020F0502020204030204" pitchFamily="34" charset="0"/>
                 <a:ea typeface="Calibri" panose="020F0502020204030204" pitchFamily="34" charset="0"/>
                 <a:cs typeface="Calibri" panose="020F0502020204030204" pitchFamily="34" charset="0"/>
@@ -3346,7 +3394,7 @@
               <a:t> </a:t>
             </a:r>
             <a:r>
-              <a:rPr lang="en-US" sz="2000" dirty="0" smtClean="0">
+              <a:rPr lang="en-US" sz="2000" dirty="0">
                 <a:solidFill>
                   <a:schemeClr val="bg1"/>
                 </a:solidFill>
@@ -3404,7 +3452,7 @@
           <a:p>
             <a:pPr algn="just"/>
             <a:r>
-              <a:rPr lang="en-US" b="1" dirty="0" smtClean="0">
+              <a:rPr lang="en-US" b="1" dirty="0">
                 <a:solidFill>
                   <a:schemeClr val="tx1"/>
                 </a:solidFill>
@@ -3418,7 +3466,7 @@
           <a:p>
             <a:pPr algn="just"/>
             <a:r>
-              <a:rPr lang="en-US" dirty="0" smtClean="0">
+              <a:rPr lang="en-US" dirty="0">
                 <a:latin typeface="Calibri" panose="020F0502020204030204" pitchFamily="34" charset="0"/>
                 <a:ea typeface="Calibri" panose="020F0502020204030204" pitchFamily="34" charset="0"/>
                 <a:cs typeface="Calibri" panose="020F0502020204030204" pitchFamily="34" charset="0"/>
@@ -3468,7 +3516,7 @@
           <a:p>
             <a:pPr algn="just"/>
             <a:r>
-              <a:rPr lang="en-US" sz="2000" b="1" dirty="0" smtClean="0">
+              <a:rPr lang="en-US" sz="2000" b="1" dirty="0">
                 <a:latin typeface="Calibri" panose="020F0502020204030204" pitchFamily="34" charset="0"/>
                 <a:ea typeface="Calibri" panose="020F0502020204030204" pitchFamily="34" charset="0"/>
                 <a:cs typeface="Calibri" panose="020F0502020204030204" pitchFamily="34" charset="0"/>
@@ -3479,7 +3527,7 @@
           <a:p>
             <a:pPr algn="just"/>
             <a:r>
-              <a:rPr lang="en-US" sz="2000" dirty="0" smtClean="0">
+              <a:rPr lang="en-US" sz="2000" dirty="0">
                 <a:latin typeface="Calibri" panose="020F0502020204030204" pitchFamily="34" charset="0"/>
                 <a:ea typeface="Calibri" panose="020F0502020204030204" pitchFamily="34" charset="0"/>
                 <a:cs typeface="Calibri" panose="020F0502020204030204" pitchFamily="34" charset="0"/>
@@ -3487,7 +3535,7 @@
               <a:t>World Bank data was processed and cleaned, removing unnecessary columns and reshaping the data for analysis. The resulting datasets, </a:t>
             </a:r>
             <a:r>
-              <a:rPr lang="en-US" sz="2000" dirty="0" err="1" smtClean="0">
+              <a:rPr lang="en-US" sz="2000" dirty="0" err="1">
                 <a:latin typeface="Calibri" panose="020F0502020204030204" pitchFamily="34" charset="0"/>
                 <a:ea typeface="Calibri" panose="020F0502020204030204" pitchFamily="34" charset="0"/>
                 <a:cs typeface="Calibri" panose="020F0502020204030204" pitchFamily="34" charset="0"/>
@@ -3495,7 +3543,7 @@
               <a:t>df_years</a:t>
             </a:r>
             <a:r>
-              <a:rPr lang="en-US" sz="2000" dirty="0" smtClean="0">
+              <a:rPr lang="en-US" sz="2000" dirty="0">
                 <a:latin typeface="Calibri" panose="020F0502020204030204" pitchFamily="34" charset="0"/>
                 <a:ea typeface="Calibri" panose="020F0502020204030204" pitchFamily="34" charset="0"/>
                 <a:cs typeface="Calibri" panose="020F0502020204030204" pitchFamily="34" charset="0"/>
@@ -3503,7 +3551,7 @@
               <a:t>, and </a:t>
             </a:r>
             <a:r>
-              <a:rPr lang="en-US" sz="2000" dirty="0" err="1" smtClean="0">
+              <a:rPr lang="en-US" sz="2000" dirty="0" err="1">
                 <a:latin typeface="Calibri" panose="020F0502020204030204" pitchFamily="34" charset="0"/>
                 <a:ea typeface="Calibri" panose="020F0502020204030204" pitchFamily="34" charset="0"/>
                 <a:cs typeface="Calibri" panose="020F0502020204030204" pitchFamily="34" charset="0"/>
@@ -3511,7 +3559,7 @@
               <a:t>df_countries</a:t>
             </a:r>
             <a:r>
-              <a:rPr lang="en-US" sz="2000" dirty="0" smtClean="0">
+              <a:rPr lang="en-US" sz="2000" dirty="0">
                 <a:latin typeface="Calibri" panose="020F0502020204030204" pitchFamily="34" charset="0"/>
                 <a:ea typeface="Calibri" panose="020F0502020204030204" pitchFamily="34" charset="0"/>
                 <a:cs typeface="Calibri" panose="020F0502020204030204" pitchFamily="34" charset="0"/>
@@ -3566,7 +3614,7 @@
           <a:p>
             <a:pPr algn="just"/>
             <a:r>
-              <a:rPr lang="en-US" sz="2000" b="1" dirty="0" smtClean="0">
+              <a:rPr lang="en-US" sz="2000" b="1" dirty="0">
                 <a:solidFill>
                   <a:schemeClr val="tx1"/>
                 </a:solidFill>
@@ -3580,7 +3628,7 @@
           <a:p>
             <a:pPr algn="just"/>
             <a:r>
-              <a:rPr lang="en-US" sz="2000" dirty="0" smtClean="0">
+              <a:rPr lang="en-US" sz="2000" dirty="0">
                 <a:solidFill>
                   <a:schemeClr val="tx1"/>
                 </a:solidFill>
@@ -3638,7 +3686,7 @@
           <a:p>
             <a:pPr algn="just"/>
             <a:r>
-              <a:rPr lang="en-US" sz="2000" b="1" dirty="0" smtClean="0">
+              <a:rPr lang="en-US" sz="2000" b="1" dirty="0">
                 <a:latin typeface="Calibri" panose="020F0502020204030204" pitchFamily="34" charset="0"/>
                 <a:ea typeface="Calibri" panose="020F0502020204030204" pitchFamily="34" charset="0"/>
                 <a:cs typeface="Calibri" panose="020F0502020204030204" pitchFamily="34" charset="0"/>
@@ -3649,7 +3697,7 @@
           <a:p>
             <a:pPr algn="just"/>
             <a:r>
-              <a:rPr lang="en-US" sz="2000" dirty="0" smtClean="0">
+              <a:rPr lang="en-US" sz="2000" dirty="0">
                 <a:latin typeface="Calibri" panose="020F0502020204030204" pitchFamily="34" charset="0"/>
                 <a:ea typeface="Calibri" panose="020F0502020204030204" pitchFamily="34" charset="0"/>
                 <a:cs typeface="Calibri" panose="020F0502020204030204" pitchFamily="34" charset="0"/>
@@ -3660,7 +3708,7 @@
           <a:p>
             <a:pPr algn="just"/>
             <a:r>
-              <a:rPr lang="en-US" sz="2000" dirty="0" smtClean="0">
+              <a:rPr lang="en-US" sz="2000" dirty="0">
                 <a:latin typeface="Calibri" panose="020F0502020204030204" pitchFamily="34" charset="0"/>
                 <a:ea typeface="Calibri" panose="020F0502020204030204" pitchFamily="34" charset="0"/>
                 <a:cs typeface="Calibri" panose="020F0502020204030204" pitchFamily="34" charset="0"/>
@@ -3711,17 +3759,6 @@
           <a:lstStyle/>
           <a:p>
             <a:r>
-              <a:rPr lang="en-US" b="1" dirty="0" smtClean="0">
-                <a:solidFill>
-                  <a:schemeClr val="tx1"/>
-                </a:solidFill>
-                <a:latin typeface="Calibri" panose="020F0502020204030204" pitchFamily="34" charset="0"/>
-                <a:ea typeface="Calibri" panose="020F0502020204030204" pitchFamily="34" charset="0"/>
-                <a:cs typeface="Calibri" panose="020F0502020204030204" pitchFamily="34" charset="0"/>
-              </a:rPr>
-              <a:t>Future </a:t>
-            </a:r>
-            <a:r>
               <a:rPr lang="en-US" b="1" dirty="0">
                 <a:solidFill>
                   <a:schemeClr val="tx1"/>
@@ -3730,7 +3767,7 @@
                 <a:ea typeface="Calibri" panose="020F0502020204030204" pitchFamily="34" charset="0"/>
                 <a:cs typeface="Calibri" panose="020F0502020204030204" pitchFamily="34" charset="0"/>
               </a:rPr>
-              <a:t>Predictions:</a:t>
+              <a:t>Future Predictions:</a:t>
             </a:r>
             <a:endParaRPr lang="en-IN" b="1" dirty="0">
               <a:solidFill>
@@ -3763,6 +3800,7 @@
             </a:endParaRPr>
           </a:p>
           <a:p>
+            <a:pPr algn="just"/>
             <a:r>
               <a:rPr lang="en-US" dirty="0">
                 <a:solidFill>
@@ -3793,18 +3831,7 @@
                 <a:ea typeface="Calibri" panose="020F0502020204030204" pitchFamily="34" charset="0"/>
                 <a:cs typeface="Calibri" panose="020F0502020204030204" pitchFamily="34" charset="0"/>
               </a:rPr>
-              <a:t>The predicted growth rate of -0.0109, with confidence intervals [-0.0109 ± 2.27], suggests a relatively stable, but slightly decreasing trend in coal-based electricity production in the European Union</a:t>
-            </a:r>
-            <a:r>
-              <a:rPr lang="en-US" dirty="0" smtClean="0">
-                <a:solidFill>
-                  <a:schemeClr val="lt1"/>
-                </a:solidFill>
-                <a:latin typeface="Calibri" panose="020F0502020204030204" pitchFamily="34" charset="0"/>
-                <a:ea typeface="Calibri" panose="020F0502020204030204" pitchFamily="34" charset="0"/>
-                <a:cs typeface="Calibri" panose="020F0502020204030204" pitchFamily="34" charset="0"/>
-              </a:rPr>
-              <a:t>.</a:t>
+              <a:t>The predicted growth rate of -0.0109, with confidence intervals [-0.0109 ± 2.27], suggests a relatively stable, but slightly decreasing trend in coal-based electricity production in the European Union.</a:t>
             </a:r>
             <a:endParaRPr lang="en-IN" dirty="0">
               <a:solidFill>
@@ -3907,7 +3934,7 @@
           <a:lstStyle/>
           <a:p>
             <a:r>
-              <a:rPr lang="en-US" b="1" dirty="0" smtClean="0">
+              <a:rPr lang="en-US" b="1" dirty="0">
                 <a:solidFill>
                   <a:schemeClr val="tx1"/>
                 </a:solidFill>
@@ -3917,7 +3944,7 @@
               </a:rPr>
               <a:t>Cluster Analysis:</a:t>
             </a:r>
-            <a:endParaRPr lang="en-IN" b="1" dirty="0" smtClean="0">
+            <a:endParaRPr lang="en-IN" b="1" dirty="0">
               <a:solidFill>
                 <a:schemeClr val="tx1"/>
               </a:solidFill>
@@ -3927,8 +3954,9 @@
             </a:endParaRPr>
           </a:p>
           <a:p>
-            <a:r>
-              <a:rPr lang="en-US" dirty="0" smtClean="0">
+            <a:pPr algn="just"/>
+            <a:r>
+              <a:rPr lang="en-US" dirty="0">
                 <a:solidFill>
                   <a:schemeClr val="lt1"/>
                 </a:solidFill>
@@ -3938,14 +3966,6 @@
               </a:rPr>
               <a:t>K-Means clustering identifies patterns in normalized data. Similarities and differences in electricity production trends among the selected countries are revealed. This allows for a nuanced understanding of how countries group based on their electricity production profiles.</a:t>
             </a:r>
-            <a:endParaRPr lang="en-US" dirty="0" smtClean="0">
-              <a:solidFill>
-                <a:schemeClr val="lt1"/>
-              </a:solidFill>
-              <a:latin typeface="Calibri" panose="020F0502020204030204" pitchFamily="34" charset="0"/>
-              <a:ea typeface="Calibri" panose="020F0502020204030204" pitchFamily="34" charset="0"/>
-              <a:cs typeface="Calibri" panose="020F0502020204030204" pitchFamily="34" charset="0"/>
-            </a:endParaRPr>
           </a:p>
         </p:txBody>
       </p:sp>
@@ -3985,7 +4005,7 @@
           <a:lstStyle/>
           <a:p>
             <a:r>
-              <a:rPr lang="en-US" b="1" dirty="0" smtClean="0">
+              <a:rPr lang="en-US" b="1" dirty="0">
                 <a:solidFill>
                   <a:schemeClr val="tx1"/>
                 </a:solidFill>
@@ -3995,7 +4015,7 @@
               </a:rPr>
               <a:t>Normalized Data Visualization:</a:t>
             </a:r>
-            <a:endParaRPr lang="en-IN" b="1" dirty="0" smtClean="0">
+            <a:endParaRPr lang="en-IN" b="1" dirty="0">
               <a:solidFill>
                 <a:schemeClr val="tx1"/>
               </a:solidFill>
@@ -4005,8 +4025,9 @@
             </a:endParaRPr>
           </a:p>
           <a:p>
-            <a:r>
-              <a:rPr lang="en-US" dirty="0" smtClean="0">
+            <a:pPr algn="just"/>
+            <a:r>
+              <a:rPr lang="en-US" dirty="0">
                 <a:solidFill>
                   <a:schemeClr val="lt1"/>
                 </a:solidFill>
@@ -4016,7 +4037,7 @@
               </a:rPr>
               <a:t>The stacked bar chart of normalized data from 1980 to 2014 visually showcases trends over the years. Observing how countries' electricity production indicators have evolved provides valuable insights into changing energy landscapes.</a:t>
             </a:r>
-            <a:endParaRPr lang="en-IN" dirty="0" smtClean="0">
+            <a:endParaRPr lang="en-IN" dirty="0">
               <a:solidFill>
                 <a:schemeClr val="lt1"/>
               </a:solidFill>
@@ -4027,7 +4048,7 @@
           </a:p>
           <a:p>
             <a:r>
-              <a:rPr lang="en-US" dirty="0" smtClean="0">
+              <a:rPr lang="en-US" dirty="0">
                 <a:solidFill>
                   <a:schemeClr val="lt1"/>
                 </a:solidFill>
@@ -4037,7 +4058,7 @@
               </a:rPr>
               <a:t>Example Interpretation (for Canada):</a:t>
             </a:r>
-            <a:endParaRPr lang="en-IN" dirty="0" smtClean="0">
+            <a:endParaRPr lang="en-IN" dirty="0">
               <a:solidFill>
                 <a:schemeClr val="lt1"/>
               </a:solidFill>
@@ -4048,7 +4069,7 @@
           </a:p>
           <a:p>
             <a:r>
-              <a:rPr lang="en-US" dirty="0" smtClean="0">
+              <a:rPr lang="en-US" dirty="0">
                 <a:solidFill>
                   <a:schemeClr val="lt1"/>
                 </a:solidFill>
@@ -4058,14 +4079,6 @@
               </a:rPr>
               <a:t>The chart indicates an upward trend in hydroelectric sources from 1980 to 2014, potentially reflecting a shift towards cleaner energy sources.</a:t>
             </a:r>
-            <a:endParaRPr lang="en-US" dirty="0" smtClean="0">
-              <a:solidFill>
-                <a:schemeClr val="lt1"/>
-              </a:solidFill>
-              <a:latin typeface="Calibri" panose="020F0502020204030204" pitchFamily="34" charset="0"/>
-              <a:ea typeface="Calibri" panose="020F0502020204030204" pitchFamily="34" charset="0"/>
-              <a:cs typeface="Calibri" panose="020F0502020204030204" pitchFamily="34" charset="0"/>
-            </a:endParaRPr>
           </a:p>
         </p:txBody>
       </p:sp>
@@ -4217,7 +4230,7 @@
           <a:p>
             <a:pPr algn="just"/>
             <a:r>
-              <a:rPr lang="en-US" b="1" dirty="0" smtClean="0">
+              <a:rPr lang="en-US" b="1" dirty="0">
                 <a:latin typeface="Calibri" panose="020F0502020204030204" pitchFamily="34" charset="0"/>
                 <a:ea typeface="Calibri" panose="020F0502020204030204" pitchFamily="34" charset="0"/>
                 <a:cs typeface="Calibri" panose="020F0502020204030204" pitchFamily="34" charset="0"/>
@@ -4228,7 +4241,7 @@
           <a:p>
             <a:pPr algn="just"/>
             <a:r>
-              <a:rPr lang="en-US" dirty="0" smtClean="0">
+              <a:rPr lang="en-US" dirty="0">
                 <a:latin typeface="Calibri" panose="020F0502020204030204" pitchFamily="34" charset="0"/>
                 <a:ea typeface="Calibri" panose="020F0502020204030204" pitchFamily="34" charset="0"/>
                 <a:cs typeface="Calibri" panose="020F0502020204030204" pitchFamily="34" charset="0"/>
@@ -4283,7 +4296,7 @@
           <a:p>
             <a:pPr algn="l"/>
             <a:r>
-              <a:rPr lang="en-US" dirty="0" err="1" smtClean="0">
+              <a:rPr lang="en-US" dirty="0" err="1">
                 <a:solidFill>
                   <a:schemeClr val="tx1"/>
                 </a:solidFill>
@@ -4291,7 +4304,7 @@
               <a:t>GitLink</a:t>
             </a:r>
             <a:r>
-              <a:rPr lang="en-US" dirty="0" smtClean="0">
+              <a:rPr lang="en-US" dirty="0">
                 <a:solidFill>
                   <a:schemeClr val="tx1"/>
                 </a:solidFill>
@@ -4311,13 +4324,6 @@
   <p:clrMapOvr>
     <a:masterClrMapping/>
   </p:clrMapOvr>
-  <p:timing>
-    <p:tnLst>
-      <p:par>
-        <p:cTn id="1" dur="indefinite" restart="never" nodeType="tmRoot"/>
-      </p:par>
-    </p:tnLst>
-  </p:timing>
 </p:sld>
 </file>
 

--- a/Clustering&Fitting.pptx
+++ b/Clustering&Fitting.pptx
@@ -2,7 +2,7 @@
 <file path=ppt/presentation.xml><?xml version="1.0" encoding="utf-8"?>
 <p:presentation xmlns:a="http://schemas.openxmlformats.org/drawingml/2006/main" xmlns:r="http://schemas.openxmlformats.org/officeDocument/2006/relationships" xmlns:p="http://schemas.openxmlformats.org/presentationml/2006/main">
   <p:sldMasterIdLst>
-    <p:sldMasterId id="2147483954" r:id="rId1"/>
+    <p:sldMasterId id="2147483996" r:id="rId1"/>
   </p:sldMasterIdLst>
   <p:sldIdLst>
     <p:sldId id="256" r:id="rId2"/>
@@ -11,8 +11,98 @@
   <p:notesSz cx="13995400" cy="20104100"/>
   <p:defaultTextStyle>
     <a:defPPr>
-      <a:defRPr kern="0"/>
+      <a:defRPr lang="en-US"/>
     </a:defPPr>
+    <a:lvl1pPr marL="0" algn="l" defTabSz="457200" rtl="0" eaLnBrk="1" latinLnBrk="0" hangingPunct="1">
+      <a:defRPr sz="1800" kern="1200">
+        <a:solidFill>
+          <a:schemeClr val="tx1"/>
+        </a:solidFill>
+        <a:latin typeface="+mn-lt"/>
+        <a:ea typeface="+mn-ea"/>
+        <a:cs typeface="+mn-cs"/>
+      </a:defRPr>
+    </a:lvl1pPr>
+    <a:lvl2pPr marL="457200" algn="l" defTabSz="457200" rtl="0" eaLnBrk="1" latinLnBrk="0" hangingPunct="1">
+      <a:defRPr sz="1800" kern="1200">
+        <a:solidFill>
+          <a:schemeClr val="tx1"/>
+        </a:solidFill>
+        <a:latin typeface="+mn-lt"/>
+        <a:ea typeface="+mn-ea"/>
+        <a:cs typeface="+mn-cs"/>
+      </a:defRPr>
+    </a:lvl2pPr>
+    <a:lvl3pPr marL="914400" algn="l" defTabSz="457200" rtl="0" eaLnBrk="1" latinLnBrk="0" hangingPunct="1">
+      <a:defRPr sz="1800" kern="1200">
+        <a:solidFill>
+          <a:schemeClr val="tx1"/>
+        </a:solidFill>
+        <a:latin typeface="+mn-lt"/>
+        <a:ea typeface="+mn-ea"/>
+        <a:cs typeface="+mn-cs"/>
+      </a:defRPr>
+    </a:lvl3pPr>
+    <a:lvl4pPr marL="1371600" algn="l" defTabSz="457200" rtl="0" eaLnBrk="1" latinLnBrk="0" hangingPunct="1">
+      <a:defRPr sz="1800" kern="1200">
+        <a:solidFill>
+          <a:schemeClr val="tx1"/>
+        </a:solidFill>
+        <a:latin typeface="+mn-lt"/>
+        <a:ea typeface="+mn-ea"/>
+        <a:cs typeface="+mn-cs"/>
+      </a:defRPr>
+    </a:lvl4pPr>
+    <a:lvl5pPr marL="1828800" algn="l" defTabSz="457200" rtl="0" eaLnBrk="1" latinLnBrk="0" hangingPunct="1">
+      <a:defRPr sz="1800" kern="1200">
+        <a:solidFill>
+          <a:schemeClr val="tx1"/>
+        </a:solidFill>
+        <a:latin typeface="+mn-lt"/>
+        <a:ea typeface="+mn-ea"/>
+        <a:cs typeface="+mn-cs"/>
+      </a:defRPr>
+    </a:lvl5pPr>
+    <a:lvl6pPr marL="2286000" algn="l" defTabSz="457200" rtl="0" eaLnBrk="1" latinLnBrk="0" hangingPunct="1">
+      <a:defRPr sz="1800" kern="1200">
+        <a:solidFill>
+          <a:schemeClr val="tx1"/>
+        </a:solidFill>
+        <a:latin typeface="+mn-lt"/>
+        <a:ea typeface="+mn-ea"/>
+        <a:cs typeface="+mn-cs"/>
+      </a:defRPr>
+    </a:lvl6pPr>
+    <a:lvl7pPr marL="2743200" algn="l" defTabSz="457200" rtl="0" eaLnBrk="1" latinLnBrk="0" hangingPunct="1">
+      <a:defRPr sz="1800" kern="1200">
+        <a:solidFill>
+          <a:schemeClr val="tx1"/>
+        </a:solidFill>
+        <a:latin typeface="+mn-lt"/>
+        <a:ea typeface="+mn-ea"/>
+        <a:cs typeface="+mn-cs"/>
+      </a:defRPr>
+    </a:lvl7pPr>
+    <a:lvl8pPr marL="3200400" algn="l" defTabSz="457200" rtl="0" eaLnBrk="1" latinLnBrk="0" hangingPunct="1">
+      <a:defRPr sz="1800" kern="1200">
+        <a:solidFill>
+          <a:schemeClr val="tx1"/>
+        </a:solidFill>
+        <a:latin typeface="+mn-lt"/>
+        <a:ea typeface="+mn-ea"/>
+        <a:cs typeface="+mn-cs"/>
+      </a:defRPr>
+    </a:lvl8pPr>
+    <a:lvl9pPr marL="3657600" algn="l" defTabSz="457200" rtl="0" eaLnBrk="1" latinLnBrk="0" hangingPunct="1">
+      <a:defRPr sz="1800" kern="1200">
+        <a:solidFill>
+          <a:schemeClr val="tx1"/>
+        </a:solidFill>
+        <a:latin typeface="+mn-lt"/>
+        <a:ea typeface="+mn-ea"/>
+        <a:cs typeface="+mn-cs"/>
+      </a:defRPr>
+    </a:lvl9pPr>
   </p:defaultTextStyle>
   <p:extLst>
     <p:ext uri="{EFAFB233-063F-42B5-8137-9DF3F51BA10A}">
@@ -37,19 +127,19 @@
 <pc:chgInfo xmlns:a="http://schemas.openxmlformats.org/drawingml/2006/main" xmlns:r="http://schemas.openxmlformats.org/officeDocument/2006/relationships" xmlns:ac="http://schemas.microsoft.com/office/drawing/2013/main/command" xmlns:pc="http://schemas.microsoft.com/office/powerpoint/2013/main/command">
   <pc:docChgLst>
     <pc:chgData name="Sandra Binu" userId="c8fad9f44ee715b9" providerId="LiveId" clId="{B0312706-2560-42DF-9FE8-D09B28FD6F55}"/>
-    <pc:docChg chg="modSld">
-      <pc:chgData name="Sandra Binu" userId="c8fad9f44ee715b9" providerId="LiveId" clId="{B0312706-2560-42DF-9FE8-D09B28FD6F55}" dt="2024-01-18T11:01:23.489" v="3" actId="123"/>
+    <pc:docChg chg="undo custSel addSld delSld modSld">
+      <pc:chgData name="Sandra Binu" userId="c8fad9f44ee715b9" providerId="LiveId" clId="{B0312706-2560-42DF-9FE8-D09B28FD6F55}" dt="2024-01-18T17:34:30.787" v="345" actId="404"/>
       <pc:docMkLst>
         <pc:docMk/>
       </pc:docMkLst>
-      <pc:sldChg chg="modSp mod">
-        <pc:chgData name="Sandra Binu" userId="c8fad9f44ee715b9" providerId="LiveId" clId="{B0312706-2560-42DF-9FE8-D09B28FD6F55}" dt="2024-01-18T11:01:23.489" v="3" actId="123"/>
+      <pc:sldChg chg="addSp delSp modSp mod">
+        <pc:chgData name="Sandra Binu" userId="c8fad9f44ee715b9" providerId="LiveId" clId="{B0312706-2560-42DF-9FE8-D09B28FD6F55}" dt="2024-01-18T17:34:30.787" v="345" actId="404"/>
         <pc:sldMkLst>
           <pc:docMk/>
           <pc:sldMk cId="0" sldId="256"/>
         </pc:sldMkLst>
         <pc:spChg chg="mod">
-          <ac:chgData name="Sandra Binu" userId="c8fad9f44ee715b9" providerId="LiveId" clId="{B0312706-2560-42DF-9FE8-D09B28FD6F55}" dt="2024-01-18T11:00:59.916" v="0" actId="122"/>
+          <ac:chgData name="Sandra Binu" userId="c8fad9f44ee715b9" providerId="LiveId" clId="{B0312706-2560-42DF-9FE8-D09B28FD6F55}" dt="2024-01-18T16:27:56.488" v="209" actId="207"/>
           <ac:spMkLst>
             <pc:docMk/>
             <pc:sldMk cId="0" sldId="256"/>
@@ -57,7 +147,79 @@
           </ac:spMkLst>
         </pc:spChg>
         <pc:spChg chg="mod">
-          <ac:chgData name="Sandra Binu" userId="c8fad9f44ee715b9" providerId="LiveId" clId="{B0312706-2560-42DF-9FE8-D09B28FD6F55}" dt="2024-01-18T11:01:23.489" v="3" actId="123"/>
+          <ac:chgData name="Sandra Binu" userId="c8fad9f44ee715b9" providerId="LiveId" clId="{B0312706-2560-42DF-9FE8-D09B28FD6F55}" dt="2024-01-18T17:32:00.366" v="340" actId="14100"/>
+          <ac:spMkLst>
+            <pc:docMk/>
+            <pc:sldMk cId="0" sldId="256"/>
+            <ac:spMk id="3" creationId="{00000000-0000-0000-0000-000000000000}"/>
+          </ac:spMkLst>
+        </pc:spChg>
+        <pc:spChg chg="mod">
+          <ac:chgData name="Sandra Binu" userId="c8fad9f44ee715b9" providerId="LiveId" clId="{B0312706-2560-42DF-9FE8-D09B28FD6F55}" dt="2024-01-18T17:34:30.787" v="345" actId="404"/>
+          <ac:spMkLst>
+            <pc:docMk/>
+            <pc:sldMk cId="0" sldId="256"/>
+            <ac:spMk id="4" creationId="{00000000-0000-0000-0000-000000000000}"/>
+          </ac:spMkLst>
+        </pc:spChg>
+        <pc:spChg chg="add del">
+          <ac:chgData name="Sandra Binu" userId="c8fad9f44ee715b9" providerId="LiveId" clId="{B0312706-2560-42DF-9FE8-D09B28FD6F55}" dt="2024-01-18T16:30:50.961" v="212" actId="478"/>
+          <ac:spMkLst>
+            <pc:docMk/>
+            <pc:sldMk cId="0" sldId="256"/>
+            <ac:spMk id="5" creationId="{AF5CC101-1298-3891-4743-F32310A70C50}"/>
+          </ac:spMkLst>
+        </pc:spChg>
+        <pc:spChg chg="add del">
+          <ac:chgData name="Sandra Binu" userId="c8fad9f44ee715b9" providerId="LiveId" clId="{B0312706-2560-42DF-9FE8-D09B28FD6F55}" dt="2024-01-18T16:37:17.066" v="240" actId="478"/>
+          <ac:spMkLst>
+            <pc:docMk/>
+            <pc:sldMk cId="0" sldId="256"/>
+            <ac:spMk id="6" creationId="{FD2A3394-3484-A97B-94C6-EF6D11DEDA92}"/>
+          </ac:spMkLst>
+        </pc:spChg>
+        <pc:spChg chg="add del">
+          <ac:chgData name="Sandra Binu" userId="c8fad9f44ee715b9" providerId="LiveId" clId="{B0312706-2560-42DF-9FE8-D09B28FD6F55}" dt="2024-01-18T16:43:21.644" v="264" actId="478"/>
+          <ac:spMkLst>
+            <pc:docMk/>
+            <pc:sldMk cId="0" sldId="256"/>
+            <ac:spMk id="7" creationId="{28A1A9D8-9C0E-96DA-42A4-481A3FF88C00}"/>
+          </ac:spMkLst>
+        </pc:spChg>
+        <pc:spChg chg="mod">
+          <ac:chgData name="Sandra Binu" userId="c8fad9f44ee715b9" providerId="LiveId" clId="{B0312706-2560-42DF-9FE8-D09B28FD6F55}" dt="2024-01-18T17:30:22.240" v="329" actId="1076"/>
+          <ac:spMkLst>
+            <pc:docMk/>
+            <pc:sldMk cId="0" sldId="256"/>
+            <ac:spMk id="31" creationId="{00000000-0000-0000-0000-000000000000}"/>
+          </ac:spMkLst>
+        </pc:spChg>
+        <pc:spChg chg="del mod">
+          <ac:chgData name="Sandra Binu" userId="c8fad9f44ee715b9" providerId="LiveId" clId="{B0312706-2560-42DF-9FE8-D09B28FD6F55}" dt="2024-01-18T16:34:45.350" v="230" actId="478"/>
+          <ac:spMkLst>
+            <pc:docMk/>
+            <pc:sldMk cId="0" sldId="256"/>
+            <ac:spMk id="32" creationId="{00000000-0000-0000-0000-000000000000}"/>
+          </ac:spMkLst>
+        </pc:spChg>
+        <pc:spChg chg="mod">
+          <ac:chgData name="Sandra Binu" userId="c8fad9f44ee715b9" providerId="LiveId" clId="{B0312706-2560-42DF-9FE8-D09B28FD6F55}" dt="2024-01-18T17:30:58.624" v="333" actId="1076"/>
+          <ac:spMkLst>
+            <pc:docMk/>
+            <pc:sldMk cId="0" sldId="256"/>
+            <ac:spMk id="33" creationId="{00000000-0000-0000-0000-000000000000}"/>
+          </ac:spMkLst>
+        </pc:spChg>
+        <pc:spChg chg="mod">
+          <ac:chgData name="Sandra Binu" userId="c8fad9f44ee715b9" providerId="LiveId" clId="{B0312706-2560-42DF-9FE8-D09B28FD6F55}" dt="2024-01-18T17:33:18.420" v="343" actId="1076"/>
+          <ac:spMkLst>
+            <pc:docMk/>
+            <pc:sldMk cId="0" sldId="256"/>
+            <ac:spMk id="34" creationId="{00000000-0000-0000-0000-000000000000}"/>
+          </ac:spMkLst>
+        </pc:spChg>
+        <pc:spChg chg="mod">
+          <ac:chgData name="Sandra Binu" userId="c8fad9f44ee715b9" providerId="LiveId" clId="{B0312706-2560-42DF-9FE8-D09B28FD6F55}" dt="2024-01-18T17:26:28.779" v="296" actId="1076"/>
           <ac:spMkLst>
             <pc:docMk/>
             <pc:sldMk cId="0" sldId="256"/>
@@ -65,7 +227,7 @@
           </ac:spMkLst>
         </pc:spChg>
         <pc:spChg chg="mod">
-          <ac:chgData name="Sandra Binu" userId="c8fad9f44ee715b9" providerId="LiveId" clId="{B0312706-2560-42DF-9FE8-D09B28FD6F55}" dt="2024-01-18T11:01:17.502" v="2" actId="123"/>
+          <ac:chgData name="Sandra Binu" userId="c8fad9f44ee715b9" providerId="LiveId" clId="{B0312706-2560-42DF-9FE8-D09B28FD6F55}" dt="2024-01-18T17:31:11.884" v="334" actId="1076"/>
           <ac:spMkLst>
             <pc:docMk/>
             <pc:sldMk cId="0" sldId="256"/>
@@ -73,11 +235,74 @@
           </ac:spMkLst>
         </pc:spChg>
         <pc:spChg chg="mod">
-          <ac:chgData name="Sandra Binu" userId="c8fad9f44ee715b9" providerId="LiveId" clId="{B0312706-2560-42DF-9FE8-D09B28FD6F55}" dt="2024-01-18T11:01:10.961" v="1" actId="123"/>
+          <ac:chgData name="Sandra Binu" userId="c8fad9f44ee715b9" providerId="LiveId" clId="{B0312706-2560-42DF-9FE8-D09B28FD6F55}" dt="2024-01-18T16:40:57.991" v="254" actId="14100"/>
           <ac:spMkLst>
             <pc:docMk/>
             <pc:sldMk cId="0" sldId="256"/>
             <ac:spMk id="37" creationId="{00000000-0000-0000-0000-000000000000}"/>
+          </ac:spMkLst>
+        </pc:spChg>
+        <pc:spChg chg="mod">
+          <ac:chgData name="Sandra Binu" userId="c8fad9f44ee715b9" providerId="LiveId" clId="{B0312706-2560-42DF-9FE8-D09B28FD6F55}" dt="2024-01-18T17:31:32.691" v="336" actId="14100"/>
+          <ac:spMkLst>
+            <pc:docMk/>
+            <pc:sldMk cId="0" sldId="256"/>
+            <ac:spMk id="38" creationId="{00000000-0000-0000-0000-000000000000}"/>
+          </ac:spMkLst>
+        </pc:spChg>
+        <pc:spChg chg="mod">
+          <ac:chgData name="Sandra Binu" userId="c8fad9f44ee715b9" providerId="LiveId" clId="{B0312706-2560-42DF-9FE8-D09B28FD6F55}" dt="2024-01-18T16:51:54.719" v="285" actId="1076"/>
+          <ac:spMkLst>
+            <pc:docMk/>
+            <pc:sldMk cId="0" sldId="256"/>
+            <ac:spMk id="39" creationId="{00000000-0000-0000-0000-000000000000}"/>
+          </ac:spMkLst>
+        </pc:spChg>
+        <pc:picChg chg="add mod">
+          <ac:chgData name="Sandra Binu" userId="c8fad9f44ee715b9" providerId="LiveId" clId="{B0312706-2560-42DF-9FE8-D09B28FD6F55}" dt="2024-01-18T17:26:53.706" v="298" actId="14100"/>
+          <ac:picMkLst>
+            <pc:docMk/>
+            <pc:sldMk cId="0" sldId="256"/>
+            <ac:picMk id="9" creationId="{32512E36-5CE1-89D5-5909-D64BFBF1EA69}"/>
+          </ac:picMkLst>
+        </pc:picChg>
+        <pc:picChg chg="mod">
+          <ac:chgData name="Sandra Binu" userId="c8fad9f44ee715b9" providerId="LiveId" clId="{B0312706-2560-42DF-9FE8-D09B28FD6F55}" dt="2024-01-18T17:33:04.558" v="342" actId="14100"/>
+          <ac:picMkLst>
+            <pc:docMk/>
+            <pc:sldMk cId="0" sldId="256"/>
+            <ac:picMk id="1027" creationId="{00000000-0000-0000-0000-000000000000}"/>
+          </ac:picMkLst>
+        </pc:picChg>
+        <pc:picChg chg="mod">
+          <ac:chgData name="Sandra Binu" userId="c8fad9f44ee715b9" providerId="LiveId" clId="{B0312706-2560-42DF-9FE8-D09B28FD6F55}" dt="2024-01-18T17:25:40.098" v="293" actId="14826"/>
+          <ac:picMkLst>
+            <pc:docMk/>
+            <pc:sldMk cId="0" sldId="256"/>
+            <ac:picMk id="1028" creationId="{00000000-0000-0000-0000-000000000000}"/>
+          </ac:picMkLst>
+        </pc:picChg>
+        <pc:picChg chg="del mod">
+          <ac:chgData name="Sandra Binu" userId="c8fad9f44ee715b9" providerId="LiveId" clId="{B0312706-2560-42DF-9FE8-D09B28FD6F55}" dt="2024-01-18T16:33:51.110" v="225" actId="478"/>
+          <ac:picMkLst>
+            <pc:docMk/>
+            <pc:sldMk cId="0" sldId="256"/>
+            <ac:picMk id="1029" creationId="{00000000-0000-0000-0000-000000000000}"/>
+          </ac:picMkLst>
+        </pc:picChg>
+      </pc:sldChg>
+      <pc:sldChg chg="modSp new del mod">
+        <pc:chgData name="Sandra Binu" userId="c8fad9f44ee715b9" providerId="LiveId" clId="{B0312706-2560-42DF-9FE8-D09B28FD6F55}" dt="2024-01-18T14:00:22.307" v="8" actId="47"/>
+        <pc:sldMkLst>
+          <pc:docMk/>
+          <pc:sldMk cId="3070389850" sldId="257"/>
+        </pc:sldMkLst>
+        <pc:spChg chg="mod">
+          <ac:chgData name="Sandra Binu" userId="c8fad9f44ee715b9" providerId="LiveId" clId="{B0312706-2560-42DF-9FE8-D09B28FD6F55}" dt="2024-01-18T14:00:03.684" v="7"/>
+          <ac:spMkLst>
+            <pc:docMk/>
+            <pc:sldMk cId="3070389850" sldId="257"/>
+            <ac:spMk id="2" creationId="{88000B1B-6467-356D-C008-8DFA321F6D0E}"/>
           </ac:spMkLst>
         </pc:spChg>
       </pc:sldChg>
@@ -87,7 +312,7 @@
 </file>
 
 <file path=ppt/slideLayouts/slideLayout1.xml><?xml version="1.0" encoding="utf-8"?>
-<p:sldLayout xmlns:a="http://schemas.openxmlformats.org/drawingml/2006/main" xmlns:r="http://schemas.openxmlformats.org/officeDocument/2006/relationships" xmlns:p="http://schemas.openxmlformats.org/presentationml/2006/main" showMasterSp="0" type="title" preserve="1">
+<p:sldLayout xmlns:a="http://schemas.openxmlformats.org/drawingml/2006/main" xmlns:r="http://schemas.openxmlformats.org/officeDocument/2006/relationships" xmlns:p="http://schemas.openxmlformats.org/presentationml/2006/main" type="title" preserve="1">
   <p:cSld name="Title Slide">
     <p:spTree>
       <p:nvGrpSpPr>
@@ -105,57 +330,7 @@
       </p:grpSpPr>
       <p:sp>
         <p:nvSpPr>
-          <p:cNvPr id="7" name="Straight Connector 6"/>
-          <p:cNvSpPr>
-            <a:spLocks noChangeShapeType="1"/>
-          </p:cNvSpPr>
-          <p:nvPr/>
-        </p:nvSpPr>
-        <p:spPr bwMode="auto">
-          <a:xfrm>
-            <a:off x="787241" y="15683140"/>
-            <a:ext cx="13208159" cy="6980"/>
-          </a:xfrm>
-          <a:prstGeom prst="line">
-            <a:avLst/>
-          </a:prstGeom>
-          <a:noFill/>
-          <a:ln w="9525" cap="flat" cmpd="sng" algn="ctr">
-            <a:gradFill flip="none" rotWithShape="1">
-              <a:gsLst>
-                <a:gs pos="0">
-                  <a:schemeClr val="accent1">
-                    <a:alpha val="0"/>
-                  </a:schemeClr>
-                </a:gs>
-                <a:gs pos="17000">
-                  <a:schemeClr val="accent1"/>
-                </a:gs>
-                <a:gs pos="100000">
-                  <a:schemeClr val="accent1"/>
-                </a:gs>
-              </a:gsLst>
-              <a:lin ang="0" scaled="1"/>
-              <a:tileRect/>
-            </a:gradFill>
-            <a:prstDash val="solid"/>
-            <a:round/>
-            <a:headEnd type="none" w="med" len="med"/>
-            <a:tailEnd type="none" w="med" len="med"/>
-          </a:ln>
-          <a:effectLst/>
-        </p:spPr>
-        <p:txBody>
-          <a:bodyPr vert="horz" wrap="square" lIns="194849" tIns="97425" rIns="194849" bIns="97425" anchor="t" compatLnSpc="1"/>
-          <a:lstStyle/>
-          <a:p>
-            <a:endParaRPr kumimoji="0" lang="en-US" dirty="0"/>
-          </a:p>
-        </p:txBody>
-      </p:sp>
-      <p:sp>
-        <p:nvSpPr>
-          <p:cNvPr id="29" name="Title 28"/>
+          <p:cNvPr id="2" name="Title 1"/>
           <p:cNvSpPr>
             <a:spLocks noGrp="1"/>
           </p:cNvSpPr>
@@ -165,24 +340,63 @@
         </p:nvSpPr>
         <p:spPr>
           <a:xfrm>
-            <a:off x="583142" y="14227686"/>
-            <a:ext cx="12945745" cy="3583370"/>
+            <a:off x="2536666" y="13086216"/>
+            <a:ext cx="10496550" cy="3502094"/>
           </a:xfrm>
         </p:spPr>
         <p:txBody>
-          <a:bodyPr anchor="t"/>
-          <a:lstStyle/>
-          <a:p>
-            <a:r>
-              <a:rPr kumimoji="0" lang="en-US"/>
+          <a:bodyPr wrap="none" anchor="t">
+            <a:normAutofit/>
+          </a:bodyPr>
+          <a:lstStyle>
+            <a:lvl1pPr algn="r">
+              <a:defRPr sz="11020" b="0" spc="-344">
+                <a:gradFill flip="none" rotWithShape="1">
+                  <a:gsLst>
+                    <a:gs pos="32000">
+                      <a:schemeClr val="tx1">
+                        <a:lumMod val="89000"/>
+                      </a:schemeClr>
+                    </a:gs>
+                    <a:gs pos="1000">
+                      <a:schemeClr val="bg1">
+                        <a:lumMod val="41000"/>
+                        <a:lumOff val="59000"/>
+                      </a:schemeClr>
+                    </a:gs>
+                    <a:gs pos="100000">
+                      <a:schemeClr val="tx2">
+                        <a:lumMod val="0"/>
+                        <a:lumOff val="100000"/>
+                      </a:schemeClr>
+                    </a:gs>
+                  </a:gsLst>
+                  <a:lin ang="8100000" scaled="1"/>
+                  <a:tileRect/>
+                </a:gradFill>
+                <a:effectLst>
+                  <a:outerShdw blurRad="469900" dist="342900" dir="5400000" sy="-20000" rotWithShape="0">
+                    <a:prstClr val="black">
+                      <a:alpha val="66000"/>
+                    </a:prstClr>
+                  </a:outerShdw>
+                </a:effectLst>
+                <a:latin typeface="+mj-lt"/>
+              </a:defRPr>
+            </a:lvl1pPr>
+          </a:lstStyle>
+          <a:p>
+            <a:r>
+              <a:rPr lang="en-US"/>
               <a:t>Click to edit Master title style</a:t>
             </a:r>
-          </a:p>
-        </p:txBody>
-      </p:sp>
-      <p:sp>
-        <p:nvSpPr>
-          <p:cNvPr id="9" name="Subtitle 8"/>
+            <a:endParaRPr lang="en-US" dirty="0"/>
+          </a:p>
+        </p:txBody>
+      </p:sp>
+      <p:sp>
+        <p:nvSpPr>
+          <p:cNvPr id="3" name="Subtitle 2"/>
           <p:cNvSpPr>
             <a:spLocks noGrp="1"/>
           </p:cNvSpPr>
@@ -192,59 +406,93 @@
         </p:nvSpPr>
         <p:spPr>
           <a:xfrm>
-            <a:off x="583142" y="11392323"/>
-            <a:ext cx="12945745" cy="2680547"/>
+            <a:off x="2536665" y="11227218"/>
+            <a:ext cx="10496550" cy="1813189"/>
           </a:xfrm>
         </p:spPr>
         <p:txBody>
-          <a:bodyPr anchor="b"/>
+          <a:bodyPr anchor="b">
+            <a:normAutofit/>
+          </a:bodyPr>
           <a:lstStyle>
-            <a:lvl1pPr marL="0" indent="0" algn="l">
-              <a:buNone/>
-              <a:defRPr sz="5100">
-                <a:solidFill>
-                  <a:schemeClr val="tx2">
-                    <a:shade val="75000"/>
-                  </a:schemeClr>
-                </a:solidFill>
+            <a:lvl1pPr marL="0" indent="0" algn="r">
+              <a:buNone/>
+              <a:defRPr sz="3673" b="0">
+                <a:gradFill flip="none" rotWithShape="1">
+                  <a:gsLst>
+                    <a:gs pos="15000">
+                      <a:schemeClr val="tx2"/>
+                    </a:gs>
+                    <a:gs pos="73000">
+                      <a:schemeClr val="tx2">
+                        <a:lumMod val="60000"/>
+                        <a:lumOff val="40000"/>
+                      </a:schemeClr>
+                    </a:gs>
+                    <a:gs pos="0">
+                      <a:schemeClr val="tx2">
+                        <a:lumMod val="90000"/>
+                        <a:lumOff val="10000"/>
+                      </a:schemeClr>
+                    </a:gs>
+                    <a:gs pos="100000">
+                      <a:schemeClr val="tx2">
+                        <a:lumMod val="0"/>
+                        <a:lumOff val="100000"/>
+                      </a:schemeClr>
+                    </a:gs>
+                  </a:gsLst>
+                  <a:lin ang="16200000" scaled="1"/>
+                  <a:tileRect/>
+                </a:gradFill>
+                <a:latin typeface="+mj-lt"/>
               </a:defRPr>
             </a:lvl1pPr>
-            <a:lvl2pPr marL="974247" indent="0" algn="ctr">
-              <a:buNone/>
+            <a:lvl2pPr marL="524843" indent="0" algn="ctr">
+              <a:buNone/>
+              <a:defRPr sz="2296"/>
             </a:lvl2pPr>
-            <a:lvl3pPr marL="1948495" indent="0" algn="ctr">
-              <a:buNone/>
+            <a:lvl3pPr marL="1049685" indent="0" algn="ctr">
+              <a:buNone/>
+              <a:defRPr sz="2066"/>
             </a:lvl3pPr>
-            <a:lvl4pPr marL="2922742" indent="0" algn="ctr">
-              <a:buNone/>
+            <a:lvl4pPr marL="1574528" indent="0" algn="ctr">
+              <a:buNone/>
+              <a:defRPr sz="1837"/>
             </a:lvl4pPr>
-            <a:lvl5pPr marL="3896990" indent="0" algn="ctr">
-              <a:buNone/>
+            <a:lvl5pPr marL="2099371" indent="0" algn="ctr">
+              <a:buNone/>
+              <a:defRPr sz="1837"/>
             </a:lvl5pPr>
-            <a:lvl6pPr marL="4871237" indent="0" algn="ctr">
-              <a:buNone/>
+            <a:lvl6pPr marL="2624214" indent="0" algn="ctr">
+              <a:buNone/>
+              <a:defRPr sz="1837"/>
             </a:lvl6pPr>
-            <a:lvl7pPr marL="5845485" indent="0" algn="ctr">
-              <a:buNone/>
+            <a:lvl7pPr marL="3149056" indent="0" algn="ctr">
+              <a:buNone/>
+              <a:defRPr sz="1837"/>
             </a:lvl7pPr>
-            <a:lvl8pPr marL="6819732" indent="0" algn="ctr">
-              <a:buNone/>
+            <a:lvl8pPr marL="3673899" indent="0" algn="ctr">
+              <a:buNone/>
+              <a:defRPr sz="1837"/>
             </a:lvl8pPr>
-            <a:lvl9pPr marL="7793980" indent="0" algn="ctr">
-              <a:buNone/>
+            <a:lvl9pPr marL="4198742" indent="0" algn="ctr">
+              <a:buNone/>
+              <a:defRPr sz="1837"/>
             </a:lvl9pPr>
           </a:lstStyle>
           <a:p>
             <a:r>
-              <a:rPr kumimoji="0" lang="en-US"/>
+              <a:rPr lang="en-US"/>
               <a:t>Click to edit Master subtitle style</a:t>
             </a:r>
-          </a:p>
-        </p:txBody>
-      </p:sp>
-      <p:sp>
-        <p:nvSpPr>
-          <p:cNvPr id="16" name="Date Placeholder 15"/>
+            <a:endParaRPr lang="en-US" dirty="0"/>
+          </a:p>
+        </p:txBody>
+      </p:sp>
+      <p:sp>
+        <p:nvSpPr>
+          <p:cNvPr id="7" name="Date Placeholder 6"/>
           <p:cNvSpPr>
             <a:spLocks noGrp="1"/>
           </p:cNvSpPr>
@@ -267,7 +515,7 @@
       </p:sp>
       <p:sp>
         <p:nvSpPr>
-          <p:cNvPr id="2" name="Footer Placeholder 1"/>
+          <p:cNvPr id="8" name="Footer Placeholder 7"/>
           <p:cNvSpPr>
             <a:spLocks noGrp="1"/>
           </p:cNvSpPr>
@@ -286,7 +534,7 @@
       </p:sp>
       <p:sp>
         <p:nvSpPr>
-          <p:cNvPr id="15" name="Slide Number Placeholder 14"/>
+          <p:cNvPr id="9" name="Slide Number Placeholder 8"/>
           <p:cNvSpPr>
             <a:spLocks noGrp="1"/>
           </p:cNvSpPr>
@@ -294,12 +542,7 @@
             <p:ph type="sldNum" sz="quarter" idx="12"/>
           </p:nvPr>
         </p:nvSpPr>
-        <p:spPr>
-          <a:xfrm>
-            <a:off x="12595860" y="18978270"/>
-            <a:ext cx="1161618" cy="723748"/>
-          </a:xfrm>
-        </p:spPr>
+        <p:spPr/>
         <p:txBody>
           <a:bodyPr/>
           <a:lstStyle/>
@@ -313,6 +556,11 @@
         </p:txBody>
       </p:sp>
     </p:spTree>
+    <p:extLst>
+      <p:ext uri="{BB962C8B-B14F-4D97-AF65-F5344CB8AC3E}">
+        <p14:creationId xmlns:p14="http://schemas.microsoft.com/office/powerpoint/2010/main" val="488577661"/>
+      </p:ext>
+    </p:extLst>
   </p:cSld>
   <p:clrMapOvr>
     <a:masterClrMapping/>
@@ -321,6 +569,2543 @@
 </file>
 
 <file path=ppt/slideLayouts/slideLayout10.xml><?xml version="1.0" encoding="utf-8"?>
+<p:sldLayout xmlns:a="http://schemas.openxmlformats.org/drawingml/2006/main" xmlns:r="http://schemas.openxmlformats.org/officeDocument/2006/relationships" xmlns:p="http://schemas.openxmlformats.org/presentationml/2006/main" preserve="1">
+  <p:cSld name="Panoramic Picture with Caption">
+    <p:spTree>
+      <p:nvGrpSpPr>
+        <p:cNvPr id="1" name=""/>
+        <p:cNvGrpSpPr/>
+        <p:nvPr/>
+      </p:nvGrpSpPr>
+      <p:grpSpPr>
+        <a:xfrm>
+          <a:off x="0" y="0"/>
+          <a:ext cx="0" cy="0"/>
+          <a:chOff x="0" y="0"/>
+          <a:chExt cx="0" cy="0"/>
+        </a:xfrm>
+      </p:grpSpPr>
+      <p:sp>
+        <p:nvSpPr>
+          <p:cNvPr id="2" name="Title 1"/>
+          <p:cNvSpPr>
+            <a:spLocks noGrp="1"/>
+          </p:cNvSpPr>
+          <p:nvPr>
+            <p:ph type="title"/>
+          </p:nvPr>
+        </p:nvSpPr>
+        <p:spPr>
+          <a:xfrm>
+            <a:off x="964006" y="12802253"/>
+            <a:ext cx="12071033" cy="2401924"/>
+          </a:xfrm>
+        </p:spPr>
+        <p:txBody>
+          <a:bodyPr anchor="b"/>
+          <a:lstStyle>
+            <a:lvl1pPr>
+              <a:defRPr sz="3673"/>
+            </a:lvl1pPr>
+          </a:lstStyle>
+          <a:p>
+            <a:r>
+              <a:rPr lang="en-US"/>
+              <a:t>Click to edit Master title style</a:t>
+            </a:r>
+            <a:endParaRPr lang="en-US" dirty="0"/>
+          </a:p>
+        </p:txBody>
+      </p:sp>
+      <p:sp>
+        <p:nvSpPr>
+          <p:cNvPr id="3" name="Picture Placeholder 2"/>
+          <p:cNvSpPr>
+            <a:spLocks noGrp="1" noChangeAspect="1"/>
+          </p:cNvSpPr>
+          <p:nvPr>
+            <p:ph type="pic" idx="1"/>
+          </p:nvPr>
+        </p:nvSpPr>
+        <p:spPr>
+          <a:xfrm>
+            <a:off x="964006" y="2894622"/>
+            <a:ext cx="12071033" cy="9907631"/>
+          </a:xfrm>
+        </p:spPr>
+        <p:txBody>
+          <a:bodyPr anchor="t"/>
+          <a:lstStyle>
+            <a:lvl1pPr marL="0" indent="0">
+              <a:buNone/>
+              <a:defRPr sz="3673"/>
+            </a:lvl1pPr>
+            <a:lvl2pPr marL="524843" indent="0">
+              <a:buNone/>
+              <a:defRPr sz="3214"/>
+            </a:lvl2pPr>
+            <a:lvl3pPr marL="1049685" indent="0">
+              <a:buNone/>
+              <a:defRPr sz="2755"/>
+            </a:lvl3pPr>
+            <a:lvl4pPr marL="1574528" indent="0">
+              <a:buNone/>
+              <a:defRPr sz="2296"/>
+            </a:lvl4pPr>
+            <a:lvl5pPr marL="2099371" indent="0">
+              <a:buNone/>
+              <a:defRPr sz="2296"/>
+            </a:lvl5pPr>
+            <a:lvl6pPr marL="2624214" indent="0">
+              <a:buNone/>
+              <a:defRPr sz="2296"/>
+            </a:lvl6pPr>
+            <a:lvl7pPr marL="3149056" indent="0">
+              <a:buNone/>
+              <a:defRPr sz="2296"/>
+            </a:lvl7pPr>
+            <a:lvl8pPr marL="3673899" indent="0">
+              <a:buNone/>
+              <a:defRPr sz="2296"/>
+            </a:lvl8pPr>
+            <a:lvl9pPr marL="4198742" indent="0">
+              <a:buNone/>
+              <a:defRPr sz="2296"/>
+            </a:lvl9pPr>
+          </a:lstStyle>
+          <a:p>
+            <a:r>
+              <a:rPr lang="en-US"/>
+              <a:t>Click icon to add picture</a:t>
+            </a:r>
+            <a:endParaRPr lang="en-US" dirty="0"/>
+          </a:p>
+        </p:txBody>
+      </p:sp>
+      <p:sp>
+        <p:nvSpPr>
+          <p:cNvPr id="4" name="Text Placeholder 3"/>
+          <p:cNvSpPr>
+            <a:spLocks noGrp="1"/>
+          </p:cNvSpPr>
+          <p:nvPr>
+            <p:ph type="body" sz="half" idx="2"/>
+          </p:nvPr>
+        </p:nvSpPr>
+        <p:spPr>
+          <a:xfrm>
+            <a:off x="964007" y="15204176"/>
+            <a:ext cx="12069210" cy="2000654"/>
+          </a:xfrm>
+        </p:spPr>
+        <p:txBody>
+          <a:bodyPr/>
+          <a:lstStyle>
+            <a:lvl1pPr marL="0" indent="0">
+              <a:buNone/>
+              <a:defRPr sz="1837">
+                <a:gradFill>
+                  <a:gsLst>
+                    <a:gs pos="15000">
+                      <a:schemeClr val="tx2"/>
+                    </a:gs>
+                    <a:gs pos="73000">
+                      <a:schemeClr val="tx2">
+                        <a:lumMod val="60000"/>
+                        <a:lumOff val="40000"/>
+                      </a:schemeClr>
+                    </a:gs>
+                    <a:gs pos="0">
+                      <a:schemeClr val="tx1"/>
+                    </a:gs>
+                    <a:gs pos="100000">
+                      <a:schemeClr val="tx2">
+                        <a:lumMod val="0"/>
+                        <a:lumOff val="100000"/>
+                      </a:schemeClr>
+                    </a:gs>
+                  </a:gsLst>
+                  <a:lin ang="16200000" scaled="1"/>
+                </a:gradFill>
+              </a:defRPr>
+            </a:lvl1pPr>
+            <a:lvl2pPr marL="524843" indent="0">
+              <a:buNone/>
+              <a:defRPr sz="1607"/>
+            </a:lvl2pPr>
+            <a:lvl3pPr marL="1049685" indent="0">
+              <a:buNone/>
+              <a:defRPr sz="1378"/>
+            </a:lvl3pPr>
+            <a:lvl4pPr marL="1574528" indent="0">
+              <a:buNone/>
+              <a:defRPr sz="1148"/>
+            </a:lvl4pPr>
+            <a:lvl5pPr marL="2099371" indent="0">
+              <a:buNone/>
+              <a:defRPr sz="1148"/>
+            </a:lvl5pPr>
+            <a:lvl6pPr marL="2624214" indent="0">
+              <a:buNone/>
+              <a:defRPr sz="1148"/>
+            </a:lvl6pPr>
+            <a:lvl7pPr marL="3149056" indent="0">
+              <a:buNone/>
+              <a:defRPr sz="1148"/>
+            </a:lvl7pPr>
+            <a:lvl8pPr marL="3673899" indent="0">
+              <a:buNone/>
+              <a:defRPr sz="1148"/>
+            </a:lvl8pPr>
+            <a:lvl9pPr marL="4198742" indent="0">
+              <a:buNone/>
+              <a:defRPr sz="1148"/>
+            </a:lvl9pPr>
+          </a:lstStyle>
+          <a:p>
+            <a:pPr lvl="0"/>
+            <a:r>
+              <a:rPr lang="en-US"/>
+              <a:t>Click to edit Master text styles</a:t>
+            </a:r>
+          </a:p>
+        </p:txBody>
+      </p:sp>
+      <p:sp>
+        <p:nvSpPr>
+          <p:cNvPr id="5" name="Date Placeholder 4"/>
+          <p:cNvSpPr>
+            <a:spLocks noGrp="1"/>
+          </p:cNvSpPr>
+          <p:nvPr>
+            <p:ph type="dt" sz="half" idx="10"/>
+          </p:nvPr>
+        </p:nvSpPr>
+        <p:spPr/>
+        <p:txBody>
+          <a:bodyPr/>
+          <a:lstStyle/>
+          <a:p>
+            <a:fld id="{1D8BD707-D9CF-40AE-B4C6-C98DA3205C09}" type="datetimeFigureOut">
+              <a:rPr lang="en-US" smtClean="0"/>
+              <a:t>1/18/2024</a:t>
+            </a:fld>
+            <a:endParaRPr lang="en-US" dirty="0"/>
+          </a:p>
+        </p:txBody>
+      </p:sp>
+      <p:sp>
+        <p:nvSpPr>
+          <p:cNvPr id="6" name="Footer Placeholder 5"/>
+          <p:cNvSpPr>
+            <a:spLocks noGrp="1"/>
+          </p:cNvSpPr>
+          <p:nvPr>
+            <p:ph type="ftr" sz="quarter" idx="11"/>
+          </p:nvPr>
+        </p:nvSpPr>
+        <p:spPr/>
+        <p:txBody>
+          <a:bodyPr/>
+          <a:lstStyle/>
+          <a:p>
+            <a:endParaRPr lang="en-IN" dirty="0"/>
+          </a:p>
+        </p:txBody>
+      </p:sp>
+      <p:sp>
+        <p:nvSpPr>
+          <p:cNvPr id="7" name="Slide Number Placeholder 6"/>
+          <p:cNvSpPr>
+            <a:spLocks noGrp="1"/>
+          </p:cNvSpPr>
+          <p:nvPr>
+            <p:ph type="sldNum" sz="quarter" idx="12"/>
+          </p:nvPr>
+        </p:nvSpPr>
+        <p:spPr/>
+        <p:txBody>
+          <a:bodyPr/>
+          <a:lstStyle/>
+          <a:p>
+            <a:fld id="{B6F15528-21DE-4FAA-801E-634DDDAF4B2B}" type="slidenum">
+              <a:rPr lang="en-IN" smtClean="0"/>
+              <a:t>‹#›</a:t>
+            </a:fld>
+            <a:endParaRPr lang="en-IN" dirty="0"/>
+          </a:p>
+        </p:txBody>
+      </p:sp>
+    </p:spTree>
+    <p:extLst>
+      <p:ext uri="{BB962C8B-B14F-4D97-AF65-F5344CB8AC3E}">
+        <p14:creationId xmlns:p14="http://schemas.microsoft.com/office/powerpoint/2010/main" val="206156596"/>
+      </p:ext>
+    </p:extLst>
+  </p:cSld>
+  <p:clrMapOvr>
+    <a:masterClrMapping/>
+  </p:clrMapOvr>
+</p:sldLayout>
+</file>
+
+<file path=ppt/slideLayouts/slideLayout11.xml><?xml version="1.0" encoding="utf-8"?>
+<p:sldLayout xmlns:a="http://schemas.openxmlformats.org/drawingml/2006/main" xmlns:r="http://schemas.openxmlformats.org/officeDocument/2006/relationships" xmlns:p="http://schemas.openxmlformats.org/presentationml/2006/main" preserve="1">
+  <p:cSld name="Title and Caption">
+    <p:spTree>
+      <p:nvGrpSpPr>
+        <p:cNvPr id="1" name=""/>
+        <p:cNvGrpSpPr/>
+        <p:nvPr/>
+      </p:nvGrpSpPr>
+      <p:grpSpPr>
+        <a:xfrm>
+          <a:off x="0" y="0"/>
+          <a:ext cx="0" cy="0"/>
+          <a:chOff x="0" y="0"/>
+          <a:chExt cx="0" cy="0"/>
+        </a:xfrm>
+      </p:grpSpPr>
+      <p:sp>
+        <p:nvSpPr>
+          <p:cNvPr id="2" name="Title 1"/>
+          <p:cNvSpPr>
+            <a:spLocks noGrp="1"/>
+          </p:cNvSpPr>
+          <p:nvPr>
+            <p:ph type="title"/>
+          </p:nvPr>
+        </p:nvSpPr>
+        <p:spPr>
+          <a:xfrm>
+            <a:off x="964006" y="1070357"/>
+            <a:ext cx="12071033" cy="10360864"/>
+          </a:xfrm>
+        </p:spPr>
+        <p:txBody>
+          <a:bodyPr anchor="ctr"/>
+          <a:lstStyle>
+            <a:lvl1pPr>
+              <a:defRPr sz="3673"/>
+            </a:lvl1pPr>
+          </a:lstStyle>
+          <a:p>
+            <a:r>
+              <a:rPr lang="en-US"/>
+              <a:t>Click to edit Master title style</a:t>
+            </a:r>
+            <a:endParaRPr lang="en-US" dirty="0"/>
+          </a:p>
+        </p:txBody>
+      </p:sp>
+      <p:sp>
+        <p:nvSpPr>
+          <p:cNvPr id="4" name="Text Placeholder 3"/>
+          <p:cNvSpPr>
+            <a:spLocks noGrp="1"/>
+          </p:cNvSpPr>
+          <p:nvPr>
+            <p:ph type="body" sz="half" idx="2"/>
+          </p:nvPr>
+        </p:nvSpPr>
+        <p:spPr>
+          <a:xfrm>
+            <a:off x="964007" y="13160590"/>
+            <a:ext cx="12069210" cy="4402575"/>
+          </a:xfrm>
+        </p:spPr>
+        <p:txBody>
+          <a:bodyPr anchor="ctr"/>
+          <a:lstStyle>
+            <a:lvl1pPr marL="0" indent="0">
+              <a:buNone/>
+              <a:defRPr sz="1837"/>
+            </a:lvl1pPr>
+            <a:lvl2pPr marL="524843" indent="0">
+              <a:buNone/>
+              <a:defRPr sz="1607"/>
+            </a:lvl2pPr>
+            <a:lvl3pPr marL="1049685" indent="0">
+              <a:buNone/>
+              <a:defRPr sz="1378"/>
+            </a:lvl3pPr>
+            <a:lvl4pPr marL="1574528" indent="0">
+              <a:buNone/>
+              <a:defRPr sz="1148"/>
+            </a:lvl4pPr>
+            <a:lvl5pPr marL="2099371" indent="0">
+              <a:buNone/>
+              <a:defRPr sz="1148"/>
+            </a:lvl5pPr>
+            <a:lvl6pPr marL="2624214" indent="0">
+              <a:buNone/>
+              <a:defRPr sz="1148"/>
+            </a:lvl6pPr>
+            <a:lvl7pPr marL="3149056" indent="0">
+              <a:buNone/>
+              <a:defRPr sz="1148"/>
+            </a:lvl7pPr>
+            <a:lvl8pPr marL="3673899" indent="0">
+              <a:buNone/>
+              <a:defRPr sz="1148"/>
+            </a:lvl8pPr>
+            <a:lvl9pPr marL="4198742" indent="0">
+              <a:buNone/>
+              <a:defRPr sz="1148"/>
+            </a:lvl9pPr>
+          </a:lstStyle>
+          <a:p>
+            <a:pPr lvl="0"/>
+            <a:r>
+              <a:rPr lang="en-US"/>
+              <a:t>Click to edit Master text styles</a:t>
+            </a:r>
+          </a:p>
+        </p:txBody>
+      </p:sp>
+      <p:sp>
+        <p:nvSpPr>
+          <p:cNvPr id="5" name="Date Placeholder 4"/>
+          <p:cNvSpPr>
+            <a:spLocks noGrp="1"/>
+          </p:cNvSpPr>
+          <p:nvPr>
+            <p:ph type="dt" sz="half" idx="10"/>
+          </p:nvPr>
+        </p:nvSpPr>
+        <p:spPr/>
+        <p:txBody>
+          <a:bodyPr/>
+          <a:lstStyle/>
+          <a:p>
+            <a:fld id="{1D8BD707-D9CF-40AE-B4C6-C98DA3205C09}" type="datetimeFigureOut">
+              <a:rPr lang="en-US" smtClean="0"/>
+              <a:t>1/18/2024</a:t>
+            </a:fld>
+            <a:endParaRPr lang="en-US" dirty="0"/>
+          </a:p>
+        </p:txBody>
+      </p:sp>
+      <p:sp>
+        <p:nvSpPr>
+          <p:cNvPr id="6" name="Footer Placeholder 5"/>
+          <p:cNvSpPr>
+            <a:spLocks noGrp="1"/>
+          </p:cNvSpPr>
+          <p:nvPr>
+            <p:ph type="ftr" sz="quarter" idx="11"/>
+          </p:nvPr>
+        </p:nvSpPr>
+        <p:spPr/>
+        <p:txBody>
+          <a:bodyPr/>
+          <a:lstStyle/>
+          <a:p>
+            <a:endParaRPr lang="en-IN" dirty="0"/>
+          </a:p>
+        </p:txBody>
+      </p:sp>
+      <p:sp>
+        <p:nvSpPr>
+          <p:cNvPr id="7" name="Slide Number Placeholder 6"/>
+          <p:cNvSpPr>
+            <a:spLocks noGrp="1"/>
+          </p:cNvSpPr>
+          <p:nvPr>
+            <p:ph type="sldNum" sz="quarter" idx="12"/>
+          </p:nvPr>
+        </p:nvSpPr>
+        <p:spPr/>
+        <p:txBody>
+          <a:bodyPr/>
+          <a:lstStyle/>
+          <a:p>
+            <a:fld id="{B6F15528-21DE-4FAA-801E-634DDDAF4B2B}" type="slidenum">
+              <a:rPr lang="en-IN" smtClean="0"/>
+              <a:t>‹#›</a:t>
+            </a:fld>
+            <a:endParaRPr lang="en-IN" dirty="0"/>
+          </a:p>
+        </p:txBody>
+      </p:sp>
+    </p:spTree>
+    <p:extLst>
+      <p:ext uri="{BB962C8B-B14F-4D97-AF65-F5344CB8AC3E}">
+        <p14:creationId xmlns:p14="http://schemas.microsoft.com/office/powerpoint/2010/main" val="3915766756"/>
+      </p:ext>
+    </p:extLst>
+  </p:cSld>
+  <p:clrMapOvr>
+    <a:masterClrMapping/>
+  </p:clrMapOvr>
+</p:sldLayout>
+</file>
+
+<file path=ppt/slideLayouts/slideLayout12.xml><?xml version="1.0" encoding="utf-8"?>
+<p:sldLayout xmlns:a="http://schemas.openxmlformats.org/drawingml/2006/main" xmlns:r="http://schemas.openxmlformats.org/officeDocument/2006/relationships" xmlns:p="http://schemas.openxmlformats.org/presentationml/2006/main" preserve="1">
+  <p:cSld name="Quote with Caption">
+    <p:spTree>
+      <p:nvGrpSpPr>
+        <p:cNvPr id="1" name=""/>
+        <p:cNvGrpSpPr/>
+        <p:nvPr/>
+      </p:nvGrpSpPr>
+      <p:grpSpPr>
+        <a:xfrm>
+          <a:off x="0" y="0"/>
+          <a:ext cx="0" cy="0"/>
+          <a:chOff x="0" y="0"/>
+          <a:chExt cx="0" cy="0"/>
+        </a:xfrm>
+      </p:grpSpPr>
+      <p:sp>
+        <p:nvSpPr>
+          <p:cNvPr id="2" name="Title 1"/>
+          <p:cNvSpPr>
+            <a:spLocks noGrp="1"/>
+          </p:cNvSpPr>
+          <p:nvPr>
+            <p:ph type="title"/>
+          </p:nvPr>
+        </p:nvSpPr>
+        <p:spPr>
+          <a:xfrm>
+            <a:off x="1660131" y="1070357"/>
+            <a:ext cx="10678784" cy="8773643"/>
+          </a:xfrm>
+        </p:spPr>
+        <p:txBody>
+          <a:bodyPr anchor="ctr"/>
+          <a:lstStyle>
+            <a:lvl1pPr>
+              <a:defRPr sz="5051"/>
+            </a:lvl1pPr>
+          </a:lstStyle>
+          <a:p>
+            <a:r>
+              <a:rPr lang="en-US"/>
+              <a:t>Click to edit Master title style</a:t>
+            </a:r>
+            <a:endParaRPr lang="en-US" dirty="0"/>
+          </a:p>
+        </p:txBody>
+      </p:sp>
+      <p:sp>
+        <p:nvSpPr>
+          <p:cNvPr id="12" name="Text Placeholder 3"/>
+          <p:cNvSpPr>
+            <a:spLocks noGrp="1"/>
+          </p:cNvSpPr>
+          <p:nvPr>
+            <p:ph type="body" sz="half" idx="13"/>
+          </p:nvPr>
+        </p:nvSpPr>
+        <p:spPr>
+          <a:xfrm>
+            <a:off x="1975157" y="9866068"/>
+            <a:ext cx="10046910" cy="1609290"/>
+          </a:xfrm>
+        </p:spPr>
+        <p:txBody>
+          <a:bodyPr anchor="t">
+            <a:normAutofit/>
+          </a:bodyPr>
+          <a:lstStyle>
+            <a:lvl1pPr marL="0" indent="0">
+              <a:buNone/>
+              <a:defRPr sz="1607"/>
+            </a:lvl1pPr>
+            <a:lvl2pPr marL="524843" indent="0">
+              <a:buNone/>
+              <a:defRPr sz="1607"/>
+            </a:lvl2pPr>
+            <a:lvl3pPr marL="1049685" indent="0">
+              <a:buNone/>
+              <a:defRPr sz="1378"/>
+            </a:lvl3pPr>
+            <a:lvl4pPr marL="1574528" indent="0">
+              <a:buNone/>
+              <a:defRPr sz="1148"/>
+            </a:lvl4pPr>
+            <a:lvl5pPr marL="2099371" indent="0">
+              <a:buNone/>
+              <a:defRPr sz="1148"/>
+            </a:lvl5pPr>
+            <a:lvl6pPr marL="2624214" indent="0">
+              <a:buNone/>
+              <a:defRPr sz="1148"/>
+            </a:lvl6pPr>
+            <a:lvl7pPr marL="3149056" indent="0">
+              <a:buNone/>
+              <a:defRPr sz="1148"/>
+            </a:lvl7pPr>
+            <a:lvl8pPr marL="3673899" indent="0">
+              <a:buNone/>
+              <a:defRPr sz="1148"/>
+            </a:lvl8pPr>
+            <a:lvl9pPr marL="4198742" indent="0">
+              <a:buNone/>
+              <a:defRPr sz="1148"/>
+            </a:lvl9pPr>
+          </a:lstStyle>
+          <a:p>
+            <a:pPr lvl="0"/>
+            <a:r>
+              <a:rPr lang="en-US"/>
+              <a:t>Click to edit Master text styles</a:t>
+            </a:r>
+          </a:p>
+        </p:txBody>
+      </p:sp>
+      <p:sp>
+        <p:nvSpPr>
+          <p:cNvPr id="4" name="Text Placeholder 3"/>
+          <p:cNvSpPr>
+            <a:spLocks noGrp="1"/>
+          </p:cNvSpPr>
+          <p:nvPr>
+            <p:ph type="body" sz="half" idx="2"/>
+          </p:nvPr>
+        </p:nvSpPr>
+        <p:spPr>
+          <a:xfrm>
+            <a:off x="962184" y="13196735"/>
+            <a:ext cx="12067387" cy="4366430"/>
+          </a:xfrm>
+        </p:spPr>
+        <p:txBody>
+          <a:bodyPr anchor="ctr">
+            <a:normAutofit/>
+          </a:bodyPr>
+          <a:lstStyle>
+            <a:lvl1pPr marL="0" indent="0">
+              <a:buNone/>
+              <a:defRPr sz="1837"/>
+            </a:lvl1pPr>
+            <a:lvl2pPr marL="524843" indent="0">
+              <a:buNone/>
+              <a:defRPr sz="1607"/>
+            </a:lvl2pPr>
+            <a:lvl3pPr marL="1049685" indent="0">
+              <a:buNone/>
+              <a:defRPr sz="1378"/>
+            </a:lvl3pPr>
+            <a:lvl4pPr marL="1574528" indent="0">
+              <a:buNone/>
+              <a:defRPr sz="1148"/>
+            </a:lvl4pPr>
+            <a:lvl5pPr marL="2099371" indent="0">
+              <a:buNone/>
+              <a:defRPr sz="1148"/>
+            </a:lvl5pPr>
+            <a:lvl6pPr marL="2624214" indent="0">
+              <a:buNone/>
+              <a:defRPr sz="1148"/>
+            </a:lvl6pPr>
+            <a:lvl7pPr marL="3149056" indent="0">
+              <a:buNone/>
+              <a:defRPr sz="1148"/>
+            </a:lvl7pPr>
+            <a:lvl8pPr marL="3673899" indent="0">
+              <a:buNone/>
+              <a:defRPr sz="1148"/>
+            </a:lvl8pPr>
+            <a:lvl9pPr marL="4198742" indent="0">
+              <a:buNone/>
+              <a:defRPr sz="1148"/>
+            </a:lvl9pPr>
+          </a:lstStyle>
+          <a:p>
+            <a:pPr lvl="0"/>
+            <a:r>
+              <a:rPr lang="en-US"/>
+              <a:t>Click to edit Master text styles</a:t>
+            </a:r>
+          </a:p>
+        </p:txBody>
+      </p:sp>
+      <p:sp>
+        <p:nvSpPr>
+          <p:cNvPr id="5" name="Date Placeholder 4"/>
+          <p:cNvSpPr>
+            <a:spLocks noGrp="1"/>
+          </p:cNvSpPr>
+          <p:nvPr>
+            <p:ph type="dt" sz="half" idx="10"/>
+          </p:nvPr>
+        </p:nvSpPr>
+        <p:spPr/>
+        <p:txBody>
+          <a:bodyPr/>
+          <a:lstStyle/>
+          <a:p>
+            <a:fld id="{1D8BD707-D9CF-40AE-B4C6-C98DA3205C09}" type="datetimeFigureOut">
+              <a:rPr lang="en-US" smtClean="0"/>
+              <a:t>1/18/2024</a:t>
+            </a:fld>
+            <a:endParaRPr lang="en-US" dirty="0"/>
+          </a:p>
+        </p:txBody>
+      </p:sp>
+      <p:sp>
+        <p:nvSpPr>
+          <p:cNvPr id="6" name="Footer Placeholder 5"/>
+          <p:cNvSpPr>
+            <a:spLocks noGrp="1"/>
+          </p:cNvSpPr>
+          <p:nvPr>
+            <p:ph type="ftr" sz="quarter" idx="11"/>
+          </p:nvPr>
+        </p:nvSpPr>
+        <p:spPr/>
+        <p:txBody>
+          <a:bodyPr/>
+          <a:lstStyle/>
+          <a:p>
+            <a:endParaRPr lang="en-IN" dirty="0"/>
+          </a:p>
+        </p:txBody>
+      </p:sp>
+      <p:sp>
+        <p:nvSpPr>
+          <p:cNvPr id="7" name="Slide Number Placeholder 6"/>
+          <p:cNvSpPr>
+            <a:spLocks noGrp="1"/>
+          </p:cNvSpPr>
+          <p:nvPr>
+            <p:ph type="sldNum" sz="quarter" idx="12"/>
+          </p:nvPr>
+        </p:nvSpPr>
+        <p:spPr/>
+        <p:txBody>
+          <a:bodyPr/>
+          <a:lstStyle/>
+          <a:p>
+            <a:fld id="{B6F15528-21DE-4FAA-801E-634DDDAF4B2B}" type="slidenum">
+              <a:rPr lang="en-IN" smtClean="0"/>
+              <a:t>‹#›</a:t>
+            </a:fld>
+            <a:endParaRPr lang="en-IN" dirty="0"/>
+          </a:p>
+        </p:txBody>
+      </p:sp>
+      <p:sp>
+        <p:nvSpPr>
+          <p:cNvPr id="9" name="TextBox 8"/>
+          <p:cNvSpPr txBox="1"/>
+          <p:nvPr/>
+        </p:nvSpPr>
+        <p:spPr>
+          <a:xfrm>
+            <a:off x="1275386" y="2306560"/>
+            <a:ext cx="699770" cy="1714260"/>
+          </a:xfrm>
+          <a:prstGeom prst="rect">
+            <a:avLst/>
+          </a:prstGeom>
+        </p:spPr>
+        <p:txBody>
+          <a:bodyPr vert="horz" lIns="104965" tIns="52483" rIns="104965" bIns="52483" rtlCol="0" anchor="ctr">
+            <a:noAutofit/>
+          </a:bodyPr>
+          <a:lstStyle>
+            <a:lvl1pPr>
+              <a:spcBef>
+                <a:spcPct val="0"/>
+              </a:spcBef>
+              <a:buNone/>
+              <a:defRPr sz="3200" b="0" cap="all">
+                <a:ln w="3175" cmpd="sng">
+                  <a:noFill/>
+                </a:ln>
+                <a:effectLst>
+                  <a:glow rad="38100">
+                    <a:schemeClr val="bg1">
+                      <a:lumMod val="65000"/>
+                      <a:lumOff val="35000"/>
+                      <a:alpha val="40000"/>
+                    </a:schemeClr>
+                  </a:glow>
+                  <a:outerShdw blurRad="28575" dist="38100" dir="14040000" algn="tl" rotWithShape="0">
+                    <a:srgbClr val="000000">
+                      <a:alpha val="25000"/>
+                    </a:srgbClr>
+                  </a:outerShdw>
+                </a:effectLst>
+              </a:defRPr>
+            </a:lvl1pPr>
+            <a:lvl2pPr>
+              <a:defRPr>
+                <a:solidFill>
+                  <a:schemeClr val="tx2"/>
+                </a:solidFill>
+              </a:defRPr>
+            </a:lvl2pPr>
+            <a:lvl3pPr>
+              <a:defRPr>
+                <a:solidFill>
+                  <a:schemeClr val="tx2"/>
+                </a:solidFill>
+              </a:defRPr>
+            </a:lvl3pPr>
+            <a:lvl4pPr>
+              <a:defRPr>
+                <a:solidFill>
+                  <a:schemeClr val="tx2"/>
+                </a:solidFill>
+              </a:defRPr>
+            </a:lvl4pPr>
+            <a:lvl5pPr>
+              <a:defRPr>
+                <a:solidFill>
+                  <a:schemeClr val="tx2"/>
+                </a:solidFill>
+              </a:defRPr>
+            </a:lvl5pPr>
+            <a:lvl6pPr>
+              <a:defRPr>
+                <a:solidFill>
+                  <a:schemeClr val="tx2"/>
+                </a:solidFill>
+              </a:defRPr>
+            </a:lvl6pPr>
+            <a:lvl7pPr>
+              <a:defRPr>
+                <a:solidFill>
+                  <a:schemeClr val="tx2"/>
+                </a:solidFill>
+              </a:defRPr>
+            </a:lvl7pPr>
+            <a:lvl8pPr>
+              <a:defRPr>
+                <a:solidFill>
+                  <a:schemeClr val="tx2"/>
+                </a:solidFill>
+              </a:defRPr>
+            </a:lvl8pPr>
+            <a:lvl9pPr>
+              <a:defRPr>
+                <a:solidFill>
+                  <a:schemeClr val="tx2"/>
+                </a:solidFill>
+              </a:defRPr>
+            </a:lvl9pPr>
+          </a:lstStyle>
+          <a:p>
+            <a:pPr lvl="0"/>
+            <a:r>
+              <a:rPr lang="en-US" sz="9184" dirty="0">
+                <a:solidFill>
+                  <a:schemeClr val="tx1"/>
+                </a:solidFill>
+                <a:effectLst/>
+              </a:rPr>
+              <a:t>“</a:t>
+            </a:r>
+          </a:p>
+        </p:txBody>
+      </p:sp>
+      <p:sp>
+        <p:nvSpPr>
+          <p:cNvPr id="10" name="TextBox 9"/>
+          <p:cNvSpPr txBox="1"/>
+          <p:nvPr/>
+        </p:nvSpPr>
+        <p:spPr>
+          <a:xfrm>
+            <a:off x="11981738" y="8041640"/>
+            <a:ext cx="699770" cy="1714260"/>
+          </a:xfrm>
+          <a:prstGeom prst="rect">
+            <a:avLst/>
+          </a:prstGeom>
+        </p:spPr>
+        <p:txBody>
+          <a:bodyPr vert="horz" lIns="104965" tIns="52483" rIns="104965" bIns="52483" rtlCol="0" anchor="ctr">
+            <a:noAutofit/>
+          </a:bodyPr>
+          <a:lstStyle>
+            <a:lvl1pPr>
+              <a:spcBef>
+                <a:spcPct val="0"/>
+              </a:spcBef>
+              <a:buNone/>
+              <a:defRPr sz="3200" b="0" cap="all">
+                <a:ln w="3175" cmpd="sng">
+                  <a:noFill/>
+                </a:ln>
+                <a:effectLst>
+                  <a:glow rad="38100">
+                    <a:schemeClr val="bg1">
+                      <a:lumMod val="65000"/>
+                      <a:lumOff val="35000"/>
+                      <a:alpha val="40000"/>
+                    </a:schemeClr>
+                  </a:glow>
+                  <a:outerShdw blurRad="28575" dist="38100" dir="14040000" algn="tl" rotWithShape="0">
+                    <a:srgbClr val="000000">
+                      <a:alpha val="25000"/>
+                    </a:srgbClr>
+                  </a:outerShdw>
+                </a:effectLst>
+              </a:defRPr>
+            </a:lvl1pPr>
+            <a:lvl2pPr>
+              <a:defRPr>
+                <a:solidFill>
+                  <a:schemeClr val="tx2"/>
+                </a:solidFill>
+              </a:defRPr>
+            </a:lvl2pPr>
+            <a:lvl3pPr>
+              <a:defRPr>
+                <a:solidFill>
+                  <a:schemeClr val="tx2"/>
+                </a:solidFill>
+              </a:defRPr>
+            </a:lvl3pPr>
+            <a:lvl4pPr>
+              <a:defRPr>
+                <a:solidFill>
+                  <a:schemeClr val="tx2"/>
+                </a:solidFill>
+              </a:defRPr>
+            </a:lvl4pPr>
+            <a:lvl5pPr>
+              <a:defRPr>
+                <a:solidFill>
+                  <a:schemeClr val="tx2"/>
+                </a:solidFill>
+              </a:defRPr>
+            </a:lvl5pPr>
+            <a:lvl6pPr>
+              <a:defRPr>
+                <a:solidFill>
+                  <a:schemeClr val="tx2"/>
+                </a:solidFill>
+              </a:defRPr>
+            </a:lvl6pPr>
+            <a:lvl7pPr>
+              <a:defRPr>
+                <a:solidFill>
+                  <a:schemeClr val="tx2"/>
+                </a:solidFill>
+              </a:defRPr>
+            </a:lvl7pPr>
+            <a:lvl8pPr>
+              <a:defRPr>
+                <a:solidFill>
+                  <a:schemeClr val="tx2"/>
+                </a:solidFill>
+              </a:defRPr>
+            </a:lvl8pPr>
+            <a:lvl9pPr>
+              <a:defRPr>
+                <a:solidFill>
+                  <a:schemeClr val="tx2"/>
+                </a:solidFill>
+              </a:defRPr>
+            </a:lvl9pPr>
+          </a:lstStyle>
+          <a:p>
+            <a:pPr lvl="0" algn="r"/>
+            <a:r>
+              <a:rPr lang="en-US" sz="9184" dirty="0">
+                <a:solidFill>
+                  <a:schemeClr val="tx1"/>
+                </a:solidFill>
+                <a:effectLst/>
+              </a:rPr>
+              <a:t>”</a:t>
+            </a:r>
+          </a:p>
+        </p:txBody>
+      </p:sp>
+    </p:spTree>
+    <p:extLst>
+      <p:ext uri="{BB962C8B-B14F-4D97-AF65-F5344CB8AC3E}">
+        <p14:creationId xmlns:p14="http://schemas.microsoft.com/office/powerpoint/2010/main" val="4156847898"/>
+      </p:ext>
+    </p:extLst>
+  </p:cSld>
+  <p:clrMapOvr>
+    <a:masterClrMapping/>
+  </p:clrMapOvr>
+</p:sldLayout>
+</file>
+
+<file path=ppt/slideLayouts/slideLayout13.xml><?xml version="1.0" encoding="utf-8"?>
+<p:sldLayout xmlns:a="http://schemas.openxmlformats.org/drawingml/2006/main" xmlns:r="http://schemas.openxmlformats.org/officeDocument/2006/relationships" xmlns:p="http://schemas.openxmlformats.org/presentationml/2006/main" preserve="1">
+  <p:cSld name="Name Card">
+    <p:spTree>
+      <p:nvGrpSpPr>
+        <p:cNvPr id="1" name=""/>
+        <p:cNvGrpSpPr/>
+        <p:nvPr/>
+      </p:nvGrpSpPr>
+      <p:grpSpPr>
+        <a:xfrm>
+          <a:off x="0" y="0"/>
+          <a:ext cx="0" cy="0"/>
+          <a:chOff x="0" y="0"/>
+          <a:chExt cx="0" cy="0"/>
+        </a:xfrm>
+      </p:grpSpPr>
+      <p:sp>
+        <p:nvSpPr>
+          <p:cNvPr id="2" name="Title 1"/>
+          <p:cNvSpPr>
+            <a:spLocks noGrp="1"/>
+          </p:cNvSpPr>
+          <p:nvPr>
+            <p:ph type="title"/>
+          </p:nvPr>
+        </p:nvSpPr>
+        <p:spPr>
+          <a:xfrm>
+            <a:off x="964006" y="6821465"/>
+            <a:ext cx="12071033" cy="7363398"/>
+          </a:xfrm>
+        </p:spPr>
+        <p:txBody>
+          <a:bodyPr anchor="b">
+            <a:normAutofit/>
+          </a:bodyPr>
+          <a:lstStyle>
+            <a:lvl1pPr>
+              <a:defRPr sz="6199"/>
+            </a:lvl1pPr>
+          </a:lstStyle>
+          <a:p>
+            <a:r>
+              <a:rPr lang="en-US"/>
+              <a:t>Click to edit Master title style</a:t>
+            </a:r>
+            <a:endParaRPr lang="en-US" dirty="0"/>
+          </a:p>
+        </p:txBody>
+      </p:sp>
+      <p:sp>
+        <p:nvSpPr>
+          <p:cNvPr id="4" name="Text Placeholder 3"/>
+          <p:cNvSpPr>
+            <a:spLocks noGrp="1"/>
+          </p:cNvSpPr>
+          <p:nvPr>
+            <p:ph type="body" sz="half" idx="2"/>
+          </p:nvPr>
+        </p:nvSpPr>
+        <p:spPr>
+          <a:xfrm>
+            <a:off x="964007" y="14219388"/>
+            <a:ext cx="12069210" cy="3343777"/>
+          </a:xfrm>
+        </p:spPr>
+        <p:txBody>
+          <a:bodyPr anchor="t"/>
+          <a:lstStyle>
+            <a:lvl1pPr marL="0" indent="0">
+              <a:buNone/>
+              <a:defRPr sz="1837"/>
+            </a:lvl1pPr>
+            <a:lvl2pPr marL="524843" indent="0">
+              <a:buNone/>
+              <a:defRPr sz="1607"/>
+            </a:lvl2pPr>
+            <a:lvl3pPr marL="1049685" indent="0">
+              <a:buNone/>
+              <a:defRPr sz="1378"/>
+            </a:lvl3pPr>
+            <a:lvl4pPr marL="1574528" indent="0">
+              <a:buNone/>
+              <a:defRPr sz="1148"/>
+            </a:lvl4pPr>
+            <a:lvl5pPr marL="2099371" indent="0">
+              <a:buNone/>
+              <a:defRPr sz="1148"/>
+            </a:lvl5pPr>
+            <a:lvl6pPr marL="2624214" indent="0">
+              <a:buNone/>
+              <a:defRPr sz="1148"/>
+            </a:lvl6pPr>
+            <a:lvl7pPr marL="3149056" indent="0">
+              <a:buNone/>
+              <a:defRPr sz="1148"/>
+            </a:lvl7pPr>
+            <a:lvl8pPr marL="3673899" indent="0">
+              <a:buNone/>
+              <a:defRPr sz="1148"/>
+            </a:lvl8pPr>
+            <a:lvl9pPr marL="4198742" indent="0">
+              <a:buNone/>
+              <a:defRPr sz="1148"/>
+            </a:lvl9pPr>
+          </a:lstStyle>
+          <a:p>
+            <a:pPr lvl="0"/>
+            <a:r>
+              <a:rPr lang="en-US"/>
+              <a:t>Click to edit Master text styles</a:t>
+            </a:r>
+          </a:p>
+        </p:txBody>
+      </p:sp>
+      <p:sp>
+        <p:nvSpPr>
+          <p:cNvPr id="5" name="Date Placeholder 4"/>
+          <p:cNvSpPr>
+            <a:spLocks noGrp="1"/>
+          </p:cNvSpPr>
+          <p:nvPr>
+            <p:ph type="dt" sz="half" idx="10"/>
+          </p:nvPr>
+        </p:nvSpPr>
+        <p:spPr/>
+        <p:txBody>
+          <a:bodyPr/>
+          <a:lstStyle/>
+          <a:p>
+            <a:fld id="{1D8BD707-D9CF-40AE-B4C6-C98DA3205C09}" type="datetimeFigureOut">
+              <a:rPr lang="en-US" smtClean="0"/>
+              <a:t>1/18/2024</a:t>
+            </a:fld>
+            <a:endParaRPr lang="en-US" dirty="0"/>
+          </a:p>
+        </p:txBody>
+      </p:sp>
+      <p:sp>
+        <p:nvSpPr>
+          <p:cNvPr id="6" name="Footer Placeholder 5"/>
+          <p:cNvSpPr>
+            <a:spLocks noGrp="1"/>
+          </p:cNvSpPr>
+          <p:nvPr>
+            <p:ph type="ftr" sz="quarter" idx="11"/>
+          </p:nvPr>
+        </p:nvSpPr>
+        <p:spPr/>
+        <p:txBody>
+          <a:bodyPr/>
+          <a:lstStyle/>
+          <a:p>
+            <a:endParaRPr lang="en-IN" dirty="0"/>
+          </a:p>
+        </p:txBody>
+      </p:sp>
+      <p:sp>
+        <p:nvSpPr>
+          <p:cNvPr id="7" name="Slide Number Placeholder 6"/>
+          <p:cNvSpPr>
+            <a:spLocks noGrp="1"/>
+          </p:cNvSpPr>
+          <p:nvPr>
+            <p:ph type="sldNum" sz="quarter" idx="12"/>
+          </p:nvPr>
+        </p:nvSpPr>
+        <p:spPr/>
+        <p:txBody>
+          <a:bodyPr/>
+          <a:lstStyle/>
+          <a:p>
+            <a:fld id="{B6F15528-21DE-4FAA-801E-634DDDAF4B2B}" type="slidenum">
+              <a:rPr lang="en-IN" smtClean="0"/>
+              <a:t>‹#›</a:t>
+            </a:fld>
+            <a:endParaRPr lang="en-IN" dirty="0"/>
+          </a:p>
+        </p:txBody>
+      </p:sp>
+    </p:spTree>
+    <p:extLst>
+      <p:ext uri="{BB962C8B-B14F-4D97-AF65-F5344CB8AC3E}">
+        <p14:creationId xmlns:p14="http://schemas.microsoft.com/office/powerpoint/2010/main" val="4089656845"/>
+      </p:ext>
+    </p:extLst>
+  </p:cSld>
+  <p:clrMapOvr>
+    <a:masterClrMapping/>
+  </p:clrMapOvr>
+</p:sldLayout>
+</file>
+
+<file path=ppt/slideLayouts/slideLayout14.xml><?xml version="1.0" encoding="utf-8"?>
+<p:sldLayout xmlns:a="http://schemas.openxmlformats.org/drawingml/2006/main" xmlns:r="http://schemas.openxmlformats.org/officeDocument/2006/relationships" xmlns:p="http://schemas.openxmlformats.org/presentationml/2006/main" preserve="1">
+  <p:cSld name="3 Column">
+    <p:spTree>
+      <p:nvGrpSpPr>
+        <p:cNvPr id="1" name=""/>
+        <p:cNvGrpSpPr/>
+        <p:nvPr/>
+      </p:nvGrpSpPr>
+      <p:grpSpPr>
+        <a:xfrm>
+          <a:off x="0" y="0"/>
+          <a:ext cx="0" cy="0"/>
+          <a:chOff x="0" y="0"/>
+          <a:chExt cx="0" cy="0"/>
+        </a:xfrm>
+      </p:grpSpPr>
+      <p:sp>
+        <p:nvSpPr>
+          <p:cNvPr id="15" name="Title 1"/>
+          <p:cNvSpPr>
+            <a:spLocks noGrp="1"/>
+          </p:cNvSpPr>
+          <p:nvPr>
+            <p:ph type="title"/>
+          </p:nvPr>
+        </p:nvSpPr>
+        <p:spPr>
+          <a:xfrm>
+            <a:off x="962184" y="1070362"/>
+            <a:ext cx="12071033" cy="3885863"/>
+          </a:xfrm>
+        </p:spPr>
+        <p:txBody>
+          <a:bodyPr/>
+          <a:lstStyle/>
+          <a:p>
+            <a:r>
+              <a:rPr lang="en-US"/>
+              <a:t>Click to edit Master title style</a:t>
+            </a:r>
+            <a:endParaRPr lang="en-US" dirty="0"/>
+          </a:p>
+        </p:txBody>
+      </p:sp>
+      <p:sp>
+        <p:nvSpPr>
+          <p:cNvPr id="7" name="Text Placeholder 2"/>
+          <p:cNvSpPr>
+            <a:spLocks noGrp="1"/>
+          </p:cNvSpPr>
+          <p:nvPr>
+            <p:ph type="body" idx="1"/>
+          </p:nvPr>
+        </p:nvSpPr>
+        <p:spPr>
+          <a:xfrm>
+            <a:off x="1535088" y="5528628"/>
+            <a:ext cx="3382757" cy="1689301"/>
+          </a:xfrm>
+        </p:spPr>
+        <p:txBody>
+          <a:bodyPr anchor="b">
+            <a:noAutofit/>
+          </a:bodyPr>
+          <a:lstStyle>
+            <a:lvl1pPr marL="0" indent="0">
+              <a:buNone/>
+              <a:defRPr sz="2755" b="0">
+                <a:gradFill>
+                  <a:gsLst>
+                    <a:gs pos="15000">
+                      <a:schemeClr val="tx2"/>
+                    </a:gs>
+                    <a:gs pos="73000">
+                      <a:schemeClr val="tx2">
+                        <a:lumMod val="60000"/>
+                        <a:lumOff val="40000"/>
+                      </a:schemeClr>
+                    </a:gs>
+                    <a:gs pos="0">
+                      <a:schemeClr val="tx2">
+                        <a:lumMod val="90000"/>
+                        <a:lumOff val="10000"/>
+                      </a:schemeClr>
+                    </a:gs>
+                    <a:gs pos="100000">
+                      <a:schemeClr val="tx2">
+                        <a:lumMod val="0"/>
+                        <a:lumOff val="100000"/>
+                      </a:schemeClr>
+                    </a:gs>
+                  </a:gsLst>
+                  <a:lin ang="16200000" scaled="1"/>
+                </a:gradFill>
+              </a:defRPr>
+            </a:lvl1pPr>
+            <a:lvl2pPr marL="524843" indent="0">
+              <a:buNone/>
+              <a:defRPr sz="2296" b="1"/>
+            </a:lvl2pPr>
+            <a:lvl3pPr marL="1049685" indent="0">
+              <a:buNone/>
+              <a:defRPr sz="2066" b="1"/>
+            </a:lvl3pPr>
+            <a:lvl4pPr marL="1574528" indent="0">
+              <a:buNone/>
+              <a:defRPr sz="1837" b="1"/>
+            </a:lvl4pPr>
+            <a:lvl5pPr marL="2099371" indent="0">
+              <a:buNone/>
+              <a:defRPr sz="1837" b="1"/>
+            </a:lvl5pPr>
+            <a:lvl6pPr marL="2624214" indent="0">
+              <a:buNone/>
+              <a:defRPr sz="1837" b="1"/>
+            </a:lvl6pPr>
+            <a:lvl7pPr marL="3149056" indent="0">
+              <a:buNone/>
+              <a:defRPr sz="1837" b="1"/>
+            </a:lvl7pPr>
+            <a:lvl8pPr marL="3673899" indent="0">
+              <a:buNone/>
+              <a:defRPr sz="1837" b="1"/>
+            </a:lvl8pPr>
+            <a:lvl9pPr marL="4198742" indent="0">
+              <a:buNone/>
+              <a:defRPr sz="1837" b="1"/>
+            </a:lvl9pPr>
+          </a:lstStyle>
+          <a:p>
+            <a:pPr lvl="0"/>
+            <a:r>
+              <a:rPr lang="en-US"/>
+              <a:t>Click to edit Master text styles</a:t>
+            </a:r>
+          </a:p>
+        </p:txBody>
+      </p:sp>
+      <p:sp>
+        <p:nvSpPr>
+          <p:cNvPr id="8" name="Text Placeholder 3"/>
+          <p:cNvSpPr>
+            <a:spLocks noGrp="1"/>
+          </p:cNvSpPr>
+          <p:nvPr>
+            <p:ph type="body" sz="half" idx="15"/>
+          </p:nvPr>
+        </p:nvSpPr>
+        <p:spPr>
+          <a:xfrm>
+            <a:off x="1557491" y="7539037"/>
+            <a:ext cx="3360355" cy="10522078"/>
+          </a:xfrm>
+        </p:spPr>
+        <p:txBody>
+          <a:bodyPr anchor="t">
+            <a:normAutofit/>
+          </a:bodyPr>
+          <a:lstStyle>
+            <a:lvl1pPr marL="0" indent="0">
+              <a:buNone/>
+              <a:defRPr sz="1607"/>
+            </a:lvl1pPr>
+            <a:lvl2pPr marL="524843" indent="0">
+              <a:buNone/>
+              <a:defRPr sz="1378"/>
+            </a:lvl2pPr>
+            <a:lvl3pPr marL="1049685" indent="0">
+              <a:buNone/>
+              <a:defRPr sz="1148"/>
+            </a:lvl3pPr>
+            <a:lvl4pPr marL="1574528" indent="0">
+              <a:buNone/>
+              <a:defRPr sz="1033"/>
+            </a:lvl4pPr>
+            <a:lvl5pPr marL="2099371" indent="0">
+              <a:buNone/>
+              <a:defRPr sz="1033"/>
+            </a:lvl5pPr>
+            <a:lvl6pPr marL="2624214" indent="0">
+              <a:buNone/>
+              <a:defRPr sz="1033"/>
+            </a:lvl6pPr>
+            <a:lvl7pPr marL="3149056" indent="0">
+              <a:buNone/>
+              <a:defRPr sz="1033"/>
+            </a:lvl7pPr>
+            <a:lvl8pPr marL="3673899" indent="0">
+              <a:buNone/>
+              <a:defRPr sz="1033"/>
+            </a:lvl8pPr>
+            <a:lvl9pPr marL="4198742" indent="0">
+              <a:buNone/>
+              <a:defRPr sz="1033"/>
+            </a:lvl9pPr>
+          </a:lstStyle>
+          <a:p>
+            <a:pPr lvl="0"/>
+            <a:r>
+              <a:rPr lang="en-US"/>
+              <a:t>Click to edit Master text styles</a:t>
+            </a:r>
+          </a:p>
+        </p:txBody>
+      </p:sp>
+      <p:sp>
+        <p:nvSpPr>
+          <p:cNvPr id="9" name="Text Placeholder 4"/>
+          <p:cNvSpPr>
+            <a:spLocks noGrp="1"/>
+          </p:cNvSpPr>
+          <p:nvPr>
+            <p:ph type="body" sz="quarter" idx="3"/>
+          </p:nvPr>
+        </p:nvSpPr>
+        <p:spPr>
+          <a:xfrm>
+            <a:off x="5266636" y="5528628"/>
+            <a:ext cx="3370560" cy="1689301"/>
+          </a:xfrm>
+        </p:spPr>
+        <p:txBody>
+          <a:bodyPr vert="horz" lIns="91440" tIns="45720" rIns="91440" bIns="45720" rtlCol="0" anchor="b">
+            <a:noAutofit/>
+          </a:bodyPr>
+          <a:lstStyle>
+            <a:lvl1pPr>
+              <a:buNone/>
+              <a:defRPr lang="en-US" sz="2755" b="0">
+                <a:gradFill>
+                  <a:gsLst>
+                    <a:gs pos="15000">
+                      <a:schemeClr val="tx2"/>
+                    </a:gs>
+                    <a:gs pos="73000">
+                      <a:schemeClr val="tx2">
+                        <a:lumMod val="60000"/>
+                        <a:lumOff val="40000"/>
+                      </a:schemeClr>
+                    </a:gs>
+                    <a:gs pos="0">
+                      <a:schemeClr val="tx2">
+                        <a:lumMod val="90000"/>
+                        <a:lumOff val="10000"/>
+                      </a:schemeClr>
+                    </a:gs>
+                    <a:gs pos="100000">
+                      <a:schemeClr val="tx2">
+                        <a:lumMod val="0"/>
+                        <a:lumOff val="100000"/>
+                      </a:schemeClr>
+                    </a:gs>
+                  </a:gsLst>
+                  <a:lin ang="16200000" scaled="1"/>
+                </a:gradFill>
+              </a:defRPr>
+            </a:lvl1pPr>
+          </a:lstStyle>
+          <a:p>
+            <a:pPr marL="0" lvl="0" indent="0">
+              <a:buNone/>
+            </a:pPr>
+            <a:r>
+              <a:rPr lang="en-US"/>
+              <a:t>Click to edit Master text styles</a:t>
+            </a:r>
+          </a:p>
+        </p:txBody>
+      </p:sp>
+      <p:sp>
+        <p:nvSpPr>
+          <p:cNvPr id="10" name="Text Placeholder 3"/>
+          <p:cNvSpPr>
+            <a:spLocks noGrp="1"/>
+          </p:cNvSpPr>
+          <p:nvPr>
+            <p:ph type="body" sz="half" idx="16"/>
+          </p:nvPr>
+        </p:nvSpPr>
+        <p:spPr>
+          <a:xfrm>
+            <a:off x="5254521" y="7539037"/>
+            <a:ext cx="3382675" cy="10522078"/>
+          </a:xfrm>
+        </p:spPr>
+        <p:txBody>
+          <a:bodyPr anchor="t">
+            <a:normAutofit/>
+          </a:bodyPr>
+          <a:lstStyle>
+            <a:lvl1pPr marL="0" indent="0">
+              <a:buNone/>
+              <a:defRPr sz="1607"/>
+            </a:lvl1pPr>
+            <a:lvl2pPr marL="524843" indent="0">
+              <a:buNone/>
+              <a:defRPr sz="1378"/>
+            </a:lvl2pPr>
+            <a:lvl3pPr marL="1049685" indent="0">
+              <a:buNone/>
+              <a:defRPr sz="1148"/>
+            </a:lvl3pPr>
+            <a:lvl4pPr marL="1574528" indent="0">
+              <a:buNone/>
+              <a:defRPr sz="1033"/>
+            </a:lvl4pPr>
+            <a:lvl5pPr marL="2099371" indent="0">
+              <a:buNone/>
+              <a:defRPr sz="1033"/>
+            </a:lvl5pPr>
+            <a:lvl6pPr marL="2624214" indent="0">
+              <a:buNone/>
+              <a:defRPr sz="1033"/>
+            </a:lvl6pPr>
+            <a:lvl7pPr marL="3149056" indent="0">
+              <a:buNone/>
+              <a:defRPr sz="1033"/>
+            </a:lvl7pPr>
+            <a:lvl8pPr marL="3673899" indent="0">
+              <a:buNone/>
+              <a:defRPr sz="1033"/>
+            </a:lvl8pPr>
+            <a:lvl9pPr marL="4198742" indent="0">
+              <a:buNone/>
+              <a:defRPr sz="1033"/>
+            </a:lvl9pPr>
+          </a:lstStyle>
+          <a:p>
+            <a:pPr lvl="0"/>
+            <a:r>
+              <a:rPr lang="en-US"/>
+              <a:t>Click to edit Master text styles</a:t>
+            </a:r>
+          </a:p>
+        </p:txBody>
+      </p:sp>
+      <p:sp>
+        <p:nvSpPr>
+          <p:cNvPr id="11" name="Text Placeholder 4"/>
+          <p:cNvSpPr>
+            <a:spLocks noGrp="1"/>
+          </p:cNvSpPr>
+          <p:nvPr>
+            <p:ph type="body" sz="quarter" idx="13"/>
+          </p:nvPr>
+        </p:nvSpPr>
+        <p:spPr>
+          <a:xfrm>
+            <a:off x="8987082" y="5528628"/>
+            <a:ext cx="3365822" cy="1689301"/>
+          </a:xfrm>
+        </p:spPr>
+        <p:txBody>
+          <a:bodyPr vert="horz" lIns="91440" tIns="45720" rIns="91440" bIns="45720" rtlCol="0" anchor="b">
+            <a:noAutofit/>
+          </a:bodyPr>
+          <a:lstStyle>
+            <a:lvl1pPr>
+              <a:buNone/>
+              <a:defRPr lang="en-US" sz="2755" b="0" dirty="0">
+                <a:gradFill>
+                  <a:gsLst>
+                    <a:gs pos="15000">
+                      <a:schemeClr val="tx2"/>
+                    </a:gs>
+                    <a:gs pos="73000">
+                      <a:schemeClr val="tx2">
+                        <a:lumMod val="60000"/>
+                        <a:lumOff val="40000"/>
+                      </a:schemeClr>
+                    </a:gs>
+                    <a:gs pos="0">
+                      <a:schemeClr val="tx2">
+                        <a:lumMod val="90000"/>
+                        <a:lumOff val="10000"/>
+                      </a:schemeClr>
+                    </a:gs>
+                    <a:gs pos="100000">
+                      <a:schemeClr val="tx2">
+                        <a:lumMod val="0"/>
+                        <a:lumOff val="100000"/>
+                      </a:schemeClr>
+                    </a:gs>
+                  </a:gsLst>
+                  <a:lin ang="16200000" scaled="1"/>
+                </a:gradFill>
+              </a:defRPr>
+            </a:lvl1pPr>
+          </a:lstStyle>
+          <a:p>
+            <a:pPr marL="0" lvl="0" indent="0">
+              <a:buNone/>
+            </a:pPr>
+            <a:r>
+              <a:rPr lang="en-US"/>
+              <a:t>Click to edit Master text styles</a:t>
+            </a:r>
+          </a:p>
+        </p:txBody>
+      </p:sp>
+      <p:sp>
+        <p:nvSpPr>
+          <p:cNvPr id="12" name="Text Placeholder 3"/>
+          <p:cNvSpPr>
+            <a:spLocks noGrp="1"/>
+          </p:cNvSpPr>
+          <p:nvPr>
+            <p:ph type="body" sz="half" idx="17"/>
+          </p:nvPr>
+        </p:nvSpPr>
+        <p:spPr>
+          <a:xfrm>
+            <a:off x="8987082" y="7539037"/>
+            <a:ext cx="3365822" cy="10522078"/>
+          </a:xfrm>
+        </p:spPr>
+        <p:txBody>
+          <a:bodyPr anchor="t">
+            <a:normAutofit/>
+          </a:bodyPr>
+          <a:lstStyle>
+            <a:lvl1pPr marL="0" indent="0">
+              <a:buNone/>
+              <a:defRPr sz="1607"/>
+            </a:lvl1pPr>
+            <a:lvl2pPr marL="524843" indent="0">
+              <a:buNone/>
+              <a:defRPr sz="1378"/>
+            </a:lvl2pPr>
+            <a:lvl3pPr marL="1049685" indent="0">
+              <a:buNone/>
+              <a:defRPr sz="1148"/>
+            </a:lvl3pPr>
+            <a:lvl4pPr marL="1574528" indent="0">
+              <a:buNone/>
+              <a:defRPr sz="1033"/>
+            </a:lvl4pPr>
+            <a:lvl5pPr marL="2099371" indent="0">
+              <a:buNone/>
+              <a:defRPr sz="1033"/>
+            </a:lvl5pPr>
+            <a:lvl6pPr marL="2624214" indent="0">
+              <a:buNone/>
+              <a:defRPr sz="1033"/>
+            </a:lvl6pPr>
+            <a:lvl7pPr marL="3149056" indent="0">
+              <a:buNone/>
+              <a:defRPr sz="1033"/>
+            </a:lvl7pPr>
+            <a:lvl8pPr marL="3673899" indent="0">
+              <a:buNone/>
+              <a:defRPr sz="1033"/>
+            </a:lvl8pPr>
+            <a:lvl9pPr marL="4198742" indent="0">
+              <a:buNone/>
+              <a:defRPr sz="1033"/>
+            </a:lvl9pPr>
+          </a:lstStyle>
+          <a:p>
+            <a:pPr lvl="0"/>
+            <a:r>
+              <a:rPr lang="en-US"/>
+              <a:t>Click to edit Master text styles</a:t>
+            </a:r>
+          </a:p>
+        </p:txBody>
+      </p:sp>
+      <p:sp>
+        <p:nvSpPr>
+          <p:cNvPr id="3" name="Date Placeholder 2"/>
+          <p:cNvSpPr>
+            <a:spLocks noGrp="1"/>
+          </p:cNvSpPr>
+          <p:nvPr>
+            <p:ph type="dt" sz="half" idx="10"/>
+          </p:nvPr>
+        </p:nvSpPr>
+        <p:spPr/>
+        <p:txBody>
+          <a:bodyPr/>
+          <a:lstStyle/>
+          <a:p>
+            <a:fld id="{1D8BD707-D9CF-40AE-B4C6-C98DA3205C09}" type="datetimeFigureOut">
+              <a:rPr lang="en-US" smtClean="0"/>
+              <a:t>1/18/2024</a:t>
+            </a:fld>
+            <a:endParaRPr lang="en-US" dirty="0"/>
+          </a:p>
+        </p:txBody>
+      </p:sp>
+      <p:sp>
+        <p:nvSpPr>
+          <p:cNvPr id="4" name="Footer Placeholder 3"/>
+          <p:cNvSpPr>
+            <a:spLocks noGrp="1"/>
+          </p:cNvSpPr>
+          <p:nvPr>
+            <p:ph type="ftr" sz="quarter" idx="11"/>
+          </p:nvPr>
+        </p:nvSpPr>
+        <p:spPr/>
+        <p:txBody>
+          <a:bodyPr/>
+          <a:lstStyle/>
+          <a:p>
+            <a:endParaRPr lang="en-IN" dirty="0"/>
+          </a:p>
+        </p:txBody>
+      </p:sp>
+      <p:sp>
+        <p:nvSpPr>
+          <p:cNvPr id="5" name="Slide Number Placeholder 4"/>
+          <p:cNvSpPr>
+            <a:spLocks noGrp="1"/>
+          </p:cNvSpPr>
+          <p:nvPr>
+            <p:ph type="sldNum" sz="quarter" idx="12"/>
+          </p:nvPr>
+        </p:nvSpPr>
+        <p:spPr/>
+        <p:txBody>
+          <a:bodyPr/>
+          <a:lstStyle/>
+          <a:p>
+            <a:fld id="{B6F15528-21DE-4FAA-801E-634DDDAF4B2B}" type="slidenum">
+              <a:rPr lang="en-IN" smtClean="0"/>
+              <a:t>‹#›</a:t>
+            </a:fld>
+            <a:endParaRPr lang="en-IN" dirty="0"/>
+          </a:p>
+        </p:txBody>
+      </p:sp>
+    </p:spTree>
+    <p:extLst>
+      <p:ext uri="{BB962C8B-B14F-4D97-AF65-F5344CB8AC3E}">
+        <p14:creationId xmlns:p14="http://schemas.microsoft.com/office/powerpoint/2010/main" val="2476216108"/>
+      </p:ext>
+    </p:extLst>
+  </p:cSld>
+  <p:clrMapOvr>
+    <a:masterClrMapping/>
+  </p:clrMapOvr>
+</p:sldLayout>
+</file>
+
+<file path=ppt/slideLayouts/slideLayout15.xml><?xml version="1.0" encoding="utf-8"?>
+<p:sldLayout xmlns:a="http://schemas.openxmlformats.org/drawingml/2006/main" xmlns:r="http://schemas.openxmlformats.org/officeDocument/2006/relationships" xmlns:p="http://schemas.openxmlformats.org/presentationml/2006/main" preserve="1">
+  <p:cSld name="3 Picture Column">
+    <p:spTree>
+      <p:nvGrpSpPr>
+        <p:cNvPr id="1" name=""/>
+        <p:cNvGrpSpPr/>
+        <p:nvPr/>
+      </p:nvGrpSpPr>
+      <p:grpSpPr>
+        <a:xfrm>
+          <a:off x="0" y="0"/>
+          <a:ext cx="0" cy="0"/>
+          <a:chOff x="0" y="0"/>
+          <a:chExt cx="0" cy="0"/>
+        </a:xfrm>
+      </p:grpSpPr>
+      <p:sp>
+        <p:nvSpPr>
+          <p:cNvPr id="30" name="Title 1"/>
+          <p:cNvSpPr>
+            <a:spLocks noGrp="1"/>
+          </p:cNvSpPr>
+          <p:nvPr>
+            <p:ph type="title"/>
+          </p:nvPr>
+        </p:nvSpPr>
+        <p:spPr>
+          <a:xfrm>
+            <a:off x="962184" y="1070362"/>
+            <a:ext cx="12071033" cy="3885863"/>
+          </a:xfrm>
+        </p:spPr>
+        <p:txBody>
+          <a:bodyPr/>
+          <a:lstStyle/>
+          <a:p>
+            <a:r>
+              <a:rPr lang="en-US"/>
+              <a:t>Click to edit Master title style</a:t>
+            </a:r>
+            <a:endParaRPr lang="en-US" dirty="0"/>
+          </a:p>
+        </p:txBody>
+      </p:sp>
+      <p:sp>
+        <p:nvSpPr>
+          <p:cNvPr id="19" name="Text Placeholder 2"/>
+          <p:cNvSpPr>
+            <a:spLocks noGrp="1"/>
+          </p:cNvSpPr>
+          <p:nvPr>
+            <p:ph type="body" idx="1"/>
+          </p:nvPr>
+        </p:nvSpPr>
+        <p:spPr>
+          <a:xfrm>
+            <a:off x="1529123" y="12598051"/>
+            <a:ext cx="3374933" cy="1689301"/>
+          </a:xfrm>
+        </p:spPr>
+        <p:txBody>
+          <a:bodyPr anchor="b">
+            <a:noAutofit/>
+          </a:bodyPr>
+          <a:lstStyle>
+            <a:lvl1pPr marL="0" indent="0">
+              <a:buNone/>
+              <a:defRPr sz="2755" b="0">
+                <a:gradFill>
+                  <a:gsLst>
+                    <a:gs pos="34000">
+                      <a:schemeClr val="tx1">
+                        <a:lumMod val="93000"/>
+                      </a:schemeClr>
+                    </a:gs>
+                    <a:gs pos="0">
+                      <a:schemeClr val="bg1">
+                        <a:lumMod val="41000"/>
+                        <a:lumOff val="59000"/>
+                      </a:schemeClr>
+                    </a:gs>
+                    <a:gs pos="100000">
+                      <a:schemeClr val="tx2">
+                        <a:lumMod val="0"/>
+                        <a:lumOff val="100000"/>
+                      </a:schemeClr>
+                    </a:gs>
+                  </a:gsLst>
+                  <a:lin ang="4800000" scaled="0"/>
+                </a:gradFill>
+              </a:defRPr>
+            </a:lvl1pPr>
+            <a:lvl2pPr marL="524843" indent="0">
+              <a:buNone/>
+              <a:defRPr sz="2296" b="1"/>
+            </a:lvl2pPr>
+            <a:lvl3pPr marL="1049685" indent="0">
+              <a:buNone/>
+              <a:defRPr sz="2066" b="1"/>
+            </a:lvl3pPr>
+            <a:lvl4pPr marL="1574528" indent="0">
+              <a:buNone/>
+              <a:defRPr sz="1837" b="1"/>
+            </a:lvl4pPr>
+            <a:lvl5pPr marL="2099371" indent="0">
+              <a:buNone/>
+              <a:defRPr sz="1837" b="1"/>
+            </a:lvl5pPr>
+            <a:lvl6pPr marL="2624214" indent="0">
+              <a:buNone/>
+              <a:defRPr sz="1837" b="1"/>
+            </a:lvl6pPr>
+            <a:lvl7pPr marL="3149056" indent="0">
+              <a:buNone/>
+              <a:defRPr sz="1837" b="1"/>
+            </a:lvl7pPr>
+            <a:lvl8pPr marL="3673899" indent="0">
+              <a:buNone/>
+              <a:defRPr sz="1837" b="1"/>
+            </a:lvl8pPr>
+            <a:lvl9pPr marL="4198742" indent="0">
+              <a:buNone/>
+              <a:defRPr sz="1837" b="1"/>
+            </a:lvl9pPr>
+          </a:lstStyle>
+          <a:p>
+            <a:pPr lvl="0"/>
+            <a:r>
+              <a:rPr lang="en-US"/>
+              <a:t>Click to edit Master text styles</a:t>
+            </a:r>
+          </a:p>
+        </p:txBody>
+      </p:sp>
+      <p:sp>
+        <p:nvSpPr>
+          <p:cNvPr id="20" name="Picture Placeholder 2"/>
+          <p:cNvSpPr>
+            <a:spLocks noGrp="1" noChangeAspect="1"/>
+          </p:cNvSpPr>
+          <p:nvPr>
+            <p:ph type="pic" idx="15"/>
+          </p:nvPr>
+        </p:nvSpPr>
+        <p:spPr>
+          <a:xfrm>
+            <a:off x="1529123" y="6614460"/>
+            <a:ext cx="3374933" cy="4467578"/>
+          </a:xfrm>
+          <a:prstGeom prst="roundRect">
+            <a:avLst>
+              <a:gd name="adj" fmla="val 1858"/>
+            </a:avLst>
+          </a:prstGeom>
+          <a:effectLst>
+            <a:outerShdw blurRad="50800" dist="50800" dir="5400000" algn="tl" rotWithShape="0">
+              <a:srgbClr val="000000">
+                <a:alpha val="43000"/>
+              </a:srgbClr>
+            </a:outerShdw>
+          </a:effectLst>
+        </p:spPr>
+        <p:txBody>
+          <a:bodyPr anchor="t">
+            <a:normAutofit/>
+          </a:bodyPr>
+          <a:lstStyle>
+            <a:lvl1pPr marL="0" indent="0" algn="ctr">
+              <a:buNone/>
+              <a:defRPr sz="1837"/>
+            </a:lvl1pPr>
+            <a:lvl2pPr marL="524843" indent="0">
+              <a:buNone/>
+              <a:defRPr sz="1837"/>
+            </a:lvl2pPr>
+            <a:lvl3pPr marL="1049685" indent="0">
+              <a:buNone/>
+              <a:defRPr sz="1837"/>
+            </a:lvl3pPr>
+            <a:lvl4pPr marL="1574528" indent="0">
+              <a:buNone/>
+              <a:defRPr sz="1837"/>
+            </a:lvl4pPr>
+            <a:lvl5pPr marL="2099371" indent="0">
+              <a:buNone/>
+              <a:defRPr sz="1837"/>
+            </a:lvl5pPr>
+            <a:lvl6pPr marL="2624214" indent="0">
+              <a:buNone/>
+              <a:defRPr sz="1837"/>
+            </a:lvl6pPr>
+            <a:lvl7pPr marL="3149056" indent="0">
+              <a:buNone/>
+              <a:defRPr sz="1837"/>
+            </a:lvl7pPr>
+            <a:lvl8pPr marL="3673899" indent="0">
+              <a:buNone/>
+              <a:defRPr sz="1837"/>
+            </a:lvl8pPr>
+            <a:lvl9pPr marL="4198742" indent="0">
+              <a:buNone/>
+              <a:defRPr sz="1837"/>
+            </a:lvl9pPr>
+          </a:lstStyle>
+          <a:p>
+            <a:r>
+              <a:rPr lang="en-US"/>
+              <a:t>Click icon to add picture</a:t>
+            </a:r>
+            <a:endParaRPr lang="en-US" dirty="0"/>
+          </a:p>
+        </p:txBody>
+      </p:sp>
+      <p:sp>
+        <p:nvSpPr>
+          <p:cNvPr id="21" name="Text Placeholder 3"/>
+          <p:cNvSpPr>
+            <a:spLocks noGrp="1"/>
+          </p:cNvSpPr>
+          <p:nvPr>
+            <p:ph type="body" sz="half" idx="18"/>
+          </p:nvPr>
+        </p:nvSpPr>
+        <p:spPr>
+          <a:xfrm>
+            <a:off x="1529123" y="14287356"/>
+            <a:ext cx="3374933" cy="1932400"/>
+          </a:xfrm>
+        </p:spPr>
+        <p:txBody>
+          <a:bodyPr anchor="t">
+            <a:normAutofit/>
+          </a:bodyPr>
+          <a:lstStyle>
+            <a:lvl1pPr marL="0" indent="0">
+              <a:buNone/>
+              <a:defRPr sz="1607"/>
+            </a:lvl1pPr>
+            <a:lvl2pPr marL="524843" indent="0">
+              <a:buNone/>
+              <a:defRPr sz="1378"/>
+            </a:lvl2pPr>
+            <a:lvl3pPr marL="1049685" indent="0">
+              <a:buNone/>
+              <a:defRPr sz="1148"/>
+            </a:lvl3pPr>
+            <a:lvl4pPr marL="1574528" indent="0">
+              <a:buNone/>
+              <a:defRPr sz="1033"/>
+            </a:lvl4pPr>
+            <a:lvl5pPr marL="2099371" indent="0">
+              <a:buNone/>
+              <a:defRPr sz="1033"/>
+            </a:lvl5pPr>
+            <a:lvl6pPr marL="2624214" indent="0">
+              <a:buNone/>
+              <a:defRPr sz="1033"/>
+            </a:lvl6pPr>
+            <a:lvl7pPr marL="3149056" indent="0">
+              <a:buNone/>
+              <a:defRPr sz="1033"/>
+            </a:lvl7pPr>
+            <a:lvl8pPr marL="3673899" indent="0">
+              <a:buNone/>
+              <a:defRPr sz="1033"/>
+            </a:lvl8pPr>
+            <a:lvl9pPr marL="4198742" indent="0">
+              <a:buNone/>
+              <a:defRPr sz="1033"/>
+            </a:lvl9pPr>
+          </a:lstStyle>
+          <a:p>
+            <a:pPr lvl="0"/>
+            <a:r>
+              <a:rPr lang="en-US"/>
+              <a:t>Click to edit Master text styles</a:t>
+            </a:r>
+          </a:p>
+        </p:txBody>
+      </p:sp>
+      <p:sp>
+        <p:nvSpPr>
+          <p:cNvPr id="22" name="Text Placeholder 4"/>
+          <p:cNvSpPr>
+            <a:spLocks noGrp="1"/>
+          </p:cNvSpPr>
+          <p:nvPr>
+            <p:ph type="body" sz="quarter" idx="3"/>
+          </p:nvPr>
+        </p:nvSpPr>
+        <p:spPr>
+          <a:xfrm>
+            <a:off x="5244828" y="12598051"/>
+            <a:ext cx="3363999" cy="1689301"/>
+          </a:xfrm>
+        </p:spPr>
+        <p:txBody>
+          <a:bodyPr anchor="b">
+            <a:noAutofit/>
+          </a:bodyPr>
+          <a:lstStyle>
+            <a:lvl1pPr marL="0" indent="0">
+              <a:buNone/>
+              <a:defRPr sz="2755" b="0">
+                <a:gradFill>
+                  <a:gsLst>
+                    <a:gs pos="34000">
+                      <a:schemeClr val="tx1">
+                        <a:lumMod val="93000"/>
+                      </a:schemeClr>
+                    </a:gs>
+                    <a:gs pos="0">
+                      <a:schemeClr val="bg1">
+                        <a:lumMod val="41000"/>
+                        <a:lumOff val="59000"/>
+                      </a:schemeClr>
+                    </a:gs>
+                    <a:gs pos="100000">
+                      <a:schemeClr val="tx2">
+                        <a:lumMod val="0"/>
+                        <a:lumOff val="100000"/>
+                      </a:schemeClr>
+                    </a:gs>
+                  </a:gsLst>
+                  <a:lin ang="4800000" scaled="0"/>
+                </a:gradFill>
+              </a:defRPr>
+            </a:lvl1pPr>
+            <a:lvl2pPr marL="524843" indent="0">
+              <a:buNone/>
+              <a:defRPr sz="2296" b="1"/>
+            </a:lvl2pPr>
+            <a:lvl3pPr marL="1049685" indent="0">
+              <a:buNone/>
+              <a:defRPr sz="2066" b="1"/>
+            </a:lvl3pPr>
+            <a:lvl4pPr marL="1574528" indent="0">
+              <a:buNone/>
+              <a:defRPr sz="1837" b="1"/>
+            </a:lvl4pPr>
+            <a:lvl5pPr marL="2099371" indent="0">
+              <a:buNone/>
+              <a:defRPr sz="1837" b="1"/>
+            </a:lvl5pPr>
+            <a:lvl6pPr marL="2624214" indent="0">
+              <a:buNone/>
+              <a:defRPr sz="1837" b="1"/>
+            </a:lvl6pPr>
+            <a:lvl7pPr marL="3149056" indent="0">
+              <a:buNone/>
+              <a:defRPr sz="1837" b="1"/>
+            </a:lvl7pPr>
+            <a:lvl8pPr marL="3673899" indent="0">
+              <a:buNone/>
+              <a:defRPr sz="1837" b="1"/>
+            </a:lvl8pPr>
+            <a:lvl9pPr marL="4198742" indent="0">
+              <a:buNone/>
+              <a:defRPr sz="1837" b="1"/>
+            </a:lvl9pPr>
+          </a:lstStyle>
+          <a:p>
+            <a:pPr lvl="0"/>
+            <a:r>
+              <a:rPr lang="en-US"/>
+              <a:t>Click to edit Master text styles</a:t>
+            </a:r>
+          </a:p>
+        </p:txBody>
+      </p:sp>
+      <p:sp>
+        <p:nvSpPr>
+          <p:cNvPr id="23" name="Picture Placeholder 2"/>
+          <p:cNvSpPr>
+            <a:spLocks noGrp="1" noChangeAspect="1"/>
+          </p:cNvSpPr>
+          <p:nvPr>
+            <p:ph type="pic" idx="21"/>
+          </p:nvPr>
+        </p:nvSpPr>
+        <p:spPr>
+          <a:xfrm>
+            <a:off x="5244827" y="6614460"/>
+            <a:ext cx="3363999" cy="4467578"/>
+          </a:xfrm>
+          <a:prstGeom prst="roundRect">
+            <a:avLst>
+              <a:gd name="adj" fmla="val 1858"/>
+            </a:avLst>
+          </a:prstGeom>
+          <a:effectLst>
+            <a:outerShdw blurRad="50800" dist="50800" dir="5400000" algn="tl" rotWithShape="0">
+              <a:srgbClr val="000000">
+                <a:alpha val="43000"/>
+              </a:srgbClr>
+            </a:outerShdw>
+          </a:effectLst>
+        </p:spPr>
+        <p:txBody>
+          <a:bodyPr anchor="t">
+            <a:normAutofit/>
+          </a:bodyPr>
+          <a:lstStyle>
+            <a:lvl1pPr marL="0" indent="0" algn="ctr">
+              <a:buNone/>
+              <a:defRPr sz="1837"/>
+            </a:lvl1pPr>
+            <a:lvl2pPr marL="524843" indent="0">
+              <a:buNone/>
+              <a:defRPr sz="1837"/>
+            </a:lvl2pPr>
+            <a:lvl3pPr marL="1049685" indent="0">
+              <a:buNone/>
+              <a:defRPr sz="1837"/>
+            </a:lvl3pPr>
+            <a:lvl4pPr marL="1574528" indent="0">
+              <a:buNone/>
+              <a:defRPr sz="1837"/>
+            </a:lvl4pPr>
+            <a:lvl5pPr marL="2099371" indent="0">
+              <a:buNone/>
+              <a:defRPr sz="1837"/>
+            </a:lvl5pPr>
+            <a:lvl6pPr marL="2624214" indent="0">
+              <a:buNone/>
+              <a:defRPr sz="1837"/>
+            </a:lvl6pPr>
+            <a:lvl7pPr marL="3149056" indent="0">
+              <a:buNone/>
+              <a:defRPr sz="1837"/>
+            </a:lvl7pPr>
+            <a:lvl8pPr marL="3673899" indent="0">
+              <a:buNone/>
+              <a:defRPr sz="1837"/>
+            </a:lvl8pPr>
+            <a:lvl9pPr marL="4198742" indent="0">
+              <a:buNone/>
+              <a:defRPr sz="1837"/>
+            </a:lvl9pPr>
+          </a:lstStyle>
+          <a:p>
+            <a:r>
+              <a:rPr lang="en-US"/>
+              <a:t>Click icon to add picture</a:t>
+            </a:r>
+            <a:endParaRPr lang="en-US" dirty="0"/>
+          </a:p>
+        </p:txBody>
+      </p:sp>
+      <p:sp>
+        <p:nvSpPr>
+          <p:cNvPr id="24" name="Text Placeholder 3"/>
+          <p:cNvSpPr>
+            <a:spLocks noGrp="1"/>
+          </p:cNvSpPr>
+          <p:nvPr>
+            <p:ph type="body" sz="half" idx="19"/>
+          </p:nvPr>
+        </p:nvSpPr>
+        <p:spPr>
+          <a:xfrm>
+            <a:off x="5243276" y="14287353"/>
+            <a:ext cx="3368454" cy="1932400"/>
+          </a:xfrm>
+        </p:spPr>
+        <p:txBody>
+          <a:bodyPr anchor="t">
+            <a:normAutofit/>
+          </a:bodyPr>
+          <a:lstStyle>
+            <a:lvl1pPr marL="0" indent="0">
+              <a:buNone/>
+              <a:defRPr sz="1607"/>
+            </a:lvl1pPr>
+            <a:lvl2pPr marL="524843" indent="0">
+              <a:buNone/>
+              <a:defRPr sz="1378"/>
+            </a:lvl2pPr>
+            <a:lvl3pPr marL="1049685" indent="0">
+              <a:buNone/>
+              <a:defRPr sz="1148"/>
+            </a:lvl3pPr>
+            <a:lvl4pPr marL="1574528" indent="0">
+              <a:buNone/>
+              <a:defRPr sz="1033"/>
+            </a:lvl4pPr>
+            <a:lvl5pPr marL="2099371" indent="0">
+              <a:buNone/>
+              <a:defRPr sz="1033"/>
+            </a:lvl5pPr>
+            <a:lvl6pPr marL="2624214" indent="0">
+              <a:buNone/>
+              <a:defRPr sz="1033"/>
+            </a:lvl6pPr>
+            <a:lvl7pPr marL="3149056" indent="0">
+              <a:buNone/>
+              <a:defRPr sz="1033"/>
+            </a:lvl7pPr>
+            <a:lvl8pPr marL="3673899" indent="0">
+              <a:buNone/>
+              <a:defRPr sz="1033"/>
+            </a:lvl8pPr>
+            <a:lvl9pPr marL="4198742" indent="0">
+              <a:buNone/>
+              <a:defRPr sz="1033"/>
+            </a:lvl9pPr>
+          </a:lstStyle>
+          <a:p>
+            <a:pPr lvl="0"/>
+            <a:r>
+              <a:rPr lang="en-US"/>
+              <a:t>Click to edit Master text styles</a:t>
+            </a:r>
+          </a:p>
+        </p:txBody>
+      </p:sp>
+      <p:sp>
+        <p:nvSpPr>
+          <p:cNvPr id="25" name="Text Placeholder 4"/>
+          <p:cNvSpPr>
+            <a:spLocks noGrp="1"/>
+          </p:cNvSpPr>
+          <p:nvPr>
+            <p:ph type="body" sz="quarter" idx="13"/>
+          </p:nvPr>
+        </p:nvSpPr>
+        <p:spPr>
+          <a:xfrm>
+            <a:off x="8958713" y="12598051"/>
+            <a:ext cx="3365822" cy="1689301"/>
+          </a:xfrm>
+        </p:spPr>
+        <p:txBody>
+          <a:bodyPr anchor="b">
+            <a:noAutofit/>
+          </a:bodyPr>
+          <a:lstStyle>
+            <a:lvl1pPr marL="0" indent="0">
+              <a:buNone/>
+              <a:defRPr sz="2755" b="0">
+                <a:gradFill>
+                  <a:gsLst>
+                    <a:gs pos="34000">
+                      <a:schemeClr val="tx1">
+                        <a:lumMod val="93000"/>
+                      </a:schemeClr>
+                    </a:gs>
+                    <a:gs pos="0">
+                      <a:schemeClr val="bg1">
+                        <a:lumMod val="41000"/>
+                        <a:lumOff val="59000"/>
+                      </a:schemeClr>
+                    </a:gs>
+                    <a:gs pos="100000">
+                      <a:schemeClr val="tx2">
+                        <a:lumMod val="0"/>
+                        <a:lumOff val="100000"/>
+                      </a:schemeClr>
+                    </a:gs>
+                  </a:gsLst>
+                  <a:lin ang="4800000" scaled="0"/>
+                </a:gradFill>
+              </a:defRPr>
+            </a:lvl1pPr>
+            <a:lvl2pPr marL="524843" indent="0">
+              <a:buNone/>
+              <a:defRPr sz="2296" b="1"/>
+            </a:lvl2pPr>
+            <a:lvl3pPr marL="1049685" indent="0">
+              <a:buNone/>
+              <a:defRPr sz="2066" b="1"/>
+            </a:lvl3pPr>
+            <a:lvl4pPr marL="1574528" indent="0">
+              <a:buNone/>
+              <a:defRPr sz="1837" b="1"/>
+            </a:lvl4pPr>
+            <a:lvl5pPr marL="2099371" indent="0">
+              <a:buNone/>
+              <a:defRPr sz="1837" b="1"/>
+            </a:lvl5pPr>
+            <a:lvl6pPr marL="2624214" indent="0">
+              <a:buNone/>
+              <a:defRPr sz="1837" b="1"/>
+            </a:lvl6pPr>
+            <a:lvl7pPr marL="3149056" indent="0">
+              <a:buNone/>
+              <a:defRPr sz="1837" b="1"/>
+            </a:lvl7pPr>
+            <a:lvl8pPr marL="3673899" indent="0">
+              <a:buNone/>
+              <a:defRPr sz="1837" b="1"/>
+            </a:lvl8pPr>
+            <a:lvl9pPr marL="4198742" indent="0">
+              <a:buNone/>
+              <a:defRPr sz="1837" b="1"/>
+            </a:lvl9pPr>
+          </a:lstStyle>
+          <a:p>
+            <a:pPr lvl="0"/>
+            <a:r>
+              <a:rPr lang="en-US"/>
+              <a:t>Click to edit Master text styles</a:t>
+            </a:r>
+          </a:p>
+        </p:txBody>
+      </p:sp>
+      <p:sp>
+        <p:nvSpPr>
+          <p:cNvPr id="26" name="Picture Placeholder 2"/>
+          <p:cNvSpPr>
+            <a:spLocks noGrp="1" noChangeAspect="1"/>
+          </p:cNvSpPr>
+          <p:nvPr>
+            <p:ph type="pic" idx="22"/>
+          </p:nvPr>
+        </p:nvSpPr>
+        <p:spPr>
+          <a:xfrm>
+            <a:off x="8958711" y="6614460"/>
+            <a:ext cx="3365822" cy="4467578"/>
+          </a:xfrm>
+          <a:prstGeom prst="roundRect">
+            <a:avLst>
+              <a:gd name="adj" fmla="val 1858"/>
+            </a:avLst>
+          </a:prstGeom>
+          <a:effectLst>
+            <a:outerShdw blurRad="50800" dist="50800" dir="5400000" algn="tl" rotWithShape="0">
+              <a:srgbClr val="000000">
+                <a:alpha val="43000"/>
+              </a:srgbClr>
+            </a:outerShdw>
+          </a:effectLst>
+        </p:spPr>
+        <p:txBody>
+          <a:bodyPr anchor="t">
+            <a:normAutofit/>
+          </a:bodyPr>
+          <a:lstStyle>
+            <a:lvl1pPr marL="0" indent="0" algn="ctr">
+              <a:buNone/>
+              <a:defRPr sz="1837"/>
+            </a:lvl1pPr>
+            <a:lvl2pPr marL="524843" indent="0">
+              <a:buNone/>
+              <a:defRPr sz="1837"/>
+            </a:lvl2pPr>
+            <a:lvl3pPr marL="1049685" indent="0">
+              <a:buNone/>
+              <a:defRPr sz="1837"/>
+            </a:lvl3pPr>
+            <a:lvl4pPr marL="1574528" indent="0">
+              <a:buNone/>
+              <a:defRPr sz="1837"/>
+            </a:lvl4pPr>
+            <a:lvl5pPr marL="2099371" indent="0">
+              <a:buNone/>
+              <a:defRPr sz="1837"/>
+            </a:lvl5pPr>
+            <a:lvl6pPr marL="2624214" indent="0">
+              <a:buNone/>
+              <a:defRPr sz="1837"/>
+            </a:lvl6pPr>
+            <a:lvl7pPr marL="3149056" indent="0">
+              <a:buNone/>
+              <a:defRPr sz="1837"/>
+            </a:lvl7pPr>
+            <a:lvl8pPr marL="3673899" indent="0">
+              <a:buNone/>
+              <a:defRPr sz="1837"/>
+            </a:lvl8pPr>
+            <a:lvl9pPr marL="4198742" indent="0">
+              <a:buNone/>
+              <a:defRPr sz="1837"/>
+            </a:lvl9pPr>
+          </a:lstStyle>
+          <a:p>
+            <a:r>
+              <a:rPr lang="en-US"/>
+              <a:t>Click icon to add picture</a:t>
+            </a:r>
+            <a:endParaRPr lang="en-US" dirty="0"/>
+          </a:p>
+        </p:txBody>
+      </p:sp>
+      <p:sp>
+        <p:nvSpPr>
+          <p:cNvPr id="27" name="Text Placeholder 3"/>
+          <p:cNvSpPr>
+            <a:spLocks noGrp="1"/>
+          </p:cNvSpPr>
+          <p:nvPr>
+            <p:ph type="body" sz="half" idx="20"/>
+          </p:nvPr>
+        </p:nvSpPr>
+        <p:spPr>
+          <a:xfrm>
+            <a:off x="8958568" y="14287348"/>
+            <a:ext cx="3370280" cy="1932400"/>
+          </a:xfrm>
+        </p:spPr>
+        <p:txBody>
+          <a:bodyPr anchor="t">
+            <a:normAutofit/>
+          </a:bodyPr>
+          <a:lstStyle>
+            <a:lvl1pPr marL="0" indent="0">
+              <a:buNone/>
+              <a:defRPr sz="1607"/>
+            </a:lvl1pPr>
+            <a:lvl2pPr marL="524843" indent="0">
+              <a:buNone/>
+              <a:defRPr sz="1378"/>
+            </a:lvl2pPr>
+            <a:lvl3pPr marL="1049685" indent="0">
+              <a:buNone/>
+              <a:defRPr sz="1148"/>
+            </a:lvl3pPr>
+            <a:lvl4pPr marL="1574528" indent="0">
+              <a:buNone/>
+              <a:defRPr sz="1033"/>
+            </a:lvl4pPr>
+            <a:lvl5pPr marL="2099371" indent="0">
+              <a:buNone/>
+              <a:defRPr sz="1033"/>
+            </a:lvl5pPr>
+            <a:lvl6pPr marL="2624214" indent="0">
+              <a:buNone/>
+              <a:defRPr sz="1033"/>
+            </a:lvl6pPr>
+            <a:lvl7pPr marL="3149056" indent="0">
+              <a:buNone/>
+              <a:defRPr sz="1033"/>
+            </a:lvl7pPr>
+            <a:lvl8pPr marL="3673899" indent="0">
+              <a:buNone/>
+              <a:defRPr sz="1033"/>
+            </a:lvl8pPr>
+            <a:lvl9pPr marL="4198742" indent="0">
+              <a:buNone/>
+              <a:defRPr sz="1033"/>
+            </a:lvl9pPr>
+          </a:lstStyle>
+          <a:p>
+            <a:pPr lvl="0"/>
+            <a:r>
+              <a:rPr lang="en-US"/>
+              <a:t>Click to edit Master text styles</a:t>
+            </a:r>
+          </a:p>
+        </p:txBody>
+      </p:sp>
+      <p:sp>
+        <p:nvSpPr>
+          <p:cNvPr id="3" name="Date Placeholder 2"/>
+          <p:cNvSpPr>
+            <a:spLocks noGrp="1"/>
+          </p:cNvSpPr>
+          <p:nvPr>
+            <p:ph type="dt" sz="half" idx="10"/>
+          </p:nvPr>
+        </p:nvSpPr>
+        <p:spPr/>
+        <p:txBody>
+          <a:bodyPr/>
+          <a:lstStyle/>
+          <a:p>
+            <a:fld id="{1D8BD707-D9CF-40AE-B4C6-C98DA3205C09}" type="datetimeFigureOut">
+              <a:rPr lang="en-US" smtClean="0"/>
+              <a:t>1/18/2024</a:t>
+            </a:fld>
+            <a:endParaRPr lang="en-US" dirty="0"/>
+          </a:p>
+        </p:txBody>
+      </p:sp>
+      <p:sp>
+        <p:nvSpPr>
+          <p:cNvPr id="4" name="Footer Placeholder 3"/>
+          <p:cNvSpPr>
+            <a:spLocks noGrp="1"/>
+          </p:cNvSpPr>
+          <p:nvPr>
+            <p:ph type="ftr" sz="quarter" idx="11"/>
+          </p:nvPr>
+        </p:nvSpPr>
+        <p:spPr/>
+        <p:txBody>
+          <a:bodyPr/>
+          <a:lstStyle/>
+          <a:p>
+            <a:endParaRPr lang="en-IN" dirty="0"/>
+          </a:p>
+        </p:txBody>
+      </p:sp>
+      <p:sp>
+        <p:nvSpPr>
+          <p:cNvPr id="5" name="Slide Number Placeholder 4"/>
+          <p:cNvSpPr>
+            <a:spLocks noGrp="1"/>
+          </p:cNvSpPr>
+          <p:nvPr>
+            <p:ph type="sldNum" sz="quarter" idx="12"/>
+          </p:nvPr>
+        </p:nvSpPr>
+        <p:spPr/>
+        <p:txBody>
+          <a:bodyPr/>
+          <a:lstStyle/>
+          <a:p>
+            <a:fld id="{B6F15528-21DE-4FAA-801E-634DDDAF4B2B}" type="slidenum">
+              <a:rPr lang="en-IN" smtClean="0"/>
+              <a:t>‹#›</a:t>
+            </a:fld>
+            <a:endParaRPr lang="en-IN" dirty="0"/>
+          </a:p>
+        </p:txBody>
+      </p:sp>
+    </p:spTree>
+    <p:extLst>
+      <p:ext uri="{BB962C8B-B14F-4D97-AF65-F5344CB8AC3E}">
+        <p14:creationId xmlns:p14="http://schemas.microsoft.com/office/powerpoint/2010/main" val="49109511"/>
+      </p:ext>
+    </p:extLst>
+  </p:cSld>
+  <p:clrMapOvr>
+    <a:masterClrMapping/>
+  </p:clrMapOvr>
+</p:sldLayout>
+</file>
+
+<file path=ppt/slideLayouts/slideLayout16.xml><?xml version="1.0" encoding="utf-8"?>
 <p:sldLayout xmlns:a="http://schemas.openxmlformats.org/drawingml/2006/main" xmlns:r="http://schemas.openxmlformats.org/officeDocument/2006/relationships" xmlns:p="http://schemas.openxmlformats.org/presentationml/2006/main" type="vertTx" preserve="1">
   <p:cSld name="Title and Vertical Text">
     <p:spTree>
@@ -353,9 +3138,10 @@
           <a:lstStyle/>
           <a:p>
             <a:r>
-              <a:rPr kumimoji="0" lang="en-US"/>
+              <a:rPr lang="en-US"/>
               <a:t>Click to edit Master title style</a:t>
             </a:r>
+            <a:endParaRPr lang="en-US" dirty="0"/>
           </a:p>
         </p:txBody>
       </p:sp>
@@ -374,40 +3160,40 @@
           <a:bodyPr vert="eaVert"/>
           <a:lstStyle/>
           <a:p>
-            <a:pPr lvl="0" eaLnBrk="1" latinLnBrk="0" hangingPunct="1"/>
+            <a:pPr lvl="0"/>
             <a:r>
               <a:rPr lang="en-US"/>
               <a:t>Click to edit Master text styles</a:t>
             </a:r>
           </a:p>
           <a:p>
-            <a:pPr lvl="1" eaLnBrk="1" latinLnBrk="0" hangingPunct="1"/>
+            <a:pPr lvl="1"/>
             <a:r>
               <a:rPr lang="en-US"/>
               <a:t>Second level</a:t>
             </a:r>
           </a:p>
           <a:p>
-            <a:pPr lvl="2" eaLnBrk="1" latinLnBrk="0" hangingPunct="1"/>
+            <a:pPr lvl="2"/>
             <a:r>
               <a:rPr lang="en-US"/>
               <a:t>Third level</a:t>
             </a:r>
           </a:p>
           <a:p>
-            <a:pPr lvl="3" eaLnBrk="1" latinLnBrk="0" hangingPunct="1"/>
+            <a:pPr lvl="3"/>
             <a:r>
               <a:rPr lang="en-US"/>
               <a:t>Fourth level</a:t>
             </a:r>
           </a:p>
           <a:p>
-            <a:pPr lvl="4" eaLnBrk="1" latinLnBrk="0" hangingPunct="1"/>
+            <a:pPr lvl="4"/>
             <a:r>
               <a:rPr lang="en-US"/>
               <a:t>Fifth level</a:t>
             </a:r>
-            <a:endParaRPr kumimoji="0" lang="en-US"/>
+            <a:endParaRPr lang="en-US" dirty="0"/>
           </a:p>
         </p:txBody>
       </p:sp>
@@ -477,6 +3263,11 @@
         </p:txBody>
       </p:sp>
     </p:spTree>
+    <p:extLst>
+      <p:ext uri="{BB962C8B-B14F-4D97-AF65-F5344CB8AC3E}">
+        <p14:creationId xmlns:p14="http://schemas.microsoft.com/office/powerpoint/2010/main" val="2424071001"/>
+      </p:ext>
+    </p:extLst>
   </p:cSld>
   <p:clrMapOvr>
     <a:masterClrMapping/>
@@ -484,8 +3275,8 @@
 </p:sldLayout>
 </file>
 
-<file path=ppt/slideLayouts/slideLayout11.xml><?xml version="1.0" encoding="utf-8"?>
-<p:sldLayout xmlns:a="http://schemas.openxmlformats.org/drawingml/2006/main" xmlns:r="http://schemas.openxmlformats.org/officeDocument/2006/relationships" xmlns:p="http://schemas.openxmlformats.org/presentationml/2006/main" showMasterSp="0" type="vertTitleAndTx" preserve="1">
+<file path=ppt/slideLayouts/slideLayout17.xml><?xml version="1.0" encoding="utf-8"?>
+<p:sldLayout xmlns:a="http://schemas.openxmlformats.org/drawingml/2006/main" xmlns:r="http://schemas.openxmlformats.org/officeDocument/2006/relationships" xmlns:p="http://schemas.openxmlformats.org/presentationml/2006/main" type="vertTitleAndTx" preserve="1">
   <p:cSld name="Vertical Title and Text">
     <p:spTree>
       <p:nvGrpSpPr>
@@ -513,8 +3304,8 @@
         </p:nvSpPr>
         <p:spPr>
           <a:xfrm>
-            <a:off x="10496550" y="1610194"/>
-            <a:ext cx="2799080" cy="17153637"/>
+            <a:off x="10015459" y="1070357"/>
+            <a:ext cx="3017758" cy="17037295"/>
           </a:xfrm>
         </p:spPr>
         <p:txBody>
@@ -522,9 +3313,10 @@
           <a:lstStyle/>
           <a:p>
             <a:r>
-              <a:rPr kumimoji="0" lang="en-US"/>
+              <a:rPr lang="en-US"/>
               <a:t>Click to edit Master title style</a:t>
             </a:r>
+            <a:endParaRPr lang="en-US" dirty="0"/>
           </a:p>
         </p:txBody>
       </p:sp>
@@ -540,48 +3332,48 @@
         </p:nvSpPr>
         <p:spPr>
           <a:xfrm>
-            <a:off x="699770" y="1610194"/>
-            <a:ext cx="9563523" cy="17153637"/>
+            <a:off x="962184" y="1070357"/>
+            <a:ext cx="8878332" cy="17037295"/>
           </a:xfrm>
         </p:spPr>
         <p:txBody>
           <a:bodyPr vert="eaVert"/>
           <a:lstStyle/>
           <a:p>
-            <a:pPr lvl="0" eaLnBrk="1" latinLnBrk="0" hangingPunct="1"/>
+            <a:pPr lvl="0"/>
             <a:r>
               <a:rPr lang="en-US"/>
               <a:t>Click to edit Master text styles</a:t>
             </a:r>
           </a:p>
           <a:p>
-            <a:pPr lvl="1" eaLnBrk="1" latinLnBrk="0" hangingPunct="1"/>
+            <a:pPr lvl="1"/>
             <a:r>
               <a:rPr lang="en-US"/>
               <a:t>Second level</a:t>
             </a:r>
           </a:p>
           <a:p>
-            <a:pPr lvl="2" eaLnBrk="1" latinLnBrk="0" hangingPunct="1"/>
+            <a:pPr lvl="2"/>
             <a:r>
               <a:rPr lang="en-US"/>
               <a:t>Third level</a:t>
             </a:r>
           </a:p>
           <a:p>
-            <a:pPr lvl="3" eaLnBrk="1" latinLnBrk="0" hangingPunct="1"/>
+            <a:pPr lvl="3"/>
             <a:r>
               <a:rPr lang="en-US"/>
               <a:t>Fourth level</a:t>
             </a:r>
           </a:p>
           <a:p>
-            <a:pPr lvl="4" eaLnBrk="1" latinLnBrk="0" hangingPunct="1"/>
+            <a:pPr lvl="4"/>
             <a:r>
               <a:rPr lang="en-US"/>
               <a:t>Fifth level</a:t>
             </a:r>
-            <a:endParaRPr kumimoji="0" lang="en-US"/>
+            <a:endParaRPr lang="en-US" dirty="0"/>
           </a:p>
         </p:txBody>
       </p:sp>
@@ -651,6 +3443,11 @@
         </p:txBody>
       </p:sp>
     </p:spTree>
+    <p:extLst>
+      <p:ext uri="{BB962C8B-B14F-4D97-AF65-F5344CB8AC3E}">
+        <p14:creationId xmlns:p14="http://schemas.microsoft.com/office/powerpoint/2010/main" val="2187129041"/>
+      </p:ext>
+    </p:extLst>
   </p:cSld>
   <p:clrMapOvr>
     <a:masterClrMapping/>
@@ -677,7 +3474,7 @@
       </p:grpSpPr>
       <p:sp>
         <p:nvSpPr>
-          <p:cNvPr id="22" name="Title 21"/>
+          <p:cNvPr id="8" name="Title 1"/>
           <p:cNvSpPr>
             <a:spLocks noGrp="1"/>
           </p:cNvSpPr>
@@ -691,15 +3488,16 @@
           <a:lstStyle/>
           <a:p>
             <a:r>
-              <a:rPr kumimoji="0" lang="en-US"/>
+              <a:rPr lang="en-US"/>
               <a:t>Click to edit Master title style</a:t>
             </a:r>
-          </a:p>
-        </p:txBody>
-      </p:sp>
-      <p:sp>
-        <p:nvSpPr>
-          <p:cNvPr id="27" name="Content Placeholder 26"/>
+            <a:endParaRPr lang="en-US" dirty="0"/>
+          </a:p>
+        </p:txBody>
+      </p:sp>
+      <p:sp>
+        <p:nvSpPr>
+          <p:cNvPr id="3" name="Content Placeholder 2"/>
           <p:cNvSpPr>
             <a:spLocks noGrp="1"/>
           </p:cNvSpPr>
@@ -712,46 +3510,46 @@
           <a:bodyPr/>
           <a:lstStyle/>
           <a:p>
-            <a:pPr lvl="0" eaLnBrk="1" latinLnBrk="0" hangingPunct="1"/>
+            <a:pPr lvl="0"/>
             <a:r>
               <a:rPr lang="en-US"/>
               <a:t>Click to edit Master text styles</a:t>
             </a:r>
           </a:p>
           <a:p>
-            <a:pPr lvl="1" eaLnBrk="1" latinLnBrk="0" hangingPunct="1"/>
+            <a:pPr lvl="1"/>
             <a:r>
               <a:rPr lang="en-US"/>
               <a:t>Second level</a:t>
             </a:r>
           </a:p>
           <a:p>
-            <a:pPr lvl="2" eaLnBrk="1" latinLnBrk="0" hangingPunct="1"/>
+            <a:pPr lvl="2"/>
             <a:r>
               <a:rPr lang="en-US"/>
               <a:t>Third level</a:t>
             </a:r>
           </a:p>
           <a:p>
-            <a:pPr lvl="3" eaLnBrk="1" latinLnBrk="0" hangingPunct="1"/>
+            <a:pPr lvl="3"/>
             <a:r>
               <a:rPr lang="en-US"/>
               <a:t>Fourth level</a:t>
             </a:r>
           </a:p>
           <a:p>
-            <a:pPr lvl="4" eaLnBrk="1" latinLnBrk="0" hangingPunct="1"/>
+            <a:pPr lvl="4"/>
             <a:r>
               <a:rPr lang="en-US"/>
               <a:t>Fifth level</a:t>
             </a:r>
-            <a:endParaRPr kumimoji="0" lang="en-US"/>
-          </a:p>
-        </p:txBody>
-      </p:sp>
-      <p:sp>
-        <p:nvSpPr>
-          <p:cNvPr id="25" name="Date Placeholder 24"/>
+            <a:endParaRPr lang="en-US" dirty="0"/>
+          </a:p>
+        </p:txBody>
+      </p:sp>
+      <p:sp>
+        <p:nvSpPr>
+          <p:cNvPr id="4" name="Date Placeholder 3"/>
           <p:cNvSpPr>
             <a:spLocks noGrp="1"/>
           </p:cNvSpPr>
@@ -774,7 +3572,7 @@
       </p:sp>
       <p:sp>
         <p:nvSpPr>
-          <p:cNvPr id="19" name="Footer Placeholder 18"/>
+          <p:cNvPr id="5" name="Footer Placeholder 4"/>
           <p:cNvSpPr>
             <a:spLocks noGrp="1"/>
           </p:cNvSpPr>
@@ -782,12 +3580,7 @@
             <p:ph type="ftr" sz="quarter" idx="11"/>
           </p:nvPr>
         </p:nvSpPr>
-        <p:spPr>
-          <a:xfrm>
-            <a:off x="5481532" y="223380"/>
-            <a:ext cx="4431877" cy="846978"/>
-          </a:xfrm>
-        </p:spPr>
+        <p:spPr/>
         <p:txBody>
           <a:bodyPr/>
           <a:lstStyle/>
@@ -798,7 +3591,7 @@
       </p:sp>
       <p:sp>
         <p:nvSpPr>
-          <p:cNvPr id="16" name="Slide Number Placeholder 15"/>
+          <p:cNvPr id="6" name="Slide Number Placeholder 5"/>
           <p:cNvSpPr>
             <a:spLocks noGrp="1"/>
           </p:cNvSpPr>
@@ -806,12 +3599,7 @@
             <p:ph type="sldNum" sz="quarter" idx="12"/>
           </p:nvPr>
         </p:nvSpPr>
-        <p:spPr>
-          <a:xfrm>
-            <a:off x="12595860" y="18978270"/>
-            <a:ext cx="1161618" cy="723748"/>
-          </a:xfrm>
-        </p:spPr>
+        <p:spPr/>
         <p:txBody>
           <a:bodyPr/>
           <a:lstStyle/>
@@ -825,6 +3613,11 @@
         </p:txBody>
       </p:sp>
     </p:spTree>
+    <p:extLst>
+      <p:ext uri="{BB962C8B-B14F-4D97-AF65-F5344CB8AC3E}">
+        <p14:creationId xmlns:p14="http://schemas.microsoft.com/office/powerpoint/2010/main" val="608227731"/>
+      </p:ext>
+    </p:extLst>
   </p:cSld>
   <p:clrMapOvr>
     <a:masterClrMapping/>
@@ -833,13 +3626,8 @@
 </file>
 
 <file path=ppt/slideLayouts/slideLayout3.xml><?xml version="1.0" encoding="utf-8"?>
-<p:sldLayout xmlns:a="http://schemas.openxmlformats.org/drawingml/2006/main" xmlns:r="http://schemas.openxmlformats.org/officeDocument/2006/relationships" xmlns:p="http://schemas.openxmlformats.org/presentationml/2006/main" showMasterSp="0" type="secHead" preserve="1">
+<p:sldLayout xmlns:a="http://schemas.openxmlformats.org/drawingml/2006/main" xmlns:r="http://schemas.openxmlformats.org/officeDocument/2006/relationships" xmlns:p="http://schemas.openxmlformats.org/presentationml/2006/main" type="secHead" preserve="1">
   <p:cSld name="Section Header">
-    <p:bg>
-      <p:bgRef idx="1003">
-        <a:schemeClr val="bg2"/>
-      </p:bgRef>
-    </p:bg>
     <p:spTree>
       <p:nvGrpSpPr>
         <p:cNvPr id="1" name=""/>
@@ -856,136 +3644,169 @@
       </p:grpSpPr>
       <p:sp>
         <p:nvSpPr>
-          <p:cNvPr id="7" name="Straight Connector 6"/>
-          <p:cNvSpPr>
-            <a:spLocks noChangeShapeType="1"/>
-          </p:cNvSpPr>
-          <p:nvPr/>
-        </p:nvSpPr>
-        <p:spPr bwMode="auto">
-          <a:xfrm>
-            <a:off x="787241" y="10098668"/>
-            <a:ext cx="13208159" cy="6980"/>
-          </a:xfrm>
-          <a:prstGeom prst="line">
-            <a:avLst/>
-          </a:prstGeom>
-          <a:noFill/>
-          <a:ln w="9525" cap="flat" cmpd="sng" algn="ctr">
-            <a:gradFill flip="none" rotWithShape="1">
-              <a:gsLst>
-                <a:gs pos="0">
-                  <a:schemeClr val="accent1">
-                    <a:alpha val="0"/>
-                  </a:schemeClr>
-                </a:gs>
-                <a:gs pos="17000">
-                  <a:schemeClr val="accent1"/>
-                </a:gs>
-                <a:gs pos="100000">
-                  <a:schemeClr val="accent1"/>
-                </a:gs>
-              </a:gsLst>
-              <a:lin ang="0" scaled="1"/>
-              <a:tileRect/>
-            </a:gradFill>
-            <a:prstDash val="solid"/>
-            <a:round/>
-            <a:headEnd type="none" w="med" len="med"/>
-            <a:tailEnd type="none" w="med" len="med"/>
-          </a:ln>
-          <a:effectLst/>
-        </p:spPr>
-        <p:txBody>
-          <a:bodyPr vert="horz" wrap="square" lIns="194849" tIns="97425" rIns="194849" bIns="97425" anchor="t" compatLnSpc="1"/>
-          <a:lstStyle/>
-          <a:p>
-            <a:endParaRPr kumimoji="0" lang="en-US" dirty="0"/>
-          </a:p>
-        </p:txBody>
-      </p:sp>
-      <p:sp>
-        <p:nvSpPr>
-          <p:cNvPr id="6" name="Text Placeholder 5"/>
-          <p:cNvSpPr>
-            <a:spLocks noGrp="1"/>
-          </p:cNvSpPr>
-          <p:nvPr>
-            <p:ph type="body" idx="1"/>
+          <p:cNvPr id="7" name="Title 1"/>
+          <p:cNvSpPr>
+            <a:spLocks noGrp="1"/>
+          </p:cNvSpPr>
+          <p:nvPr>
+            <p:ph type="ctrTitle"/>
           </p:nvPr>
         </p:nvSpPr>
         <p:spPr>
           <a:xfrm>
-            <a:off x="583142" y="4914336"/>
-            <a:ext cx="12945745" cy="3574062"/>
+            <a:off x="980932" y="13086216"/>
+            <a:ext cx="10496550" cy="3502094"/>
           </a:xfrm>
         </p:spPr>
         <p:txBody>
-          <a:bodyPr anchor="b"/>
+          <a:bodyPr wrap="none" anchor="t">
+            <a:normAutofit/>
+          </a:bodyPr>
           <a:lstStyle>
-            <a:lvl1pPr marL="0" indent="0" algn="r">
-              <a:buNone/>
-              <a:defRPr sz="4300">
-                <a:solidFill>
-                  <a:schemeClr val="tx2">
-                    <a:shade val="75000"/>
-                  </a:schemeClr>
-                </a:solidFill>
+            <a:lvl1pPr algn="l">
+              <a:defRPr sz="11020" b="0" spc="-344">
+                <a:gradFill flip="none" rotWithShape="1">
+                  <a:gsLst>
+                    <a:gs pos="32000">
+                      <a:schemeClr val="tx1">
+                        <a:lumMod val="89000"/>
+                      </a:schemeClr>
+                    </a:gs>
+                    <a:gs pos="0">
+                      <a:schemeClr val="bg1">
+                        <a:lumMod val="47000"/>
+                        <a:lumOff val="53000"/>
+                      </a:schemeClr>
+                    </a:gs>
+                    <a:gs pos="100000">
+                      <a:schemeClr val="tx2">
+                        <a:lumMod val="0"/>
+                        <a:lumOff val="100000"/>
+                      </a:schemeClr>
+                    </a:gs>
+                  </a:gsLst>
+                  <a:lin ang="8100000" scaled="1"/>
+                  <a:tileRect/>
+                </a:gradFill>
+                <a:effectLst>
+                  <a:outerShdw blurRad="469900" dist="342900" dir="5400000" sy="-20000" rotWithShape="0">
+                    <a:prstClr val="black">
+                      <a:alpha val="66000"/>
+                    </a:prstClr>
+                  </a:outerShdw>
+                </a:effectLst>
+                <a:latin typeface="+mj-lt"/>
               </a:defRPr>
             </a:lvl1pPr>
-            <a:lvl2pPr>
-              <a:buNone/>
-              <a:defRPr sz="3800">
-                <a:solidFill>
-                  <a:schemeClr val="tx1">
-                    <a:tint val="75000"/>
-                  </a:schemeClr>
-                </a:solidFill>
+          </a:lstStyle>
+          <a:p>
+            <a:r>
+              <a:rPr lang="en-US"/>
+              <a:t>Click to edit Master title style</a:t>
+            </a:r>
+            <a:endParaRPr lang="en-US" dirty="0"/>
+          </a:p>
+        </p:txBody>
+      </p:sp>
+      <p:sp>
+        <p:nvSpPr>
+          <p:cNvPr id="8" name="Subtitle 2"/>
+          <p:cNvSpPr>
+            <a:spLocks noGrp="1"/>
+          </p:cNvSpPr>
+          <p:nvPr>
+            <p:ph type="subTitle" idx="1"/>
+          </p:nvPr>
+        </p:nvSpPr>
+        <p:spPr>
+          <a:xfrm>
+            <a:off x="980932" y="11227216"/>
+            <a:ext cx="10496550" cy="1811134"/>
+          </a:xfrm>
+        </p:spPr>
+        <p:txBody>
+          <a:bodyPr anchor="b">
+            <a:normAutofit/>
+          </a:bodyPr>
+          <a:lstStyle>
+            <a:lvl1pPr marL="0" indent="0" algn="l">
+              <a:buNone/>
+              <a:defRPr sz="3673" b="0">
+                <a:gradFill flip="none" rotWithShape="1">
+                  <a:gsLst>
+                    <a:gs pos="15000">
+                      <a:schemeClr val="tx2"/>
+                    </a:gs>
+                    <a:gs pos="73000">
+                      <a:schemeClr val="tx2">
+                        <a:lumMod val="60000"/>
+                        <a:lumOff val="40000"/>
+                      </a:schemeClr>
+                    </a:gs>
+                    <a:gs pos="0">
+                      <a:schemeClr val="tx2">
+                        <a:lumMod val="90000"/>
+                        <a:lumOff val="10000"/>
+                      </a:schemeClr>
+                    </a:gs>
+                    <a:gs pos="100000">
+                      <a:schemeClr val="tx2">
+                        <a:lumMod val="0"/>
+                        <a:lumOff val="100000"/>
+                      </a:schemeClr>
+                    </a:gs>
+                  </a:gsLst>
+                  <a:lin ang="16200000" scaled="1"/>
+                  <a:tileRect/>
+                </a:gradFill>
+                <a:latin typeface="+mj-lt"/>
               </a:defRPr>
+            </a:lvl1pPr>
+            <a:lvl2pPr marL="524843" indent="0" algn="ctr">
+              <a:buNone/>
+              <a:defRPr sz="2296"/>
             </a:lvl2pPr>
-            <a:lvl3pPr>
-              <a:buNone/>
-              <a:defRPr sz="3400">
-                <a:solidFill>
-                  <a:schemeClr val="tx1">
-                    <a:tint val="75000"/>
-                  </a:schemeClr>
-                </a:solidFill>
-              </a:defRPr>
+            <a:lvl3pPr marL="1049685" indent="0" algn="ctr">
+              <a:buNone/>
+              <a:defRPr sz="2066"/>
             </a:lvl3pPr>
-            <a:lvl4pPr>
-              <a:buNone/>
-              <a:defRPr sz="3000">
-                <a:solidFill>
-                  <a:schemeClr val="tx1">
-                    <a:tint val="75000"/>
-                  </a:schemeClr>
-                </a:solidFill>
-              </a:defRPr>
+            <a:lvl4pPr marL="1574528" indent="0" algn="ctr">
+              <a:buNone/>
+              <a:defRPr sz="1837"/>
             </a:lvl4pPr>
-            <a:lvl5pPr>
-              <a:buNone/>
-              <a:defRPr sz="3000">
-                <a:solidFill>
-                  <a:schemeClr val="tx1">
-                    <a:tint val="75000"/>
-                  </a:schemeClr>
-                </a:solidFill>
-              </a:defRPr>
+            <a:lvl5pPr marL="2099371" indent="0" algn="ctr">
+              <a:buNone/>
+              <a:defRPr sz="1837"/>
             </a:lvl5pPr>
+            <a:lvl6pPr marL="2624214" indent="0" algn="ctr">
+              <a:buNone/>
+              <a:defRPr sz="1837"/>
+            </a:lvl6pPr>
+            <a:lvl7pPr marL="3149056" indent="0" algn="ctr">
+              <a:buNone/>
+              <a:defRPr sz="1837"/>
+            </a:lvl7pPr>
+            <a:lvl8pPr marL="3673899" indent="0" algn="ctr">
+              <a:buNone/>
+              <a:defRPr sz="1837"/>
+            </a:lvl8pPr>
+            <a:lvl9pPr marL="4198742" indent="0" algn="ctr">
+              <a:buNone/>
+              <a:defRPr sz="1837"/>
+            </a:lvl9pPr>
           </a:lstStyle>
           <a:p>
-            <a:pPr lvl="0" eaLnBrk="1" latinLnBrk="0" hangingPunct="1"/>
-            <a:r>
-              <a:rPr kumimoji="0" lang="en-US"/>
-              <a:t>Click to edit Master text styles</a:t>
-            </a:r>
-          </a:p>
-        </p:txBody>
-      </p:sp>
-      <p:sp>
-        <p:nvSpPr>
-          <p:cNvPr id="19" name="Date Placeholder 18"/>
+            <a:r>
+              <a:rPr lang="en-US"/>
+              <a:t>Click to edit Master subtitle style</a:t>
+            </a:r>
+            <a:endParaRPr lang="en-US" dirty="0"/>
+          </a:p>
+        </p:txBody>
+      </p:sp>
+      <p:sp>
+        <p:nvSpPr>
+          <p:cNvPr id="4" name="Date Placeholder 3"/>
           <p:cNvSpPr>
             <a:spLocks noGrp="1"/>
           </p:cNvSpPr>
@@ -1008,7 +3829,7 @@
       </p:sp>
       <p:sp>
         <p:nvSpPr>
-          <p:cNvPr id="11" name="Footer Placeholder 10"/>
+          <p:cNvPr id="5" name="Footer Placeholder 4"/>
           <p:cNvSpPr>
             <a:spLocks noGrp="1"/>
           </p:cNvSpPr>
@@ -1027,7 +3848,7 @@
       </p:sp>
       <p:sp>
         <p:nvSpPr>
-          <p:cNvPr id="16" name="Slide Number Placeholder 15"/>
+          <p:cNvPr id="6" name="Slide Number Placeholder 5"/>
           <p:cNvSpPr>
             <a:spLocks noGrp="1"/>
           </p:cNvSpPr>
@@ -1048,41 +3869,15 @@
           </a:p>
         </p:txBody>
       </p:sp>
-      <p:sp>
-        <p:nvSpPr>
-          <p:cNvPr id="8" name="Title 7"/>
-          <p:cNvSpPr>
-            <a:spLocks noGrp="1"/>
-          </p:cNvSpPr>
-          <p:nvPr>
-            <p:ph type="title"/>
-          </p:nvPr>
-        </p:nvSpPr>
-        <p:spPr>
-          <a:xfrm>
-            <a:off x="276227" y="8639326"/>
-            <a:ext cx="13295630" cy="3473293"/>
-          </a:xfrm>
-        </p:spPr>
-        <p:txBody>
-          <a:bodyPr rtlCol="0" anchor="t"/>
-          <a:lstStyle>
-            <a:lvl1pPr algn="r">
-              <a:defRPr/>
-            </a:lvl1pPr>
-          </a:lstStyle>
-          <a:p>
-            <a:r>
-              <a:rPr kumimoji="0" lang="en-US"/>
-              <a:t>Click to edit Master title style</a:t>
-            </a:r>
-          </a:p>
-        </p:txBody>
-      </p:sp>
     </p:spTree>
+    <p:extLst>
+      <p:ext uri="{BB962C8B-B14F-4D97-AF65-F5344CB8AC3E}">
+        <p14:creationId xmlns:p14="http://schemas.microsoft.com/office/powerpoint/2010/main" val="3335406870"/>
+      </p:ext>
+    </p:extLst>
   </p:cSld>
   <p:clrMapOvr>
-    <a:overrideClrMapping bg1="dk1" tx1="lt1" bg2="dk2" tx2="lt2" accent1="accent1" accent2="accent2" accent3="accent3" accent4="accent4" accent5="accent5" accent6="accent6" hlink="hlink" folHlink="folHlink"/>
+    <a:masterClrMapping/>
   </p:clrMapOvr>
 </p:sldLayout>
 </file>
@@ -1106,180 +3901,144 @@
       </p:grpSpPr>
       <p:sp>
         <p:nvSpPr>
-          <p:cNvPr id="20" name="Title 19"/>
+          <p:cNvPr id="2" name="Title 1"/>
           <p:cNvSpPr>
             <a:spLocks noGrp="1"/>
           </p:cNvSpPr>
           <p:nvPr>
             <p:ph type="title"/>
+          </p:nvPr>
+        </p:nvSpPr>
+        <p:spPr/>
+        <p:txBody>
+          <a:bodyPr/>
+          <a:lstStyle/>
+          <a:p>
+            <a:r>
+              <a:rPr lang="en-US"/>
+              <a:t>Click to edit Master title style</a:t>
+            </a:r>
+            <a:endParaRPr lang="en-US" dirty="0"/>
+          </a:p>
+        </p:txBody>
+      </p:sp>
+      <p:sp>
+        <p:nvSpPr>
+          <p:cNvPr id="3" name="Content Placeholder 2"/>
+          <p:cNvSpPr>
+            <a:spLocks noGrp="1"/>
+          </p:cNvSpPr>
+          <p:nvPr>
+            <p:ph sz="half" idx="1"/>
           </p:nvPr>
         </p:nvSpPr>
         <p:spPr>
           <a:xfrm>
-            <a:off x="461848" y="1340273"/>
-            <a:ext cx="13295630" cy="2466103"/>
+            <a:off x="1285667" y="5351786"/>
+            <a:ext cx="5768529" cy="12755867"/>
           </a:xfrm>
         </p:spPr>
         <p:txBody>
           <a:bodyPr/>
           <a:lstStyle/>
           <a:p>
-            <a:r>
-              <a:rPr kumimoji="0" lang="en-US"/>
-              <a:t>Click to edit Master title style</a:t>
-            </a:r>
-          </a:p>
-        </p:txBody>
-      </p:sp>
-      <p:sp>
-        <p:nvSpPr>
-          <p:cNvPr id="14" name="Content Placeholder 13"/>
-          <p:cNvSpPr>
-            <a:spLocks noGrp="1"/>
-          </p:cNvSpPr>
-          <p:nvPr>
-            <p:ph sz="half" idx="1"/>
+            <a:pPr lvl="0"/>
+            <a:r>
+              <a:rPr lang="en-US"/>
+              <a:t>Click to edit Master text styles</a:t>
+            </a:r>
+          </a:p>
+          <a:p>
+            <a:pPr lvl="1"/>
+            <a:r>
+              <a:rPr lang="en-US"/>
+              <a:t>Second level</a:t>
+            </a:r>
+          </a:p>
+          <a:p>
+            <a:pPr lvl="2"/>
+            <a:r>
+              <a:rPr lang="en-US"/>
+              <a:t>Third level</a:t>
+            </a:r>
+          </a:p>
+          <a:p>
+            <a:pPr lvl="3"/>
+            <a:r>
+              <a:rPr lang="en-US"/>
+              <a:t>Fourth level</a:t>
+            </a:r>
+          </a:p>
+          <a:p>
+            <a:pPr lvl="4"/>
+            <a:r>
+              <a:rPr lang="en-US"/>
+              <a:t>Fifth level</a:t>
+            </a:r>
+            <a:endParaRPr lang="en-US" dirty="0"/>
+          </a:p>
+        </p:txBody>
+      </p:sp>
+      <p:sp>
+        <p:nvSpPr>
+          <p:cNvPr id="4" name="Content Placeholder 3"/>
+          <p:cNvSpPr>
+            <a:spLocks noGrp="1"/>
+          </p:cNvSpPr>
+          <p:nvPr>
+            <p:ph sz="half" idx="2"/>
           </p:nvPr>
         </p:nvSpPr>
         <p:spPr>
           <a:xfrm>
-            <a:off x="466514" y="4690957"/>
-            <a:ext cx="6414558" cy="13849491"/>
+            <a:off x="7254649" y="5351786"/>
+            <a:ext cx="5778567" cy="12755867"/>
           </a:xfrm>
         </p:spPr>
         <p:txBody>
           <a:bodyPr/>
-          <a:lstStyle>
-            <a:lvl1pPr>
-              <a:defRPr sz="6000"/>
-            </a:lvl1pPr>
-            <a:lvl2pPr>
-              <a:defRPr sz="5100"/>
-            </a:lvl2pPr>
-            <a:lvl3pPr>
-              <a:defRPr sz="4300"/>
-            </a:lvl3pPr>
-            <a:lvl4pPr>
-              <a:defRPr sz="3800"/>
-            </a:lvl4pPr>
-            <a:lvl5pPr>
-              <a:defRPr sz="3800"/>
-            </a:lvl5pPr>
-          </a:lstStyle>
-          <a:p>
-            <a:pPr lvl="0" eaLnBrk="1" latinLnBrk="0" hangingPunct="1"/>
+          <a:lstStyle/>
+          <a:p>
+            <a:pPr lvl="0"/>
             <a:r>
               <a:rPr lang="en-US"/>
               <a:t>Click to edit Master text styles</a:t>
             </a:r>
           </a:p>
           <a:p>
-            <a:pPr lvl="1" eaLnBrk="1" latinLnBrk="0" hangingPunct="1"/>
+            <a:pPr lvl="1"/>
             <a:r>
               <a:rPr lang="en-US"/>
               <a:t>Second level</a:t>
             </a:r>
           </a:p>
           <a:p>
-            <a:pPr lvl="2" eaLnBrk="1" latinLnBrk="0" hangingPunct="1"/>
+            <a:pPr lvl="2"/>
             <a:r>
               <a:rPr lang="en-US"/>
               <a:t>Third level</a:t>
             </a:r>
           </a:p>
           <a:p>
-            <a:pPr lvl="3" eaLnBrk="1" latinLnBrk="0" hangingPunct="1"/>
+            <a:pPr lvl="3"/>
             <a:r>
               <a:rPr lang="en-US"/>
               <a:t>Fourth level</a:t>
             </a:r>
           </a:p>
           <a:p>
-            <a:pPr lvl="4" eaLnBrk="1" latinLnBrk="0" hangingPunct="1"/>
+            <a:pPr lvl="4"/>
             <a:r>
               <a:rPr lang="en-US"/>
               <a:t>Fifth level</a:t>
             </a:r>
-            <a:endParaRPr kumimoji="0" lang="en-US"/>
-          </a:p>
-        </p:txBody>
-      </p:sp>
-      <p:sp>
-        <p:nvSpPr>
-          <p:cNvPr id="13" name="Content Placeholder 12"/>
-          <p:cNvSpPr>
-            <a:spLocks noGrp="1"/>
-          </p:cNvSpPr>
-          <p:nvPr>
-            <p:ph sz="half" idx="2"/>
-          </p:nvPr>
-        </p:nvSpPr>
-        <p:spPr>
-          <a:xfrm>
-            <a:off x="7114328" y="4690957"/>
-            <a:ext cx="6647815" cy="13849491"/>
-          </a:xfrm>
-        </p:spPr>
-        <p:txBody>
-          <a:bodyPr/>
-          <a:lstStyle>
-            <a:lvl1pPr>
-              <a:defRPr sz="6000"/>
-            </a:lvl1pPr>
-            <a:lvl2pPr>
-              <a:defRPr sz="5100"/>
-            </a:lvl2pPr>
-            <a:lvl3pPr>
-              <a:defRPr sz="4300"/>
-            </a:lvl3pPr>
-            <a:lvl4pPr>
-              <a:defRPr sz="3800"/>
-            </a:lvl4pPr>
-            <a:lvl5pPr>
-              <a:defRPr sz="3800"/>
-            </a:lvl5pPr>
-          </a:lstStyle>
-          <a:p>
-            <a:pPr lvl="0" eaLnBrk="1" latinLnBrk="0" hangingPunct="1"/>
-            <a:r>
-              <a:rPr lang="en-US"/>
-              <a:t>Click to edit Master text styles</a:t>
-            </a:r>
-          </a:p>
-          <a:p>
-            <a:pPr lvl="1" eaLnBrk="1" latinLnBrk="0" hangingPunct="1"/>
-            <a:r>
-              <a:rPr lang="en-US"/>
-              <a:t>Second level</a:t>
-            </a:r>
-          </a:p>
-          <a:p>
-            <a:pPr lvl="2" eaLnBrk="1" latinLnBrk="0" hangingPunct="1"/>
-            <a:r>
-              <a:rPr lang="en-US"/>
-              <a:t>Third level</a:t>
-            </a:r>
-          </a:p>
-          <a:p>
-            <a:pPr lvl="3" eaLnBrk="1" latinLnBrk="0" hangingPunct="1"/>
-            <a:r>
-              <a:rPr lang="en-US"/>
-              <a:t>Fourth level</a:t>
-            </a:r>
-          </a:p>
-          <a:p>
-            <a:pPr lvl="4" eaLnBrk="1" latinLnBrk="0" hangingPunct="1"/>
-            <a:r>
-              <a:rPr lang="en-US"/>
-              <a:t>Fifth level</a:t>
-            </a:r>
-            <a:endParaRPr kumimoji="0" lang="en-US"/>
-          </a:p>
-        </p:txBody>
-      </p:sp>
-      <p:sp>
-        <p:nvSpPr>
-          <p:cNvPr id="21" name="Date Placeholder 20"/>
+            <a:endParaRPr lang="en-US" dirty="0"/>
+          </a:p>
+        </p:txBody>
+      </p:sp>
+      <p:sp>
+        <p:nvSpPr>
+          <p:cNvPr id="5" name="Date Placeholder 4"/>
           <p:cNvSpPr>
             <a:spLocks noGrp="1"/>
           </p:cNvSpPr>
@@ -1302,7 +4061,7 @@
       </p:sp>
       <p:sp>
         <p:nvSpPr>
-          <p:cNvPr id="10" name="Footer Placeholder 9"/>
+          <p:cNvPr id="6" name="Footer Placeholder 5"/>
           <p:cNvSpPr>
             <a:spLocks noGrp="1"/>
           </p:cNvSpPr>
@@ -1321,7 +4080,7 @@
       </p:sp>
       <p:sp>
         <p:nvSpPr>
-          <p:cNvPr id="31" name="Slide Number Placeholder 30"/>
+          <p:cNvPr id="7" name="Slide Number Placeholder 6"/>
           <p:cNvSpPr>
             <a:spLocks noGrp="1"/>
           </p:cNvSpPr>
@@ -1343,6 +4102,11 @@
         </p:txBody>
       </p:sp>
     </p:spTree>
+    <p:extLst>
+      <p:ext uri="{BB962C8B-B14F-4D97-AF65-F5344CB8AC3E}">
+        <p14:creationId xmlns:p14="http://schemas.microsoft.com/office/powerpoint/2010/main" val="2329737988"/>
+      </p:ext>
+    </p:extLst>
   </p:cSld>
   <p:clrMapOvr>
     <a:masterClrMapping/>
@@ -1351,7 +4115,7 @@
 </file>
 
 <file path=ppt/slideLayouts/slideLayout5.xml><?xml version="1.0" encoding="utf-8"?>
-<p:sldLayout xmlns:a="http://schemas.openxmlformats.org/drawingml/2006/main" xmlns:r="http://schemas.openxmlformats.org/officeDocument/2006/relationships" xmlns:p="http://schemas.openxmlformats.org/presentationml/2006/main" showMasterSp="0" type="twoTxTwoObj" preserve="1">
+<p:sldLayout xmlns:a="http://schemas.openxmlformats.org/drawingml/2006/main" xmlns:r="http://schemas.openxmlformats.org/officeDocument/2006/relationships" xmlns:p="http://schemas.openxmlformats.org/presentationml/2006/main" type="twoTxTwoObj" preserve="1">
   <p:cSld name="Comparison">
     <p:spTree>
       <p:nvGrpSpPr>
@@ -1369,7 +4133,7 @@
       </p:grpSpPr>
       <p:sp>
         <p:nvSpPr>
-          <p:cNvPr id="29" name="Title 28"/>
+          <p:cNvPr id="2" name="Title 1"/>
           <p:cNvSpPr>
             <a:spLocks noGrp="1"/>
           </p:cNvSpPr>
@@ -1379,290 +4143,297 @@
         </p:nvSpPr>
         <p:spPr>
           <a:xfrm>
-            <a:off x="466513" y="15859901"/>
-            <a:ext cx="13179002" cy="2587472"/>
+            <a:off x="964006" y="1070362"/>
+            <a:ext cx="12071033" cy="3885863"/>
           </a:xfrm>
         </p:spPr>
         <p:txBody>
-          <a:bodyPr anchor="ctr"/>
+          <a:bodyPr/>
+          <a:lstStyle/>
+          <a:p>
+            <a:r>
+              <a:rPr lang="en-US"/>
+              <a:t>Click to edit Master title style</a:t>
+            </a:r>
+            <a:endParaRPr lang="en-US" dirty="0"/>
+          </a:p>
+        </p:txBody>
+      </p:sp>
+      <p:sp>
+        <p:nvSpPr>
+          <p:cNvPr id="3" name="Text Placeholder 2"/>
+          <p:cNvSpPr>
+            <a:spLocks noGrp="1"/>
+          </p:cNvSpPr>
+          <p:nvPr>
+            <p:ph type="body" idx="1"/>
+          </p:nvPr>
+        </p:nvSpPr>
+        <p:spPr>
+          <a:xfrm>
+            <a:off x="1285667" y="4928298"/>
+            <a:ext cx="5768529" cy="2415283"/>
+          </a:xfrm>
+        </p:spPr>
+        <p:txBody>
+          <a:bodyPr anchor="b">
+            <a:normAutofit/>
+          </a:bodyPr>
+          <a:lstStyle>
+            <a:lvl1pPr marL="0" indent="0">
+              <a:buNone/>
+              <a:defRPr sz="3061" b="0">
+                <a:gradFill>
+                  <a:gsLst>
+                    <a:gs pos="15000">
+                      <a:schemeClr val="tx2"/>
+                    </a:gs>
+                    <a:gs pos="73000">
+                      <a:schemeClr val="tx2">
+                        <a:lumMod val="60000"/>
+                        <a:lumOff val="40000"/>
+                      </a:schemeClr>
+                    </a:gs>
+                    <a:gs pos="0">
+                      <a:schemeClr val="tx2">
+                        <a:lumMod val="90000"/>
+                        <a:lumOff val="10000"/>
+                      </a:schemeClr>
+                    </a:gs>
+                    <a:gs pos="100000">
+                      <a:schemeClr val="tx2">
+                        <a:lumMod val="0"/>
+                        <a:lumOff val="100000"/>
+                      </a:schemeClr>
+                    </a:gs>
+                  </a:gsLst>
+                  <a:lin ang="16200000" scaled="1"/>
+                </a:gradFill>
+              </a:defRPr>
+            </a:lvl1pPr>
+            <a:lvl2pPr marL="524843" indent="0">
+              <a:buNone/>
+              <a:defRPr sz="2296" b="1"/>
+            </a:lvl2pPr>
+            <a:lvl3pPr marL="1049685" indent="0">
+              <a:buNone/>
+              <a:defRPr sz="2066" b="1"/>
+            </a:lvl3pPr>
+            <a:lvl4pPr marL="1574528" indent="0">
+              <a:buNone/>
+              <a:defRPr sz="1837" b="1"/>
+            </a:lvl4pPr>
+            <a:lvl5pPr marL="2099371" indent="0">
+              <a:buNone/>
+              <a:defRPr sz="1837" b="1"/>
+            </a:lvl5pPr>
+            <a:lvl6pPr marL="2624214" indent="0">
+              <a:buNone/>
+              <a:defRPr sz="1837" b="1"/>
+            </a:lvl6pPr>
+            <a:lvl7pPr marL="3149056" indent="0">
+              <a:buNone/>
+              <a:defRPr sz="1837" b="1"/>
+            </a:lvl7pPr>
+            <a:lvl8pPr marL="3673899" indent="0">
+              <a:buNone/>
+              <a:defRPr sz="1837" b="1"/>
+            </a:lvl8pPr>
+            <a:lvl9pPr marL="4198742" indent="0">
+              <a:buNone/>
+              <a:defRPr sz="1837" b="1"/>
+            </a:lvl9pPr>
+          </a:lstStyle>
+          <a:p>
+            <a:pPr lvl="0"/>
+            <a:r>
+              <a:rPr lang="en-US"/>
+              <a:t>Click to edit Master text styles</a:t>
+            </a:r>
+          </a:p>
+        </p:txBody>
+      </p:sp>
+      <p:sp>
+        <p:nvSpPr>
+          <p:cNvPr id="4" name="Content Placeholder 3"/>
+          <p:cNvSpPr>
+            <a:spLocks noGrp="1"/>
+          </p:cNvSpPr>
+          <p:nvPr>
+            <p:ph sz="half" idx="2"/>
+          </p:nvPr>
+        </p:nvSpPr>
+        <p:spPr>
+          <a:xfrm>
+            <a:off x="1285667" y="7343581"/>
+            <a:ext cx="5768529" cy="10801301"/>
+          </a:xfrm>
+        </p:spPr>
+        <p:txBody>
+          <a:bodyPr/>
+          <a:lstStyle/>
+          <a:p>
+            <a:pPr lvl="0"/>
+            <a:r>
+              <a:rPr lang="en-US"/>
+              <a:t>Click to edit Master text styles</a:t>
+            </a:r>
+          </a:p>
+          <a:p>
+            <a:pPr lvl="1"/>
+            <a:r>
+              <a:rPr lang="en-US"/>
+              <a:t>Second level</a:t>
+            </a:r>
+          </a:p>
+          <a:p>
+            <a:pPr lvl="2"/>
+            <a:r>
+              <a:rPr lang="en-US"/>
+              <a:t>Third level</a:t>
+            </a:r>
+          </a:p>
+          <a:p>
+            <a:pPr lvl="3"/>
+            <a:r>
+              <a:rPr lang="en-US"/>
+              <a:t>Fourth level</a:t>
+            </a:r>
+          </a:p>
+          <a:p>
+            <a:pPr lvl="4"/>
+            <a:r>
+              <a:rPr lang="en-US"/>
+              <a:t>Fifth level</a:t>
+            </a:r>
+            <a:endParaRPr lang="en-US" dirty="0"/>
+          </a:p>
+        </p:txBody>
+      </p:sp>
+      <p:sp>
+        <p:nvSpPr>
+          <p:cNvPr id="5" name="Text Placeholder 4"/>
+          <p:cNvSpPr>
+            <a:spLocks noGrp="1"/>
+          </p:cNvSpPr>
+          <p:nvPr>
+            <p:ph type="body" sz="quarter" idx="3"/>
+          </p:nvPr>
+        </p:nvSpPr>
+        <p:spPr>
+          <a:xfrm>
+            <a:off x="7254651" y="4928298"/>
+            <a:ext cx="5780389" cy="2415283"/>
+          </a:xfrm>
+        </p:spPr>
+        <p:txBody>
+          <a:bodyPr vert="horz" lIns="91440" tIns="45720" rIns="91440" bIns="45720" rtlCol="0" anchor="b">
+            <a:normAutofit/>
+          </a:bodyPr>
           <a:lstStyle>
             <a:lvl1pPr>
-              <a:defRPr/>
+              <a:buNone/>
+              <a:defRPr lang="en-US" sz="3061" b="0">
+                <a:gradFill>
+                  <a:gsLst>
+                    <a:gs pos="15000">
+                      <a:schemeClr val="tx2"/>
+                    </a:gs>
+                    <a:gs pos="73000">
+                      <a:schemeClr val="tx2">
+                        <a:lumMod val="60000"/>
+                        <a:lumOff val="40000"/>
+                      </a:schemeClr>
+                    </a:gs>
+                    <a:gs pos="0">
+                      <a:schemeClr val="tx2">
+                        <a:lumMod val="90000"/>
+                        <a:lumOff val="10000"/>
+                      </a:schemeClr>
+                    </a:gs>
+                    <a:gs pos="100000">
+                      <a:schemeClr val="tx2">
+                        <a:lumMod val="0"/>
+                        <a:lumOff val="100000"/>
+                      </a:schemeClr>
+                    </a:gs>
+                  </a:gsLst>
+                  <a:lin ang="16200000" scaled="1"/>
+                </a:gradFill>
+              </a:defRPr>
             </a:lvl1pPr>
           </a:lstStyle>
           <a:p>
-            <a:r>
-              <a:rPr kumimoji="0" lang="en-US"/>
-              <a:t>Click to edit Master title style</a:t>
-            </a:r>
-          </a:p>
-        </p:txBody>
-      </p:sp>
-      <p:sp>
-        <p:nvSpPr>
-          <p:cNvPr id="13" name="Text Placeholder 12"/>
-          <p:cNvSpPr>
-            <a:spLocks noGrp="1"/>
-          </p:cNvSpPr>
-          <p:nvPr>
-            <p:ph type="body" idx="1"/>
+            <a:pPr marL="0" lvl="0" indent="0">
+              <a:buNone/>
+            </a:pPr>
+            <a:r>
+              <a:rPr lang="en-US"/>
+              <a:t>Click to edit Master text styles</a:t>
+            </a:r>
+          </a:p>
+        </p:txBody>
+      </p:sp>
+      <p:sp>
+        <p:nvSpPr>
+          <p:cNvPr id="6" name="Content Placeholder 5"/>
+          <p:cNvSpPr>
+            <a:spLocks noGrp="1"/>
+          </p:cNvSpPr>
+          <p:nvPr>
+            <p:ph sz="quarter" idx="4"/>
           </p:nvPr>
         </p:nvSpPr>
         <p:spPr>
           <a:xfrm>
-            <a:off x="430766" y="1954566"/>
-            <a:ext cx="6566934" cy="1875450"/>
+            <a:off x="7254651" y="7343581"/>
+            <a:ext cx="5780389" cy="10801301"/>
           </a:xfrm>
         </p:spPr>
         <p:txBody>
-          <a:bodyPr anchor="ctr"/>
-          <a:lstStyle>
-            <a:lvl1pPr marL="0" indent="0">
-              <a:buNone/>
-              <a:defRPr sz="3800" b="0" cap="all" baseline="0">
-                <a:solidFill>
-                  <a:schemeClr val="accent1">
-                    <a:shade val="50000"/>
-                  </a:schemeClr>
-                </a:solidFill>
-                <a:latin typeface="+mj-lt"/>
-                <a:ea typeface="+mj-ea"/>
-                <a:cs typeface="+mj-cs"/>
-              </a:defRPr>
-            </a:lvl1pPr>
-            <a:lvl2pPr>
-              <a:buNone/>
-              <a:defRPr sz="4300" b="1"/>
-            </a:lvl2pPr>
-            <a:lvl3pPr>
-              <a:buNone/>
-              <a:defRPr sz="3800" b="1"/>
-            </a:lvl3pPr>
-            <a:lvl4pPr>
-              <a:buNone/>
-              <a:defRPr sz="3400" b="1"/>
-            </a:lvl4pPr>
-            <a:lvl5pPr>
-              <a:buNone/>
-              <a:defRPr sz="3400" b="1"/>
-            </a:lvl5pPr>
-          </a:lstStyle>
-          <a:p>
-            <a:pPr lvl="0" eaLnBrk="1" latinLnBrk="0" hangingPunct="1"/>
-            <a:r>
-              <a:rPr kumimoji="0" lang="en-US"/>
+          <a:bodyPr/>
+          <a:lstStyle/>
+          <a:p>
+            <a:pPr lvl="0"/>
+            <a:r>
+              <a:rPr lang="en-US"/>
               <a:t>Click to edit Master text styles</a:t>
             </a:r>
           </a:p>
-        </p:txBody>
-      </p:sp>
-      <p:sp>
-        <p:nvSpPr>
-          <p:cNvPr id="25" name="Text Placeholder 24"/>
-          <p:cNvSpPr>
-            <a:spLocks noGrp="1"/>
-          </p:cNvSpPr>
-          <p:nvPr>
-            <p:ph type="body" sz="half" idx="3"/>
-          </p:nvPr>
-        </p:nvSpPr>
-        <p:spPr>
-          <a:xfrm>
-            <a:off x="7109470" y="1954566"/>
-            <a:ext cx="6569513" cy="1875450"/>
-          </a:xfrm>
-        </p:spPr>
-        <p:txBody>
-          <a:bodyPr anchor="ctr"/>
-          <a:lstStyle>
-            <a:lvl1pPr marL="0" indent="0">
-              <a:buNone/>
-              <a:defRPr sz="3800" b="0" cap="all" baseline="0">
-                <a:solidFill>
-                  <a:schemeClr val="accent1">
-                    <a:shade val="50000"/>
-                  </a:schemeClr>
-                </a:solidFill>
-                <a:latin typeface="+mj-lt"/>
-                <a:ea typeface="+mj-ea"/>
-                <a:cs typeface="+mj-cs"/>
-              </a:defRPr>
-            </a:lvl1pPr>
-            <a:lvl2pPr>
-              <a:buNone/>
-              <a:defRPr sz="4300" b="1"/>
-            </a:lvl2pPr>
-            <a:lvl3pPr>
-              <a:buNone/>
-              <a:defRPr sz="3800" b="1"/>
-            </a:lvl3pPr>
-            <a:lvl4pPr>
-              <a:buNone/>
-              <a:defRPr sz="3400" b="1"/>
-            </a:lvl4pPr>
-            <a:lvl5pPr>
-              <a:buNone/>
-              <a:defRPr sz="3400" b="1"/>
-            </a:lvl5pPr>
-          </a:lstStyle>
-          <a:p>
-            <a:pPr lvl="0" eaLnBrk="1" latinLnBrk="0" hangingPunct="1"/>
-            <a:r>
-              <a:rPr kumimoji="0" lang="en-US"/>
-              <a:t>Click to edit Master text styles</a:t>
-            </a:r>
-          </a:p>
-        </p:txBody>
-      </p:sp>
-      <p:sp>
-        <p:nvSpPr>
-          <p:cNvPr id="4" name="Content Placeholder 3"/>
-          <p:cNvSpPr>
-            <a:spLocks noGrp="1"/>
-          </p:cNvSpPr>
-          <p:nvPr>
-            <p:ph sz="quarter" idx="2"/>
-          </p:nvPr>
-        </p:nvSpPr>
-        <p:spPr>
-          <a:xfrm>
-            <a:off x="430766" y="3857940"/>
-            <a:ext cx="6566934" cy="11555205"/>
-          </a:xfrm>
-        </p:spPr>
-        <p:txBody>
-          <a:bodyPr/>
-          <a:lstStyle>
-            <a:lvl1pPr>
-              <a:defRPr sz="5100"/>
-            </a:lvl1pPr>
-            <a:lvl2pPr>
-              <a:defRPr sz="4300"/>
-            </a:lvl2pPr>
-            <a:lvl3pPr>
-              <a:defRPr sz="3800"/>
-            </a:lvl3pPr>
-            <a:lvl4pPr>
-              <a:defRPr sz="3400"/>
-            </a:lvl4pPr>
-            <a:lvl5pPr>
-              <a:defRPr sz="3400"/>
-            </a:lvl5pPr>
-          </a:lstStyle>
-          <a:p>
-            <a:pPr lvl="0" eaLnBrk="1" latinLnBrk="0" hangingPunct="1"/>
-            <a:r>
-              <a:rPr lang="en-US"/>
-              <a:t>Click to edit Master text styles</a:t>
-            </a:r>
-          </a:p>
-          <a:p>
-            <a:pPr lvl="1" eaLnBrk="1" latinLnBrk="0" hangingPunct="1"/>
+          <a:p>
+            <a:pPr lvl="1"/>
             <a:r>
               <a:rPr lang="en-US"/>
               <a:t>Second level</a:t>
             </a:r>
           </a:p>
           <a:p>
-            <a:pPr lvl="2" eaLnBrk="1" latinLnBrk="0" hangingPunct="1"/>
+            <a:pPr lvl="2"/>
             <a:r>
               <a:rPr lang="en-US"/>
               <a:t>Third level</a:t>
             </a:r>
           </a:p>
           <a:p>
-            <a:pPr lvl="3" eaLnBrk="1" latinLnBrk="0" hangingPunct="1"/>
+            <a:pPr lvl="3"/>
             <a:r>
               <a:rPr lang="en-US"/>
               <a:t>Fourth level</a:t>
             </a:r>
           </a:p>
           <a:p>
-            <a:pPr lvl="4" eaLnBrk="1" latinLnBrk="0" hangingPunct="1"/>
+            <a:pPr lvl="4"/>
             <a:r>
               <a:rPr lang="en-US"/>
               <a:t>Fifth level</a:t>
             </a:r>
-            <a:endParaRPr kumimoji="0" lang="en-US"/>
-          </a:p>
-        </p:txBody>
-      </p:sp>
-      <p:sp>
-        <p:nvSpPr>
-          <p:cNvPr id="28" name="Content Placeholder 27"/>
-          <p:cNvSpPr>
-            <a:spLocks noGrp="1"/>
-          </p:cNvSpPr>
-          <p:nvPr>
-            <p:ph sz="quarter" idx="4"/>
-          </p:nvPr>
-        </p:nvSpPr>
-        <p:spPr>
-          <a:xfrm>
-            <a:off x="7115139" y="3857940"/>
-            <a:ext cx="6563843" cy="11555205"/>
-          </a:xfrm>
-        </p:spPr>
-        <p:txBody>
-          <a:bodyPr/>
-          <a:lstStyle>
-            <a:lvl1pPr>
-              <a:defRPr sz="5100"/>
-            </a:lvl1pPr>
-            <a:lvl2pPr>
-              <a:defRPr sz="4300"/>
-            </a:lvl2pPr>
-            <a:lvl3pPr>
-              <a:defRPr sz="3800"/>
-            </a:lvl3pPr>
-            <a:lvl4pPr>
-              <a:defRPr sz="3400"/>
-            </a:lvl4pPr>
-            <a:lvl5pPr>
-              <a:defRPr sz="3400"/>
-            </a:lvl5pPr>
-          </a:lstStyle>
-          <a:p>
-            <a:pPr lvl="0" eaLnBrk="1" latinLnBrk="0" hangingPunct="1"/>
-            <a:r>
-              <a:rPr lang="en-US"/>
-              <a:t>Click to edit Master text styles</a:t>
-            </a:r>
-          </a:p>
-          <a:p>
-            <a:pPr lvl="1" eaLnBrk="1" latinLnBrk="0" hangingPunct="1"/>
-            <a:r>
-              <a:rPr lang="en-US"/>
-              <a:t>Second level</a:t>
-            </a:r>
-          </a:p>
-          <a:p>
-            <a:pPr lvl="2" eaLnBrk="1" latinLnBrk="0" hangingPunct="1"/>
-            <a:r>
-              <a:rPr lang="en-US"/>
-              <a:t>Third level</a:t>
-            </a:r>
-          </a:p>
-          <a:p>
-            <a:pPr lvl="3" eaLnBrk="1" latinLnBrk="0" hangingPunct="1"/>
-            <a:r>
-              <a:rPr lang="en-US"/>
-              <a:t>Fourth level</a:t>
-            </a:r>
-          </a:p>
-          <a:p>
-            <a:pPr lvl="4" eaLnBrk="1" latinLnBrk="0" hangingPunct="1"/>
-            <a:r>
-              <a:rPr lang="en-US"/>
-              <a:t>Fifth level</a:t>
-            </a:r>
-            <a:endParaRPr kumimoji="0" lang="en-US"/>
-          </a:p>
-        </p:txBody>
-      </p:sp>
-      <p:sp>
-        <p:nvSpPr>
-          <p:cNvPr id="10" name="Date Placeholder 9"/>
+            <a:endParaRPr lang="en-US" dirty="0"/>
+          </a:p>
+        </p:txBody>
+      </p:sp>
+      <p:sp>
+        <p:nvSpPr>
+          <p:cNvPr id="7" name="Date Placeholder 6"/>
           <p:cNvSpPr>
             <a:spLocks noGrp="1"/>
           </p:cNvSpPr>
@@ -1685,7 +4456,7 @@
       </p:sp>
       <p:sp>
         <p:nvSpPr>
-          <p:cNvPr id="6" name="Footer Placeholder 5"/>
+          <p:cNvPr id="8" name="Footer Placeholder 7"/>
           <p:cNvSpPr>
             <a:spLocks noGrp="1"/>
           </p:cNvSpPr>
@@ -1704,7 +4475,7 @@
       </p:sp>
       <p:sp>
         <p:nvSpPr>
-          <p:cNvPr id="7" name="Slide Number Placeholder 6"/>
+          <p:cNvPr id="9" name="Slide Number Placeholder 8"/>
           <p:cNvSpPr>
             <a:spLocks noGrp="1"/>
           </p:cNvSpPr>
@@ -1712,12 +4483,7 @@
             <p:ph type="sldNum" sz="quarter" idx="12"/>
           </p:nvPr>
         </p:nvSpPr>
-        <p:spPr>
-          <a:xfrm>
-            <a:off x="12595860" y="18987205"/>
-            <a:ext cx="1166283" cy="723748"/>
-          </a:xfrm>
-        </p:spPr>
+        <p:spPr/>
         <p:txBody>
           <a:bodyPr/>
           <a:lstStyle/>
@@ -1730,57 +4496,12 @@
           </a:p>
         </p:txBody>
       </p:sp>
-      <p:sp>
-        <p:nvSpPr>
-          <p:cNvPr id="11" name="Straight Connector 10"/>
-          <p:cNvSpPr>
-            <a:spLocks noChangeShapeType="1"/>
-          </p:cNvSpPr>
-          <p:nvPr/>
-        </p:nvSpPr>
-        <p:spPr bwMode="auto">
-          <a:xfrm>
-            <a:off x="787241" y="17646934"/>
-            <a:ext cx="13208159" cy="6980"/>
-          </a:xfrm>
-          <a:prstGeom prst="line">
-            <a:avLst/>
-          </a:prstGeom>
-          <a:noFill/>
-          <a:ln w="9525" cap="flat" cmpd="sng" algn="ctr">
-            <a:gradFill flip="none" rotWithShape="1">
-              <a:gsLst>
-                <a:gs pos="0">
-                  <a:schemeClr val="accent1">
-                    <a:alpha val="0"/>
-                  </a:schemeClr>
-                </a:gs>
-                <a:gs pos="17000">
-                  <a:schemeClr val="accent1"/>
-                </a:gs>
-                <a:gs pos="100000">
-                  <a:schemeClr val="accent1"/>
-                </a:gs>
-              </a:gsLst>
-              <a:lin ang="0" scaled="1"/>
-              <a:tileRect/>
-            </a:gradFill>
-            <a:prstDash val="solid"/>
-            <a:round/>
-            <a:headEnd type="none" w="med" len="med"/>
-            <a:tailEnd type="none" w="med" len="med"/>
-          </a:ln>
-          <a:effectLst/>
-        </p:spPr>
-        <p:txBody>
-          <a:bodyPr vert="horz" wrap="square" lIns="194849" tIns="97425" rIns="194849" bIns="97425" anchor="t" compatLnSpc="1"/>
-          <a:lstStyle/>
-          <a:p>
-            <a:endParaRPr kumimoji="0" lang="en-US" dirty="0"/>
-          </a:p>
-        </p:txBody>
-      </p:sp>
     </p:spTree>
+    <p:extLst>
+      <p:ext uri="{BB962C8B-B14F-4D97-AF65-F5344CB8AC3E}">
+        <p14:creationId xmlns:p14="http://schemas.microsoft.com/office/powerpoint/2010/main" val="3125230042"/>
+      </p:ext>
+    </p:extLst>
   </p:cSld>
   <p:clrMapOvr>
     <a:masterClrMapping/>
@@ -1807,7 +4528,7 @@
       </p:grpSpPr>
       <p:sp>
         <p:nvSpPr>
-          <p:cNvPr id="30" name="Title 29"/>
+          <p:cNvPr id="2" name="Title 1"/>
           <p:cNvSpPr>
             <a:spLocks noGrp="1"/>
           </p:cNvSpPr>
@@ -1815,26 +4536,22 @@
             <p:ph type="title"/>
           </p:nvPr>
         </p:nvSpPr>
-        <p:spPr>
-          <a:xfrm>
-            <a:off x="461848" y="1340273"/>
-            <a:ext cx="13295630" cy="2466103"/>
-          </a:xfrm>
-        </p:spPr>
+        <p:spPr/>
         <p:txBody>
           <a:bodyPr/>
           <a:lstStyle/>
           <a:p>
             <a:r>
-              <a:rPr kumimoji="0" lang="en-US"/>
+              <a:rPr lang="en-US"/>
               <a:t>Click to edit Master title style</a:t>
             </a:r>
-          </a:p>
-        </p:txBody>
-      </p:sp>
-      <p:sp>
-        <p:nvSpPr>
-          <p:cNvPr id="12" name="Date Placeholder 11"/>
+            <a:endParaRPr lang="en-US" dirty="0"/>
+          </a:p>
+        </p:txBody>
+      </p:sp>
+      <p:sp>
+        <p:nvSpPr>
+          <p:cNvPr id="3" name="Date Placeholder 2"/>
           <p:cNvSpPr>
             <a:spLocks noGrp="1"/>
           </p:cNvSpPr>
@@ -1857,7 +4574,7 @@
       </p:sp>
       <p:sp>
         <p:nvSpPr>
-          <p:cNvPr id="21" name="Footer Placeholder 20"/>
+          <p:cNvPr id="4" name="Footer Placeholder 3"/>
           <p:cNvSpPr>
             <a:spLocks noGrp="1"/>
           </p:cNvSpPr>
@@ -1876,7 +4593,7 @@
       </p:sp>
       <p:sp>
         <p:nvSpPr>
-          <p:cNvPr id="6" name="Slide Number Placeholder 5"/>
+          <p:cNvPr id="5" name="Slide Number Placeholder 4"/>
           <p:cNvSpPr>
             <a:spLocks noGrp="1"/>
           </p:cNvSpPr>
@@ -1898,6 +4615,11 @@
         </p:txBody>
       </p:sp>
     </p:spTree>
+    <p:extLst>
+      <p:ext uri="{BB962C8B-B14F-4D97-AF65-F5344CB8AC3E}">
+        <p14:creationId xmlns:p14="http://schemas.microsoft.com/office/powerpoint/2010/main" val="3876618155"/>
+      </p:ext>
+    </p:extLst>
   </p:cSld>
   <p:clrMapOvr>
     <a:masterClrMapping/>
@@ -1906,7 +4628,7 @@
 </file>
 
 <file path=ppt/slideLayouts/slideLayout7.xml><?xml version="1.0" encoding="utf-8"?>
-<p:sldLayout xmlns:a="http://schemas.openxmlformats.org/drawingml/2006/main" xmlns:r="http://schemas.openxmlformats.org/officeDocument/2006/relationships" xmlns:p="http://schemas.openxmlformats.org/presentationml/2006/main" showMasterSp="0" type="blank" preserve="1">
+<p:sldLayout xmlns:a="http://schemas.openxmlformats.org/drawingml/2006/main" xmlns:r="http://schemas.openxmlformats.org/officeDocument/2006/relationships" xmlns:p="http://schemas.openxmlformats.org/presentationml/2006/main" type="blank" preserve="1">
   <p:cSld name="Blank">
     <p:spTree>
       <p:nvGrpSpPr>
@@ -1924,7 +4646,7 @@
       </p:grpSpPr>
       <p:sp>
         <p:nvSpPr>
-          <p:cNvPr id="3" name="Date Placeholder 2"/>
+          <p:cNvPr id="2" name="Date Placeholder 1"/>
           <p:cNvSpPr>
             <a:spLocks noGrp="1"/>
           </p:cNvSpPr>
@@ -1947,7 +4669,7 @@
       </p:sp>
       <p:sp>
         <p:nvSpPr>
-          <p:cNvPr id="24" name="Footer Placeholder 23"/>
+          <p:cNvPr id="3" name="Footer Placeholder 2"/>
           <p:cNvSpPr>
             <a:spLocks noGrp="1"/>
           </p:cNvSpPr>
@@ -1966,7 +4688,7 @@
       </p:sp>
       <p:sp>
         <p:nvSpPr>
-          <p:cNvPr id="7" name="Slide Number Placeholder 6"/>
+          <p:cNvPr id="4" name="Slide Number Placeholder 3"/>
           <p:cNvSpPr>
             <a:spLocks noGrp="1"/>
           </p:cNvSpPr>
@@ -1988,6 +4710,11 @@
         </p:txBody>
       </p:sp>
     </p:spTree>
+    <p:extLst>
+      <p:ext uri="{BB962C8B-B14F-4D97-AF65-F5344CB8AC3E}">
+        <p14:creationId xmlns:p14="http://schemas.microsoft.com/office/powerpoint/2010/main" val="1636551360"/>
+      </p:ext>
+    </p:extLst>
   </p:cSld>
   <p:clrMapOvr>
     <a:masterClrMapping/>
@@ -1996,7 +4723,7 @@
 </file>
 
 <file path=ppt/slideLayouts/slideLayout8.xml><?xml version="1.0" encoding="utf-8"?>
-<p:sldLayout xmlns:a="http://schemas.openxmlformats.org/drawingml/2006/main" xmlns:r="http://schemas.openxmlformats.org/officeDocument/2006/relationships" xmlns:p="http://schemas.openxmlformats.org/presentationml/2006/main" showMasterSp="0" type="objTx" preserve="1">
+<p:sldLayout xmlns:a="http://schemas.openxmlformats.org/drawingml/2006/main" xmlns:r="http://schemas.openxmlformats.org/officeDocument/2006/relationships" xmlns:p="http://schemas.openxmlformats.org/presentationml/2006/main" type="objTx" preserve="1">
   <p:cSld name="Content with Caption">
     <p:spTree>
       <p:nvGrpSpPr>
@@ -2014,57 +4741,7 @@
       </p:grpSpPr>
       <p:sp>
         <p:nvSpPr>
-          <p:cNvPr id="8" name="Straight Connector 7"/>
-          <p:cNvSpPr>
-            <a:spLocks noChangeShapeType="1"/>
-          </p:cNvSpPr>
-          <p:nvPr/>
-        </p:nvSpPr>
-        <p:spPr bwMode="auto">
-          <a:xfrm>
-            <a:off x="787241" y="17146580"/>
-            <a:ext cx="13208159" cy="6980"/>
-          </a:xfrm>
-          <a:prstGeom prst="line">
-            <a:avLst/>
-          </a:prstGeom>
-          <a:noFill/>
-          <a:ln w="9525" cap="flat" cmpd="sng" algn="ctr">
-            <a:gradFill flip="none" rotWithShape="1">
-              <a:gsLst>
-                <a:gs pos="0">
-                  <a:schemeClr val="accent1">
-                    <a:alpha val="0"/>
-                  </a:schemeClr>
-                </a:gs>
-                <a:gs pos="17000">
-                  <a:schemeClr val="accent1"/>
-                </a:gs>
-                <a:gs pos="100000">
-                  <a:schemeClr val="accent1"/>
-                </a:gs>
-              </a:gsLst>
-              <a:lin ang="0" scaled="1"/>
-              <a:tileRect/>
-            </a:gradFill>
-            <a:prstDash val="solid"/>
-            <a:round/>
-            <a:headEnd type="none" w="med" len="med"/>
-            <a:tailEnd type="none" w="med" len="med"/>
-          </a:ln>
-          <a:effectLst/>
-        </p:spPr>
-        <p:txBody>
-          <a:bodyPr vert="horz" wrap="square" lIns="194849" tIns="97425" rIns="194849" bIns="97425" anchor="t" compatLnSpc="1"/>
-          <a:lstStyle/>
-          <a:p>
-            <a:endParaRPr kumimoji="0" lang="en-US" dirty="0"/>
-          </a:p>
-        </p:txBody>
-      </p:sp>
-      <p:sp>
-        <p:nvSpPr>
-          <p:cNvPr id="12" name="Title 11"/>
+          <p:cNvPr id="2" name="Title 1"/>
           <p:cNvSpPr>
             <a:spLocks noGrp="1"/>
           </p:cNvSpPr>
@@ -2074,70 +4751,169 @@
         </p:nvSpPr>
         <p:spPr>
           <a:xfrm>
-            <a:off x="699770" y="16083280"/>
-            <a:ext cx="12945745" cy="1526422"/>
+            <a:off x="964007" y="1340273"/>
+            <a:ext cx="4513881" cy="4690957"/>
           </a:xfrm>
         </p:spPr>
         <p:txBody>
-          <a:bodyPr anchor="ctr"/>
+          <a:bodyPr anchor="b"/>
           <a:lstStyle>
-            <a:lvl1pPr algn="l">
-              <a:buNone/>
-              <a:defRPr sz="4300" b="1"/>
+            <a:lvl1pPr>
+              <a:defRPr sz="3673"/>
             </a:lvl1pPr>
           </a:lstStyle>
           <a:p>
             <a:r>
-              <a:rPr kumimoji="0" lang="en-US"/>
+              <a:rPr lang="en-US"/>
               <a:t>Click to edit Master title style</a:t>
             </a:r>
-          </a:p>
-        </p:txBody>
-      </p:sp>
-      <p:sp>
-        <p:nvSpPr>
-          <p:cNvPr id="26" name="Text Placeholder 25"/>
-          <p:cNvSpPr>
-            <a:spLocks noGrp="1"/>
-          </p:cNvSpPr>
-          <p:nvPr>
-            <p:ph type="body" idx="2"/>
+            <a:endParaRPr lang="en-US" dirty="0"/>
+          </a:p>
+        </p:txBody>
+      </p:sp>
+      <p:sp>
+        <p:nvSpPr>
+          <p:cNvPr id="3" name="Content Placeholder 2"/>
+          <p:cNvSpPr>
+            <a:spLocks noGrp="1"/>
+          </p:cNvSpPr>
+          <p:nvPr>
+            <p:ph idx="1"/>
           </p:nvPr>
         </p:nvSpPr>
         <p:spPr>
           <a:xfrm>
-            <a:off x="699771" y="1787031"/>
-            <a:ext cx="4604390" cy="14072870"/>
+            <a:off x="5949868" y="2894623"/>
+            <a:ext cx="7085171" cy="14286941"/>
           </a:xfrm>
         </p:spPr>
         <p:txBody>
           <a:bodyPr/>
+          <a:lstStyle/>
+          <a:p>
+            <a:pPr lvl="0"/>
+            <a:r>
+              <a:rPr lang="en-US"/>
+              <a:t>Click to edit Master text styles</a:t>
+            </a:r>
+          </a:p>
+          <a:p>
+            <a:pPr lvl="1"/>
+            <a:r>
+              <a:rPr lang="en-US"/>
+              <a:t>Second level</a:t>
+            </a:r>
+          </a:p>
+          <a:p>
+            <a:pPr lvl="2"/>
+            <a:r>
+              <a:rPr lang="en-US"/>
+              <a:t>Third level</a:t>
+            </a:r>
+          </a:p>
+          <a:p>
+            <a:pPr lvl="3"/>
+            <a:r>
+              <a:rPr lang="en-US"/>
+              <a:t>Fourth level</a:t>
+            </a:r>
+          </a:p>
+          <a:p>
+            <a:pPr lvl="4"/>
+            <a:r>
+              <a:rPr lang="en-US"/>
+              <a:t>Fifth level</a:t>
+            </a:r>
+            <a:endParaRPr lang="en-US" dirty="0"/>
+          </a:p>
+        </p:txBody>
+      </p:sp>
+      <p:sp>
+        <p:nvSpPr>
+          <p:cNvPr id="4" name="Text Placeholder 3"/>
+          <p:cNvSpPr>
+            <a:spLocks noGrp="1"/>
+          </p:cNvSpPr>
+          <p:nvPr>
+            <p:ph type="body" sz="half" idx="2"/>
+          </p:nvPr>
+        </p:nvSpPr>
+        <p:spPr>
+          <a:xfrm>
+            <a:off x="1285667" y="6031230"/>
+            <a:ext cx="4192221" cy="11173600"/>
+          </a:xfrm>
+        </p:spPr>
+        <p:txBody>
+          <a:bodyPr>
+            <a:normAutofit/>
+          </a:bodyPr>
           <a:lstStyle>
             <a:lvl1pPr marL="0" indent="0">
               <a:buNone/>
-              <a:defRPr sz="3000"/>
+              <a:defRPr sz="2143">
+                <a:gradFill>
+                  <a:gsLst>
+                    <a:gs pos="15000">
+                      <a:schemeClr val="tx2"/>
+                    </a:gs>
+                    <a:gs pos="73000">
+                      <a:schemeClr val="tx2">
+                        <a:lumMod val="60000"/>
+                        <a:lumOff val="40000"/>
+                      </a:schemeClr>
+                    </a:gs>
+                    <a:gs pos="0">
+                      <a:schemeClr val="tx1"/>
+                    </a:gs>
+                    <a:gs pos="100000">
+                      <a:schemeClr val="tx2">
+                        <a:lumMod val="0"/>
+                        <a:lumOff val="100000"/>
+                      </a:schemeClr>
+                    </a:gs>
+                  </a:gsLst>
+                  <a:lin ang="16200000" scaled="1"/>
+                </a:gradFill>
+              </a:defRPr>
             </a:lvl1pPr>
-            <a:lvl2pPr>
-              <a:buNone/>
-              <a:defRPr sz="2600"/>
+            <a:lvl2pPr marL="524843" indent="0">
+              <a:buNone/>
+              <a:defRPr sz="1607"/>
             </a:lvl2pPr>
-            <a:lvl3pPr>
-              <a:buNone/>
-              <a:defRPr sz="2100"/>
+            <a:lvl3pPr marL="1049685" indent="0">
+              <a:buNone/>
+              <a:defRPr sz="1378"/>
             </a:lvl3pPr>
-            <a:lvl4pPr>
-              <a:buNone/>
-              <a:defRPr sz="1900"/>
+            <a:lvl4pPr marL="1574528" indent="0">
+              <a:buNone/>
+              <a:defRPr sz="1148"/>
             </a:lvl4pPr>
-            <a:lvl5pPr>
-              <a:buNone/>
-              <a:defRPr sz="1900"/>
+            <a:lvl5pPr marL="2099371" indent="0">
+              <a:buNone/>
+              <a:defRPr sz="1148"/>
             </a:lvl5pPr>
+            <a:lvl6pPr marL="2624214" indent="0">
+              <a:buNone/>
+              <a:defRPr sz="1148"/>
+            </a:lvl6pPr>
+            <a:lvl7pPr marL="3149056" indent="0">
+              <a:buNone/>
+              <a:defRPr sz="1148"/>
+            </a:lvl7pPr>
+            <a:lvl8pPr marL="3673899" indent="0">
+              <a:buNone/>
+              <a:defRPr sz="1148"/>
+            </a:lvl8pPr>
+            <a:lvl9pPr marL="4198742" indent="0">
+              <a:buNone/>
+              <a:defRPr sz="1148"/>
+            </a:lvl9pPr>
           </a:lstStyle>
           <a:p>
-            <a:pPr lvl="0" eaLnBrk="1" latinLnBrk="0" hangingPunct="1"/>
-            <a:r>
-              <a:rPr kumimoji="0" lang="en-US"/>
+            <a:pPr lvl="0"/>
+            <a:r>
+              <a:rPr lang="en-US"/>
               <a:t>Click to edit Master text styles</a:t>
             </a:r>
           </a:p>
@@ -2145,80 +4921,7 @@
       </p:sp>
       <p:sp>
         <p:nvSpPr>
-          <p:cNvPr id="14" name="Content Placeholder 13"/>
-          <p:cNvSpPr>
-            <a:spLocks noGrp="1"/>
-          </p:cNvSpPr>
-          <p:nvPr>
-            <p:ph sz="half" idx="1"/>
-          </p:nvPr>
-        </p:nvSpPr>
-        <p:spPr>
-          <a:xfrm>
-            <a:off x="5471813" y="1787031"/>
-            <a:ext cx="8173702" cy="14072870"/>
-          </a:xfrm>
-        </p:spPr>
-        <p:txBody>
-          <a:bodyPr/>
-          <a:lstStyle>
-            <a:lvl1pPr>
-              <a:defRPr sz="6800"/>
-            </a:lvl1pPr>
-            <a:lvl2pPr>
-              <a:defRPr sz="6000"/>
-            </a:lvl2pPr>
-            <a:lvl3pPr>
-              <a:defRPr sz="5100"/>
-            </a:lvl3pPr>
-            <a:lvl4pPr>
-              <a:defRPr sz="4300"/>
-            </a:lvl4pPr>
-            <a:lvl5pPr>
-              <a:defRPr sz="4300"/>
-            </a:lvl5pPr>
-          </a:lstStyle>
-          <a:p>
-            <a:pPr lvl="0" eaLnBrk="1" latinLnBrk="0" hangingPunct="1"/>
-            <a:r>
-              <a:rPr lang="en-US"/>
-              <a:t>Click to edit Master text styles</a:t>
-            </a:r>
-          </a:p>
-          <a:p>
-            <a:pPr lvl="1" eaLnBrk="1" latinLnBrk="0" hangingPunct="1"/>
-            <a:r>
-              <a:rPr lang="en-US"/>
-              <a:t>Second level</a:t>
-            </a:r>
-          </a:p>
-          <a:p>
-            <a:pPr lvl="2" eaLnBrk="1" latinLnBrk="0" hangingPunct="1"/>
-            <a:r>
-              <a:rPr lang="en-US"/>
-              <a:t>Third level</a:t>
-            </a:r>
-          </a:p>
-          <a:p>
-            <a:pPr lvl="3" eaLnBrk="1" latinLnBrk="0" hangingPunct="1"/>
-            <a:r>
-              <a:rPr lang="en-US"/>
-              <a:t>Fourth level</a:t>
-            </a:r>
-          </a:p>
-          <a:p>
-            <a:pPr lvl="4" eaLnBrk="1" latinLnBrk="0" hangingPunct="1"/>
-            <a:r>
-              <a:rPr lang="en-US"/>
-              <a:t>Fifth level</a:t>
-            </a:r>
-            <a:endParaRPr kumimoji="0" lang="en-US"/>
-          </a:p>
-        </p:txBody>
-      </p:sp>
-      <p:sp>
-        <p:nvSpPr>
-          <p:cNvPr id="25" name="Date Placeholder 24"/>
+          <p:cNvPr id="5" name="Date Placeholder 4"/>
           <p:cNvSpPr>
             <a:spLocks noGrp="1"/>
           </p:cNvSpPr>
@@ -2241,7 +4944,7 @@
       </p:sp>
       <p:sp>
         <p:nvSpPr>
-          <p:cNvPr id="29" name="Footer Placeholder 28"/>
+          <p:cNvPr id="6" name="Footer Placeholder 5"/>
           <p:cNvSpPr>
             <a:spLocks noGrp="1"/>
           </p:cNvSpPr>
@@ -2282,6 +4985,11 @@
         </p:txBody>
       </p:sp>
     </p:spTree>
+    <p:extLst>
+      <p:ext uri="{BB962C8B-B14F-4D97-AF65-F5344CB8AC3E}">
+        <p14:creationId xmlns:p14="http://schemas.microsoft.com/office/powerpoint/2010/main" val="1454825611"/>
+      </p:ext>
+    </p:extLst>
   </p:cSld>
   <p:clrMapOvr>
     <a:masterClrMapping/>
@@ -2290,7 +4998,7 @@
 </file>
 
 <file path=ppt/slideLayouts/slideLayout9.xml><?xml version="1.0" encoding="utf-8"?>
-<p:sldLayout xmlns:a="http://schemas.openxmlformats.org/drawingml/2006/main" xmlns:r="http://schemas.openxmlformats.org/officeDocument/2006/relationships" xmlns:p="http://schemas.openxmlformats.org/presentationml/2006/main" showMasterSp="0" type="picTx" preserve="1">
+<p:sldLayout xmlns:a="http://schemas.openxmlformats.org/drawingml/2006/main" xmlns:r="http://schemas.openxmlformats.org/officeDocument/2006/relationships" xmlns:p="http://schemas.openxmlformats.org/presentationml/2006/main" type="picTx" preserve="1">
   <p:cSld name="Picture with Caption">
     <p:spTree>
       <p:nvGrpSpPr>
@@ -2308,50 +5016,195 @@
       </p:grpSpPr>
       <p:sp>
         <p:nvSpPr>
-          <p:cNvPr id="13" name="Picture Placeholder 12"/>
-          <p:cNvSpPr>
-            <a:spLocks noGrp="1"/>
-          </p:cNvSpPr>
-          <p:nvPr>
-            <p:ph type="pic" idx="1"/>
+          <p:cNvPr id="2" name="Title 1"/>
+          <p:cNvSpPr>
+            <a:spLocks noGrp="1"/>
+          </p:cNvSpPr>
+          <p:nvPr>
+            <p:ph type="title"/>
           </p:nvPr>
         </p:nvSpPr>
         <p:spPr>
           <a:xfrm>
-            <a:off x="5364903" y="1807651"/>
-            <a:ext cx="7697470" cy="10722187"/>
+            <a:off x="964007" y="1340273"/>
+            <a:ext cx="4513881" cy="4690957"/>
           </a:xfrm>
-          <a:solidFill>
-            <a:schemeClr val="bg1"/>
-          </a:solidFill>
-          <a:ln w="6350">
-            <a:solidFill>
-              <a:schemeClr val="accent1"/>
-            </a:solidFill>
-          </a:ln>
-          <a:effectLst>
-            <a:reflection blurRad="1000" stA="49000" endA="500" endPos="10000" dist="900" dir="5400000" sy="-90000" algn="bl" rotWithShape="0"/>
-          </a:effectLst>
         </p:spPr>
         <p:txBody>
-          <a:bodyPr/>
+          <a:bodyPr anchor="b"/>
+          <a:lstStyle>
+            <a:lvl1pPr>
+              <a:defRPr sz="3673"/>
+            </a:lvl1pPr>
+          </a:lstStyle>
+          <a:p>
+            <a:r>
+              <a:rPr lang="en-US"/>
+              <a:t>Click to edit Master title style</a:t>
+            </a:r>
+            <a:endParaRPr lang="en-US" dirty="0"/>
+          </a:p>
+        </p:txBody>
+      </p:sp>
+      <p:sp>
+        <p:nvSpPr>
+          <p:cNvPr id="3" name="Picture Placeholder 2"/>
+          <p:cNvSpPr>
+            <a:spLocks noGrp="1" noChangeAspect="1"/>
+          </p:cNvSpPr>
+          <p:nvPr>
+            <p:ph type="pic" idx="1"/>
+          </p:nvPr>
+        </p:nvSpPr>
+        <p:spPr>
+          <a:xfrm>
+            <a:off x="5949868" y="2894623"/>
+            <a:ext cx="7085171" cy="14286941"/>
+          </a:xfrm>
+        </p:spPr>
+        <p:txBody>
+          <a:bodyPr anchor="t"/>
           <a:lstStyle>
             <a:lvl1pPr marL="0" indent="0">
               <a:buNone/>
-              <a:defRPr sz="6800"/>
+              <a:defRPr sz="3673"/>
             </a:lvl1pPr>
+            <a:lvl2pPr marL="524843" indent="0">
+              <a:buNone/>
+              <a:defRPr sz="3214"/>
+            </a:lvl2pPr>
+            <a:lvl3pPr marL="1049685" indent="0">
+              <a:buNone/>
+              <a:defRPr sz="2755"/>
+            </a:lvl3pPr>
+            <a:lvl4pPr marL="1574528" indent="0">
+              <a:buNone/>
+              <a:defRPr sz="2296"/>
+            </a:lvl4pPr>
+            <a:lvl5pPr marL="2099371" indent="0">
+              <a:buNone/>
+              <a:defRPr sz="2296"/>
+            </a:lvl5pPr>
+            <a:lvl6pPr marL="2624214" indent="0">
+              <a:buNone/>
+              <a:defRPr sz="2296"/>
+            </a:lvl6pPr>
+            <a:lvl7pPr marL="3149056" indent="0">
+              <a:buNone/>
+              <a:defRPr sz="2296"/>
+            </a:lvl7pPr>
+            <a:lvl8pPr marL="3673899" indent="0">
+              <a:buNone/>
+              <a:defRPr sz="2296"/>
+            </a:lvl8pPr>
+            <a:lvl9pPr marL="4198742" indent="0">
+              <a:buNone/>
+              <a:defRPr sz="2296"/>
+            </a:lvl9pPr>
           </a:lstStyle>
           <a:p>
             <a:r>
-              <a:rPr kumimoji="0" lang="en-US" dirty="0"/>
+              <a:rPr lang="en-US"/>
               <a:t>Click icon to add picture</a:t>
             </a:r>
-          </a:p>
-        </p:txBody>
-      </p:sp>
-      <p:sp>
-        <p:nvSpPr>
-          <p:cNvPr id="7" name="Date Placeholder 6"/>
+            <a:endParaRPr lang="en-US" dirty="0"/>
+          </a:p>
+        </p:txBody>
+      </p:sp>
+      <p:sp>
+        <p:nvSpPr>
+          <p:cNvPr id="4" name="Text Placeholder 3"/>
+          <p:cNvSpPr>
+            <a:spLocks noGrp="1"/>
+          </p:cNvSpPr>
+          <p:nvPr>
+            <p:ph type="body" sz="half" idx="2"/>
+          </p:nvPr>
+        </p:nvSpPr>
+        <p:spPr>
+          <a:xfrm>
+            <a:off x="1285667" y="6031230"/>
+            <a:ext cx="4192221" cy="11173600"/>
+          </a:xfrm>
+        </p:spPr>
+        <p:txBody>
+          <a:bodyPr>
+            <a:normAutofit/>
+          </a:bodyPr>
+          <a:lstStyle>
+            <a:lvl1pPr marL="0" indent="0">
+              <a:buNone/>
+              <a:defRPr sz="2143">
+                <a:gradFill>
+                  <a:gsLst>
+                    <a:gs pos="15000">
+                      <a:schemeClr val="tx2"/>
+                    </a:gs>
+                    <a:gs pos="73000">
+                      <a:schemeClr val="tx2">
+                        <a:lumMod val="60000"/>
+                        <a:lumOff val="40000"/>
+                      </a:schemeClr>
+                    </a:gs>
+                    <a:gs pos="0">
+                      <a:schemeClr val="tx1"/>
+                    </a:gs>
+                    <a:gs pos="100000">
+                      <a:schemeClr val="tx2">
+                        <a:lumMod val="0"/>
+                        <a:lumOff val="100000"/>
+                      </a:schemeClr>
+                    </a:gs>
+                  </a:gsLst>
+                  <a:lin ang="16200000" scaled="1"/>
+                </a:gradFill>
+              </a:defRPr>
+            </a:lvl1pPr>
+            <a:lvl2pPr marL="524843" indent="0">
+              <a:buNone/>
+              <a:defRPr sz="1607"/>
+            </a:lvl2pPr>
+            <a:lvl3pPr marL="1049685" indent="0">
+              <a:buNone/>
+              <a:defRPr sz="1378"/>
+            </a:lvl3pPr>
+            <a:lvl4pPr marL="1574528" indent="0">
+              <a:buNone/>
+              <a:defRPr sz="1148"/>
+            </a:lvl4pPr>
+            <a:lvl5pPr marL="2099371" indent="0">
+              <a:buNone/>
+              <a:defRPr sz="1148"/>
+            </a:lvl5pPr>
+            <a:lvl6pPr marL="2624214" indent="0">
+              <a:buNone/>
+              <a:defRPr sz="1148"/>
+            </a:lvl6pPr>
+            <a:lvl7pPr marL="3149056" indent="0">
+              <a:buNone/>
+              <a:defRPr sz="1148"/>
+            </a:lvl7pPr>
+            <a:lvl8pPr marL="3673899" indent="0">
+              <a:buNone/>
+              <a:defRPr sz="1148"/>
+            </a:lvl8pPr>
+            <a:lvl9pPr marL="4198742" indent="0">
+              <a:buNone/>
+              <a:defRPr sz="1148"/>
+            </a:lvl9pPr>
+          </a:lstStyle>
+          <a:p>
+            <a:pPr lvl="0"/>
+            <a:r>
+              <a:rPr lang="en-US"/>
+              <a:t>Click to edit Master text styles</a:t>
+            </a:r>
+          </a:p>
+        </p:txBody>
+      </p:sp>
+      <p:sp>
+        <p:nvSpPr>
+          <p:cNvPr id="5" name="Date Placeholder 4"/>
           <p:cNvSpPr>
             <a:spLocks noGrp="1"/>
           </p:cNvSpPr>
@@ -2374,7 +5227,7 @@
       </p:sp>
       <p:sp>
         <p:nvSpPr>
-          <p:cNvPr id="5" name="Footer Placeholder 4"/>
+          <p:cNvPr id="6" name="Footer Placeholder 5"/>
           <p:cNvSpPr>
             <a:spLocks noGrp="1"/>
           </p:cNvSpPr>
@@ -2393,7 +5246,7 @@
       </p:sp>
       <p:sp>
         <p:nvSpPr>
-          <p:cNvPr id="31" name="Slide Number Placeholder 30"/>
+          <p:cNvPr id="7" name="Slide Number Placeholder 6"/>
           <p:cNvSpPr>
             <a:spLocks noGrp="1"/>
           </p:cNvSpPr>
@@ -2414,84 +5267,12 @@
           </a:p>
         </p:txBody>
       </p:sp>
-      <p:sp>
-        <p:nvSpPr>
-          <p:cNvPr id="17" name="Title 16"/>
-          <p:cNvSpPr>
-            <a:spLocks noGrp="1"/>
-          </p:cNvSpPr>
-          <p:nvPr>
-            <p:ph type="title"/>
-          </p:nvPr>
-        </p:nvSpPr>
-        <p:spPr>
-          <a:xfrm>
-            <a:off x="583142" y="14639115"/>
-            <a:ext cx="8980382" cy="1531078"/>
-          </a:xfrm>
-        </p:spPr>
-        <p:txBody>
-          <a:bodyPr anchor="ctr"/>
-          <a:lstStyle>
-            <a:lvl1pPr algn="l">
-              <a:buNone/>
-              <a:defRPr sz="4300" b="1"/>
-            </a:lvl1pPr>
-          </a:lstStyle>
-          <a:p>
-            <a:r>
-              <a:rPr kumimoji="0" lang="en-US"/>
-              <a:t>Click to edit Master title style</a:t>
-            </a:r>
-          </a:p>
-        </p:txBody>
-      </p:sp>
-      <p:sp>
-        <p:nvSpPr>
-          <p:cNvPr id="26" name="Text Placeholder 25"/>
-          <p:cNvSpPr>
-            <a:spLocks noGrp="1"/>
-          </p:cNvSpPr>
-          <p:nvPr>
-            <p:ph type="body" sz="half" idx="2"/>
-          </p:nvPr>
-        </p:nvSpPr>
-        <p:spPr>
-          <a:xfrm>
-            <a:off x="583142" y="16220526"/>
-            <a:ext cx="8980382" cy="2252404"/>
-          </a:xfrm>
-        </p:spPr>
-        <p:txBody>
-          <a:bodyPr lIns="233819" tIns="0"/>
-          <a:lstStyle>
-            <a:lvl1pPr marL="0" indent="0">
-              <a:buNone/>
-              <a:defRPr sz="3000"/>
-            </a:lvl1pPr>
-            <a:lvl2pPr>
-              <a:defRPr sz="2600"/>
-            </a:lvl2pPr>
-            <a:lvl3pPr>
-              <a:defRPr sz="2100"/>
-            </a:lvl3pPr>
-            <a:lvl4pPr>
-              <a:defRPr sz="1900"/>
-            </a:lvl4pPr>
-            <a:lvl5pPr>
-              <a:defRPr sz="1900"/>
-            </a:lvl5pPr>
-          </a:lstStyle>
-          <a:p>
-            <a:pPr lvl="0" eaLnBrk="1" latinLnBrk="0" hangingPunct="1"/>
-            <a:r>
-              <a:rPr kumimoji="0" lang="en-US"/>
-              <a:t>Click to edit Master text styles</a:t>
-            </a:r>
-          </a:p>
-        </p:txBody>
-      </p:sp>
     </p:spTree>
+    <p:extLst>
+      <p:ext uri="{BB962C8B-B14F-4D97-AF65-F5344CB8AC3E}">
+        <p14:creationId xmlns:p14="http://schemas.microsoft.com/office/powerpoint/2010/main" val="2684443969"/>
+      </p:ext>
+    </p:extLst>
   </p:cSld>
   <p:clrMapOvr>
     <a:masterClrMapping/>
@@ -2503,9 +5284,18 @@
 <p:sldMaster xmlns:a="http://schemas.openxmlformats.org/drawingml/2006/main" xmlns:r="http://schemas.openxmlformats.org/officeDocument/2006/relationships" xmlns:p="http://schemas.openxmlformats.org/presentationml/2006/main">
   <p:cSld>
     <p:bg>
-      <p:bgRef idx="1003">
-        <a:schemeClr val="bg2"/>
-      </p:bgRef>
+      <p:bgPr>
+        <a:blipFill dpi="0" rotWithShape="1">
+          <a:blip r:embed="rId19">
+            <a:lum/>
+          </a:blip>
+          <a:srcRect/>
+          <a:stretch>
+            <a:fillRect l="-17000" r="-17000"/>
+          </a:stretch>
+        </a:blipFill>
+        <a:effectLst/>
+      </p:bgPr>
     </p:bg>
     <p:spTree>
       <p:nvGrpSpPr>
@@ -2523,144 +5313,146 @@
       </p:grpSpPr>
       <p:sp>
         <p:nvSpPr>
-          <p:cNvPr id="7" name="Straight Connector 6"/>
-          <p:cNvSpPr>
-            <a:spLocks noChangeShapeType="1"/>
-          </p:cNvSpPr>
-          <p:nvPr/>
-        </p:nvSpPr>
-        <p:spPr bwMode="auto">
-          <a:xfrm>
-            <a:off x="787241" y="3080689"/>
-            <a:ext cx="13208159" cy="6980"/>
-          </a:xfrm>
-          <a:prstGeom prst="line">
-            <a:avLst/>
-          </a:prstGeom>
-          <a:noFill/>
-          <a:ln w="9525" cap="flat" cmpd="sng" algn="ctr">
-            <a:gradFill flip="none" rotWithShape="1">
-              <a:gsLst>
-                <a:gs pos="0">
-                  <a:schemeClr val="accent1">
-                    <a:alpha val="0"/>
-                  </a:schemeClr>
-                </a:gs>
-                <a:gs pos="17000">
-                  <a:schemeClr val="accent1"/>
-                </a:gs>
-                <a:gs pos="100000">
-                  <a:schemeClr val="accent1"/>
-                </a:gs>
-              </a:gsLst>
-              <a:lin ang="0" scaled="1"/>
-              <a:tileRect/>
-            </a:gradFill>
-            <a:prstDash val="solid"/>
-            <a:round/>
-            <a:headEnd type="none" w="med" len="med"/>
-            <a:tailEnd type="none" w="med" len="med"/>
-          </a:ln>
-          <a:effectLst/>
-        </p:spPr>
-        <p:txBody>
-          <a:bodyPr vert="horz" wrap="square" lIns="194849" tIns="97425" rIns="194849" bIns="97425" anchor="t" compatLnSpc="1"/>
-          <a:lstStyle/>
-          <a:p>
-            <a:endParaRPr kumimoji="0" lang="en-US" dirty="0"/>
-          </a:p>
-        </p:txBody>
-      </p:sp>
-      <p:sp>
-        <p:nvSpPr>
-          <p:cNvPr id="8" name="Text Placeholder 7"/>
-          <p:cNvSpPr>
-            <a:spLocks noGrp="1"/>
-          </p:cNvSpPr>
-          <p:nvPr>
-            <p:ph type="body" idx="1"/>
+          <p:cNvPr id="2" name="Title Placeholder 1"/>
+          <p:cNvSpPr>
+            <a:spLocks noGrp="1"/>
+          </p:cNvSpPr>
+          <p:nvPr>
+            <p:ph type="title"/>
           </p:nvPr>
         </p:nvSpPr>
         <p:spPr>
           <a:xfrm>
-            <a:off x="466513" y="4555998"/>
-            <a:ext cx="13295630" cy="13267777"/>
+            <a:off x="962184" y="1070362"/>
+            <a:ext cx="12071033" cy="3885863"/>
           </a:xfrm>
           <a:prstGeom prst="rect">
             <a:avLst/>
           </a:prstGeom>
         </p:spPr>
         <p:txBody>
-          <a:bodyPr vert="horz" lIns="194849" tIns="97425" rIns="194849" bIns="97425">
+          <a:bodyPr vert="horz" lIns="91440" tIns="45720" rIns="91440" bIns="45720" rtlCol="0" anchor="ctr">
             <a:normAutofit/>
           </a:bodyPr>
           <a:lstStyle/>
           <a:p>
-            <a:pPr lvl="0" eaLnBrk="1" latinLnBrk="0" hangingPunct="1"/>
-            <a:r>
-              <a:rPr kumimoji="0" lang="en-US"/>
-              <a:t>Click to edit Master text styles</a:t>
-            </a:r>
-          </a:p>
-          <a:p>
-            <a:pPr lvl="1" eaLnBrk="1" latinLnBrk="0" hangingPunct="1"/>
-            <a:r>
-              <a:rPr kumimoji="0" lang="en-US"/>
-              <a:t>Second level</a:t>
-            </a:r>
-          </a:p>
-          <a:p>
-            <a:pPr lvl="2" eaLnBrk="1" latinLnBrk="0" hangingPunct="1"/>
-            <a:r>
-              <a:rPr kumimoji="0" lang="en-US"/>
-              <a:t>Third level</a:t>
-            </a:r>
-          </a:p>
-          <a:p>
-            <a:pPr lvl="3" eaLnBrk="1" latinLnBrk="0" hangingPunct="1"/>
-            <a:r>
-              <a:rPr kumimoji="0" lang="en-US"/>
-              <a:t>Fourth level</a:t>
-            </a:r>
-          </a:p>
-          <a:p>
-            <a:pPr lvl="4" eaLnBrk="1" latinLnBrk="0" hangingPunct="1"/>
-            <a:r>
-              <a:rPr kumimoji="0" lang="en-US"/>
-              <a:t>Fifth level</a:t>
-            </a:r>
-          </a:p>
-        </p:txBody>
-      </p:sp>
-      <p:sp>
-        <p:nvSpPr>
-          <p:cNvPr id="11" name="Date Placeholder 10"/>
-          <p:cNvSpPr>
-            <a:spLocks noGrp="1"/>
-          </p:cNvSpPr>
-          <p:nvPr>
-            <p:ph type="dt" sz="half" idx="2"/>
+            <a:r>
+              <a:rPr lang="en-US"/>
+              <a:t>Click to edit Master title style</a:t>
+            </a:r>
+            <a:endParaRPr lang="en-US" dirty="0"/>
+          </a:p>
+        </p:txBody>
+      </p:sp>
+      <p:sp>
+        <p:nvSpPr>
+          <p:cNvPr id="3" name="Text Placeholder 2"/>
+          <p:cNvSpPr>
+            <a:spLocks noGrp="1"/>
+          </p:cNvSpPr>
+          <p:nvPr>
+            <p:ph type="body" idx="1"/>
           </p:nvPr>
         </p:nvSpPr>
         <p:spPr>
           <a:xfrm>
-            <a:off x="9913408" y="223380"/>
-            <a:ext cx="3848735" cy="846978"/>
+            <a:off x="1285666" y="5351786"/>
+            <a:ext cx="11747550" cy="12755867"/>
           </a:xfrm>
           <a:prstGeom prst="rect">
             <a:avLst/>
           </a:prstGeom>
         </p:spPr>
         <p:txBody>
-          <a:bodyPr vert="horz" lIns="194849" tIns="97425" rIns="194849" bIns="97425"/>
+          <a:bodyPr vert="horz" lIns="91440" tIns="45720" rIns="91440" bIns="45720" rtlCol="0">
+            <a:normAutofit/>
+          </a:bodyPr>
+          <a:lstStyle/>
+          <a:p>
+            <a:pPr lvl="0"/>
+            <a:r>
+              <a:rPr lang="en-US"/>
+              <a:t>Click to edit Master text styles</a:t>
+            </a:r>
+          </a:p>
+          <a:p>
+            <a:pPr lvl="1"/>
+            <a:r>
+              <a:rPr lang="en-US"/>
+              <a:t>Second level</a:t>
+            </a:r>
+          </a:p>
+          <a:p>
+            <a:pPr lvl="2"/>
+            <a:r>
+              <a:rPr lang="en-US"/>
+              <a:t>Third level</a:t>
+            </a:r>
+          </a:p>
+          <a:p>
+            <a:pPr lvl="3"/>
+            <a:r>
+              <a:rPr lang="en-US"/>
+              <a:t>Fourth level</a:t>
+            </a:r>
+          </a:p>
+          <a:p>
+            <a:pPr lvl="4"/>
+            <a:r>
+              <a:rPr lang="en-US"/>
+              <a:t>Fifth level</a:t>
+            </a:r>
+            <a:endParaRPr lang="en-US" dirty="0"/>
+          </a:p>
+        </p:txBody>
+      </p:sp>
+      <p:sp>
+        <p:nvSpPr>
+          <p:cNvPr id="4" name="Date Placeholder 3"/>
+          <p:cNvSpPr>
+            <a:spLocks noGrp="1"/>
+          </p:cNvSpPr>
+          <p:nvPr>
+            <p:ph type="dt" sz="half" idx="2"/>
+          </p:nvPr>
+        </p:nvSpPr>
+        <p:spPr>
+          <a:xfrm>
+            <a:off x="962184" y="18633527"/>
+            <a:ext cx="3148965" cy="1070357"/>
+          </a:xfrm>
+          <a:prstGeom prst="rect">
+            <a:avLst/>
+          </a:prstGeom>
+        </p:spPr>
+        <p:txBody>
+          <a:bodyPr vert="horz" lIns="91440" tIns="45720" rIns="91440" bIns="45720" rtlCol="0" anchor="ctr"/>
           <a:lstStyle>
-            <a:lvl1pPr algn="l" eaLnBrk="1" latinLnBrk="0" hangingPunct="1">
-              <a:defRPr kumimoji="0" sz="2600">
-                <a:solidFill>
-                  <a:schemeClr val="accent1">
-                    <a:shade val="75000"/>
-                  </a:schemeClr>
-                </a:solidFill>
+            <a:lvl1pPr algn="l">
+              <a:defRPr sz="1378">
+                <a:gradFill flip="none" rotWithShape="1">
+                  <a:gsLst>
+                    <a:gs pos="28000">
+                      <a:schemeClr val="tx1">
+                        <a:lumMod val="93000"/>
+                      </a:schemeClr>
+                    </a:gs>
+                    <a:gs pos="0">
+                      <a:schemeClr val="bg1">
+                        <a:lumMod val="38000"/>
+                        <a:lumOff val="62000"/>
+                      </a:schemeClr>
+                    </a:gs>
+                    <a:gs pos="100000">
+                      <a:schemeClr val="tx2">
+                        <a:lumMod val="0"/>
+                        <a:lumOff val="100000"/>
+                      </a:schemeClr>
+                    </a:gs>
+                  </a:gsLst>
+                  <a:lin ang="5400000" scaled="1"/>
+                  <a:tileRect/>
+                </a:gradFill>
               </a:defRPr>
             </a:lvl1pPr>
           </a:lstStyle>
@@ -2675,7 +5467,7 @@
       </p:sp>
       <p:sp>
         <p:nvSpPr>
-          <p:cNvPr id="28" name="Footer Placeholder 27"/>
+          <p:cNvPr id="5" name="Footer Placeholder 4"/>
           <p:cNvSpPr>
             <a:spLocks noGrp="1"/>
           </p:cNvSpPr>
@@ -2685,23 +5477,41 @@
         </p:nvSpPr>
         <p:spPr>
           <a:xfrm>
-            <a:off x="4781762" y="223380"/>
-            <a:ext cx="5131647" cy="846978"/>
+            <a:off x="4635976" y="18633527"/>
+            <a:ext cx="4723448" cy="1070357"/>
           </a:xfrm>
           <a:prstGeom prst="rect">
             <a:avLst/>
           </a:prstGeom>
         </p:spPr>
         <p:txBody>
-          <a:bodyPr vert="horz" lIns="194849" tIns="97425" rIns="194849" bIns="97425"/>
+          <a:bodyPr vert="horz" lIns="91440" tIns="45720" rIns="91440" bIns="45720" rtlCol="0" anchor="ctr"/>
           <a:lstStyle>
-            <a:lvl1pPr algn="r" eaLnBrk="1" latinLnBrk="0" hangingPunct="1">
-              <a:defRPr kumimoji="0" sz="2600">
-                <a:solidFill>
-                  <a:schemeClr val="accent1">
-                    <a:shade val="75000"/>
-                  </a:schemeClr>
-                </a:solidFill>
+            <a:lvl1pPr algn="ctr">
+              <a:defRPr sz="1378">
+                <a:gradFill flip="none" rotWithShape="1">
+                  <a:gsLst>
+                    <a:gs pos="28000">
+                      <a:schemeClr val="tx1">
+                        <a:lumMod val="93000"/>
+                      </a:schemeClr>
+                    </a:gs>
+                    <a:gs pos="0">
+                      <a:schemeClr val="bg1">
+                        <a:lumMod val="38000"/>
+                        <a:lumOff val="62000"/>
+                      </a:schemeClr>
+                    </a:gs>
+                    <a:gs pos="100000">
+                      <a:schemeClr val="tx2">
+                        <a:lumMod val="0"/>
+                        <a:lumOff val="100000"/>
+                      </a:schemeClr>
+                    </a:gs>
+                  </a:gsLst>
+                  <a:lin ang="5400000" scaled="1"/>
+                  <a:tileRect/>
+                </a:gradFill>
               </a:defRPr>
             </a:lvl1pPr>
           </a:lstStyle>
@@ -2712,7 +5522,7 @@
       </p:sp>
       <p:sp>
         <p:nvSpPr>
-          <p:cNvPr id="5" name="Slide Number Placeholder 4"/>
+          <p:cNvPr id="6" name="Slide Number Placeholder 5"/>
           <p:cNvSpPr>
             <a:spLocks noGrp="1"/>
           </p:cNvSpPr>
@@ -2722,23 +5532,41 @@
         </p:nvSpPr>
         <p:spPr>
           <a:xfrm>
-            <a:off x="12595860" y="18987207"/>
-            <a:ext cx="1166283" cy="716674"/>
+            <a:off x="9884251" y="18633527"/>
+            <a:ext cx="3148965" cy="1070357"/>
           </a:xfrm>
           <a:prstGeom prst="rect">
             <a:avLst/>
           </a:prstGeom>
         </p:spPr>
         <p:txBody>
-          <a:bodyPr vert="horz" lIns="194849" tIns="97425" rIns="194849" bIns="97425"/>
+          <a:bodyPr vert="horz" lIns="91440" tIns="45720" rIns="91440" bIns="45720" rtlCol="0" anchor="ctr"/>
           <a:lstStyle>
-            <a:lvl1pPr algn="r" eaLnBrk="1" latinLnBrk="0" hangingPunct="1">
-              <a:defRPr kumimoji="0" sz="2600">
-                <a:solidFill>
-                  <a:schemeClr val="accent1">
-                    <a:shade val="75000"/>
-                  </a:schemeClr>
-                </a:solidFill>
+            <a:lvl1pPr algn="r">
+              <a:defRPr sz="1378">
+                <a:gradFill flip="none" rotWithShape="1">
+                  <a:gsLst>
+                    <a:gs pos="28000">
+                      <a:schemeClr val="tx1">
+                        <a:lumMod val="93000"/>
+                      </a:schemeClr>
+                    </a:gs>
+                    <a:gs pos="0">
+                      <a:schemeClr val="bg1">
+                        <a:lumMod val="38000"/>
+                        <a:lumOff val="62000"/>
+                      </a:schemeClr>
+                    </a:gs>
+                    <a:gs pos="100000">
+                      <a:schemeClr val="tx2">
+                        <a:lumMod val="0"/>
+                        <a:lumOff val="100000"/>
+                      </a:schemeClr>
+                    </a:gs>
+                  </a:gsLst>
+                  <a:lin ang="5400000" scaled="1"/>
+                  <a:tileRect/>
+                </a:gradFill>
               </a:defRPr>
             </a:lvl1pPr>
           </a:lstStyle>
@@ -2751,168 +5579,67 @@
           </a:p>
         </p:txBody>
       </p:sp>
-      <p:sp>
-        <p:nvSpPr>
-          <p:cNvPr id="10" name="Title Placeholder 9"/>
-          <p:cNvSpPr>
-            <a:spLocks noGrp="1"/>
-          </p:cNvSpPr>
-          <p:nvPr>
-            <p:ph type="title"/>
-          </p:nvPr>
-        </p:nvSpPr>
-        <p:spPr>
-          <a:xfrm>
-            <a:off x="466513" y="1340273"/>
-            <a:ext cx="13295630" cy="2457168"/>
-          </a:xfrm>
-          <a:prstGeom prst="rect">
-            <a:avLst/>
-          </a:prstGeom>
-        </p:spPr>
-        <p:txBody>
-          <a:bodyPr vert="horz" lIns="194849" tIns="97425" rIns="194849" bIns="97425" anchor="ctr">
-            <a:normAutofit/>
-          </a:bodyPr>
-          <a:lstStyle/>
-          <a:p>
-            <a:r>
-              <a:rPr kumimoji="0" lang="en-US"/>
-              <a:t>Click to edit Master title style</a:t>
-            </a:r>
-          </a:p>
-        </p:txBody>
-      </p:sp>
-      <p:sp>
-        <p:nvSpPr>
-          <p:cNvPr id="9" name="Straight Connector 8"/>
-          <p:cNvSpPr>
-            <a:spLocks noChangeShapeType="1"/>
-          </p:cNvSpPr>
-          <p:nvPr/>
-        </p:nvSpPr>
-        <p:spPr bwMode="auto">
-          <a:xfrm>
-            <a:off x="787241" y="3080689"/>
-            <a:ext cx="13208159" cy="6980"/>
-          </a:xfrm>
-          <a:prstGeom prst="line">
-            <a:avLst/>
-          </a:prstGeom>
-          <a:noFill/>
-          <a:ln w="9525" cap="flat" cmpd="sng" algn="ctr">
-            <a:gradFill flip="none" rotWithShape="1">
-              <a:gsLst>
-                <a:gs pos="0">
-                  <a:schemeClr val="accent1">
-                    <a:alpha val="0"/>
-                  </a:schemeClr>
-                </a:gs>
-                <a:gs pos="17000">
-                  <a:schemeClr val="accent1"/>
-                </a:gs>
-                <a:gs pos="100000">
-                  <a:schemeClr val="accent1"/>
-                </a:gs>
-              </a:gsLst>
-              <a:lin ang="0" scaled="1"/>
-              <a:tileRect/>
-            </a:gradFill>
-            <a:prstDash val="solid"/>
-            <a:round/>
-            <a:headEnd type="none" w="med" len="med"/>
-            <a:tailEnd type="none" w="med" len="med"/>
-          </a:ln>
-          <a:effectLst/>
-        </p:spPr>
-        <p:txBody>
-          <a:bodyPr vert="horz" wrap="square" lIns="194849" tIns="97425" rIns="194849" bIns="97425" anchor="t" compatLnSpc="1"/>
-          <a:lstStyle/>
-          <a:p>
-            <a:endParaRPr kumimoji="0" lang="en-US" dirty="0"/>
-          </a:p>
-        </p:txBody>
-      </p:sp>
-      <p:sp>
-        <p:nvSpPr>
-          <p:cNvPr id="12" name="Straight Connector 11"/>
-          <p:cNvSpPr>
-            <a:spLocks noChangeShapeType="1"/>
-          </p:cNvSpPr>
-          <p:nvPr/>
-        </p:nvSpPr>
-        <p:spPr bwMode="auto">
-          <a:xfrm>
-            <a:off x="787241" y="3101468"/>
-            <a:ext cx="13208159" cy="6980"/>
-          </a:xfrm>
-          <a:prstGeom prst="line">
-            <a:avLst/>
-          </a:prstGeom>
-          <a:noFill/>
-          <a:ln w="9525" cap="flat" cmpd="sng" algn="ctr">
-            <a:gradFill flip="none" rotWithShape="1">
-              <a:gsLst>
-                <a:gs pos="0">
-                  <a:schemeClr val="accent1">
-                    <a:alpha val="0"/>
-                  </a:schemeClr>
-                </a:gs>
-                <a:gs pos="17000">
-                  <a:schemeClr val="accent1"/>
-                </a:gs>
-                <a:gs pos="100000">
-                  <a:schemeClr val="accent1"/>
-                </a:gs>
-              </a:gsLst>
-              <a:lin ang="0" scaled="1"/>
-              <a:tileRect/>
-            </a:gradFill>
-            <a:prstDash val="solid"/>
-            <a:round/>
-            <a:headEnd type="none" w="med" len="med"/>
-            <a:tailEnd type="none" w="med" len="med"/>
-          </a:ln>
-          <a:effectLst/>
-        </p:spPr>
-        <p:txBody>
-          <a:bodyPr vert="horz" wrap="square" lIns="194849" tIns="97425" rIns="194849" bIns="97425" anchor="t" compatLnSpc="1"/>
-          <a:lstStyle/>
-          <a:p>
-            <a:endParaRPr kumimoji="0" lang="en-US" dirty="0"/>
-          </a:p>
-        </p:txBody>
-      </p:sp>
     </p:spTree>
+    <p:extLst>
+      <p:ext uri="{BB962C8B-B14F-4D97-AF65-F5344CB8AC3E}">
+        <p14:creationId xmlns:p14="http://schemas.microsoft.com/office/powerpoint/2010/main" val="1528956381"/>
+      </p:ext>
+    </p:extLst>
   </p:cSld>
-  <p:clrMap bg1="lt1" tx1="dk1" bg2="lt2" tx2="dk2" accent1="accent1" accent2="accent2" accent3="accent3" accent4="accent4" accent5="accent5" accent6="accent6" hlink="hlink" folHlink="folHlink"/>
+  <p:clrMap bg1="dk1" tx1="lt1" bg2="dk2" tx2="lt2" accent1="accent1" accent2="accent2" accent3="accent3" accent4="accent4" accent5="accent5" accent6="accent6" hlink="hlink" folHlink="folHlink"/>
   <p:sldLayoutIdLst>
-    <p:sldLayoutId id="2147483955" r:id="rId1"/>
-    <p:sldLayoutId id="2147483956" r:id="rId2"/>
-    <p:sldLayoutId id="2147483957" r:id="rId3"/>
-    <p:sldLayoutId id="2147483958" r:id="rId4"/>
-    <p:sldLayoutId id="2147483959" r:id="rId5"/>
-    <p:sldLayoutId id="2147483960" r:id="rId6"/>
-    <p:sldLayoutId id="2147483961" r:id="rId7"/>
-    <p:sldLayoutId id="2147483962" r:id="rId8"/>
-    <p:sldLayoutId id="2147483963" r:id="rId9"/>
-    <p:sldLayoutId id="2147483964" r:id="rId10"/>
-    <p:sldLayoutId id="2147483965" r:id="rId11"/>
+    <p:sldLayoutId id="2147483997" r:id="rId1"/>
+    <p:sldLayoutId id="2147483998" r:id="rId2"/>
+    <p:sldLayoutId id="2147483999" r:id="rId3"/>
+    <p:sldLayoutId id="2147484000" r:id="rId4"/>
+    <p:sldLayoutId id="2147484001" r:id="rId5"/>
+    <p:sldLayoutId id="2147484002" r:id="rId6"/>
+    <p:sldLayoutId id="2147484003" r:id="rId7"/>
+    <p:sldLayoutId id="2147484004" r:id="rId8"/>
+    <p:sldLayoutId id="2147484005" r:id="rId9"/>
+    <p:sldLayoutId id="2147484006" r:id="rId10"/>
+    <p:sldLayoutId id="2147484007" r:id="rId11"/>
+    <p:sldLayoutId id="2147484008" r:id="rId12"/>
+    <p:sldLayoutId id="2147484009" r:id="rId13"/>
+    <p:sldLayoutId id="2147484010" r:id="rId14"/>
+    <p:sldLayoutId id="2147484011" r:id="rId15"/>
+    <p:sldLayoutId id="2147484012" r:id="rId16"/>
+    <p:sldLayoutId id="2147484013" r:id="rId17"/>
   </p:sldLayoutIdLst>
   <p:txStyles>
     <p:titleStyle>
-      <a:lvl1pPr algn="l" rtl="0" eaLnBrk="1" latinLnBrk="0" hangingPunct="1">
+      <a:lvl1pPr algn="l" defTabSz="1049685" rtl="0" eaLnBrk="1" latinLnBrk="0" hangingPunct="1">
+        <a:lnSpc>
+          <a:spcPct val="90000"/>
+        </a:lnSpc>
         <a:spcBef>
           <a:spcPct val="0"/>
         </a:spcBef>
         <a:buNone/>
-        <a:defRPr kumimoji="0" sz="7700" kern="1200" cap="all" baseline="0">
-          <a:solidFill>
-            <a:schemeClr val="tx2"/>
-          </a:solidFill>
-          <a:effectLst>
-            <a:reflection blurRad="12700" stA="48000" endA="300" endPos="55000" dir="5400000" sy="-90000" algn="bl" rotWithShape="0"/>
-          </a:effectLst>
+        <a:defRPr sz="6735" b="0" kern="1200">
+          <a:gradFill flip="none" rotWithShape="1">
+            <a:gsLst>
+              <a:gs pos="28000">
+                <a:schemeClr val="tx1">
+                  <a:lumMod val="93000"/>
+                </a:schemeClr>
+              </a:gs>
+              <a:gs pos="0">
+                <a:schemeClr val="bg1">
+                  <a:lumMod val="25000"/>
+                  <a:lumOff val="75000"/>
+                </a:schemeClr>
+              </a:gs>
+              <a:gs pos="100000">
+                <a:schemeClr val="tx2">
+                  <a:lumMod val="0"/>
+                  <a:lumOff val="100000"/>
+                </a:schemeClr>
+              </a:gs>
+            </a:gsLst>
+            <a:lin ang="4800000" scaled="0"/>
+            <a:tileRect/>
+          </a:gradFill>
           <a:latin typeface="+mj-lt"/>
           <a:ea typeface="+mj-ea"/>
           <a:cs typeface="+mj-cs"/>
@@ -2920,171 +5647,257 @@
       </a:lvl1pPr>
     </p:titleStyle>
     <p:bodyStyle>
-      <a:lvl1pPr marL="730686" indent="-730686" algn="l" rtl="0" eaLnBrk="1" latinLnBrk="0" hangingPunct="1">
+      <a:lvl1pPr marL="262421" indent="-262421" algn="l" defTabSz="1049685" rtl="0" eaLnBrk="1" latinLnBrk="0" hangingPunct="1">
+        <a:lnSpc>
+          <a:spcPct val="90000"/>
+        </a:lnSpc>
         <a:spcBef>
-          <a:spcPct val="20000"/>
+          <a:spcPts val="1148"/>
         </a:spcBef>
-        <a:buClr>
-          <a:schemeClr val="accent1"/>
-        </a:buClr>
-        <a:buSzPct val="70000"/>
-        <a:buFont typeface="Wingdings 2"/>
-        <a:buChar char=""/>
-        <a:defRPr kumimoji="0" sz="6800" kern="1200">
-          <a:solidFill>
-            <a:schemeClr val="tx2"/>
-          </a:solidFill>
+        <a:buFont typeface="Arial" panose="020B0604020202020204" pitchFamily="34" charset="0"/>
+        <a:buChar char="•"/>
+        <a:defRPr sz="3673" kern="1200">
+          <a:gradFill>
+            <a:gsLst>
+              <a:gs pos="34000">
+                <a:schemeClr val="tx1">
+                  <a:lumMod val="93000"/>
+                </a:schemeClr>
+              </a:gs>
+              <a:gs pos="0">
+                <a:schemeClr val="bg1">
+                  <a:lumMod val="25000"/>
+                  <a:lumOff val="75000"/>
+                </a:schemeClr>
+              </a:gs>
+              <a:gs pos="100000">
+                <a:schemeClr val="tx2">
+                  <a:lumMod val="0"/>
+                  <a:lumOff val="100000"/>
+                </a:schemeClr>
+              </a:gs>
+            </a:gsLst>
+            <a:lin ang="4800000" scaled="0"/>
+          </a:gradFill>
           <a:latin typeface="+mn-lt"/>
           <a:ea typeface="+mn-ea"/>
           <a:cs typeface="+mn-cs"/>
         </a:defRPr>
       </a:lvl1pPr>
-      <a:lvl2pPr marL="1583152" indent="-608905" algn="l" rtl="0" eaLnBrk="1" latinLnBrk="0" hangingPunct="1">
+      <a:lvl2pPr marL="787264" indent="-262421" algn="l" defTabSz="1049685" rtl="0" eaLnBrk="1" latinLnBrk="0" hangingPunct="1">
+        <a:lnSpc>
+          <a:spcPct val="90000"/>
+        </a:lnSpc>
         <a:spcBef>
-          <a:spcPct val="20000"/>
+          <a:spcPts val="574"/>
         </a:spcBef>
-        <a:buClr>
-          <a:schemeClr val="accent1"/>
-        </a:buClr>
-        <a:buSzPct val="70000"/>
-        <a:buFont typeface="Wingdings 2"/>
-        <a:buChar char=""/>
-        <a:defRPr kumimoji="0" sz="6000" kern="1200">
-          <a:solidFill>
-            <a:schemeClr val="tx2"/>
-          </a:solidFill>
+        <a:buFont typeface="Arial" panose="020B0604020202020204" pitchFamily="34" charset="0"/>
+        <a:buChar char="•"/>
+        <a:defRPr sz="3061" kern="1200">
+          <a:gradFill>
+            <a:gsLst>
+              <a:gs pos="34000">
+                <a:schemeClr val="tx1">
+                  <a:lumMod val="93000"/>
+                </a:schemeClr>
+              </a:gs>
+              <a:gs pos="0">
+                <a:schemeClr val="bg1">
+                  <a:lumMod val="25000"/>
+                  <a:lumOff val="75000"/>
+                </a:schemeClr>
+              </a:gs>
+              <a:gs pos="100000">
+                <a:schemeClr val="tx2">
+                  <a:lumMod val="0"/>
+                  <a:lumOff val="100000"/>
+                </a:schemeClr>
+              </a:gs>
+            </a:gsLst>
+            <a:lin ang="4800000" scaled="0"/>
+          </a:gradFill>
           <a:latin typeface="+mn-lt"/>
           <a:ea typeface="+mn-ea"/>
           <a:cs typeface="+mn-cs"/>
         </a:defRPr>
       </a:lvl2pPr>
-      <a:lvl3pPr marL="2435619" indent="-487124" algn="l" rtl="0" eaLnBrk="1" latinLnBrk="0" hangingPunct="1">
+      <a:lvl3pPr marL="1312107" indent="-262421" algn="l" defTabSz="1049685" rtl="0" eaLnBrk="1" latinLnBrk="0" hangingPunct="1">
+        <a:lnSpc>
+          <a:spcPct val="90000"/>
+        </a:lnSpc>
         <a:spcBef>
-          <a:spcPct val="20000"/>
+          <a:spcPts val="574"/>
         </a:spcBef>
-        <a:buClr>
-          <a:schemeClr val="accent1"/>
-        </a:buClr>
-        <a:buSzPct val="70000"/>
-        <a:buFont typeface="Wingdings 2"/>
-        <a:buChar char=""/>
-        <a:defRPr kumimoji="0" sz="5100" kern="1200">
-          <a:solidFill>
-            <a:schemeClr val="tx2"/>
-          </a:solidFill>
+        <a:buFont typeface="Arial" panose="020B0604020202020204" pitchFamily="34" charset="0"/>
+        <a:buChar char="•"/>
+        <a:defRPr sz="2449" kern="1200">
+          <a:gradFill>
+            <a:gsLst>
+              <a:gs pos="34000">
+                <a:schemeClr val="tx1">
+                  <a:lumMod val="93000"/>
+                </a:schemeClr>
+              </a:gs>
+              <a:gs pos="0">
+                <a:schemeClr val="bg1">
+                  <a:lumMod val="25000"/>
+                  <a:lumOff val="75000"/>
+                </a:schemeClr>
+              </a:gs>
+              <a:gs pos="100000">
+                <a:schemeClr val="tx2">
+                  <a:lumMod val="0"/>
+                  <a:lumOff val="100000"/>
+                </a:schemeClr>
+              </a:gs>
+            </a:gsLst>
+            <a:lin ang="4800000" scaled="0"/>
+          </a:gradFill>
           <a:latin typeface="+mn-lt"/>
           <a:ea typeface="+mn-ea"/>
           <a:cs typeface="+mn-cs"/>
         </a:defRPr>
       </a:lvl3pPr>
-      <a:lvl4pPr marL="3409866" indent="-487124" algn="l" rtl="0" eaLnBrk="1" latinLnBrk="0" hangingPunct="1">
+      <a:lvl4pPr marL="1836950" indent="-262421" algn="l" defTabSz="1049685" rtl="0" eaLnBrk="1" latinLnBrk="0" hangingPunct="1">
+        <a:lnSpc>
+          <a:spcPct val="90000"/>
+        </a:lnSpc>
         <a:spcBef>
-          <a:spcPct val="20000"/>
+          <a:spcPts val="574"/>
         </a:spcBef>
-        <a:buClr>
-          <a:schemeClr val="accent1"/>
-        </a:buClr>
-        <a:buSzPct val="70000"/>
-        <a:buFont typeface="Wingdings 2"/>
-        <a:buChar char=""/>
-        <a:defRPr kumimoji="0" sz="4300" kern="1200">
-          <a:solidFill>
-            <a:schemeClr val="tx2"/>
-          </a:solidFill>
+        <a:buFont typeface="Arial" panose="020B0604020202020204" pitchFamily="34" charset="0"/>
+        <a:buChar char="•"/>
+        <a:defRPr sz="2143" kern="1200">
+          <a:gradFill>
+            <a:gsLst>
+              <a:gs pos="34000">
+                <a:schemeClr val="tx1">
+                  <a:lumMod val="93000"/>
+                </a:schemeClr>
+              </a:gs>
+              <a:gs pos="0">
+                <a:schemeClr val="bg1">
+                  <a:lumMod val="25000"/>
+                  <a:lumOff val="75000"/>
+                </a:schemeClr>
+              </a:gs>
+              <a:gs pos="100000">
+                <a:schemeClr val="tx2">
+                  <a:lumMod val="0"/>
+                  <a:lumOff val="100000"/>
+                </a:schemeClr>
+              </a:gs>
+            </a:gsLst>
+            <a:lin ang="4800000" scaled="0"/>
+          </a:gradFill>
           <a:latin typeface="+mn-lt"/>
           <a:ea typeface="+mn-ea"/>
           <a:cs typeface="+mn-cs"/>
         </a:defRPr>
       </a:lvl4pPr>
-      <a:lvl5pPr marL="4384114" indent="-487124" algn="l" rtl="0" eaLnBrk="1" latinLnBrk="0" hangingPunct="1">
+      <a:lvl5pPr marL="2361792" indent="-262421" algn="l" defTabSz="1049685" rtl="0" eaLnBrk="1" latinLnBrk="0" hangingPunct="1">
+        <a:lnSpc>
+          <a:spcPct val="90000"/>
+        </a:lnSpc>
         <a:spcBef>
-          <a:spcPct val="20000"/>
+          <a:spcPts val="574"/>
         </a:spcBef>
-        <a:buClr>
-          <a:schemeClr val="accent1"/>
-        </a:buClr>
-        <a:buSzPct val="60000"/>
-        <a:buFont typeface="Wingdings 2"/>
-        <a:buChar char=""/>
-        <a:defRPr kumimoji="0" sz="3800" kern="1200">
-          <a:solidFill>
-            <a:schemeClr val="tx2"/>
-          </a:solidFill>
+        <a:buFont typeface="Arial" panose="020B0604020202020204" pitchFamily="34" charset="0"/>
+        <a:buChar char="•"/>
+        <a:defRPr sz="2143" kern="1200">
+          <a:gradFill>
+            <a:gsLst>
+              <a:gs pos="34000">
+                <a:schemeClr val="tx1">
+                  <a:lumMod val="93000"/>
+                </a:schemeClr>
+              </a:gs>
+              <a:gs pos="0">
+                <a:schemeClr val="bg1">
+                  <a:lumMod val="25000"/>
+                  <a:lumOff val="75000"/>
+                </a:schemeClr>
+              </a:gs>
+              <a:gs pos="100000">
+                <a:schemeClr val="tx2">
+                  <a:lumMod val="0"/>
+                  <a:lumOff val="100000"/>
+                </a:schemeClr>
+              </a:gs>
+            </a:gsLst>
+            <a:lin ang="4800000" scaled="0"/>
+          </a:gradFill>
           <a:latin typeface="+mn-lt"/>
           <a:ea typeface="+mn-ea"/>
           <a:cs typeface="+mn-cs"/>
         </a:defRPr>
       </a:lvl5pPr>
-      <a:lvl6pPr marL="5358361" indent="-487124" algn="l" rtl="0" eaLnBrk="1" latinLnBrk="0" hangingPunct="1">
+      <a:lvl6pPr marL="2886635" indent="-262421" algn="l" defTabSz="1049685" rtl="0" eaLnBrk="1" latinLnBrk="0" hangingPunct="1">
+        <a:lnSpc>
+          <a:spcPct val="90000"/>
+        </a:lnSpc>
         <a:spcBef>
-          <a:spcPct val="20000"/>
+          <a:spcPts val="574"/>
         </a:spcBef>
-        <a:buClr>
-          <a:schemeClr val="accent1"/>
-        </a:buClr>
-        <a:buSzPct val="60000"/>
-        <a:buFont typeface="Wingdings 2"/>
-        <a:buChar char=""/>
-        <a:defRPr kumimoji="0" sz="3800" kern="1200">
+        <a:buFont typeface="Arial" panose="020B0604020202020204" pitchFamily="34" charset="0"/>
+        <a:buChar char="•"/>
+        <a:defRPr sz="2066" kern="1200">
           <a:solidFill>
-            <a:schemeClr val="tx2"/>
+            <a:schemeClr val="tx1"/>
           </a:solidFill>
           <a:latin typeface="+mn-lt"/>
           <a:ea typeface="+mn-ea"/>
           <a:cs typeface="+mn-cs"/>
         </a:defRPr>
       </a:lvl6pPr>
-      <a:lvl7pPr marL="6332609" indent="-487124" algn="l" rtl="0" eaLnBrk="1" latinLnBrk="0" hangingPunct="1">
+      <a:lvl7pPr marL="3411478" indent="-262421" algn="l" defTabSz="1049685" rtl="0" eaLnBrk="1" latinLnBrk="0" hangingPunct="1">
+        <a:lnSpc>
+          <a:spcPct val="90000"/>
+        </a:lnSpc>
         <a:spcBef>
-          <a:spcPct val="20000"/>
+          <a:spcPts val="574"/>
         </a:spcBef>
-        <a:buClr>
-          <a:schemeClr val="accent1"/>
-        </a:buClr>
-        <a:buSzPct val="60000"/>
-        <a:buFont typeface="Wingdings 2"/>
-        <a:buChar char=""/>
-        <a:defRPr kumimoji="0" sz="3400" kern="1200">
+        <a:buFont typeface="Arial" panose="020B0604020202020204" pitchFamily="34" charset="0"/>
+        <a:buChar char="•"/>
+        <a:defRPr sz="2066" kern="1200">
           <a:solidFill>
-            <a:schemeClr val="tx2"/>
+            <a:schemeClr val="tx1"/>
           </a:solidFill>
           <a:latin typeface="+mn-lt"/>
           <a:ea typeface="+mn-ea"/>
           <a:cs typeface="+mn-cs"/>
         </a:defRPr>
       </a:lvl7pPr>
-      <a:lvl8pPr marL="7306856" indent="-487124" algn="l" rtl="0" eaLnBrk="1" latinLnBrk="0" hangingPunct="1">
+      <a:lvl8pPr marL="3936321" indent="-262421" algn="l" defTabSz="1049685" rtl="0" eaLnBrk="1" latinLnBrk="0" hangingPunct="1">
+        <a:lnSpc>
+          <a:spcPct val="90000"/>
+        </a:lnSpc>
         <a:spcBef>
-          <a:spcPct val="20000"/>
+          <a:spcPts val="574"/>
         </a:spcBef>
-        <a:buClr>
-          <a:schemeClr val="accent1"/>
-        </a:buClr>
-        <a:buSzPct val="60000"/>
-        <a:buFont typeface="Wingdings 2"/>
-        <a:buChar char=""/>
-        <a:defRPr kumimoji="0" sz="3400" kern="1200" baseline="0">
+        <a:buFont typeface="Arial" panose="020B0604020202020204" pitchFamily="34" charset="0"/>
+        <a:buChar char="•"/>
+        <a:defRPr sz="2066" kern="1200">
           <a:solidFill>
-            <a:schemeClr val="tx2"/>
+            <a:schemeClr val="tx1"/>
           </a:solidFill>
           <a:latin typeface="+mn-lt"/>
           <a:ea typeface="+mn-ea"/>
           <a:cs typeface="+mn-cs"/>
         </a:defRPr>
       </a:lvl8pPr>
-      <a:lvl9pPr marL="8281104" indent="-487124" algn="l" rtl="0" eaLnBrk="1" latinLnBrk="0" hangingPunct="1">
+      <a:lvl9pPr marL="4461163" indent="-262421" algn="l" defTabSz="1049685" rtl="0" eaLnBrk="1" latinLnBrk="0" hangingPunct="1">
+        <a:lnSpc>
+          <a:spcPct val="90000"/>
+        </a:lnSpc>
         <a:spcBef>
-          <a:spcPct val="20000"/>
+          <a:spcPts val="574"/>
         </a:spcBef>
-        <a:buClr>
-          <a:schemeClr val="accent1"/>
-        </a:buClr>
-        <a:buSzPct val="60000"/>
-        <a:buFont typeface="Wingdings 2"/>
-        <a:buChar char=""/>
-        <a:defRPr kumimoji="0" sz="3000" kern="1200" baseline="0">
+        <a:buFont typeface="Arial" panose="020B0604020202020204" pitchFamily="34" charset="0"/>
+        <a:buChar char="•"/>
+        <a:defRPr sz="2066" kern="1200">
           <a:solidFill>
-            <a:schemeClr val="tx2"/>
+            <a:schemeClr val="tx1"/>
           </a:solidFill>
           <a:latin typeface="+mn-lt"/>
           <a:ea typeface="+mn-ea"/>
@@ -3093,8 +5906,11 @@
       </a:lvl9pPr>
     </p:bodyStyle>
     <p:otherStyle>
-      <a:lvl1pPr marL="0" algn="l" rtl="0" eaLnBrk="1" latinLnBrk="0" hangingPunct="1">
-        <a:defRPr kumimoji="0" kern="1200">
+      <a:defPPr>
+        <a:defRPr lang="en-US"/>
+      </a:defPPr>
+      <a:lvl1pPr marL="0" algn="l" defTabSz="1049685" rtl="0" eaLnBrk="1" latinLnBrk="0" hangingPunct="1">
+        <a:defRPr sz="2066" kern="1200">
           <a:solidFill>
             <a:schemeClr val="tx1"/>
           </a:solidFill>
@@ -3103,8 +5919,8 @@
           <a:cs typeface="+mn-cs"/>
         </a:defRPr>
       </a:lvl1pPr>
-      <a:lvl2pPr marL="974247" algn="l" rtl="0" eaLnBrk="1" latinLnBrk="0" hangingPunct="1">
-        <a:defRPr kumimoji="0" kern="1200">
+      <a:lvl2pPr marL="524843" algn="l" defTabSz="1049685" rtl="0" eaLnBrk="1" latinLnBrk="0" hangingPunct="1">
+        <a:defRPr sz="2066" kern="1200">
           <a:solidFill>
             <a:schemeClr val="tx1"/>
           </a:solidFill>
@@ -3113,8 +5929,8 @@
           <a:cs typeface="+mn-cs"/>
         </a:defRPr>
       </a:lvl2pPr>
-      <a:lvl3pPr marL="1948495" algn="l" rtl="0" eaLnBrk="1" latinLnBrk="0" hangingPunct="1">
-        <a:defRPr kumimoji="0" kern="1200">
+      <a:lvl3pPr marL="1049685" algn="l" defTabSz="1049685" rtl="0" eaLnBrk="1" latinLnBrk="0" hangingPunct="1">
+        <a:defRPr sz="2066" kern="1200">
           <a:solidFill>
             <a:schemeClr val="tx1"/>
           </a:solidFill>
@@ -3123,8 +5939,8 @@
           <a:cs typeface="+mn-cs"/>
         </a:defRPr>
       </a:lvl3pPr>
-      <a:lvl4pPr marL="2922742" algn="l" rtl="0" eaLnBrk="1" latinLnBrk="0" hangingPunct="1">
-        <a:defRPr kumimoji="0" kern="1200">
+      <a:lvl4pPr marL="1574528" algn="l" defTabSz="1049685" rtl="0" eaLnBrk="1" latinLnBrk="0" hangingPunct="1">
+        <a:defRPr sz="2066" kern="1200">
           <a:solidFill>
             <a:schemeClr val="tx1"/>
           </a:solidFill>
@@ -3133,8 +5949,8 @@
           <a:cs typeface="+mn-cs"/>
         </a:defRPr>
       </a:lvl4pPr>
-      <a:lvl5pPr marL="3896990" algn="l" rtl="0" eaLnBrk="1" latinLnBrk="0" hangingPunct="1">
-        <a:defRPr kumimoji="0" kern="1200">
+      <a:lvl5pPr marL="2099371" algn="l" defTabSz="1049685" rtl="0" eaLnBrk="1" latinLnBrk="0" hangingPunct="1">
+        <a:defRPr sz="2066" kern="1200">
           <a:solidFill>
             <a:schemeClr val="tx1"/>
           </a:solidFill>
@@ -3143,8 +5959,8 @@
           <a:cs typeface="+mn-cs"/>
         </a:defRPr>
       </a:lvl5pPr>
-      <a:lvl6pPr marL="4871237" algn="l" rtl="0" eaLnBrk="1" latinLnBrk="0" hangingPunct="1">
-        <a:defRPr kumimoji="0" kern="1200">
+      <a:lvl6pPr marL="2624214" algn="l" defTabSz="1049685" rtl="0" eaLnBrk="1" latinLnBrk="0" hangingPunct="1">
+        <a:defRPr sz="2066" kern="1200">
           <a:solidFill>
             <a:schemeClr val="tx1"/>
           </a:solidFill>
@@ -3153,8 +5969,8 @@
           <a:cs typeface="+mn-cs"/>
         </a:defRPr>
       </a:lvl6pPr>
-      <a:lvl7pPr marL="5845485" algn="l" rtl="0" eaLnBrk="1" latinLnBrk="0" hangingPunct="1">
-        <a:defRPr kumimoji="0" kern="1200">
+      <a:lvl7pPr marL="3149056" algn="l" defTabSz="1049685" rtl="0" eaLnBrk="1" latinLnBrk="0" hangingPunct="1">
+        <a:defRPr sz="2066" kern="1200">
           <a:solidFill>
             <a:schemeClr val="tx1"/>
           </a:solidFill>
@@ -3163,8 +5979,8 @@
           <a:cs typeface="+mn-cs"/>
         </a:defRPr>
       </a:lvl7pPr>
-      <a:lvl8pPr marL="6819732" algn="l" rtl="0" eaLnBrk="1" latinLnBrk="0" hangingPunct="1">
-        <a:defRPr kumimoji="0" kern="1200">
+      <a:lvl8pPr marL="3673899" algn="l" defTabSz="1049685" rtl="0" eaLnBrk="1" latinLnBrk="0" hangingPunct="1">
+        <a:defRPr sz="2066" kern="1200">
           <a:solidFill>
             <a:schemeClr val="tx1"/>
           </a:solidFill>
@@ -3173,8 +5989,8 @@
           <a:cs typeface="+mn-cs"/>
         </a:defRPr>
       </a:lvl8pPr>
-      <a:lvl9pPr marL="7793980" algn="l" rtl="0" eaLnBrk="1" latinLnBrk="0" hangingPunct="1">
-        <a:defRPr kumimoji="0" kern="1200">
+      <a:lvl9pPr marL="4198742" algn="l" defTabSz="1049685" rtl="0" eaLnBrk="1" latinLnBrk="0" hangingPunct="1">
+        <a:defRPr sz="2066" kern="1200">
           <a:solidFill>
             <a:schemeClr val="tx1"/>
           </a:solidFill>
@@ -3236,9 +6052,6 @@
             </a:pPr>
             <a:r>
               <a:rPr lang="en-US" sz="3200" b="1" dirty="0">
-                <a:solidFill>
-                  <a:srgbClr val="374151"/>
-                </a:solidFill>
                 <a:latin typeface="Carlito"/>
                 <a:cs typeface="Carlito"/>
               </a:rPr>
@@ -3259,14 +6072,16 @@
         </p:nvSpPr>
         <p:spPr>
           <a:xfrm>
-            <a:off x="639723" y="1593850"/>
-            <a:ext cx="5875021" cy="756617"/>
+            <a:off x="10731500" y="18205451"/>
+            <a:ext cx="2622935" cy="756618"/>
           </a:xfrm>
           <a:prstGeom prst="rect">
             <a:avLst/>
           </a:prstGeom>
           <a:solidFill>
-            <a:srgbClr val="FFC000"/>
+            <a:schemeClr val="accent4">
+              <a:lumMod val="75000"/>
+            </a:schemeClr>
           </a:solidFill>
           <a:ln w="3175">
             <a:solidFill>
@@ -3292,6 +6107,13 @@
               </a:rPr>
               <a:t>Name:</a:t>
             </a:r>
+            <a:r>
+              <a:rPr lang="en-GB" sz="2000" i="1" dirty="0">
+                <a:latin typeface="Carlito"/>
+                <a:cs typeface="Carlito"/>
+              </a:rPr>
+              <a:t> Sandra Binu</a:t>
+            </a:r>
             <a:endParaRPr sz="2000" dirty="0">
               <a:latin typeface="Carlito"/>
               <a:cs typeface="Carlito"/>
@@ -3332,11 +6154,11 @@
               <a:t> </a:t>
             </a:r>
             <a:r>
-              <a:rPr sz="2000" i="1" spc="190" dirty="0">
+              <a:rPr lang="en-GB" sz="2000" i="1" spc="190" dirty="0">
                 <a:latin typeface="Carlito"/>
                 <a:cs typeface="Carlito"/>
               </a:rPr>
-              <a:t> </a:t>
+              <a:t> 22029960</a:t>
             </a:r>
             <a:endParaRPr sz="2000" dirty="0">
               <a:latin typeface="Carlito"/>
@@ -3353,16 +6175,33 @@
         </p:nvSpPr>
         <p:spPr>
           <a:xfrm>
-            <a:off x="639723" y="2584450"/>
-            <a:ext cx="5875021" cy="2799613"/>
+            <a:off x="529269" y="1498401"/>
+            <a:ext cx="5875021" cy="2777853"/>
           </a:xfrm>
-          <a:prstGeom prst="rect">
+          <a:prstGeom prst="roundRect">
             <a:avLst/>
           </a:prstGeom>
           <a:solidFill>
-            <a:srgbClr val="6FAC46"/>
+            <a:schemeClr val="accent1">
+              <a:lumMod val="40000"/>
+              <a:lumOff val="60000"/>
+            </a:schemeClr>
           </a:solidFill>
         </p:spPr>
+        <p:style>
+          <a:lnRef idx="2">
+            <a:schemeClr val="dk1"/>
+          </a:lnRef>
+          <a:fillRef idx="1">
+            <a:schemeClr val="lt1"/>
+          </a:fillRef>
+          <a:effectRef idx="0">
+            <a:schemeClr val="dk1"/>
+          </a:effectRef>
+          <a:fontRef idx="minor">
+            <a:schemeClr val="dk1"/>
+          </a:fontRef>
+        </p:style>
         <p:txBody>
           <a:bodyPr vert="horz" wrap="square" lIns="0" tIns="1905" rIns="0" bIns="0" rtlCol="0">
             <a:spAutoFit/>
@@ -3378,7 +6217,7 @@
               </a:spcBef>
             </a:pPr>
             <a:r>
-              <a:rPr sz="2000" b="1" dirty="0">
+              <a:rPr b="1" dirty="0">
                 <a:latin typeface="Calibri" panose="020F0502020204030204" pitchFamily="34" charset="0"/>
                 <a:ea typeface="Calibri" panose="020F0502020204030204" pitchFamily="34" charset="0"/>
                 <a:cs typeface="Calibri" panose="020F0502020204030204" pitchFamily="34" charset="0"/>
@@ -3386,7 +6225,7 @@
               <a:t>Abstract:</a:t>
             </a:r>
             <a:r>
-              <a:rPr lang="en-US" sz="2000" b="1" dirty="0">
+              <a:rPr lang="en-US" b="1" dirty="0">
                 <a:latin typeface="Calibri" panose="020F0502020204030204" pitchFamily="34" charset="0"/>
                 <a:ea typeface="Calibri" panose="020F0502020204030204" pitchFamily="34" charset="0"/>
                 <a:cs typeface="Calibri" panose="020F0502020204030204" pitchFamily="34" charset="0"/>
@@ -3394,7 +6233,7 @@
               <a:t> </a:t>
             </a:r>
             <a:r>
-              <a:rPr lang="en-US" sz="2000" dirty="0">
+              <a:rPr lang="en-US" dirty="0">
                 <a:solidFill>
                   <a:schemeClr val="bg1"/>
                 </a:solidFill>
@@ -3402,9 +6241,9 @@
                 <a:ea typeface="Calibri" panose="020F0502020204030204" pitchFamily="34" charset="0"/>
                 <a:cs typeface="Calibri" panose="020F0502020204030204" pitchFamily="34" charset="0"/>
               </a:rPr>
-              <a:t>This poster investigates the trajectory of electricity production in select countries, employing exponential growth modeling. Focused on indicators related to hydroelectric and coal sources, the analysis reveals key growth rates and offers predictive insights. By scrutinizing fitted parameters and confidence intervals, the study provides a concise yet informative overview, facilitating a nuanced understanding of energy trends and aiding informed decision-making.</a:t>
-            </a:r>
-            <a:endParaRPr sz="2000" dirty="0">
+              <a:t>This poster investigates the clustering of electricity production in India, United States, and European Union. Focused on indicators related to hydroelectric and coal sources, the analysis of India reveals key growth rates and offers predictive insights. By scrutinizing fitted parameters and confidence intervals, the study provides a concise yet informative overview, facilitating a nuanced understanding of energy trends and aiding informed decision-making.</a:t>
+            </a:r>
+            <a:endParaRPr dirty="0">
               <a:solidFill>
                 <a:schemeClr val="bg1"/>
               </a:solidFill>
@@ -3423,12 +6262,18 @@
         </p:nvSpPr>
         <p:spPr>
           <a:xfrm>
-            <a:off x="682290" y="5483596"/>
-            <a:ext cx="5832454" cy="2743200"/>
+            <a:off x="6677667" y="1462530"/>
+            <a:ext cx="6792970" cy="2667001"/>
           </a:xfrm>
           <a:prstGeom prst="roundRect">
             <a:avLst/>
           </a:prstGeom>
+          <a:solidFill>
+            <a:schemeClr val="accent1">
+              <a:lumMod val="60000"/>
+              <a:lumOff val="40000"/>
+            </a:schemeClr>
+          </a:solidFill>
         </p:spPr>
         <p:style>
           <a:lnRef idx="2">
@@ -3454,7 +6299,7 @@
             <a:r>
               <a:rPr lang="en-US" b="1" dirty="0">
                 <a:solidFill>
-                  <a:schemeClr val="tx1"/>
+                  <a:schemeClr val="bg1"/>
                 </a:solidFill>
                 <a:latin typeface="Calibri" panose="020F0502020204030204" pitchFamily="34" charset="0"/>
                 <a:ea typeface="Calibri" panose="020F0502020204030204" pitchFamily="34" charset="0"/>
@@ -3467,6 +6312,9 @@
             <a:pPr algn="just"/>
             <a:r>
               <a:rPr lang="en-US" dirty="0">
+                <a:solidFill>
+                  <a:schemeClr val="bg1"/>
+                </a:solidFill>
                 <a:latin typeface="Calibri" panose="020F0502020204030204" pitchFamily="34" charset="0"/>
                 <a:ea typeface="Calibri" panose="020F0502020204030204" pitchFamily="34" charset="0"/>
                 <a:cs typeface="Calibri" panose="020F0502020204030204" pitchFamily="34" charset="0"/>
@@ -3474,6 +6322,9 @@
               <a:t>Unraveling the dynamics of electricity production is pivotal for sustainable energy planning. This study employs exponential growth modeling to analyze key indicators, including hydroelectric and coal sources, across nations. By scrutinizing growth rates and projecting future trends, our exploration lays the foundation for informed decision-making in the realm of global energy sustainability.</a:t>
             </a:r>
             <a:endParaRPr lang="en-IN" dirty="0">
+              <a:solidFill>
+                <a:schemeClr val="bg1"/>
+              </a:solidFill>
               <a:latin typeface="Calibri" panose="020F0502020204030204" pitchFamily="34" charset="0"/>
               <a:ea typeface="Calibri" panose="020F0502020204030204" pitchFamily="34" charset="0"/>
               <a:cs typeface="Calibri" panose="020F0502020204030204" pitchFamily="34" charset="0"/>
@@ -3483,106 +6334,13 @@
       </p:sp>
       <p:sp>
         <p:nvSpPr>
-          <p:cNvPr id="32" name="Rectangle 31"/>
-          <p:cNvSpPr/>
-          <p:nvPr/>
-        </p:nvSpPr>
-        <p:spPr>
-          <a:xfrm>
-            <a:off x="682290" y="8312937"/>
-            <a:ext cx="5832454" cy="2157264"/>
-          </a:xfrm>
-          <a:prstGeom prst="rect">
-            <a:avLst/>
-          </a:prstGeom>
-        </p:spPr>
-        <p:style>
-          <a:lnRef idx="2">
-            <a:schemeClr val="accent6"/>
-          </a:lnRef>
-          <a:fillRef idx="1">
-            <a:schemeClr val="lt1"/>
-          </a:fillRef>
-          <a:effectRef idx="0">
-            <a:schemeClr val="accent6"/>
-          </a:effectRef>
-          <a:fontRef idx="minor">
-            <a:schemeClr val="dk1"/>
-          </a:fontRef>
-        </p:style>
-        <p:txBody>
-          <a:bodyPr rtlCol="0" anchor="ctr"/>
-          <a:lstStyle/>
-          <a:p>
-            <a:pPr algn="just"/>
-            <a:r>
-              <a:rPr lang="en-US" sz="2000" b="1" dirty="0">
-                <a:latin typeface="Calibri" panose="020F0502020204030204" pitchFamily="34" charset="0"/>
-                <a:ea typeface="Calibri" panose="020F0502020204030204" pitchFamily="34" charset="0"/>
-                <a:cs typeface="Calibri" panose="020F0502020204030204" pitchFamily="34" charset="0"/>
-              </a:rPr>
-              <a:t>Data Processing and Cleaning:</a:t>
-            </a:r>
-          </a:p>
-          <a:p>
-            <a:pPr algn="just"/>
-            <a:r>
-              <a:rPr lang="en-US" sz="2000" dirty="0">
-                <a:latin typeface="Calibri" panose="020F0502020204030204" pitchFamily="34" charset="0"/>
-                <a:ea typeface="Calibri" panose="020F0502020204030204" pitchFamily="34" charset="0"/>
-                <a:cs typeface="Calibri" panose="020F0502020204030204" pitchFamily="34" charset="0"/>
-              </a:rPr>
-              <a:t>World Bank data was processed and cleaned, removing unnecessary columns and reshaping the data for analysis. The resulting datasets, </a:t>
-            </a:r>
-            <a:r>
-              <a:rPr lang="en-US" sz="2000" dirty="0" err="1">
-                <a:latin typeface="Calibri" panose="020F0502020204030204" pitchFamily="34" charset="0"/>
-                <a:ea typeface="Calibri" panose="020F0502020204030204" pitchFamily="34" charset="0"/>
-                <a:cs typeface="Calibri" panose="020F0502020204030204" pitchFamily="34" charset="0"/>
-              </a:rPr>
-              <a:t>df_years</a:t>
-            </a:r>
-            <a:r>
-              <a:rPr lang="en-US" sz="2000" dirty="0">
-                <a:latin typeface="Calibri" panose="020F0502020204030204" pitchFamily="34" charset="0"/>
-                <a:ea typeface="Calibri" panose="020F0502020204030204" pitchFamily="34" charset="0"/>
-                <a:cs typeface="Calibri" panose="020F0502020204030204" pitchFamily="34" charset="0"/>
-              </a:rPr>
-              <a:t>, and </a:t>
-            </a:r>
-            <a:r>
-              <a:rPr lang="en-US" sz="2000" dirty="0" err="1">
-                <a:latin typeface="Calibri" panose="020F0502020204030204" pitchFamily="34" charset="0"/>
-                <a:ea typeface="Calibri" panose="020F0502020204030204" pitchFamily="34" charset="0"/>
-                <a:cs typeface="Calibri" panose="020F0502020204030204" pitchFamily="34" charset="0"/>
-              </a:rPr>
-              <a:t>df_countries</a:t>
-            </a:r>
-            <a:r>
-              <a:rPr lang="en-US" sz="2000" dirty="0">
-                <a:latin typeface="Calibri" panose="020F0502020204030204" pitchFamily="34" charset="0"/>
-                <a:ea typeface="Calibri" panose="020F0502020204030204" pitchFamily="34" charset="0"/>
-                <a:cs typeface="Calibri" panose="020F0502020204030204" pitchFamily="34" charset="0"/>
-              </a:rPr>
-              <a:t>, offer a comprehensive view of yearly and country-wise trends in electricity production indicators.</a:t>
-            </a:r>
-            <a:endParaRPr lang="en-IN" sz="2000" dirty="0">
-              <a:latin typeface="Calibri" panose="020F0502020204030204" pitchFamily="34" charset="0"/>
-              <a:ea typeface="Calibri" panose="020F0502020204030204" pitchFamily="34" charset="0"/>
-              <a:cs typeface="Calibri" panose="020F0502020204030204" pitchFamily="34" charset="0"/>
-            </a:endParaRPr>
-          </a:p>
-        </p:txBody>
-      </p:sp>
-      <p:sp>
-        <p:nvSpPr>
           <p:cNvPr id="33" name="Snip Single Corner Rectangle 32"/>
           <p:cNvSpPr/>
           <p:nvPr/>
         </p:nvSpPr>
         <p:spPr>
           <a:xfrm>
-            <a:off x="682290" y="10585450"/>
+            <a:off x="715778" y="4395529"/>
             <a:ext cx="5832454" cy="2667000"/>
           </a:xfrm>
           <a:prstGeom prst="snip1Rect">
@@ -3657,8 +6415,8 @@
         </p:nvSpPr>
         <p:spPr>
           <a:xfrm>
-            <a:off x="682290" y="13402458"/>
-            <a:ext cx="5841209" cy="3810000"/>
+            <a:off x="488175" y="13252230"/>
+            <a:ext cx="6398501" cy="4079888"/>
           </a:xfrm>
           <a:prstGeom prst="roundRect">
             <a:avLst/>
@@ -3725,16 +6483,16 @@
       </p:sp>
       <p:sp>
         <p:nvSpPr>
-          <p:cNvPr id="35" name="Rectangle 34"/>
+          <p:cNvPr id="35" name="Rectangle: Rounded Corners 34"/>
           <p:cNvSpPr/>
           <p:nvPr/>
         </p:nvSpPr>
         <p:spPr>
           <a:xfrm>
-            <a:off x="7098141" y="13404850"/>
+            <a:off x="6909185" y="11007935"/>
             <a:ext cx="6561862" cy="2446729"/>
           </a:xfrm>
-          <a:prstGeom prst="rect">
+          <a:prstGeom prst="roundRect">
             <a:avLst/>
           </a:prstGeom>
         </p:spPr>
@@ -3861,14 +6619,12 @@
             </a:extLst>
           </a:blip>
           <a:srcRect/>
-          <a:stretch>
-            <a:fillRect/>
-          </a:stretch>
+          <a:stretch/>
         </p:blipFill>
         <p:spPr bwMode="auto">
           <a:xfrm>
-            <a:off x="6944912" y="3422650"/>
-            <a:ext cx="6561862" cy="3200400"/>
+            <a:off x="500351" y="9189622"/>
+            <a:ext cx="6214970" cy="3867150"/>
           </a:xfrm>
           <a:prstGeom prst="rect">
             <a:avLst/>
@@ -3906,8 +6662,8 @@
         </p:nvSpPr>
         <p:spPr>
           <a:xfrm>
-            <a:off x="6944912" y="1528400"/>
-            <a:ext cx="6561862" cy="1828800"/>
+            <a:off x="466279" y="7145934"/>
+            <a:ext cx="6255118" cy="1828800"/>
           </a:xfrm>
           <a:prstGeom prst="roundRect">
             <a:avLst/>
@@ -3977,8 +6733,8 @@
         </p:nvSpPr>
         <p:spPr>
           <a:xfrm>
-            <a:off x="7209477" y="6724568"/>
-            <a:ext cx="6297297" cy="2667001"/>
+            <a:off x="6713805" y="4235300"/>
+            <a:ext cx="6792970" cy="2667001"/>
           </a:xfrm>
           <a:prstGeom prst="roundRect">
             <a:avLst/>
@@ -4099,14 +6855,12 @@
             </a:extLst>
           </a:blip>
           <a:srcRect/>
-          <a:stretch>
-            <a:fillRect/>
-          </a:stretch>
+          <a:stretch/>
         </p:blipFill>
         <p:spPr bwMode="auto">
           <a:xfrm>
-            <a:off x="7077194" y="9461500"/>
-            <a:ext cx="6561862" cy="3867150"/>
+            <a:off x="6909185" y="7021543"/>
+            <a:ext cx="6445249" cy="3867150"/>
           </a:xfrm>
           <a:prstGeom prst="rect">
             <a:avLst/>
@@ -4136,72 +6890,18 @@
           </a:extLst>
         </p:spPr>
       </p:pic>
-      <p:pic>
-        <p:nvPicPr>
-          <p:cNvPr id="1029" name="Picture 5"/>
-          <p:cNvPicPr>
-            <a:picLocks noChangeAspect="1" noChangeArrowheads="1"/>
-          </p:cNvPicPr>
-          <p:nvPr/>
-        </p:nvPicPr>
-        <p:blipFill>
-          <a:blip r:embed="rId4">
-            <a:extLst>
-              <a:ext uri="{28A0092B-C50C-407E-A947-70E740481C1C}">
-                <a14:useLocalDpi xmlns:a14="http://schemas.microsoft.com/office/drawing/2010/main" val="0"/>
-              </a:ext>
-            </a:extLst>
-          </a:blip>
-          <a:srcRect/>
-          <a:stretch>
-            <a:fillRect/>
-          </a:stretch>
-        </p:blipFill>
-        <p:spPr bwMode="auto">
-          <a:xfrm>
-            <a:off x="7071585" y="15995650"/>
-            <a:ext cx="6561862" cy="3362119"/>
-          </a:xfrm>
-          <a:prstGeom prst="rect">
-            <a:avLst/>
-          </a:prstGeom>
-          <a:noFill/>
-          <a:ln>
-            <a:noFill/>
-          </a:ln>
-          <a:extLst>
-            <a:ext uri="{909E8E84-426E-40DD-AFC4-6F175D3DCCD1}">
-              <a14:hiddenFill xmlns:a14="http://schemas.microsoft.com/office/drawing/2010/main">
-                <a:solidFill>
-                  <a:schemeClr val="accent1"/>
-                </a:solidFill>
-              </a14:hiddenFill>
-            </a:ext>
-            <a:ext uri="{91240B29-F687-4F45-9708-019B960494DF}">
-              <a14:hiddenLine xmlns:a14="http://schemas.microsoft.com/office/drawing/2010/main" w="9525">
-                <a:solidFill>
-                  <a:schemeClr val="tx1"/>
-                </a:solidFill>
-                <a:miter lim="800000"/>
-                <a:headEnd/>
-                <a:tailEnd/>
-              </a14:hiddenLine>
-            </a:ext>
-          </a:extLst>
-        </p:spPr>
-      </p:pic>
-      <p:sp>
-        <p:nvSpPr>
-          <p:cNvPr id="38" name="Hexagon 37"/>
+      <p:sp>
+        <p:nvSpPr>
+          <p:cNvPr id="38" name="Rectangle: Rounded Corners 37"/>
           <p:cNvSpPr/>
           <p:nvPr/>
         </p:nvSpPr>
         <p:spPr>
           <a:xfrm>
-            <a:off x="453255" y="17367248"/>
-            <a:ext cx="6070244" cy="2185059"/>
+            <a:off x="419019" y="18017707"/>
+            <a:ext cx="10083882" cy="1274671"/>
           </a:xfrm>
-          <a:prstGeom prst="hexagon">
+          <a:prstGeom prst="roundRect">
             <a:avLst/>
           </a:prstGeom>
           <a:solidFill>
@@ -4264,7 +6964,7 @@
         </p:nvSpPr>
         <p:spPr>
           <a:xfrm>
-            <a:off x="639723" y="19628509"/>
+            <a:off x="500351" y="19481644"/>
             <a:ext cx="12993724" cy="475591"/>
           </a:xfrm>
           <a:prstGeom prst="rect">
@@ -4319,6 +7019,42 @@
           </a:p>
         </p:txBody>
       </p:sp>
+      <p:pic>
+        <p:nvPicPr>
+          <p:cNvPr id="9" name="Picture 8">
+            <a:extLst>
+              <a:ext uri="{FF2B5EF4-FFF2-40B4-BE49-F238E27FC236}">
+                <a16:creationId xmlns:a16="http://schemas.microsoft.com/office/drawing/2014/main" id="{32512E36-5CE1-89D5-5909-D64BFBF1EA69}"/>
+              </a:ext>
+            </a:extLst>
+          </p:cNvPr>
+          <p:cNvPicPr>
+            <a:picLocks noChangeAspect="1"/>
+          </p:cNvPicPr>
+          <p:nvPr/>
+        </p:nvPicPr>
+        <p:blipFill>
+          <a:blip r:embed="rId4">
+            <a:extLst>
+              <a:ext uri="{28A0092B-C50C-407E-A947-70E740481C1C}">
+                <a14:useLocalDpi xmlns:a14="http://schemas.microsoft.com/office/drawing/2010/main" val="0"/>
+              </a:ext>
+            </a:extLst>
+          </a:blip>
+          <a:stretch>
+            <a:fillRect/>
+          </a:stretch>
+        </p:blipFill>
+        <p:spPr>
+          <a:xfrm>
+            <a:off x="7108725" y="13643930"/>
+            <a:ext cx="6245709" cy="4079888"/>
+          </a:xfrm>
+          <a:prstGeom prst="rect">
+            <a:avLst/>
+          </a:prstGeom>
+        </p:spPr>
+      </p:pic>
     </p:spTree>
   </p:cSld>
   <p:clrMapOvr>
@@ -4328,9 +7064,9 @@
 </file>
 
 <file path=ppt/theme/theme1.xml><?xml version="1.0" encoding="utf-8"?>
-<a:theme xmlns:a="http://schemas.openxmlformats.org/drawingml/2006/main" name="Trek">
+<a:theme xmlns:a="http://schemas.openxmlformats.org/drawingml/2006/main" name="Depth">
   <a:themeElements>
-    <a:clrScheme name="Trek">
+    <a:clrScheme name="Depth">
       <a:dk1>
         <a:sysClr val="windowText" lastClr="000000"/>
       </a:dk1>
@@ -4338,48 +7074,48 @@
         <a:sysClr val="window" lastClr="FFFFFF"/>
       </a:lt1>
       <a:dk2>
-        <a:srgbClr val="4E3B30"/>
+        <a:srgbClr val="455F51"/>
       </a:dk2>
       <a:lt2>
-        <a:srgbClr val="FBEEC9"/>
+        <a:srgbClr val="94D7E4"/>
       </a:lt2>
       <a:accent1>
-        <a:srgbClr val="F0A22E"/>
+        <a:srgbClr val="41AEBD"/>
       </a:accent1>
       <a:accent2>
-        <a:srgbClr val="A5644E"/>
+        <a:srgbClr val="97E9D5"/>
       </a:accent2>
       <a:accent3>
-        <a:srgbClr val="B58B80"/>
+        <a:srgbClr val="A2CF49"/>
       </a:accent3>
       <a:accent4>
-        <a:srgbClr val="C3986D"/>
+        <a:srgbClr val="608F3D"/>
       </a:accent4>
       <a:accent5>
-        <a:srgbClr val="A19574"/>
+        <a:srgbClr val="F4DE3A"/>
       </a:accent5>
       <a:accent6>
-        <a:srgbClr val="C17529"/>
+        <a:srgbClr val="FCB11C"/>
       </a:accent6>
       <a:hlink>
-        <a:srgbClr val="AD1F1F"/>
+        <a:srgbClr val="FBCA98"/>
       </a:hlink>
       <a:folHlink>
-        <a:srgbClr val="FFC42F"/>
+        <a:srgbClr val="D3B86D"/>
       </a:folHlink>
     </a:clrScheme>
-    <a:fontScheme name="Trek">
+    <a:fontScheme name="Depth">
       <a:majorFont>
-        <a:latin typeface="Franklin Gothic Medium"/>
+        <a:latin typeface="Corbel" panose="020B0503020204020204"/>
         <a:ea typeface=""/>
         <a:cs typeface=""/>
-        <a:font script="Jpan" typeface="HG創英角ｺﾞｼｯｸUB"/>
-        <a:font script="Hang" typeface="돋움"/>
-        <a:font script="Hans" typeface="隶书"/>
-        <a:font script="Hant" typeface="微軟正黑體"/>
+        <a:font script="Jpan" typeface="メイリオ"/>
+        <a:font script="Hang" typeface="HY엽서L"/>
+        <a:font script="Hans" typeface="华文楷体"/>
+        <a:font script="Hant" typeface="新細明體"/>
         <a:font script="Arab" typeface="Tahoma"/>
-        <a:font script="Hebr" typeface="Aharoni"/>
-        <a:font script="Thai" typeface="LilyUPC"/>
+        <a:font script="Hebr" typeface="Miriam"/>
+        <a:font script="Thai" typeface="DilleniaUPC"/>
         <a:font script="Ethi" typeface="Nyala"/>
         <a:font script="Beng" typeface="Vrinda"/>
         <a:font script="Gujr" typeface="Shruti"/>
@@ -4405,16 +7141,16 @@
         <a:font script="Geor" typeface="Sylfaen"/>
       </a:majorFont>
       <a:minorFont>
-        <a:latin typeface="Franklin Gothic Book"/>
+        <a:latin typeface="Corbel" panose="020B0503020204020204"/>
         <a:ea typeface=""/>
         <a:cs typeface=""/>
-        <a:font script="Jpan" typeface="HGｺﾞｼｯｸE"/>
-        <a:font script="Hang" typeface="돋움"/>
+        <a:font script="Jpan" typeface="メイリオ"/>
+        <a:font script="Hang" typeface="HY엽서L"/>
         <a:font script="Hans" typeface="华文楷体"/>
-        <a:font script="Hant" typeface="微軟正黑體"/>
+        <a:font script="Hant" typeface="新細明體"/>
         <a:font script="Arab" typeface="Tahoma"/>
-        <a:font script="Hebr" typeface="Aharoni"/>
-        <a:font script="Thai" typeface="LilyUPC"/>
+        <a:font script="Hebr" typeface="Miriam"/>
+        <a:font script="Thai" typeface="DilleniaUPC"/>
         <a:font script="Ethi" typeface="Nyala"/>
         <a:font script="Beng" typeface="Vrinda"/>
         <a:font script="Gujr" typeface="Shruti"/>
@@ -4435,12 +7171,12 @@
         <a:font script="Laoo" typeface="DokChampa"/>
         <a:font script="Sinh" typeface="Iskoola Pota"/>
         <a:font script="Mong" typeface="Mongolian Baiti"/>
-        <a:font script="Viet" typeface="Tahoma"/>
+        <a:font script="Viet" typeface="Arial"/>
         <a:font script="Uigh" typeface="Microsoft Uighur"/>
         <a:font script="Geor" typeface="Sylfaen"/>
       </a:minorFont>
     </a:fontScheme>
-    <a:fmtScheme name="Trek">
+    <a:fmtScheme name="Depth">
       <a:fillStyleLst>
         <a:solidFill>
           <a:schemeClr val="phClr"/>
@@ -4449,190 +7185,141 @@
           <a:gsLst>
             <a:gs pos="0">
               <a:schemeClr val="phClr">
-                <a:tint val="30000"/>
-                <a:satMod val="250000"/>
+                <a:lumMod val="110000"/>
+                <a:satMod val="105000"/>
+                <a:tint val="67000"/>
               </a:schemeClr>
             </a:gs>
-            <a:gs pos="72000">
+            <a:gs pos="50000">
               <a:schemeClr val="phClr">
-                <a:tint val="75000"/>
-                <a:satMod val="210000"/>
+                <a:lumMod val="105000"/>
+                <a:satMod val="103000"/>
+                <a:tint val="73000"/>
               </a:schemeClr>
             </a:gs>
             <a:gs pos="100000">
               <a:schemeClr val="phClr">
-                <a:tint val="85000"/>
-                <a:satMod val="210000"/>
+                <a:lumMod val="105000"/>
+                <a:satMod val="109000"/>
+                <a:tint val="81000"/>
               </a:schemeClr>
             </a:gs>
           </a:gsLst>
-          <a:lin ang="5400000" scaled="1"/>
+          <a:lin ang="5400000" scaled="0"/>
         </a:gradFill>
         <a:gradFill rotWithShape="1">
           <a:gsLst>
             <a:gs pos="0">
               <a:schemeClr val="phClr">
-                <a:tint val="75000"/>
-                <a:shade val="85000"/>
-                <a:satMod val="230000"/>
-              </a:schemeClr>
-            </a:gs>
-            <a:gs pos="25000">
-              <a:schemeClr val="phClr">
-                <a:tint val="90000"/>
-                <a:shade val="70000"/>
-                <a:satMod val="220000"/>
+                <a:satMod val="103000"/>
+                <a:lumMod val="102000"/>
+                <a:tint val="94000"/>
               </a:schemeClr>
             </a:gs>
             <a:gs pos="50000">
               <a:schemeClr val="phClr">
-                <a:tint val="90000"/>
-                <a:shade val="58000"/>
-                <a:satMod val="225000"/>
-              </a:schemeClr>
-            </a:gs>
-            <a:gs pos="65000">
-              <a:schemeClr val="phClr">
-                <a:tint val="90000"/>
-                <a:shade val="58000"/>
-                <a:satMod val="225000"/>
-              </a:schemeClr>
-            </a:gs>
-            <a:gs pos="80000">
-              <a:schemeClr val="phClr">
-                <a:tint val="90000"/>
-                <a:shade val="69000"/>
-                <a:satMod val="220000"/>
+                <a:satMod val="110000"/>
+                <a:lumMod val="100000"/>
+                <a:shade val="100000"/>
               </a:schemeClr>
             </a:gs>
             <a:gs pos="100000">
               <a:schemeClr val="phClr">
-                <a:tint val="77000"/>
-                <a:shade val="80000"/>
-                <a:satMod val="230000"/>
+                <a:lumMod val="99000"/>
+                <a:satMod val="120000"/>
+                <a:shade val="78000"/>
               </a:schemeClr>
             </a:gs>
           </a:gsLst>
-          <a:lin ang="5400000" scaled="1"/>
+          <a:lin ang="5400000" scaled="0"/>
         </a:gradFill>
       </a:fillStyleLst>
       <a:lnStyleLst>
-        <a:ln w="10000" cap="flat" cmpd="sng" algn="ctr">
+        <a:ln w="6350" cap="flat" cmpd="sng" algn="ctr">
           <a:solidFill>
             <a:schemeClr val="phClr"/>
           </a:solidFill>
           <a:prstDash val="solid"/>
+          <a:miter lim="800000"/>
         </a:ln>
-        <a:ln w="25400" cap="flat" cmpd="sng" algn="ctr">
+        <a:ln w="12700" cap="flat" cmpd="sng" algn="ctr">
           <a:solidFill>
             <a:schemeClr val="phClr"/>
           </a:solidFill>
           <a:prstDash val="solid"/>
+          <a:miter lim="800000"/>
         </a:ln>
-        <a:ln w="38100" cap="flat" cmpd="sng" algn="ctr">
+        <a:ln w="19050" cap="flat" cmpd="sng" algn="ctr">
           <a:solidFill>
             <a:schemeClr val="phClr"/>
           </a:solidFill>
           <a:prstDash val="solid"/>
+          <a:miter lim="800000"/>
         </a:ln>
       </a:lnStyleLst>
       <a:effectStyleLst>
         <a:effectStyle>
+          <a:effectLst/>
+        </a:effectStyle>
+        <a:effectStyle>
+          <a:effectLst/>
+        </a:effectStyle>
+        <a:effectStyle>
           <a:effectLst>
-            <a:outerShdw blurRad="76200" dist="50800" dir="5400000" rotWithShape="0">
-              <a:srgbClr val="4E3B30">
-                <a:alpha val="60000"/>
+            <a:outerShdw blurRad="57150" dist="19050" dir="5400000" algn="ctr" rotWithShape="0">
+              <a:srgbClr val="000000">
+                <a:alpha val="63000"/>
               </a:srgbClr>
             </a:outerShdw>
           </a:effectLst>
-        </a:effectStyle>
-        <a:effectStyle>
-          <a:effectLst>
-            <a:outerShdw blurRad="76200" dist="50800" dir="5400000" rotWithShape="0">
-              <a:srgbClr val="4E3B30">
-                <a:alpha val="60000"/>
-              </a:srgbClr>
-            </a:outerShdw>
-          </a:effectLst>
-          <a:scene3d>
-            <a:camera prst="orthographicFront">
-              <a:rot lat="0" lon="0" rev="0"/>
-            </a:camera>
-            <a:lightRig rig="threePt" dir="tl">
-              <a:rot lat="0" lon="0" rev="0"/>
-            </a:lightRig>
-          </a:scene3d>
-          <a:sp3d prstMaterial="metal">
-            <a:bevelT w="10000" h="10000"/>
-          </a:sp3d>
-        </a:effectStyle>
-        <a:effectStyle>
-          <a:effectLst>
-            <a:outerShdw blurRad="76200" dist="50800" dir="5400000" rotWithShape="0">
-              <a:srgbClr val="4E3B30">
-                <a:alpha val="60000"/>
-              </a:srgbClr>
-            </a:outerShdw>
-          </a:effectLst>
-          <a:scene3d>
-            <a:camera prst="obliqueTopLeft" fov="600000">
-              <a:rot lat="0" lon="0" rev="0"/>
-            </a:camera>
-            <a:lightRig rig="balanced" dir="t">
-              <a:rot lat="0" lon="0" rev="19200000"/>
-            </a:lightRig>
-          </a:scene3d>
-          <a:sp3d contourW="12700" prstMaterial="matte">
-            <a:bevelT w="60000" h="50800"/>
-            <a:contourClr>
-              <a:schemeClr val="phClr">
-                <a:shade val="60000"/>
-                <a:satMod val="110000"/>
-              </a:schemeClr>
-            </a:contourClr>
-          </a:sp3d>
         </a:effectStyle>
       </a:effectStyleLst>
       <a:bgFillStyleLst>
         <a:solidFill>
           <a:schemeClr val="phClr"/>
         </a:solidFill>
-        <a:blipFill>
-          <a:blip xmlns:r="http://schemas.openxmlformats.org/officeDocument/2006/relationships" r:embed="rId1">
-            <a:duotone>
+        <a:solidFill>
+          <a:schemeClr val="phClr">
+            <a:tint val="95000"/>
+            <a:satMod val="170000"/>
+          </a:schemeClr>
+        </a:solidFill>
+        <a:gradFill rotWithShape="1">
+          <a:gsLst>
+            <a:gs pos="0">
               <a:schemeClr val="phClr">
+                <a:tint val="93000"/>
+                <a:satMod val="150000"/>
+                <a:shade val="98000"/>
+                <a:lumMod val="102000"/>
+              </a:schemeClr>
+            </a:gs>
+            <a:gs pos="50000">
+              <a:schemeClr val="phClr">
+                <a:tint val="98000"/>
+                <a:satMod val="130000"/>
                 <a:shade val="90000"/>
-                <a:satMod val="150000"/>
+                <a:lumMod val="103000"/>
               </a:schemeClr>
+            </a:gs>
+            <a:gs pos="100000">
               <a:schemeClr val="phClr">
-                <a:tint val="88000"/>
-                <a:satMod val="105000"/>
-              </a:schemeClr>
-            </a:duotone>
-          </a:blip>
-          <a:tile tx="0" ty="0" sx="95000" sy="95000" flip="none" algn="t"/>
-        </a:blipFill>
-        <a:blipFill>
-          <a:blip xmlns:r="http://schemas.openxmlformats.org/officeDocument/2006/relationships" r:embed="rId2">
-            <a:duotone>
-              <a:schemeClr val="phClr">
-                <a:shade val="30000"/>
-                <a:satMod val="455000"/>
-              </a:schemeClr>
-              <a:schemeClr val="phClr">
-                <a:tint val="95000"/>
+                <a:shade val="63000"/>
                 <a:satMod val="120000"/>
               </a:schemeClr>
-            </a:duotone>
-          </a:blip>
-          <a:stretch>
-            <a:fillRect/>
-          </a:stretch>
-        </a:blipFill>
+            </a:gs>
+          </a:gsLst>
+          <a:lin ang="5400000" scaled="0"/>
+        </a:gradFill>
       </a:bgFillStyleLst>
     </a:fmtScheme>
   </a:themeElements>
   <a:objectDefaults/>
   <a:extraClrSchemeLst/>
+  <a:extLst>
+    <a:ext uri="{05A4C25C-085E-4340-85A3-A5531E510DB2}">
+      <thm15:themeFamily xmlns:thm15="http://schemas.microsoft.com/office/thememl/2012/main" name="Depth" id="{7BEAFC2A-325C-49C4-AC08-2B765DA903F9}" vid="{1735E755-43E6-43AA-ABA2-C989ECC79AF5}"/>
+    </a:ext>
+  </a:extLst>
 </a:theme>
 </file>
--- a/Clustering&Fitting.pptx
+++ b/Clustering&Fitting.pptx
@@ -2,12 +2,12 @@
 <file path=ppt/presentation.xml><?xml version="1.0" encoding="utf-8"?>
 <p:presentation xmlns:a="http://schemas.openxmlformats.org/drawingml/2006/main" xmlns:r="http://schemas.openxmlformats.org/officeDocument/2006/relationships" xmlns:p="http://schemas.openxmlformats.org/presentationml/2006/main">
   <p:sldMasterIdLst>
-    <p:sldMasterId id="2147483996" r:id="rId1"/>
+    <p:sldMasterId id="2147484014" r:id="rId1"/>
   </p:sldMasterIdLst>
   <p:sldIdLst>
     <p:sldId id="256" r:id="rId2"/>
   </p:sldIdLst>
-  <p:sldSz cx="13995400" cy="20104100"/>
+  <p:sldSz cx="30275213" cy="42767250"/>
   <p:notesSz cx="13995400" cy="20104100"/>
   <p:defaultTextStyle>
     <a:defPPr>
@@ -107,12 +107,12 @@
   <p:extLst>
     <p:ext uri="{EFAFB233-063F-42B5-8137-9DF3F51BA10A}">
       <p15:sldGuideLst xmlns:p15="http://schemas.microsoft.com/office/powerpoint/2012/main">
-        <p15:guide id="1" orient="horz" pos="2879">
+        <p15:guide id="1" orient="horz" pos="6124" userDrawn="1">
           <p15:clr>
             <a:srgbClr val="A4A3A4"/>
           </p15:clr>
         </p15:guide>
-        <p15:guide id="2" pos="2160">
+        <p15:guide id="2" pos="4673" userDrawn="1">
           <p15:clr>
             <a:srgbClr val="A4A3A4"/>
           </p15:clr>
@@ -127,19 +127,19 @@
 <pc:chgInfo xmlns:a="http://schemas.openxmlformats.org/drawingml/2006/main" xmlns:r="http://schemas.openxmlformats.org/officeDocument/2006/relationships" xmlns:ac="http://schemas.microsoft.com/office/drawing/2013/main/command" xmlns:pc="http://schemas.microsoft.com/office/powerpoint/2013/main/command">
   <pc:docChgLst>
     <pc:chgData name="Sandra Binu" userId="c8fad9f44ee715b9" providerId="LiveId" clId="{B0312706-2560-42DF-9FE8-D09B28FD6F55}"/>
-    <pc:docChg chg="undo custSel addSld delSld modSld">
-      <pc:chgData name="Sandra Binu" userId="c8fad9f44ee715b9" providerId="LiveId" clId="{B0312706-2560-42DF-9FE8-D09B28FD6F55}" dt="2024-01-18T17:34:30.787" v="345" actId="404"/>
+    <pc:docChg chg="undo custSel addSld delSld modSld modMainMaster">
+      <pc:chgData name="Sandra Binu" userId="c8fad9f44ee715b9" providerId="LiveId" clId="{B0312706-2560-42DF-9FE8-D09B28FD6F55}" dt="2024-01-21T02:38:10.892" v="609" actId="1076"/>
       <pc:docMkLst>
         <pc:docMk/>
       </pc:docMkLst>
       <pc:sldChg chg="addSp delSp modSp mod">
-        <pc:chgData name="Sandra Binu" userId="c8fad9f44ee715b9" providerId="LiveId" clId="{B0312706-2560-42DF-9FE8-D09B28FD6F55}" dt="2024-01-18T17:34:30.787" v="345" actId="404"/>
+        <pc:chgData name="Sandra Binu" userId="c8fad9f44ee715b9" providerId="LiveId" clId="{B0312706-2560-42DF-9FE8-D09B28FD6F55}" dt="2024-01-21T02:38:10.892" v="609" actId="1076"/>
         <pc:sldMkLst>
           <pc:docMk/>
           <pc:sldMk cId="0" sldId="256"/>
         </pc:sldMkLst>
         <pc:spChg chg="mod">
-          <ac:chgData name="Sandra Binu" userId="c8fad9f44ee715b9" providerId="LiveId" clId="{B0312706-2560-42DF-9FE8-D09B28FD6F55}" dt="2024-01-18T16:27:56.488" v="209" actId="207"/>
+          <ac:chgData name="Sandra Binu" userId="c8fad9f44ee715b9" providerId="LiveId" clId="{B0312706-2560-42DF-9FE8-D09B28FD6F55}" dt="2024-01-21T02:33:35.111" v="584" actId="20577"/>
           <ac:spMkLst>
             <pc:docMk/>
             <pc:sldMk cId="0" sldId="256"/>
@@ -147,7 +147,7 @@
           </ac:spMkLst>
         </pc:spChg>
         <pc:spChg chg="mod">
-          <ac:chgData name="Sandra Binu" userId="c8fad9f44ee715b9" providerId="LiveId" clId="{B0312706-2560-42DF-9FE8-D09B28FD6F55}" dt="2024-01-18T17:32:00.366" v="340" actId="14100"/>
+          <ac:chgData name="Sandra Binu" userId="c8fad9f44ee715b9" providerId="LiveId" clId="{B0312706-2560-42DF-9FE8-D09B28FD6F55}" dt="2024-01-21T02:26:38.370" v="538"/>
           <ac:spMkLst>
             <pc:docMk/>
             <pc:sldMk cId="0" sldId="256"/>
@@ -155,7 +155,7 @@
           </ac:spMkLst>
         </pc:spChg>
         <pc:spChg chg="mod">
-          <ac:chgData name="Sandra Binu" userId="c8fad9f44ee715b9" providerId="LiveId" clId="{B0312706-2560-42DF-9FE8-D09B28FD6F55}" dt="2024-01-18T17:34:30.787" v="345" actId="404"/>
+          <ac:chgData name="Sandra Binu" userId="c8fad9f44ee715b9" providerId="LiveId" clId="{B0312706-2560-42DF-9FE8-D09B28FD6F55}" dt="2024-01-21T02:34:04.100" v="588" actId="1076"/>
           <ac:spMkLst>
             <pc:docMk/>
             <pc:sldMk cId="0" sldId="256"/>
@@ -187,7 +187,7 @@
           </ac:spMkLst>
         </pc:spChg>
         <pc:spChg chg="mod">
-          <ac:chgData name="Sandra Binu" userId="c8fad9f44ee715b9" providerId="LiveId" clId="{B0312706-2560-42DF-9FE8-D09B28FD6F55}" dt="2024-01-18T17:30:22.240" v="329" actId="1076"/>
+          <ac:chgData name="Sandra Binu" userId="c8fad9f44ee715b9" providerId="LiveId" clId="{B0312706-2560-42DF-9FE8-D09B28FD6F55}" dt="2024-01-21T02:35:15.539" v="602" actId="14100"/>
           <ac:spMkLst>
             <pc:docMk/>
             <pc:sldMk cId="0" sldId="256"/>
@@ -202,8 +202,8 @@
             <ac:spMk id="32" creationId="{00000000-0000-0000-0000-000000000000}"/>
           </ac:spMkLst>
         </pc:spChg>
-        <pc:spChg chg="mod">
-          <ac:chgData name="Sandra Binu" userId="c8fad9f44ee715b9" providerId="LiveId" clId="{B0312706-2560-42DF-9FE8-D09B28FD6F55}" dt="2024-01-18T17:30:58.624" v="333" actId="1076"/>
+        <pc:spChg chg="del mod">
+          <ac:chgData name="Sandra Binu" userId="c8fad9f44ee715b9" providerId="LiveId" clId="{B0312706-2560-42DF-9FE8-D09B28FD6F55}" dt="2024-01-21T02:13:00.254" v="493" actId="478"/>
           <ac:spMkLst>
             <pc:docMk/>
             <pc:sldMk cId="0" sldId="256"/>
@@ -211,7 +211,7 @@
           </ac:spMkLst>
         </pc:spChg>
         <pc:spChg chg="mod">
-          <ac:chgData name="Sandra Binu" userId="c8fad9f44ee715b9" providerId="LiveId" clId="{B0312706-2560-42DF-9FE8-D09B28FD6F55}" dt="2024-01-18T17:33:18.420" v="343" actId="1076"/>
+          <ac:chgData name="Sandra Binu" userId="c8fad9f44ee715b9" providerId="LiveId" clId="{B0312706-2560-42DF-9FE8-D09B28FD6F55}" dt="2024-01-21T02:26:38.370" v="538"/>
           <ac:spMkLst>
             <pc:docMk/>
             <pc:sldMk cId="0" sldId="256"/>
@@ -219,7 +219,7 @@
           </ac:spMkLst>
         </pc:spChg>
         <pc:spChg chg="mod">
-          <ac:chgData name="Sandra Binu" userId="c8fad9f44ee715b9" providerId="LiveId" clId="{B0312706-2560-42DF-9FE8-D09B28FD6F55}" dt="2024-01-18T17:26:28.779" v="296" actId="1076"/>
+          <ac:chgData name="Sandra Binu" userId="c8fad9f44ee715b9" providerId="LiveId" clId="{B0312706-2560-42DF-9FE8-D09B28FD6F55}" dt="2024-01-21T02:26:38.370" v="538"/>
           <ac:spMkLst>
             <pc:docMk/>
             <pc:sldMk cId="0" sldId="256"/>
@@ -227,15 +227,15 @@
           </ac:spMkLst>
         </pc:spChg>
         <pc:spChg chg="mod">
-          <ac:chgData name="Sandra Binu" userId="c8fad9f44ee715b9" providerId="LiveId" clId="{B0312706-2560-42DF-9FE8-D09B28FD6F55}" dt="2024-01-18T17:31:11.884" v="334" actId="1076"/>
+          <ac:chgData name="Sandra Binu" userId="c8fad9f44ee715b9" providerId="LiveId" clId="{B0312706-2560-42DF-9FE8-D09B28FD6F55}" dt="2024-01-21T02:37:05.574" v="608" actId="255"/>
           <ac:spMkLst>
             <pc:docMk/>
             <pc:sldMk cId="0" sldId="256"/>
             <ac:spMk id="36" creationId="{00000000-0000-0000-0000-000000000000}"/>
           </ac:spMkLst>
         </pc:spChg>
-        <pc:spChg chg="mod">
-          <ac:chgData name="Sandra Binu" userId="c8fad9f44ee715b9" providerId="LiveId" clId="{B0312706-2560-42DF-9FE8-D09B28FD6F55}" dt="2024-01-18T16:40:57.991" v="254" actId="14100"/>
+        <pc:spChg chg="del mod">
+          <ac:chgData name="Sandra Binu" userId="c8fad9f44ee715b9" providerId="LiveId" clId="{B0312706-2560-42DF-9FE8-D09B28FD6F55}" dt="2024-01-21T02:33:40.940" v="585" actId="478"/>
           <ac:spMkLst>
             <pc:docMk/>
             <pc:sldMk cId="0" sldId="256"/>
@@ -243,7 +243,7 @@
           </ac:spMkLst>
         </pc:spChg>
         <pc:spChg chg="mod">
-          <ac:chgData name="Sandra Binu" userId="c8fad9f44ee715b9" providerId="LiveId" clId="{B0312706-2560-42DF-9FE8-D09B28FD6F55}" dt="2024-01-18T17:31:32.691" v="336" actId="14100"/>
+          <ac:chgData name="Sandra Binu" userId="c8fad9f44ee715b9" providerId="LiveId" clId="{B0312706-2560-42DF-9FE8-D09B28FD6F55}" dt="2024-01-21T02:26:38.370" v="538"/>
           <ac:spMkLst>
             <pc:docMk/>
             <pc:sldMk cId="0" sldId="256"/>
@@ -251,7 +251,7 @@
           </ac:spMkLst>
         </pc:spChg>
         <pc:spChg chg="mod">
-          <ac:chgData name="Sandra Binu" userId="c8fad9f44ee715b9" providerId="LiveId" clId="{B0312706-2560-42DF-9FE8-D09B28FD6F55}" dt="2024-01-18T16:51:54.719" v="285" actId="1076"/>
+          <ac:chgData name="Sandra Binu" userId="c8fad9f44ee715b9" providerId="LiveId" clId="{B0312706-2560-42DF-9FE8-D09B28FD6F55}" dt="2024-01-21T02:26:38.370" v="538"/>
           <ac:spMkLst>
             <pc:docMk/>
             <pc:sldMk cId="0" sldId="256"/>
@@ -259,23 +259,47 @@
           </ac:spMkLst>
         </pc:spChg>
         <pc:picChg chg="add mod">
-          <ac:chgData name="Sandra Binu" userId="c8fad9f44ee715b9" providerId="LiveId" clId="{B0312706-2560-42DF-9FE8-D09B28FD6F55}" dt="2024-01-18T17:26:53.706" v="298" actId="14100"/>
+          <ac:chgData name="Sandra Binu" userId="c8fad9f44ee715b9" providerId="LiveId" clId="{B0312706-2560-42DF-9FE8-D09B28FD6F55}" dt="2024-01-21T02:26:38.370" v="538"/>
+          <ac:picMkLst>
+            <pc:docMk/>
+            <pc:sldMk cId="0" sldId="256"/>
+            <ac:picMk id="6" creationId="{7E968EDD-44F7-EBBE-F293-288AFC5D05F8}"/>
+          </ac:picMkLst>
+        </pc:picChg>
+        <pc:picChg chg="add mod">
+          <ac:chgData name="Sandra Binu" userId="c8fad9f44ee715b9" providerId="LiveId" clId="{B0312706-2560-42DF-9FE8-D09B28FD6F55}" dt="2024-01-21T02:26:38.370" v="538"/>
+          <ac:picMkLst>
+            <pc:docMk/>
+            <pc:sldMk cId="0" sldId="256"/>
+            <ac:picMk id="8" creationId="{0E439E68-811C-29BE-E22C-D4B11BDB25C8}"/>
+          </ac:picMkLst>
+        </pc:picChg>
+        <pc:picChg chg="add del mod">
+          <ac:chgData name="Sandra Binu" userId="c8fad9f44ee715b9" providerId="LiveId" clId="{B0312706-2560-42DF-9FE8-D09B28FD6F55}" dt="2024-01-21T02:16:29.047" v="521" actId="478"/>
           <ac:picMkLst>
             <pc:docMk/>
             <pc:sldMk cId="0" sldId="256"/>
             <ac:picMk id="9" creationId="{32512E36-5CE1-89D5-5909-D64BFBF1EA69}"/>
           </ac:picMkLst>
         </pc:picChg>
+        <pc:picChg chg="add mod">
+          <ac:chgData name="Sandra Binu" userId="c8fad9f44ee715b9" providerId="LiveId" clId="{B0312706-2560-42DF-9FE8-D09B28FD6F55}" dt="2024-01-21T02:26:38.370" v="538"/>
+          <ac:picMkLst>
+            <pc:docMk/>
+            <pc:sldMk cId="0" sldId="256"/>
+            <ac:picMk id="11" creationId="{6102D002-2E67-F5FB-489F-B40AADF61F46}"/>
+          </ac:picMkLst>
+        </pc:picChg>
         <pc:picChg chg="mod">
-          <ac:chgData name="Sandra Binu" userId="c8fad9f44ee715b9" providerId="LiveId" clId="{B0312706-2560-42DF-9FE8-D09B28FD6F55}" dt="2024-01-18T17:33:04.558" v="342" actId="14100"/>
+          <ac:chgData name="Sandra Binu" userId="c8fad9f44ee715b9" providerId="LiveId" clId="{B0312706-2560-42DF-9FE8-D09B28FD6F55}" dt="2024-01-21T02:38:10.892" v="609" actId="1076"/>
           <ac:picMkLst>
             <pc:docMk/>
             <pc:sldMk cId="0" sldId="256"/>
             <ac:picMk id="1027" creationId="{00000000-0000-0000-0000-000000000000}"/>
           </ac:picMkLst>
         </pc:picChg>
-        <pc:picChg chg="mod">
-          <ac:chgData name="Sandra Binu" userId="c8fad9f44ee715b9" providerId="LiveId" clId="{B0312706-2560-42DF-9FE8-D09B28FD6F55}" dt="2024-01-18T17:25:40.098" v="293" actId="14826"/>
+        <pc:picChg chg="del mod">
+          <ac:chgData name="Sandra Binu" userId="c8fad9f44ee715b9" providerId="LiveId" clId="{B0312706-2560-42DF-9FE8-D09B28FD6F55}" dt="2024-01-21T01:45:28.533" v="351" actId="478"/>
           <ac:picMkLst>
             <pc:docMk/>
             <pc:sldMk cId="0" sldId="256"/>
@@ -306,6 +330,589 @@
           </ac:spMkLst>
         </pc:spChg>
       </pc:sldChg>
+      <pc:sldMasterChg chg="modSp modSldLayout">
+        <pc:chgData name="Sandra Binu" userId="c8fad9f44ee715b9" providerId="LiveId" clId="{B0312706-2560-42DF-9FE8-D09B28FD6F55}" dt="2024-01-21T02:26:38.370" v="538"/>
+        <pc:sldMasterMkLst>
+          <pc:docMk/>
+          <pc:sldMasterMk cId="1528956381" sldId="2147483996"/>
+        </pc:sldMasterMkLst>
+        <pc:spChg chg="mod">
+          <ac:chgData name="Sandra Binu" userId="c8fad9f44ee715b9" providerId="LiveId" clId="{B0312706-2560-42DF-9FE8-D09B28FD6F55}" dt="2024-01-21T02:26:38.370" v="538"/>
+          <ac:spMkLst>
+            <pc:docMk/>
+            <pc:sldMasterMk cId="1528956381" sldId="2147483996"/>
+            <ac:spMk id="2" creationId="{00000000-0000-0000-0000-000000000000}"/>
+          </ac:spMkLst>
+        </pc:spChg>
+        <pc:spChg chg="mod">
+          <ac:chgData name="Sandra Binu" userId="c8fad9f44ee715b9" providerId="LiveId" clId="{B0312706-2560-42DF-9FE8-D09B28FD6F55}" dt="2024-01-21T02:26:38.370" v="538"/>
+          <ac:spMkLst>
+            <pc:docMk/>
+            <pc:sldMasterMk cId="1528956381" sldId="2147483996"/>
+            <ac:spMk id="3" creationId="{00000000-0000-0000-0000-000000000000}"/>
+          </ac:spMkLst>
+        </pc:spChg>
+        <pc:spChg chg="mod">
+          <ac:chgData name="Sandra Binu" userId="c8fad9f44ee715b9" providerId="LiveId" clId="{B0312706-2560-42DF-9FE8-D09B28FD6F55}" dt="2024-01-21T02:26:38.370" v="538"/>
+          <ac:spMkLst>
+            <pc:docMk/>
+            <pc:sldMasterMk cId="1528956381" sldId="2147483996"/>
+            <ac:spMk id="4" creationId="{00000000-0000-0000-0000-000000000000}"/>
+          </ac:spMkLst>
+        </pc:spChg>
+        <pc:spChg chg="mod">
+          <ac:chgData name="Sandra Binu" userId="c8fad9f44ee715b9" providerId="LiveId" clId="{B0312706-2560-42DF-9FE8-D09B28FD6F55}" dt="2024-01-21T02:26:38.370" v="538"/>
+          <ac:spMkLst>
+            <pc:docMk/>
+            <pc:sldMasterMk cId="1528956381" sldId="2147483996"/>
+            <ac:spMk id="5" creationId="{00000000-0000-0000-0000-000000000000}"/>
+          </ac:spMkLst>
+        </pc:spChg>
+        <pc:spChg chg="mod">
+          <ac:chgData name="Sandra Binu" userId="c8fad9f44ee715b9" providerId="LiveId" clId="{B0312706-2560-42DF-9FE8-D09B28FD6F55}" dt="2024-01-21T02:26:38.370" v="538"/>
+          <ac:spMkLst>
+            <pc:docMk/>
+            <pc:sldMasterMk cId="1528956381" sldId="2147483996"/>
+            <ac:spMk id="6" creationId="{00000000-0000-0000-0000-000000000000}"/>
+          </ac:spMkLst>
+        </pc:spChg>
+        <pc:sldLayoutChg chg="modSp">
+          <pc:chgData name="Sandra Binu" userId="c8fad9f44ee715b9" providerId="LiveId" clId="{B0312706-2560-42DF-9FE8-D09B28FD6F55}" dt="2024-01-21T02:26:38.370" v="538"/>
+          <pc:sldLayoutMkLst>
+            <pc:docMk/>
+            <pc:sldMasterMk cId="1528956381" sldId="2147483996"/>
+            <pc:sldLayoutMk cId="488577661" sldId="2147483997"/>
+          </pc:sldLayoutMkLst>
+          <pc:spChg chg="mod">
+            <ac:chgData name="Sandra Binu" userId="c8fad9f44ee715b9" providerId="LiveId" clId="{B0312706-2560-42DF-9FE8-D09B28FD6F55}" dt="2024-01-21T02:26:38.370" v="538"/>
+            <ac:spMkLst>
+              <pc:docMk/>
+              <pc:sldMasterMk cId="1528956381" sldId="2147483996"/>
+              <pc:sldLayoutMk cId="488577661" sldId="2147483997"/>
+              <ac:spMk id="2" creationId="{00000000-0000-0000-0000-000000000000}"/>
+            </ac:spMkLst>
+          </pc:spChg>
+          <pc:spChg chg="mod">
+            <ac:chgData name="Sandra Binu" userId="c8fad9f44ee715b9" providerId="LiveId" clId="{B0312706-2560-42DF-9FE8-D09B28FD6F55}" dt="2024-01-21T02:26:38.370" v="538"/>
+            <ac:spMkLst>
+              <pc:docMk/>
+              <pc:sldMasterMk cId="1528956381" sldId="2147483996"/>
+              <pc:sldLayoutMk cId="488577661" sldId="2147483997"/>
+              <ac:spMk id="3" creationId="{00000000-0000-0000-0000-000000000000}"/>
+            </ac:spMkLst>
+          </pc:spChg>
+        </pc:sldLayoutChg>
+        <pc:sldLayoutChg chg="modSp">
+          <pc:chgData name="Sandra Binu" userId="c8fad9f44ee715b9" providerId="LiveId" clId="{B0312706-2560-42DF-9FE8-D09B28FD6F55}" dt="2024-01-21T02:26:38.370" v="538"/>
+          <pc:sldLayoutMkLst>
+            <pc:docMk/>
+            <pc:sldMasterMk cId="1528956381" sldId="2147483996"/>
+            <pc:sldLayoutMk cId="3335406870" sldId="2147483999"/>
+          </pc:sldLayoutMkLst>
+          <pc:spChg chg="mod">
+            <ac:chgData name="Sandra Binu" userId="c8fad9f44ee715b9" providerId="LiveId" clId="{B0312706-2560-42DF-9FE8-D09B28FD6F55}" dt="2024-01-21T02:26:38.370" v="538"/>
+            <ac:spMkLst>
+              <pc:docMk/>
+              <pc:sldMasterMk cId="1528956381" sldId="2147483996"/>
+              <pc:sldLayoutMk cId="3335406870" sldId="2147483999"/>
+              <ac:spMk id="7" creationId="{00000000-0000-0000-0000-000000000000}"/>
+            </ac:spMkLst>
+          </pc:spChg>
+          <pc:spChg chg="mod">
+            <ac:chgData name="Sandra Binu" userId="c8fad9f44ee715b9" providerId="LiveId" clId="{B0312706-2560-42DF-9FE8-D09B28FD6F55}" dt="2024-01-21T02:26:38.370" v="538"/>
+            <ac:spMkLst>
+              <pc:docMk/>
+              <pc:sldMasterMk cId="1528956381" sldId="2147483996"/>
+              <pc:sldLayoutMk cId="3335406870" sldId="2147483999"/>
+              <ac:spMk id="8" creationId="{00000000-0000-0000-0000-000000000000}"/>
+            </ac:spMkLst>
+          </pc:spChg>
+        </pc:sldLayoutChg>
+        <pc:sldLayoutChg chg="modSp">
+          <pc:chgData name="Sandra Binu" userId="c8fad9f44ee715b9" providerId="LiveId" clId="{B0312706-2560-42DF-9FE8-D09B28FD6F55}" dt="2024-01-21T02:26:38.370" v="538"/>
+          <pc:sldLayoutMkLst>
+            <pc:docMk/>
+            <pc:sldMasterMk cId="1528956381" sldId="2147483996"/>
+            <pc:sldLayoutMk cId="2329737988" sldId="2147484000"/>
+          </pc:sldLayoutMkLst>
+          <pc:spChg chg="mod">
+            <ac:chgData name="Sandra Binu" userId="c8fad9f44ee715b9" providerId="LiveId" clId="{B0312706-2560-42DF-9FE8-D09B28FD6F55}" dt="2024-01-21T02:26:38.370" v="538"/>
+            <ac:spMkLst>
+              <pc:docMk/>
+              <pc:sldMasterMk cId="1528956381" sldId="2147483996"/>
+              <pc:sldLayoutMk cId="2329737988" sldId="2147484000"/>
+              <ac:spMk id="3" creationId="{00000000-0000-0000-0000-000000000000}"/>
+            </ac:spMkLst>
+          </pc:spChg>
+          <pc:spChg chg="mod">
+            <ac:chgData name="Sandra Binu" userId="c8fad9f44ee715b9" providerId="LiveId" clId="{B0312706-2560-42DF-9FE8-D09B28FD6F55}" dt="2024-01-21T02:26:38.370" v="538"/>
+            <ac:spMkLst>
+              <pc:docMk/>
+              <pc:sldMasterMk cId="1528956381" sldId="2147483996"/>
+              <pc:sldLayoutMk cId="2329737988" sldId="2147484000"/>
+              <ac:spMk id="4" creationId="{00000000-0000-0000-0000-000000000000}"/>
+            </ac:spMkLst>
+          </pc:spChg>
+        </pc:sldLayoutChg>
+        <pc:sldLayoutChg chg="modSp">
+          <pc:chgData name="Sandra Binu" userId="c8fad9f44ee715b9" providerId="LiveId" clId="{B0312706-2560-42DF-9FE8-D09B28FD6F55}" dt="2024-01-21T02:26:38.370" v="538"/>
+          <pc:sldLayoutMkLst>
+            <pc:docMk/>
+            <pc:sldMasterMk cId="1528956381" sldId="2147483996"/>
+            <pc:sldLayoutMk cId="3125230042" sldId="2147484001"/>
+          </pc:sldLayoutMkLst>
+          <pc:spChg chg="mod">
+            <ac:chgData name="Sandra Binu" userId="c8fad9f44ee715b9" providerId="LiveId" clId="{B0312706-2560-42DF-9FE8-D09B28FD6F55}" dt="2024-01-21T02:26:38.370" v="538"/>
+            <ac:spMkLst>
+              <pc:docMk/>
+              <pc:sldMasterMk cId="1528956381" sldId="2147483996"/>
+              <pc:sldLayoutMk cId="3125230042" sldId="2147484001"/>
+              <ac:spMk id="2" creationId="{00000000-0000-0000-0000-000000000000}"/>
+            </ac:spMkLst>
+          </pc:spChg>
+          <pc:spChg chg="mod">
+            <ac:chgData name="Sandra Binu" userId="c8fad9f44ee715b9" providerId="LiveId" clId="{B0312706-2560-42DF-9FE8-D09B28FD6F55}" dt="2024-01-21T02:26:38.370" v="538"/>
+            <ac:spMkLst>
+              <pc:docMk/>
+              <pc:sldMasterMk cId="1528956381" sldId="2147483996"/>
+              <pc:sldLayoutMk cId="3125230042" sldId="2147484001"/>
+              <ac:spMk id="3" creationId="{00000000-0000-0000-0000-000000000000}"/>
+            </ac:spMkLst>
+          </pc:spChg>
+          <pc:spChg chg="mod">
+            <ac:chgData name="Sandra Binu" userId="c8fad9f44ee715b9" providerId="LiveId" clId="{B0312706-2560-42DF-9FE8-D09B28FD6F55}" dt="2024-01-21T02:26:38.370" v="538"/>
+            <ac:spMkLst>
+              <pc:docMk/>
+              <pc:sldMasterMk cId="1528956381" sldId="2147483996"/>
+              <pc:sldLayoutMk cId="3125230042" sldId="2147484001"/>
+              <ac:spMk id="4" creationId="{00000000-0000-0000-0000-000000000000}"/>
+            </ac:spMkLst>
+          </pc:spChg>
+          <pc:spChg chg="mod">
+            <ac:chgData name="Sandra Binu" userId="c8fad9f44ee715b9" providerId="LiveId" clId="{B0312706-2560-42DF-9FE8-D09B28FD6F55}" dt="2024-01-21T02:26:38.370" v="538"/>
+            <ac:spMkLst>
+              <pc:docMk/>
+              <pc:sldMasterMk cId="1528956381" sldId="2147483996"/>
+              <pc:sldLayoutMk cId="3125230042" sldId="2147484001"/>
+              <ac:spMk id="5" creationId="{00000000-0000-0000-0000-000000000000}"/>
+            </ac:spMkLst>
+          </pc:spChg>
+          <pc:spChg chg="mod">
+            <ac:chgData name="Sandra Binu" userId="c8fad9f44ee715b9" providerId="LiveId" clId="{B0312706-2560-42DF-9FE8-D09B28FD6F55}" dt="2024-01-21T02:26:38.370" v="538"/>
+            <ac:spMkLst>
+              <pc:docMk/>
+              <pc:sldMasterMk cId="1528956381" sldId="2147483996"/>
+              <pc:sldLayoutMk cId="3125230042" sldId="2147484001"/>
+              <ac:spMk id="6" creationId="{00000000-0000-0000-0000-000000000000}"/>
+            </ac:spMkLst>
+          </pc:spChg>
+        </pc:sldLayoutChg>
+        <pc:sldLayoutChg chg="modSp">
+          <pc:chgData name="Sandra Binu" userId="c8fad9f44ee715b9" providerId="LiveId" clId="{B0312706-2560-42DF-9FE8-D09B28FD6F55}" dt="2024-01-21T02:26:38.370" v="538"/>
+          <pc:sldLayoutMkLst>
+            <pc:docMk/>
+            <pc:sldMasterMk cId="1528956381" sldId="2147483996"/>
+            <pc:sldLayoutMk cId="1454825611" sldId="2147484004"/>
+          </pc:sldLayoutMkLst>
+          <pc:spChg chg="mod">
+            <ac:chgData name="Sandra Binu" userId="c8fad9f44ee715b9" providerId="LiveId" clId="{B0312706-2560-42DF-9FE8-D09B28FD6F55}" dt="2024-01-21T02:26:38.370" v="538"/>
+            <ac:spMkLst>
+              <pc:docMk/>
+              <pc:sldMasterMk cId="1528956381" sldId="2147483996"/>
+              <pc:sldLayoutMk cId="1454825611" sldId="2147484004"/>
+              <ac:spMk id="2" creationId="{00000000-0000-0000-0000-000000000000}"/>
+            </ac:spMkLst>
+          </pc:spChg>
+          <pc:spChg chg="mod">
+            <ac:chgData name="Sandra Binu" userId="c8fad9f44ee715b9" providerId="LiveId" clId="{B0312706-2560-42DF-9FE8-D09B28FD6F55}" dt="2024-01-21T02:26:38.370" v="538"/>
+            <ac:spMkLst>
+              <pc:docMk/>
+              <pc:sldMasterMk cId="1528956381" sldId="2147483996"/>
+              <pc:sldLayoutMk cId="1454825611" sldId="2147484004"/>
+              <ac:spMk id="3" creationId="{00000000-0000-0000-0000-000000000000}"/>
+            </ac:spMkLst>
+          </pc:spChg>
+          <pc:spChg chg="mod">
+            <ac:chgData name="Sandra Binu" userId="c8fad9f44ee715b9" providerId="LiveId" clId="{B0312706-2560-42DF-9FE8-D09B28FD6F55}" dt="2024-01-21T02:26:38.370" v="538"/>
+            <ac:spMkLst>
+              <pc:docMk/>
+              <pc:sldMasterMk cId="1528956381" sldId="2147483996"/>
+              <pc:sldLayoutMk cId="1454825611" sldId="2147484004"/>
+              <ac:spMk id="4" creationId="{00000000-0000-0000-0000-000000000000}"/>
+            </ac:spMkLst>
+          </pc:spChg>
+        </pc:sldLayoutChg>
+        <pc:sldLayoutChg chg="modSp">
+          <pc:chgData name="Sandra Binu" userId="c8fad9f44ee715b9" providerId="LiveId" clId="{B0312706-2560-42DF-9FE8-D09B28FD6F55}" dt="2024-01-21T02:26:38.370" v="538"/>
+          <pc:sldLayoutMkLst>
+            <pc:docMk/>
+            <pc:sldMasterMk cId="1528956381" sldId="2147483996"/>
+            <pc:sldLayoutMk cId="2684443969" sldId="2147484005"/>
+          </pc:sldLayoutMkLst>
+          <pc:spChg chg="mod">
+            <ac:chgData name="Sandra Binu" userId="c8fad9f44ee715b9" providerId="LiveId" clId="{B0312706-2560-42DF-9FE8-D09B28FD6F55}" dt="2024-01-21T02:26:38.370" v="538"/>
+            <ac:spMkLst>
+              <pc:docMk/>
+              <pc:sldMasterMk cId="1528956381" sldId="2147483996"/>
+              <pc:sldLayoutMk cId="2684443969" sldId="2147484005"/>
+              <ac:spMk id="2" creationId="{00000000-0000-0000-0000-000000000000}"/>
+            </ac:spMkLst>
+          </pc:spChg>
+          <pc:spChg chg="mod">
+            <ac:chgData name="Sandra Binu" userId="c8fad9f44ee715b9" providerId="LiveId" clId="{B0312706-2560-42DF-9FE8-D09B28FD6F55}" dt="2024-01-21T02:26:38.370" v="538"/>
+            <ac:spMkLst>
+              <pc:docMk/>
+              <pc:sldMasterMk cId="1528956381" sldId="2147483996"/>
+              <pc:sldLayoutMk cId="2684443969" sldId="2147484005"/>
+              <ac:spMk id="3" creationId="{00000000-0000-0000-0000-000000000000}"/>
+            </ac:spMkLst>
+          </pc:spChg>
+          <pc:spChg chg="mod">
+            <ac:chgData name="Sandra Binu" userId="c8fad9f44ee715b9" providerId="LiveId" clId="{B0312706-2560-42DF-9FE8-D09B28FD6F55}" dt="2024-01-21T02:26:38.370" v="538"/>
+            <ac:spMkLst>
+              <pc:docMk/>
+              <pc:sldMasterMk cId="1528956381" sldId="2147483996"/>
+              <pc:sldLayoutMk cId="2684443969" sldId="2147484005"/>
+              <ac:spMk id="4" creationId="{00000000-0000-0000-0000-000000000000}"/>
+            </ac:spMkLst>
+          </pc:spChg>
+        </pc:sldLayoutChg>
+        <pc:sldLayoutChg chg="modSp">
+          <pc:chgData name="Sandra Binu" userId="c8fad9f44ee715b9" providerId="LiveId" clId="{B0312706-2560-42DF-9FE8-D09B28FD6F55}" dt="2024-01-21T02:26:38.370" v="538"/>
+          <pc:sldLayoutMkLst>
+            <pc:docMk/>
+            <pc:sldMasterMk cId="1528956381" sldId="2147483996"/>
+            <pc:sldLayoutMk cId="206156596" sldId="2147484006"/>
+          </pc:sldLayoutMkLst>
+          <pc:spChg chg="mod">
+            <ac:chgData name="Sandra Binu" userId="c8fad9f44ee715b9" providerId="LiveId" clId="{B0312706-2560-42DF-9FE8-D09B28FD6F55}" dt="2024-01-21T02:26:38.370" v="538"/>
+            <ac:spMkLst>
+              <pc:docMk/>
+              <pc:sldMasterMk cId="1528956381" sldId="2147483996"/>
+              <pc:sldLayoutMk cId="206156596" sldId="2147484006"/>
+              <ac:spMk id="2" creationId="{00000000-0000-0000-0000-000000000000}"/>
+            </ac:spMkLst>
+          </pc:spChg>
+          <pc:spChg chg="mod">
+            <ac:chgData name="Sandra Binu" userId="c8fad9f44ee715b9" providerId="LiveId" clId="{B0312706-2560-42DF-9FE8-D09B28FD6F55}" dt="2024-01-21T02:26:38.370" v="538"/>
+            <ac:spMkLst>
+              <pc:docMk/>
+              <pc:sldMasterMk cId="1528956381" sldId="2147483996"/>
+              <pc:sldLayoutMk cId="206156596" sldId="2147484006"/>
+              <ac:spMk id="3" creationId="{00000000-0000-0000-0000-000000000000}"/>
+            </ac:spMkLst>
+          </pc:spChg>
+          <pc:spChg chg="mod">
+            <ac:chgData name="Sandra Binu" userId="c8fad9f44ee715b9" providerId="LiveId" clId="{B0312706-2560-42DF-9FE8-D09B28FD6F55}" dt="2024-01-21T02:26:38.370" v="538"/>
+            <ac:spMkLst>
+              <pc:docMk/>
+              <pc:sldMasterMk cId="1528956381" sldId="2147483996"/>
+              <pc:sldLayoutMk cId="206156596" sldId="2147484006"/>
+              <ac:spMk id="4" creationId="{00000000-0000-0000-0000-000000000000}"/>
+            </ac:spMkLst>
+          </pc:spChg>
+        </pc:sldLayoutChg>
+        <pc:sldLayoutChg chg="modSp">
+          <pc:chgData name="Sandra Binu" userId="c8fad9f44ee715b9" providerId="LiveId" clId="{B0312706-2560-42DF-9FE8-D09B28FD6F55}" dt="2024-01-21T02:26:38.370" v="538"/>
+          <pc:sldLayoutMkLst>
+            <pc:docMk/>
+            <pc:sldMasterMk cId="1528956381" sldId="2147483996"/>
+            <pc:sldLayoutMk cId="3915766756" sldId="2147484007"/>
+          </pc:sldLayoutMkLst>
+          <pc:spChg chg="mod">
+            <ac:chgData name="Sandra Binu" userId="c8fad9f44ee715b9" providerId="LiveId" clId="{B0312706-2560-42DF-9FE8-D09B28FD6F55}" dt="2024-01-21T02:26:38.370" v="538"/>
+            <ac:spMkLst>
+              <pc:docMk/>
+              <pc:sldMasterMk cId="1528956381" sldId="2147483996"/>
+              <pc:sldLayoutMk cId="3915766756" sldId="2147484007"/>
+              <ac:spMk id="2" creationId="{00000000-0000-0000-0000-000000000000}"/>
+            </ac:spMkLst>
+          </pc:spChg>
+          <pc:spChg chg="mod">
+            <ac:chgData name="Sandra Binu" userId="c8fad9f44ee715b9" providerId="LiveId" clId="{B0312706-2560-42DF-9FE8-D09B28FD6F55}" dt="2024-01-21T02:26:38.370" v="538"/>
+            <ac:spMkLst>
+              <pc:docMk/>
+              <pc:sldMasterMk cId="1528956381" sldId="2147483996"/>
+              <pc:sldLayoutMk cId="3915766756" sldId="2147484007"/>
+              <ac:spMk id="4" creationId="{00000000-0000-0000-0000-000000000000}"/>
+            </ac:spMkLst>
+          </pc:spChg>
+        </pc:sldLayoutChg>
+        <pc:sldLayoutChg chg="modSp">
+          <pc:chgData name="Sandra Binu" userId="c8fad9f44ee715b9" providerId="LiveId" clId="{B0312706-2560-42DF-9FE8-D09B28FD6F55}" dt="2024-01-21T02:26:38.370" v="538"/>
+          <pc:sldLayoutMkLst>
+            <pc:docMk/>
+            <pc:sldMasterMk cId="1528956381" sldId="2147483996"/>
+            <pc:sldLayoutMk cId="4156847898" sldId="2147484008"/>
+          </pc:sldLayoutMkLst>
+          <pc:spChg chg="mod">
+            <ac:chgData name="Sandra Binu" userId="c8fad9f44ee715b9" providerId="LiveId" clId="{B0312706-2560-42DF-9FE8-D09B28FD6F55}" dt="2024-01-21T02:26:38.370" v="538"/>
+            <ac:spMkLst>
+              <pc:docMk/>
+              <pc:sldMasterMk cId="1528956381" sldId="2147483996"/>
+              <pc:sldLayoutMk cId="4156847898" sldId="2147484008"/>
+              <ac:spMk id="2" creationId="{00000000-0000-0000-0000-000000000000}"/>
+            </ac:spMkLst>
+          </pc:spChg>
+          <pc:spChg chg="mod">
+            <ac:chgData name="Sandra Binu" userId="c8fad9f44ee715b9" providerId="LiveId" clId="{B0312706-2560-42DF-9FE8-D09B28FD6F55}" dt="2024-01-21T02:26:38.370" v="538"/>
+            <ac:spMkLst>
+              <pc:docMk/>
+              <pc:sldMasterMk cId="1528956381" sldId="2147483996"/>
+              <pc:sldLayoutMk cId="4156847898" sldId="2147484008"/>
+              <ac:spMk id="4" creationId="{00000000-0000-0000-0000-000000000000}"/>
+            </ac:spMkLst>
+          </pc:spChg>
+          <pc:spChg chg="mod">
+            <ac:chgData name="Sandra Binu" userId="c8fad9f44ee715b9" providerId="LiveId" clId="{B0312706-2560-42DF-9FE8-D09B28FD6F55}" dt="2024-01-21T02:26:38.370" v="538"/>
+            <ac:spMkLst>
+              <pc:docMk/>
+              <pc:sldMasterMk cId="1528956381" sldId="2147483996"/>
+              <pc:sldLayoutMk cId="4156847898" sldId="2147484008"/>
+              <ac:spMk id="9" creationId="{00000000-0000-0000-0000-000000000000}"/>
+            </ac:spMkLst>
+          </pc:spChg>
+          <pc:spChg chg="mod">
+            <ac:chgData name="Sandra Binu" userId="c8fad9f44ee715b9" providerId="LiveId" clId="{B0312706-2560-42DF-9FE8-D09B28FD6F55}" dt="2024-01-21T02:26:38.370" v="538"/>
+            <ac:spMkLst>
+              <pc:docMk/>
+              <pc:sldMasterMk cId="1528956381" sldId="2147483996"/>
+              <pc:sldLayoutMk cId="4156847898" sldId="2147484008"/>
+              <ac:spMk id="10" creationId="{00000000-0000-0000-0000-000000000000}"/>
+            </ac:spMkLst>
+          </pc:spChg>
+          <pc:spChg chg="mod">
+            <ac:chgData name="Sandra Binu" userId="c8fad9f44ee715b9" providerId="LiveId" clId="{B0312706-2560-42DF-9FE8-D09B28FD6F55}" dt="2024-01-21T02:26:38.370" v="538"/>
+            <ac:spMkLst>
+              <pc:docMk/>
+              <pc:sldMasterMk cId="1528956381" sldId="2147483996"/>
+              <pc:sldLayoutMk cId="4156847898" sldId="2147484008"/>
+              <ac:spMk id="12" creationId="{00000000-0000-0000-0000-000000000000}"/>
+            </ac:spMkLst>
+          </pc:spChg>
+        </pc:sldLayoutChg>
+        <pc:sldLayoutChg chg="modSp">
+          <pc:chgData name="Sandra Binu" userId="c8fad9f44ee715b9" providerId="LiveId" clId="{B0312706-2560-42DF-9FE8-D09B28FD6F55}" dt="2024-01-21T02:26:38.370" v="538"/>
+          <pc:sldLayoutMkLst>
+            <pc:docMk/>
+            <pc:sldMasterMk cId="1528956381" sldId="2147483996"/>
+            <pc:sldLayoutMk cId="4089656845" sldId="2147484009"/>
+          </pc:sldLayoutMkLst>
+          <pc:spChg chg="mod">
+            <ac:chgData name="Sandra Binu" userId="c8fad9f44ee715b9" providerId="LiveId" clId="{B0312706-2560-42DF-9FE8-D09B28FD6F55}" dt="2024-01-21T02:26:38.370" v="538"/>
+            <ac:spMkLst>
+              <pc:docMk/>
+              <pc:sldMasterMk cId="1528956381" sldId="2147483996"/>
+              <pc:sldLayoutMk cId="4089656845" sldId="2147484009"/>
+              <ac:spMk id="2" creationId="{00000000-0000-0000-0000-000000000000}"/>
+            </ac:spMkLst>
+          </pc:spChg>
+          <pc:spChg chg="mod">
+            <ac:chgData name="Sandra Binu" userId="c8fad9f44ee715b9" providerId="LiveId" clId="{B0312706-2560-42DF-9FE8-D09B28FD6F55}" dt="2024-01-21T02:26:38.370" v="538"/>
+            <ac:spMkLst>
+              <pc:docMk/>
+              <pc:sldMasterMk cId="1528956381" sldId="2147483996"/>
+              <pc:sldLayoutMk cId="4089656845" sldId="2147484009"/>
+              <ac:spMk id="4" creationId="{00000000-0000-0000-0000-000000000000}"/>
+            </ac:spMkLst>
+          </pc:spChg>
+        </pc:sldLayoutChg>
+        <pc:sldLayoutChg chg="modSp">
+          <pc:chgData name="Sandra Binu" userId="c8fad9f44ee715b9" providerId="LiveId" clId="{B0312706-2560-42DF-9FE8-D09B28FD6F55}" dt="2024-01-21T02:26:38.370" v="538"/>
+          <pc:sldLayoutMkLst>
+            <pc:docMk/>
+            <pc:sldMasterMk cId="1528956381" sldId="2147483996"/>
+            <pc:sldLayoutMk cId="2476216108" sldId="2147484010"/>
+          </pc:sldLayoutMkLst>
+          <pc:spChg chg="mod">
+            <ac:chgData name="Sandra Binu" userId="c8fad9f44ee715b9" providerId="LiveId" clId="{B0312706-2560-42DF-9FE8-D09B28FD6F55}" dt="2024-01-21T02:26:38.370" v="538"/>
+            <ac:spMkLst>
+              <pc:docMk/>
+              <pc:sldMasterMk cId="1528956381" sldId="2147483996"/>
+              <pc:sldLayoutMk cId="2476216108" sldId="2147484010"/>
+              <ac:spMk id="7" creationId="{00000000-0000-0000-0000-000000000000}"/>
+            </ac:spMkLst>
+          </pc:spChg>
+          <pc:spChg chg="mod">
+            <ac:chgData name="Sandra Binu" userId="c8fad9f44ee715b9" providerId="LiveId" clId="{B0312706-2560-42DF-9FE8-D09B28FD6F55}" dt="2024-01-21T02:26:38.370" v="538"/>
+            <ac:spMkLst>
+              <pc:docMk/>
+              <pc:sldMasterMk cId="1528956381" sldId="2147483996"/>
+              <pc:sldLayoutMk cId="2476216108" sldId="2147484010"/>
+              <ac:spMk id="8" creationId="{00000000-0000-0000-0000-000000000000}"/>
+            </ac:spMkLst>
+          </pc:spChg>
+          <pc:spChg chg="mod">
+            <ac:chgData name="Sandra Binu" userId="c8fad9f44ee715b9" providerId="LiveId" clId="{B0312706-2560-42DF-9FE8-D09B28FD6F55}" dt="2024-01-21T02:26:38.370" v="538"/>
+            <ac:spMkLst>
+              <pc:docMk/>
+              <pc:sldMasterMk cId="1528956381" sldId="2147483996"/>
+              <pc:sldLayoutMk cId="2476216108" sldId="2147484010"/>
+              <ac:spMk id="9" creationId="{00000000-0000-0000-0000-000000000000}"/>
+            </ac:spMkLst>
+          </pc:spChg>
+          <pc:spChg chg="mod">
+            <ac:chgData name="Sandra Binu" userId="c8fad9f44ee715b9" providerId="LiveId" clId="{B0312706-2560-42DF-9FE8-D09B28FD6F55}" dt="2024-01-21T02:26:38.370" v="538"/>
+            <ac:spMkLst>
+              <pc:docMk/>
+              <pc:sldMasterMk cId="1528956381" sldId="2147483996"/>
+              <pc:sldLayoutMk cId="2476216108" sldId="2147484010"/>
+              <ac:spMk id="10" creationId="{00000000-0000-0000-0000-000000000000}"/>
+            </ac:spMkLst>
+          </pc:spChg>
+          <pc:spChg chg="mod">
+            <ac:chgData name="Sandra Binu" userId="c8fad9f44ee715b9" providerId="LiveId" clId="{B0312706-2560-42DF-9FE8-D09B28FD6F55}" dt="2024-01-21T02:26:38.370" v="538"/>
+            <ac:spMkLst>
+              <pc:docMk/>
+              <pc:sldMasterMk cId="1528956381" sldId="2147483996"/>
+              <pc:sldLayoutMk cId="2476216108" sldId="2147484010"/>
+              <ac:spMk id="11" creationId="{00000000-0000-0000-0000-000000000000}"/>
+            </ac:spMkLst>
+          </pc:spChg>
+          <pc:spChg chg="mod">
+            <ac:chgData name="Sandra Binu" userId="c8fad9f44ee715b9" providerId="LiveId" clId="{B0312706-2560-42DF-9FE8-D09B28FD6F55}" dt="2024-01-21T02:26:38.370" v="538"/>
+            <ac:spMkLst>
+              <pc:docMk/>
+              <pc:sldMasterMk cId="1528956381" sldId="2147483996"/>
+              <pc:sldLayoutMk cId="2476216108" sldId="2147484010"/>
+              <ac:spMk id="12" creationId="{00000000-0000-0000-0000-000000000000}"/>
+            </ac:spMkLst>
+          </pc:spChg>
+          <pc:spChg chg="mod">
+            <ac:chgData name="Sandra Binu" userId="c8fad9f44ee715b9" providerId="LiveId" clId="{B0312706-2560-42DF-9FE8-D09B28FD6F55}" dt="2024-01-21T02:26:38.370" v="538"/>
+            <ac:spMkLst>
+              <pc:docMk/>
+              <pc:sldMasterMk cId="1528956381" sldId="2147483996"/>
+              <pc:sldLayoutMk cId="2476216108" sldId="2147484010"/>
+              <ac:spMk id="15" creationId="{00000000-0000-0000-0000-000000000000}"/>
+            </ac:spMkLst>
+          </pc:spChg>
+        </pc:sldLayoutChg>
+        <pc:sldLayoutChg chg="modSp">
+          <pc:chgData name="Sandra Binu" userId="c8fad9f44ee715b9" providerId="LiveId" clId="{B0312706-2560-42DF-9FE8-D09B28FD6F55}" dt="2024-01-21T02:26:38.370" v="538"/>
+          <pc:sldLayoutMkLst>
+            <pc:docMk/>
+            <pc:sldMasterMk cId="1528956381" sldId="2147483996"/>
+            <pc:sldLayoutMk cId="49109511" sldId="2147484011"/>
+          </pc:sldLayoutMkLst>
+          <pc:spChg chg="mod">
+            <ac:chgData name="Sandra Binu" userId="c8fad9f44ee715b9" providerId="LiveId" clId="{B0312706-2560-42DF-9FE8-D09B28FD6F55}" dt="2024-01-21T02:26:38.370" v="538"/>
+            <ac:spMkLst>
+              <pc:docMk/>
+              <pc:sldMasterMk cId="1528956381" sldId="2147483996"/>
+              <pc:sldLayoutMk cId="49109511" sldId="2147484011"/>
+              <ac:spMk id="19" creationId="{00000000-0000-0000-0000-000000000000}"/>
+            </ac:spMkLst>
+          </pc:spChg>
+          <pc:spChg chg="mod">
+            <ac:chgData name="Sandra Binu" userId="c8fad9f44ee715b9" providerId="LiveId" clId="{B0312706-2560-42DF-9FE8-D09B28FD6F55}" dt="2024-01-21T02:26:38.370" v="538"/>
+            <ac:spMkLst>
+              <pc:docMk/>
+              <pc:sldMasterMk cId="1528956381" sldId="2147483996"/>
+              <pc:sldLayoutMk cId="49109511" sldId="2147484011"/>
+              <ac:spMk id="20" creationId="{00000000-0000-0000-0000-000000000000}"/>
+            </ac:spMkLst>
+          </pc:spChg>
+          <pc:spChg chg="mod">
+            <ac:chgData name="Sandra Binu" userId="c8fad9f44ee715b9" providerId="LiveId" clId="{B0312706-2560-42DF-9FE8-D09B28FD6F55}" dt="2024-01-21T02:26:38.370" v="538"/>
+            <ac:spMkLst>
+              <pc:docMk/>
+              <pc:sldMasterMk cId="1528956381" sldId="2147483996"/>
+              <pc:sldLayoutMk cId="49109511" sldId="2147484011"/>
+              <ac:spMk id="21" creationId="{00000000-0000-0000-0000-000000000000}"/>
+            </ac:spMkLst>
+          </pc:spChg>
+          <pc:spChg chg="mod">
+            <ac:chgData name="Sandra Binu" userId="c8fad9f44ee715b9" providerId="LiveId" clId="{B0312706-2560-42DF-9FE8-D09B28FD6F55}" dt="2024-01-21T02:26:38.370" v="538"/>
+            <ac:spMkLst>
+              <pc:docMk/>
+              <pc:sldMasterMk cId="1528956381" sldId="2147483996"/>
+              <pc:sldLayoutMk cId="49109511" sldId="2147484011"/>
+              <ac:spMk id="22" creationId="{00000000-0000-0000-0000-000000000000}"/>
+            </ac:spMkLst>
+          </pc:spChg>
+          <pc:spChg chg="mod">
+            <ac:chgData name="Sandra Binu" userId="c8fad9f44ee715b9" providerId="LiveId" clId="{B0312706-2560-42DF-9FE8-D09B28FD6F55}" dt="2024-01-21T02:26:38.370" v="538"/>
+            <ac:spMkLst>
+              <pc:docMk/>
+              <pc:sldMasterMk cId="1528956381" sldId="2147483996"/>
+              <pc:sldLayoutMk cId="49109511" sldId="2147484011"/>
+              <ac:spMk id="23" creationId="{00000000-0000-0000-0000-000000000000}"/>
+            </ac:spMkLst>
+          </pc:spChg>
+          <pc:spChg chg="mod">
+            <ac:chgData name="Sandra Binu" userId="c8fad9f44ee715b9" providerId="LiveId" clId="{B0312706-2560-42DF-9FE8-D09B28FD6F55}" dt="2024-01-21T02:26:38.370" v="538"/>
+            <ac:spMkLst>
+              <pc:docMk/>
+              <pc:sldMasterMk cId="1528956381" sldId="2147483996"/>
+              <pc:sldLayoutMk cId="49109511" sldId="2147484011"/>
+              <ac:spMk id="24" creationId="{00000000-0000-0000-0000-000000000000}"/>
+            </ac:spMkLst>
+          </pc:spChg>
+          <pc:spChg chg="mod">
+            <ac:chgData name="Sandra Binu" userId="c8fad9f44ee715b9" providerId="LiveId" clId="{B0312706-2560-42DF-9FE8-D09B28FD6F55}" dt="2024-01-21T02:26:38.370" v="538"/>
+            <ac:spMkLst>
+              <pc:docMk/>
+              <pc:sldMasterMk cId="1528956381" sldId="2147483996"/>
+              <pc:sldLayoutMk cId="49109511" sldId="2147484011"/>
+              <ac:spMk id="25" creationId="{00000000-0000-0000-0000-000000000000}"/>
+            </ac:spMkLst>
+          </pc:spChg>
+          <pc:spChg chg="mod">
+            <ac:chgData name="Sandra Binu" userId="c8fad9f44ee715b9" providerId="LiveId" clId="{B0312706-2560-42DF-9FE8-D09B28FD6F55}" dt="2024-01-21T02:26:38.370" v="538"/>
+            <ac:spMkLst>
+              <pc:docMk/>
+              <pc:sldMasterMk cId="1528956381" sldId="2147483996"/>
+              <pc:sldLayoutMk cId="49109511" sldId="2147484011"/>
+              <ac:spMk id="26" creationId="{00000000-0000-0000-0000-000000000000}"/>
+            </ac:spMkLst>
+          </pc:spChg>
+          <pc:spChg chg="mod">
+            <ac:chgData name="Sandra Binu" userId="c8fad9f44ee715b9" providerId="LiveId" clId="{B0312706-2560-42DF-9FE8-D09B28FD6F55}" dt="2024-01-21T02:26:38.370" v="538"/>
+            <ac:spMkLst>
+              <pc:docMk/>
+              <pc:sldMasterMk cId="1528956381" sldId="2147483996"/>
+              <pc:sldLayoutMk cId="49109511" sldId="2147484011"/>
+              <ac:spMk id="27" creationId="{00000000-0000-0000-0000-000000000000}"/>
+            </ac:spMkLst>
+          </pc:spChg>
+          <pc:spChg chg="mod">
+            <ac:chgData name="Sandra Binu" userId="c8fad9f44ee715b9" providerId="LiveId" clId="{B0312706-2560-42DF-9FE8-D09B28FD6F55}" dt="2024-01-21T02:26:38.370" v="538"/>
+            <ac:spMkLst>
+              <pc:docMk/>
+              <pc:sldMasterMk cId="1528956381" sldId="2147483996"/>
+              <pc:sldLayoutMk cId="49109511" sldId="2147484011"/>
+              <ac:spMk id="30" creationId="{00000000-0000-0000-0000-000000000000}"/>
+            </ac:spMkLst>
+          </pc:spChg>
+        </pc:sldLayoutChg>
+        <pc:sldLayoutChg chg="modSp">
+          <pc:chgData name="Sandra Binu" userId="c8fad9f44ee715b9" providerId="LiveId" clId="{B0312706-2560-42DF-9FE8-D09B28FD6F55}" dt="2024-01-21T02:26:38.370" v="538"/>
+          <pc:sldLayoutMkLst>
+            <pc:docMk/>
+            <pc:sldMasterMk cId="1528956381" sldId="2147483996"/>
+            <pc:sldLayoutMk cId="2187129041" sldId="2147484013"/>
+          </pc:sldLayoutMkLst>
+          <pc:spChg chg="mod">
+            <ac:chgData name="Sandra Binu" userId="c8fad9f44ee715b9" providerId="LiveId" clId="{B0312706-2560-42DF-9FE8-D09B28FD6F55}" dt="2024-01-21T02:26:38.370" v="538"/>
+            <ac:spMkLst>
+              <pc:docMk/>
+              <pc:sldMasterMk cId="1528956381" sldId="2147483996"/>
+              <pc:sldLayoutMk cId="2187129041" sldId="2147484013"/>
+              <ac:spMk id="2" creationId="{00000000-0000-0000-0000-000000000000}"/>
+            </ac:spMkLst>
+          </pc:spChg>
+          <pc:spChg chg="mod">
+            <ac:chgData name="Sandra Binu" userId="c8fad9f44ee715b9" providerId="LiveId" clId="{B0312706-2560-42DF-9FE8-D09B28FD6F55}" dt="2024-01-21T02:26:38.370" v="538"/>
+            <ac:spMkLst>
+              <pc:docMk/>
+              <pc:sldMasterMk cId="1528956381" sldId="2147483996"/>
+              <pc:sldLayoutMk cId="2187129041" sldId="2147484013"/>
+              <ac:spMk id="3" creationId="{00000000-0000-0000-0000-000000000000}"/>
+            </ac:spMkLst>
+          </pc:spChg>
+        </pc:sldLayoutChg>
+      </pc:sldMasterChg>
     </pc:docChg>
   </pc:docChgLst>
 </pc:chgInfo>
@@ -340,8 +947,8 @@
         </p:nvSpPr>
         <p:spPr>
           <a:xfrm>
-            <a:off x="2536666" y="13086216"/>
-            <a:ext cx="10496550" cy="3502094"/>
+            <a:off x="5487382" y="27838175"/>
+            <a:ext cx="22706410" cy="7449970"/>
           </a:xfrm>
         </p:spPr>
         <p:txBody>
@@ -350,7 +957,7 @@
           </a:bodyPr>
           <a:lstStyle>
             <a:lvl1pPr algn="r">
-              <a:defRPr sz="11020" b="0" spc="-344">
+              <a:defRPr sz="23838" b="0" spc="-745">
                 <a:gradFill flip="none" rotWithShape="1">
                   <a:gsLst>
                     <a:gs pos="32000">
@@ -406,8 +1013,8 @@
         </p:nvSpPr>
         <p:spPr>
           <a:xfrm>
-            <a:off x="2536665" y="11227218"/>
-            <a:ext cx="10496550" cy="1813189"/>
+            <a:off x="5487379" y="23883548"/>
+            <a:ext cx="22706410" cy="3857178"/>
           </a:xfrm>
         </p:spPr>
         <p:txBody>
@@ -417,7 +1024,7 @@
           <a:lstStyle>
             <a:lvl1pPr marL="0" indent="0" algn="r">
               <a:buNone/>
-              <a:defRPr sz="3673" b="0">
+              <a:defRPr sz="7946" b="0">
                 <a:gradFill flip="none" rotWithShape="1">
                   <a:gsLst>
                     <a:gs pos="15000">
@@ -448,37 +1055,37 @@
                 <a:latin typeface="+mj-lt"/>
               </a:defRPr>
             </a:lvl1pPr>
-            <a:lvl2pPr marL="524843" indent="0" algn="ctr">
-              <a:buNone/>
-              <a:defRPr sz="2296"/>
+            <a:lvl2pPr marL="1135308" indent="0" algn="ctr">
+              <a:buNone/>
+              <a:defRPr sz="4966"/>
             </a:lvl2pPr>
-            <a:lvl3pPr marL="1049685" indent="0" algn="ctr">
-              <a:buNone/>
-              <a:defRPr sz="2066"/>
+            <a:lvl3pPr marL="2270615" indent="0" algn="ctr">
+              <a:buNone/>
+              <a:defRPr sz="4470"/>
             </a:lvl3pPr>
-            <a:lvl4pPr marL="1574528" indent="0" algn="ctr">
-              <a:buNone/>
-              <a:defRPr sz="1837"/>
+            <a:lvl4pPr marL="3405923" indent="0" algn="ctr">
+              <a:buNone/>
+              <a:defRPr sz="3973"/>
             </a:lvl4pPr>
-            <a:lvl5pPr marL="2099371" indent="0" algn="ctr">
-              <a:buNone/>
-              <a:defRPr sz="1837"/>
+            <a:lvl5pPr marL="4541230" indent="0" algn="ctr">
+              <a:buNone/>
+              <a:defRPr sz="3973"/>
             </a:lvl5pPr>
-            <a:lvl6pPr marL="2624214" indent="0" algn="ctr">
-              <a:buNone/>
-              <a:defRPr sz="1837"/>
+            <a:lvl6pPr marL="5676538" indent="0" algn="ctr">
+              <a:buNone/>
+              <a:defRPr sz="3973"/>
             </a:lvl6pPr>
-            <a:lvl7pPr marL="3149056" indent="0" algn="ctr">
-              <a:buNone/>
-              <a:defRPr sz="1837"/>
+            <a:lvl7pPr marL="6811846" indent="0" algn="ctr">
+              <a:buNone/>
+              <a:defRPr sz="3973"/>
             </a:lvl7pPr>
-            <a:lvl8pPr marL="3673899" indent="0" algn="ctr">
-              <a:buNone/>
-              <a:defRPr sz="1837"/>
+            <a:lvl8pPr marL="7947153" indent="0" algn="ctr">
+              <a:buNone/>
+              <a:defRPr sz="3973"/>
             </a:lvl8pPr>
-            <a:lvl9pPr marL="4198742" indent="0" algn="ctr">
-              <a:buNone/>
-              <a:defRPr sz="1837"/>
+            <a:lvl9pPr marL="9082461" indent="0" algn="ctr">
+              <a:buNone/>
+              <a:defRPr sz="3973"/>
             </a:lvl9pPr>
           </a:lstStyle>
           <a:p>
@@ -507,7 +1114,7 @@
           <a:p>
             <a:fld id="{1D8BD707-D9CF-40AE-B4C6-C98DA3205C09}" type="datetimeFigureOut">
               <a:rPr lang="en-US" smtClean="0"/>
-              <a:t>1/18/2024</a:t>
+              <a:t>1/21/2024</a:t>
             </a:fld>
             <a:endParaRPr lang="en-US" dirty="0"/>
           </a:p>
@@ -558,7 +1165,7 @@
     </p:spTree>
     <p:extLst>
       <p:ext uri="{BB962C8B-B14F-4D97-AF65-F5344CB8AC3E}">
-        <p14:creationId xmlns:p14="http://schemas.microsoft.com/office/powerpoint/2010/main" val="488577661"/>
+        <p14:creationId xmlns:p14="http://schemas.microsoft.com/office/powerpoint/2010/main" val="1273635985"/>
       </p:ext>
     </p:extLst>
   </p:cSld>
@@ -597,15 +1204,15 @@
         </p:nvSpPr>
         <p:spPr>
           <a:xfrm>
-            <a:off x="964006" y="12802253"/>
-            <a:ext cx="12071033" cy="2401924"/>
+            <a:off x="2085364" y="27234104"/>
+            <a:ext cx="26112371" cy="5109589"/>
           </a:xfrm>
         </p:spPr>
         <p:txBody>
           <a:bodyPr anchor="b"/>
           <a:lstStyle>
             <a:lvl1pPr>
-              <a:defRPr sz="3673"/>
+              <a:defRPr sz="7946"/>
             </a:lvl1pPr>
           </a:lstStyle>
           <a:p>
@@ -629,8 +1236,8 @@
         </p:nvSpPr>
         <p:spPr>
           <a:xfrm>
-            <a:off x="964006" y="2894622"/>
-            <a:ext cx="12071033" cy="9907631"/>
+            <a:off x="2085364" y="6157701"/>
+            <a:ext cx="26112371" cy="21076403"/>
           </a:xfrm>
         </p:spPr>
         <p:txBody>
@@ -638,39 +1245,39 @@
           <a:lstStyle>
             <a:lvl1pPr marL="0" indent="0">
               <a:buNone/>
-              <a:defRPr sz="3673"/>
+              <a:defRPr sz="7946"/>
             </a:lvl1pPr>
-            <a:lvl2pPr marL="524843" indent="0">
-              <a:buNone/>
-              <a:defRPr sz="3214"/>
+            <a:lvl2pPr marL="1135308" indent="0">
+              <a:buNone/>
+              <a:defRPr sz="6953"/>
             </a:lvl2pPr>
-            <a:lvl3pPr marL="1049685" indent="0">
-              <a:buNone/>
-              <a:defRPr sz="2755"/>
+            <a:lvl3pPr marL="2270615" indent="0">
+              <a:buNone/>
+              <a:defRPr sz="5960"/>
             </a:lvl3pPr>
-            <a:lvl4pPr marL="1574528" indent="0">
-              <a:buNone/>
-              <a:defRPr sz="2296"/>
+            <a:lvl4pPr marL="3405923" indent="0">
+              <a:buNone/>
+              <a:defRPr sz="4966"/>
             </a:lvl4pPr>
-            <a:lvl5pPr marL="2099371" indent="0">
-              <a:buNone/>
-              <a:defRPr sz="2296"/>
+            <a:lvl5pPr marL="4541230" indent="0">
+              <a:buNone/>
+              <a:defRPr sz="4966"/>
             </a:lvl5pPr>
-            <a:lvl6pPr marL="2624214" indent="0">
-              <a:buNone/>
-              <a:defRPr sz="2296"/>
+            <a:lvl6pPr marL="5676538" indent="0">
+              <a:buNone/>
+              <a:defRPr sz="4966"/>
             </a:lvl6pPr>
-            <a:lvl7pPr marL="3149056" indent="0">
-              <a:buNone/>
-              <a:defRPr sz="2296"/>
+            <a:lvl7pPr marL="6811846" indent="0">
+              <a:buNone/>
+              <a:defRPr sz="4966"/>
             </a:lvl7pPr>
-            <a:lvl8pPr marL="3673899" indent="0">
-              <a:buNone/>
-              <a:defRPr sz="2296"/>
+            <a:lvl8pPr marL="7947153" indent="0">
+              <a:buNone/>
+              <a:defRPr sz="4966"/>
             </a:lvl8pPr>
-            <a:lvl9pPr marL="4198742" indent="0">
-              <a:buNone/>
-              <a:defRPr sz="2296"/>
+            <a:lvl9pPr marL="9082461" indent="0">
+              <a:buNone/>
+              <a:defRPr sz="4966"/>
             </a:lvl9pPr>
           </a:lstStyle>
           <a:p>
@@ -694,8 +1301,8 @@
         </p:nvSpPr>
         <p:spPr>
           <a:xfrm>
-            <a:off x="964007" y="15204176"/>
-            <a:ext cx="12069210" cy="2000654"/>
+            <a:off x="2085366" y="32343690"/>
+            <a:ext cx="26108428" cy="4255971"/>
           </a:xfrm>
         </p:spPr>
         <p:txBody>
@@ -703,7 +1310,7 @@
           <a:lstStyle>
             <a:lvl1pPr marL="0" indent="0">
               <a:buNone/>
-              <a:defRPr sz="1837">
+              <a:defRPr sz="3973">
                 <a:gradFill>
                   <a:gsLst>
                     <a:gs pos="15000">
@@ -729,37 +1336,37 @@
                 </a:gradFill>
               </a:defRPr>
             </a:lvl1pPr>
-            <a:lvl2pPr marL="524843" indent="0">
-              <a:buNone/>
-              <a:defRPr sz="1607"/>
+            <a:lvl2pPr marL="1135308" indent="0">
+              <a:buNone/>
+              <a:defRPr sz="3476"/>
             </a:lvl2pPr>
-            <a:lvl3pPr marL="1049685" indent="0">
-              <a:buNone/>
-              <a:defRPr sz="1378"/>
+            <a:lvl3pPr marL="2270615" indent="0">
+              <a:buNone/>
+              <a:defRPr sz="2980"/>
             </a:lvl3pPr>
-            <a:lvl4pPr marL="1574528" indent="0">
-              <a:buNone/>
-              <a:defRPr sz="1148"/>
+            <a:lvl4pPr marL="3405923" indent="0">
+              <a:buNone/>
+              <a:defRPr sz="2483"/>
             </a:lvl4pPr>
-            <a:lvl5pPr marL="2099371" indent="0">
-              <a:buNone/>
-              <a:defRPr sz="1148"/>
+            <a:lvl5pPr marL="4541230" indent="0">
+              <a:buNone/>
+              <a:defRPr sz="2483"/>
             </a:lvl5pPr>
-            <a:lvl6pPr marL="2624214" indent="0">
-              <a:buNone/>
-              <a:defRPr sz="1148"/>
+            <a:lvl6pPr marL="5676538" indent="0">
+              <a:buNone/>
+              <a:defRPr sz="2483"/>
             </a:lvl6pPr>
-            <a:lvl7pPr marL="3149056" indent="0">
-              <a:buNone/>
-              <a:defRPr sz="1148"/>
+            <a:lvl7pPr marL="6811846" indent="0">
+              <a:buNone/>
+              <a:defRPr sz="2483"/>
             </a:lvl7pPr>
-            <a:lvl8pPr marL="3673899" indent="0">
-              <a:buNone/>
-              <a:defRPr sz="1148"/>
+            <a:lvl8pPr marL="7947153" indent="0">
+              <a:buNone/>
+              <a:defRPr sz="2483"/>
             </a:lvl8pPr>
-            <a:lvl9pPr marL="4198742" indent="0">
-              <a:buNone/>
-              <a:defRPr sz="1148"/>
+            <a:lvl9pPr marL="9082461" indent="0">
+              <a:buNone/>
+              <a:defRPr sz="2483"/>
             </a:lvl9pPr>
           </a:lstStyle>
           <a:p>
@@ -788,7 +1395,7 @@
           <a:p>
             <a:fld id="{1D8BD707-D9CF-40AE-B4C6-C98DA3205C09}" type="datetimeFigureOut">
               <a:rPr lang="en-US" smtClean="0"/>
-              <a:t>1/18/2024</a:t>
+              <a:t>1/21/2024</a:t>
             </a:fld>
             <a:endParaRPr lang="en-US" dirty="0"/>
           </a:p>
@@ -839,7 +1446,7 @@
     </p:spTree>
     <p:extLst>
       <p:ext uri="{BB962C8B-B14F-4D97-AF65-F5344CB8AC3E}">
-        <p14:creationId xmlns:p14="http://schemas.microsoft.com/office/powerpoint/2010/main" val="206156596"/>
+        <p14:creationId xmlns:p14="http://schemas.microsoft.com/office/powerpoint/2010/main" val="3544837998"/>
       </p:ext>
     </p:extLst>
   </p:cSld>
@@ -878,15 +1485,15 @@
         </p:nvSpPr>
         <p:spPr>
           <a:xfrm>
-            <a:off x="964006" y="1070357"/>
-            <a:ext cx="12071033" cy="10360864"/>
+            <a:off x="2085364" y="2276960"/>
+            <a:ext cx="26112371" cy="22040562"/>
           </a:xfrm>
         </p:spPr>
         <p:txBody>
           <a:bodyPr anchor="ctr"/>
           <a:lstStyle>
             <a:lvl1pPr>
-              <a:defRPr sz="3673"/>
+              <a:defRPr sz="7946"/>
             </a:lvl1pPr>
           </a:lstStyle>
           <a:p>
@@ -910,8 +1517,8 @@
         </p:nvSpPr>
         <p:spPr>
           <a:xfrm>
-            <a:off x="964007" y="13160590"/>
-            <a:ext cx="12069210" cy="4402575"/>
+            <a:off x="2085366" y="27996391"/>
+            <a:ext cx="26108428" cy="9365554"/>
           </a:xfrm>
         </p:spPr>
         <p:txBody>
@@ -919,39 +1526,39 @@
           <a:lstStyle>
             <a:lvl1pPr marL="0" indent="0">
               <a:buNone/>
-              <a:defRPr sz="1837"/>
+              <a:defRPr sz="3973"/>
             </a:lvl1pPr>
-            <a:lvl2pPr marL="524843" indent="0">
-              <a:buNone/>
-              <a:defRPr sz="1607"/>
+            <a:lvl2pPr marL="1135308" indent="0">
+              <a:buNone/>
+              <a:defRPr sz="3476"/>
             </a:lvl2pPr>
-            <a:lvl3pPr marL="1049685" indent="0">
-              <a:buNone/>
-              <a:defRPr sz="1378"/>
+            <a:lvl3pPr marL="2270615" indent="0">
+              <a:buNone/>
+              <a:defRPr sz="2980"/>
             </a:lvl3pPr>
-            <a:lvl4pPr marL="1574528" indent="0">
-              <a:buNone/>
-              <a:defRPr sz="1148"/>
+            <a:lvl4pPr marL="3405923" indent="0">
+              <a:buNone/>
+              <a:defRPr sz="2483"/>
             </a:lvl4pPr>
-            <a:lvl5pPr marL="2099371" indent="0">
-              <a:buNone/>
-              <a:defRPr sz="1148"/>
+            <a:lvl5pPr marL="4541230" indent="0">
+              <a:buNone/>
+              <a:defRPr sz="2483"/>
             </a:lvl5pPr>
-            <a:lvl6pPr marL="2624214" indent="0">
-              <a:buNone/>
-              <a:defRPr sz="1148"/>
+            <a:lvl6pPr marL="5676538" indent="0">
+              <a:buNone/>
+              <a:defRPr sz="2483"/>
             </a:lvl6pPr>
-            <a:lvl7pPr marL="3149056" indent="0">
-              <a:buNone/>
-              <a:defRPr sz="1148"/>
+            <a:lvl7pPr marL="6811846" indent="0">
+              <a:buNone/>
+              <a:defRPr sz="2483"/>
             </a:lvl7pPr>
-            <a:lvl8pPr marL="3673899" indent="0">
-              <a:buNone/>
-              <a:defRPr sz="1148"/>
+            <a:lvl8pPr marL="7947153" indent="0">
+              <a:buNone/>
+              <a:defRPr sz="2483"/>
             </a:lvl8pPr>
-            <a:lvl9pPr marL="4198742" indent="0">
-              <a:buNone/>
-              <a:defRPr sz="1148"/>
+            <a:lvl9pPr marL="9082461" indent="0">
+              <a:buNone/>
+              <a:defRPr sz="2483"/>
             </a:lvl9pPr>
           </a:lstStyle>
           <a:p>
@@ -980,7 +1587,7 @@
           <a:p>
             <a:fld id="{1D8BD707-D9CF-40AE-B4C6-C98DA3205C09}" type="datetimeFigureOut">
               <a:rPr lang="en-US" smtClean="0"/>
-              <a:t>1/18/2024</a:t>
+              <a:t>1/21/2024</a:t>
             </a:fld>
             <a:endParaRPr lang="en-US" dirty="0"/>
           </a:p>
@@ -1031,7 +1638,7 @@
     </p:spTree>
     <p:extLst>
       <p:ext uri="{BB962C8B-B14F-4D97-AF65-F5344CB8AC3E}">
-        <p14:creationId xmlns:p14="http://schemas.microsoft.com/office/powerpoint/2010/main" val="3915766756"/>
+        <p14:creationId xmlns:p14="http://schemas.microsoft.com/office/powerpoint/2010/main" val="686231465"/>
       </p:ext>
     </p:extLst>
   </p:cSld>
@@ -1070,15 +1677,15 @@
         </p:nvSpPr>
         <p:spPr>
           <a:xfrm>
-            <a:off x="1660131" y="1070357"/>
-            <a:ext cx="10678784" cy="8773643"/>
+            <a:off x="3591238" y="2276960"/>
+            <a:ext cx="23100623" cy="18664082"/>
           </a:xfrm>
         </p:spPr>
         <p:txBody>
           <a:bodyPr anchor="ctr"/>
           <a:lstStyle>
             <a:lvl1pPr>
-              <a:defRPr sz="5051"/>
+              <a:defRPr sz="10926"/>
             </a:lvl1pPr>
           </a:lstStyle>
           <a:p>
@@ -1102,8 +1709,8 @@
         </p:nvSpPr>
         <p:spPr>
           <a:xfrm>
-            <a:off x="1975157" y="9866068"/>
-            <a:ext cx="10046910" cy="1609290"/>
+            <a:off x="4272712" y="20987988"/>
+            <a:ext cx="21733736" cy="3423425"/>
           </a:xfrm>
         </p:spPr>
         <p:txBody>
@@ -1113,39 +1720,39 @@
           <a:lstStyle>
             <a:lvl1pPr marL="0" indent="0">
               <a:buNone/>
-              <a:defRPr sz="1607"/>
+              <a:defRPr sz="3476"/>
             </a:lvl1pPr>
-            <a:lvl2pPr marL="524843" indent="0">
-              <a:buNone/>
-              <a:defRPr sz="1607"/>
+            <a:lvl2pPr marL="1135308" indent="0">
+              <a:buNone/>
+              <a:defRPr sz="3476"/>
             </a:lvl2pPr>
-            <a:lvl3pPr marL="1049685" indent="0">
-              <a:buNone/>
-              <a:defRPr sz="1378"/>
+            <a:lvl3pPr marL="2270615" indent="0">
+              <a:buNone/>
+              <a:defRPr sz="2980"/>
             </a:lvl3pPr>
-            <a:lvl4pPr marL="1574528" indent="0">
-              <a:buNone/>
-              <a:defRPr sz="1148"/>
+            <a:lvl4pPr marL="3405923" indent="0">
+              <a:buNone/>
+              <a:defRPr sz="2483"/>
             </a:lvl4pPr>
-            <a:lvl5pPr marL="2099371" indent="0">
-              <a:buNone/>
-              <a:defRPr sz="1148"/>
+            <a:lvl5pPr marL="4541230" indent="0">
+              <a:buNone/>
+              <a:defRPr sz="2483"/>
             </a:lvl5pPr>
-            <a:lvl6pPr marL="2624214" indent="0">
-              <a:buNone/>
-              <a:defRPr sz="1148"/>
+            <a:lvl6pPr marL="5676538" indent="0">
+              <a:buNone/>
+              <a:defRPr sz="2483"/>
             </a:lvl6pPr>
-            <a:lvl7pPr marL="3149056" indent="0">
-              <a:buNone/>
-              <a:defRPr sz="1148"/>
+            <a:lvl7pPr marL="6811846" indent="0">
+              <a:buNone/>
+              <a:defRPr sz="2483"/>
             </a:lvl7pPr>
-            <a:lvl8pPr marL="3673899" indent="0">
-              <a:buNone/>
-              <a:defRPr sz="1148"/>
+            <a:lvl8pPr marL="7947153" indent="0">
+              <a:buNone/>
+              <a:defRPr sz="2483"/>
             </a:lvl8pPr>
-            <a:lvl9pPr marL="4198742" indent="0">
-              <a:buNone/>
-              <a:defRPr sz="1148"/>
+            <a:lvl9pPr marL="9082461" indent="0">
+              <a:buNone/>
+              <a:defRPr sz="2483"/>
             </a:lvl9pPr>
           </a:lstStyle>
           <a:p>
@@ -1169,8 +1776,8 @@
         </p:nvSpPr>
         <p:spPr>
           <a:xfrm>
-            <a:off x="962184" y="13196735"/>
-            <a:ext cx="12067387" cy="4366430"/>
+            <a:off x="2081421" y="28073282"/>
+            <a:ext cx="26104485" cy="9288663"/>
           </a:xfrm>
         </p:spPr>
         <p:txBody>
@@ -1180,39 +1787,39 @@
           <a:lstStyle>
             <a:lvl1pPr marL="0" indent="0">
               <a:buNone/>
-              <a:defRPr sz="1837"/>
+              <a:defRPr sz="3973"/>
             </a:lvl1pPr>
-            <a:lvl2pPr marL="524843" indent="0">
-              <a:buNone/>
-              <a:defRPr sz="1607"/>
+            <a:lvl2pPr marL="1135308" indent="0">
+              <a:buNone/>
+              <a:defRPr sz="3476"/>
             </a:lvl2pPr>
-            <a:lvl3pPr marL="1049685" indent="0">
-              <a:buNone/>
-              <a:defRPr sz="1378"/>
+            <a:lvl3pPr marL="2270615" indent="0">
+              <a:buNone/>
+              <a:defRPr sz="2980"/>
             </a:lvl3pPr>
-            <a:lvl4pPr marL="1574528" indent="0">
-              <a:buNone/>
-              <a:defRPr sz="1148"/>
+            <a:lvl4pPr marL="3405923" indent="0">
+              <a:buNone/>
+              <a:defRPr sz="2483"/>
             </a:lvl4pPr>
-            <a:lvl5pPr marL="2099371" indent="0">
-              <a:buNone/>
-              <a:defRPr sz="1148"/>
+            <a:lvl5pPr marL="4541230" indent="0">
+              <a:buNone/>
+              <a:defRPr sz="2483"/>
             </a:lvl5pPr>
-            <a:lvl6pPr marL="2624214" indent="0">
-              <a:buNone/>
-              <a:defRPr sz="1148"/>
+            <a:lvl6pPr marL="5676538" indent="0">
+              <a:buNone/>
+              <a:defRPr sz="2483"/>
             </a:lvl6pPr>
-            <a:lvl7pPr marL="3149056" indent="0">
-              <a:buNone/>
-              <a:defRPr sz="1148"/>
+            <a:lvl7pPr marL="6811846" indent="0">
+              <a:buNone/>
+              <a:defRPr sz="2483"/>
             </a:lvl7pPr>
-            <a:lvl8pPr marL="3673899" indent="0">
-              <a:buNone/>
-              <a:defRPr sz="1148"/>
+            <a:lvl8pPr marL="7947153" indent="0">
+              <a:buNone/>
+              <a:defRPr sz="2483"/>
             </a:lvl8pPr>
-            <a:lvl9pPr marL="4198742" indent="0">
-              <a:buNone/>
-              <a:defRPr sz="1148"/>
+            <a:lvl9pPr marL="9082461" indent="0">
+              <a:buNone/>
+              <a:defRPr sz="2483"/>
             </a:lvl9pPr>
           </a:lstStyle>
           <a:p>
@@ -1241,7 +1848,7 @@
           <a:p>
             <a:fld id="{1D8BD707-D9CF-40AE-B4C6-C98DA3205C09}" type="datetimeFigureOut">
               <a:rPr lang="en-US" smtClean="0"/>
-              <a:t>1/18/2024</a:t>
+              <a:t>1/21/2024</a:t>
             </a:fld>
             <a:endParaRPr lang="en-US" dirty="0"/>
           </a:p>
@@ -1297,15 +1904,15 @@
         </p:nvSpPr>
         <p:spPr>
           <a:xfrm>
-            <a:off x="1275386" y="2306560"/>
-            <a:ext cx="699770" cy="1714260"/>
+            <a:off x="2758948" y="4906722"/>
+            <a:ext cx="1513761" cy="3646728"/>
           </a:xfrm>
           <a:prstGeom prst="rect">
             <a:avLst/>
           </a:prstGeom>
         </p:spPr>
         <p:txBody>
-          <a:bodyPr vert="horz" lIns="104965" tIns="52483" rIns="104965" bIns="52483" rtlCol="0" anchor="ctr">
+          <a:bodyPr vert="horz" lIns="227064" tIns="113532" rIns="227064" bIns="113532" rtlCol="0" anchor="ctr">
             <a:noAutofit/>
           </a:bodyPr>
           <a:lstStyle>
@@ -1394,7 +2001,7 @@
           <a:p>
             <a:pPr lvl="0"/>
             <a:r>
-              <a:rPr lang="en-US" sz="9184" dirty="0">
+              <a:rPr lang="en-US" sz="19865" dirty="0">
                 <a:solidFill>
                   <a:schemeClr val="tx1"/>
                 </a:solidFill>
@@ -1413,15 +2020,15 @@
         </p:nvSpPr>
         <p:spPr>
           <a:xfrm>
-            <a:off x="11981738" y="8041640"/>
-            <a:ext cx="699770" cy="1714260"/>
+            <a:off x="25919208" y="17106900"/>
+            <a:ext cx="1513761" cy="3646728"/>
           </a:xfrm>
           <a:prstGeom prst="rect">
             <a:avLst/>
           </a:prstGeom>
         </p:spPr>
         <p:txBody>
-          <a:bodyPr vert="horz" lIns="104965" tIns="52483" rIns="104965" bIns="52483" rtlCol="0" anchor="ctr">
+          <a:bodyPr vert="horz" lIns="227064" tIns="113532" rIns="227064" bIns="113532" rtlCol="0" anchor="ctr">
             <a:noAutofit/>
           </a:bodyPr>
           <a:lstStyle>
@@ -1510,7 +2117,7 @@
           <a:p>
             <a:pPr lvl="0" algn="r"/>
             <a:r>
-              <a:rPr lang="en-US" sz="9184" dirty="0">
+              <a:rPr lang="en-US" sz="19865" dirty="0">
                 <a:solidFill>
                   <a:schemeClr val="tx1"/>
                 </a:solidFill>
@@ -1524,7 +2131,7 @@
     </p:spTree>
     <p:extLst>
       <p:ext uri="{BB962C8B-B14F-4D97-AF65-F5344CB8AC3E}">
-        <p14:creationId xmlns:p14="http://schemas.microsoft.com/office/powerpoint/2010/main" val="4156847898"/>
+        <p14:creationId xmlns:p14="http://schemas.microsoft.com/office/powerpoint/2010/main" val="1639453908"/>
       </p:ext>
     </p:extLst>
   </p:cSld>
@@ -1563,8 +2170,8 @@
         </p:nvSpPr>
         <p:spPr>
           <a:xfrm>
-            <a:off x="964006" y="6821465"/>
-            <a:ext cx="12071033" cy="7363398"/>
+            <a:off x="2085364" y="14511234"/>
+            <a:ext cx="26112371" cy="15664082"/>
           </a:xfrm>
         </p:spPr>
         <p:txBody>
@@ -1573,7 +2180,7 @@
           </a:bodyPr>
           <a:lstStyle>
             <a:lvl1pPr>
-              <a:defRPr sz="6199"/>
+              <a:defRPr sz="13409"/>
             </a:lvl1pPr>
           </a:lstStyle>
           <a:p>
@@ -1597,8 +2204,8 @@
         </p:nvSpPr>
         <p:spPr>
           <a:xfrm>
-            <a:off x="964007" y="14219388"/>
-            <a:ext cx="12069210" cy="3343777"/>
+            <a:off x="2085366" y="30248762"/>
+            <a:ext cx="26108428" cy="7113183"/>
           </a:xfrm>
         </p:spPr>
         <p:txBody>
@@ -1606,39 +2213,39 @@
           <a:lstStyle>
             <a:lvl1pPr marL="0" indent="0">
               <a:buNone/>
-              <a:defRPr sz="1837"/>
+              <a:defRPr sz="3973"/>
             </a:lvl1pPr>
-            <a:lvl2pPr marL="524843" indent="0">
-              <a:buNone/>
-              <a:defRPr sz="1607"/>
+            <a:lvl2pPr marL="1135308" indent="0">
+              <a:buNone/>
+              <a:defRPr sz="3476"/>
             </a:lvl2pPr>
-            <a:lvl3pPr marL="1049685" indent="0">
-              <a:buNone/>
-              <a:defRPr sz="1378"/>
+            <a:lvl3pPr marL="2270615" indent="0">
+              <a:buNone/>
+              <a:defRPr sz="2980"/>
             </a:lvl3pPr>
-            <a:lvl4pPr marL="1574528" indent="0">
-              <a:buNone/>
-              <a:defRPr sz="1148"/>
+            <a:lvl4pPr marL="3405923" indent="0">
+              <a:buNone/>
+              <a:defRPr sz="2483"/>
             </a:lvl4pPr>
-            <a:lvl5pPr marL="2099371" indent="0">
-              <a:buNone/>
-              <a:defRPr sz="1148"/>
+            <a:lvl5pPr marL="4541230" indent="0">
+              <a:buNone/>
+              <a:defRPr sz="2483"/>
             </a:lvl5pPr>
-            <a:lvl6pPr marL="2624214" indent="0">
-              <a:buNone/>
-              <a:defRPr sz="1148"/>
+            <a:lvl6pPr marL="5676538" indent="0">
+              <a:buNone/>
+              <a:defRPr sz="2483"/>
             </a:lvl6pPr>
-            <a:lvl7pPr marL="3149056" indent="0">
-              <a:buNone/>
-              <a:defRPr sz="1148"/>
+            <a:lvl7pPr marL="6811846" indent="0">
+              <a:buNone/>
+              <a:defRPr sz="2483"/>
             </a:lvl7pPr>
-            <a:lvl8pPr marL="3673899" indent="0">
-              <a:buNone/>
-              <a:defRPr sz="1148"/>
+            <a:lvl8pPr marL="7947153" indent="0">
+              <a:buNone/>
+              <a:defRPr sz="2483"/>
             </a:lvl8pPr>
-            <a:lvl9pPr marL="4198742" indent="0">
-              <a:buNone/>
-              <a:defRPr sz="1148"/>
+            <a:lvl9pPr marL="9082461" indent="0">
+              <a:buNone/>
+              <a:defRPr sz="2483"/>
             </a:lvl9pPr>
           </a:lstStyle>
           <a:p>
@@ -1667,7 +2274,7 @@
           <a:p>
             <a:fld id="{1D8BD707-D9CF-40AE-B4C6-C98DA3205C09}" type="datetimeFigureOut">
               <a:rPr lang="en-US" smtClean="0"/>
-              <a:t>1/18/2024</a:t>
+              <a:t>1/21/2024</a:t>
             </a:fld>
             <a:endParaRPr lang="en-US" dirty="0"/>
           </a:p>
@@ -1718,7 +2325,7 @@
     </p:spTree>
     <p:extLst>
       <p:ext uri="{BB962C8B-B14F-4D97-AF65-F5344CB8AC3E}">
-        <p14:creationId xmlns:p14="http://schemas.microsoft.com/office/powerpoint/2010/main" val="4089656845"/>
+        <p14:creationId xmlns:p14="http://schemas.microsoft.com/office/powerpoint/2010/main" val="2848868348"/>
       </p:ext>
     </p:extLst>
   </p:cSld>
@@ -1757,8 +2364,8 @@
         </p:nvSpPr>
         <p:spPr>
           <a:xfrm>
-            <a:off x="962184" y="1070362"/>
-            <a:ext cx="12071033" cy="3885863"/>
+            <a:off x="2081421" y="2276970"/>
+            <a:ext cx="26112371" cy="8266358"/>
           </a:xfrm>
         </p:spPr>
         <p:txBody>
@@ -1785,8 +2392,8 @@
         </p:nvSpPr>
         <p:spPr>
           <a:xfrm>
-            <a:off x="1535088" y="5528628"/>
-            <a:ext cx="3382757" cy="1689301"/>
+            <a:off x="3320741" y="11760994"/>
+            <a:ext cx="7317669" cy="3593634"/>
           </a:xfrm>
         </p:spPr>
         <p:txBody>
@@ -1796,7 +2403,7 @@
           <a:lstStyle>
             <a:lvl1pPr marL="0" indent="0">
               <a:buNone/>
-              <a:defRPr sz="2755" b="0">
+              <a:defRPr sz="5960" b="0">
                 <a:gradFill>
                   <a:gsLst>
                     <a:gs pos="15000">
@@ -1825,37 +2432,37 @@
                 </a:gradFill>
               </a:defRPr>
             </a:lvl1pPr>
-            <a:lvl2pPr marL="524843" indent="0">
-              <a:buNone/>
-              <a:defRPr sz="2296" b="1"/>
+            <a:lvl2pPr marL="1135308" indent="0">
+              <a:buNone/>
+              <a:defRPr sz="4966" b="1"/>
             </a:lvl2pPr>
-            <a:lvl3pPr marL="1049685" indent="0">
-              <a:buNone/>
-              <a:defRPr sz="2066" b="1"/>
+            <a:lvl3pPr marL="2270615" indent="0">
+              <a:buNone/>
+              <a:defRPr sz="4470" b="1"/>
             </a:lvl3pPr>
-            <a:lvl4pPr marL="1574528" indent="0">
-              <a:buNone/>
-              <a:defRPr sz="1837" b="1"/>
+            <a:lvl4pPr marL="3405923" indent="0">
+              <a:buNone/>
+              <a:defRPr sz="3973" b="1"/>
             </a:lvl4pPr>
-            <a:lvl5pPr marL="2099371" indent="0">
-              <a:buNone/>
-              <a:defRPr sz="1837" b="1"/>
+            <a:lvl5pPr marL="4541230" indent="0">
+              <a:buNone/>
+              <a:defRPr sz="3973" b="1"/>
             </a:lvl5pPr>
-            <a:lvl6pPr marL="2624214" indent="0">
-              <a:buNone/>
-              <a:defRPr sz="1837" b="1"/>
+            <a:lvl6pPr marL="5676538" indent="0">
+              <a:buNone/>
+              <a:defRPr sz="3973" b="1"/>
             </a:lvl6pPr>
-            <a:lvl7pPr marL="3149056" indent="0">
-              <a:buNone/>
-              <a:defRPr sz="1837" b="1"/>
+            <a:lvl7pPr marL="6811846" indent="0">
+              <a:buNone/>
+              <a:defRPr sz="3973" b="1"/>
             </a:lvl7pPr>
-            <a:lvl8pPr marL="3673899" indent="0">
-              <a:buNone/>
-              <a:defRPr sz="1837" b="1"/>
+            <a:lvl8pPr marL="7947153" indent="0">
+              <a:buNone/>
+              <a:defRPr sz="3973" b="1"/>
             </a:lvl8pPr>
-            <a:lvl9pPr marL="4198742" indent="0">
-              <a:buNone/>
-              <a:defRPr sz="1837" b="1"/>
+            <a:lvl9pPr marL="9082461" indent="0">
+              <a:buNone/>
+              <a:defRPr sz="3973" b="1"/>
             </a:lvl9pPr>
           </a:lstStyle>
           <a:p>
@@ -1879,8 +2486,8 @@
         </p:nvSpPr>
         <p:spPr>
           <a:xfrm>
-            <a:off x="1557491" y="7539037"/>
-            <a:ext cx="3360355" cy="10522078"/>
+            <a:off x="3369205" y="16037719"/>
+            <a:ext cx="7269206" cy="22383511"/>
           </a:xfrm>
         </p:spPr>
         <p:txBody>
@@ -1890,39 +2497,39 @@
           <a:lstStyle>
             <a:lvl1pPr marL="0" indent="0">
               <a:buNone/>
-              <a:defRPr sz="1607"/>
+              <a:defRPr sz="3476"/>
             </a:lvl1pPr>
-            <a:lvl2pPr marL="524843" indent="0">
-              <a:buNone/>
-              <a:defRPr sz="1378"/>
+            <a:lvl2pPr marL="1135308" indent="0">
+              <a:buNone/>
+              <a:defRPr sz="2980"/>
             </a:lvl2pPr>
-            <a:lvl3pPr marL="1049685" indent="0">
-              <a:buNone/>
-              <a:defRPr sz="1148"/>
+            <a:lvl3pPr marL="2270615" indent="0">
+              <a:buNone/>
+              <a:defRPr sz="2483"/>
             </a:lvl3pPr>
-            <a:lvl4pPr marL="1574528" indent="0">
-              <a:buNone/>
-              <a:defRPr sz="1033"/>
+            <a:lvl4pPr marL="3405923" indent="0">
+              <a:buNone/>
+              <a:defRPr sz="2235"/>
             </a:lvl4pPr>
-            <a:lvl5pPr marL="2099371" indent="0">
-              <a:buNone/>
-              <a:defRPr sz="1033"/>
+            <a:lvl5pPr marL="4541230" indent="0">
+              <a:buNone/>
+              <a:defRPr sz="2235"/>
             </a:lvl5pPr>
-            <a:lvl6pPr marL="2624214" indent="0">
-              <a:buNone/>
-              <a:defRPr sz="1033"/>
+            <a:lvl6pPr marL="5676538" indent="0">
+              <a:buNone/>
+              <a:defRPr sz="2235"/>
             </a:lvl6pPr>
-            <a:lvl7pPr marL="3149056" indent="0">
-              <a:buNone/>
-              <a:defRPr sz="1033"/>
+            <a:lvl7pPr marL="6811846" indent="0">
+              <a:buNone/>
+              <a:defRPr sz="2235"/>
             </a:lvl7pPr>
-            <a:lvl8pPr marL="3673899" indent="0">
-              <a:buNone/>
-              <a:defRPr sz="1033"/>
+            <a:lvl8pPr marL="7947153" indent="0">
+              <a:buNone/>
+              <a:defRPr sz="2235"/>
             </a:lvl8pPr>
-            <a:lvl9pPr marL="4198742" indent="0">
-              <a:buNone/>
-              <a:defRPr sz="1033"/>
+            <a:lvl9pPr marL="9082461" indent="0">
+              <a:buNone/>
+              <a:defRPr sz="2235"/>
             </a:lvl9pPr>
           </a:lstStyle>
           <a:p>
@@ -1946,8 +2553,8 @@
         </p:nvSpPr>
         <p:spPr>
           <a:xfrm>
-            <a:off x="5266636" y="5528628"/>
-            <a:ext cx="3370560" cy="1689301"/>
+            <a:off x="11392924" y="11760994"/>
+            <a:ext cx="7291284" cy="3593634"/>
           </a:xfrm>
         </p:spPr>
         <p:txBody>
@@ -1957,7 +2564,7 @@
           <a:lstStyle>
             <a:lvl1pPr>
               <a:buNone/>
-              <a:defRPr lang="en-US" sz="2755" b="0">
+              <a:defRPr lang="en-US" sz="5960" b="0">
                 <a:gradFill>
                   <a:gsLst>
                     <a:gs pos="15000">
@@ -2010,8 +2617,8 @@
         </p:nvSpPr>
         <p:spPr>
           <a:xfrm>
-            <a:off x="5254521" y="7539037"/>
-            <a:ext cx="3382675" cy="10522078"/>
+            <a:off x="11366717" y="16037719"/>
+            <a:ext cx="7317490" cy="22383511"/>
           </a:xfrm>
         </p:spPr>
         <p:txBody>
@@ -2021,39 +2628,39 @@
           <a:lstStyle>
             <a:lvl1pPr marL="0" indent="0">
               <a:buNone/>
-              <a:defRPr sz="1607"/>
+              <a:defRPr sz="3476"/>
             </a:lvl1pPr>
-            <a:lvl2pPr marL="524843" indent="0">
-              <a:buNone/>
-              <a:defRPr sz="1378"/>
+            <a:lvl2pPr marL="1135308" indent="0">
+              <a:buNone/>
+              <a:defRPr sz="2980"/>
             </a:lvl2pPr>
-            <a:lvl3pPr marL="1049685" indent="0">
-              <a:buNone/>
-              <a:defRPr sz="1148"/>
+            <a:lvl3pPr marL="2270615" indent="0">
+              <a:buNone/>
+              <a:defRPr sz="2483"/>
             </a:lvl3pPr>
-            <a:lvl4pPr marL="1574528" indent="0">
-              <a:buNone/>
-              <a:defRPr sz="1033"/>
+            <a:lvl4pPr marL="3405923" indent="0">
+              <a:buNone/>
+              <a:defRPr sz="2235"/>
             </a:lvl4pPr>
-            <a:lvl5pPr marL="2099371" indent="0">
-              <a:buNone/>
-              <a:defRPr sz="1033"/>
+            <a:lvl5pPr marL="4541230" indent="0">
+              <a:buNone/>
+              <a:defRPr sz="2235"/>
             </a:lvl5pPr>
-            <a:lvl6pPr marL="2624214" indent="0">
-              <a:buNone/>
-              <a:defRPr sz="1033"/>
+            <a:lvl6pPr marL="5676538" indent="0">
+              <a:buNone/>
+              <a:defRPr sz="2235"/>
             </a:lvl6pPr>
-            <a:lvl7pPr marL="3149056" indent="0">
-              <a:buNone/>
-              <a:defRPr sz="1033"/>
+            <a:lvl7pPr marL="6811846" indent="0">
+              <a:buNone/>
+              <a:defRPr sz="2235"/>
             </a:lvl7pPr>
-            <a:lvl8pPr marL="3673899" indent="0">
-              <a:buNone/>
-              <a:defRPr sz="1033"/>
+            <a:lvl8pPr marL="7947153" indent="0">
+              <a:buNone/>
+              <a:defRPr sz="2235"/>
             </a:lvl8pPr>
-            <a:lvl9pPr marL="4198742" indent="0">
-              <a:buNone/>
-              <a:defRPr sz="1033"/>
+            <a:lvl9pPr marL="9082461" indent="0">
+              <a:buNone/>
+              <a:defRPr sz="2235"/>
             </a:lvl9pPr>
           </a:lstStyle>
           <a:p>
@@ -2077,8 +2684,8 @@
         </p:nvSpPr>
         <p:spPr>
           <a:xfrm>
-            <a:off x="8987082" y="5528628"/>
-            <a:ext cx="3365822" cy="1689301"/>
+            <a:off x="19441089" y="11760994"/>
+            <a:ext cx="7281033" cy="3593634"/>
           </a:xfrm>
         </p:spPr>
         <p:txBody>
@@ -2088,7 +2695,7 @@
           <a:lstStyle>
             <a:lvl1pPr>
               <a:buNone/>
-              <a:defRPr lang="en-US" sz="2755" b="0" dirty="0">
+              <a:defRPr lang="en-US" sz="5960" b="0" dirty="0">
                 <a:gradFill>
                   <a:gsLst>
                     <a:gs pos="15000">
@@ -2141,8 +2748,8 @@
         </p:nvSpPr>
         <p:spPr>
           <a:xfrm>
-            <a:off x="8987082" y="7539037"/>
-            <a:ext cx="3365822" cy="10522078"/>
+            <a:off x="19441089" y="16037719"/>
+            <a:ext cx="7281033" cy="22383511"/>
           </a:xfrm>
         </p:spPr>
         <p:txBody>
@@ -2152,39 +2759,39 @@
           <a:lstStyle>
             <a:lvl1pPr marL="0" indent="0">
               <a:buNone/>
-              <a:defRPr sz="1607"/>
+              <a:defRPr sz="3476"/>
             </a:lvl1pPr>
-            <a:lvl2pPr marL="524843" indent="0">
-              <a:buNone/>
-              <a:defRPr sz="1378"/>
+            <a:lvl2pPr marL="1135308" indent="0">
+              <a:buNone/>
+              <a:defRPr sz="2980"/>
             </a:lvl2pPr>
-            <a:lvl3pPr marL="1049685" indent="0">
-              <a:buNone/>
-              <a:defRPr sz="1148"/>
+            <a:lvl3pPr marL="2270615" indent="0">
+              <a:buNone/>
+              <a:defRPr sz="2483"/>
             </a:lvl3pPr>
-            <a:lvl4pPr marL="1574528" indent="0">
-              <a:buNone/>
-              <a:defRPr sz="1033"/>
+            <a:lvl4pPr marL="3405923" indent="0">
+              <a:buNone/>
+              <a:defRPr sz="2235"/>
             </a:lvl4pPr>
-            <a:lvl5pPr marL="2099371" indent="0">
-              <a:buNone/>
-              <a:defRPr sz="1033"/>
+            <a:lvl5pPr marL="4541230" indent="0">
+              <a:buNone/>
+              <a:defRPr sz="2235"/>
             </a:lvl5pPr>
-            <a:lvl6pPr marL="2624214" indent="0">
-              <a:buNone/>
-              <a:defRPr sz="1033"/>
+            <a:lvl6pPr marL="5676538" indent="0">
+              <a:buNone/>
+              <a:defRPr sz="2235"/>
             </a:lvl6pPr>
-            <a:lvl7pPr marL="3149056" indent="0">
-              <a:buNone/>
-              <a:defRPr sz="1033"/>
+            <a:lvl7pPr marL="6811846" indent="0">
+              <a:buNone/>
+              <a:defRPr sz="2235"/>
             </a:lvl7pPr>
-            <a:lvl8pPr marL="3673899" indent="0">
-              <a:buNone/>
-              <a:defRPr sz="1033"/>
+            <a:lvl8pPr marL="7947153" indent="0">
+              <a:buNone/>
+              <a:defRPr sz="2235"/>
             </a:lvl8pPr>
-            <a:lvl9pPr marL="4198742" indent="0">
-              <a:buNone/>
-              <a:defRPr sz="1033"/>
+            <a:lvl9pPr marL="9082461" indent="0">
+              <a:buNone/>
+              <a:defRPr sz="2235"/>
             </a:lvl9pPr>
           </a:lstStyle>
           <a:p>
@@ -2213,7 +2820,7 @@
           <a:p>
             <a:fld id="{1D8BD707-D9CF-40AE-B4C6-C98DA3205C09}" type="datetimeFigureOut">
               <a:rPr lang="en-US" smtClean="0"/>
-              <a:t>1/18/2024</a:t>
+              <a:t>1/21/2024</a:t>
             </a:fld>
             <a:endParaRPr lang="en-US" dirty="0"/>
           </a:p>
@@ -2264,7 +2871,7 @@
     </p:spTree>
     <p:extLst>
       <p:ext uri="{BB962C8B-B14F-4D97-AF65-F5344CB8AC3E}">
-        <p14:creationId xmlns:p14="http://schemas.microsoft.com/office/powerpoint/2010/main" val="2476216108"/>
+        <p14:creationId xmlns:p14="http://schemas.microsoft.com/office/powerpoint/2010/main" val="3795184859"/>
       </p:ext>
     </p:extLst>
   </p:cSld>
@@ -2303,8 +2910,8 @@
         </p:nvSpPr>
         <p:spPr>
           <a:xfrm>
-            <a:off x="962184" y="1070362"/>
-            <a:ext cx="12071033" cy="3885863"/>
+            <a:off x="2081421" y="2276970"/>
+            <a:ext cx="26112371" cy="8266358"/>
           </a:xfrm>
         </p:spPr>
         <p:txBody>
@@ -2331,8 +2938,8 @@
         </p:nvSpPr>
         <p:spPr>
           <a:xfrm>
-            <a:off x="1529123" y="12598051"/>
-            <a:ext cx="3374933" cy="1689301"/>
+            <a:off x="3307839" y="26799706"/>
+            <a:ext cx="7300743" cy="3593634"/>
           </a:xfrm>
         </p:spPr>
         <p:txBody>
@@ -2342,7 +2949,7 @@
           <a:lstStyle>
             <a:lvl1pPr marL="0" indent="0">
               <a:buNone/>
-              <a:defRPr sz="2755" b="0">
+              <a:defRPr sz="5960" b="0">
                 <a:gradFill>
                   <a:gsLst>
                     <a:gs pos="34000">
@@ -2367,37 +2974,37 @@
                 </a:gradFill>
               </a:defRPr>
             </a:lvl1pPr>
-            <a:lvl2pPr marL="524843" indent="0">
-              <a:buNone/>
-              <a:defRPr sz="2296" b="1"/>
+            <a:lvl2pPr marL="1135308" indent="0">
+              <a:buNone/>
+              <a:defRPr sz="4966" b="1"/>
             </a:lvl2pPr>
-            <a:lvl3pPr marL="1049685" indent="0">
-              <a:buNone/>
-              <a:defRPr sz="2066" b="1"/>
+            <a:lvl3pPr marL="2270615" indent="0">
+              <a:buNone/>
+              <a:defRPr sz="4470" b="1"/>
             </a:lvl3pPr>
-            <a:lvl4pPr marL="1574528" indent="0">
-              <a:buNone/>
-              <a:defRPr sz="1837" b="1"/>
+            <a:lvl4pPr marL="3405923" indent="0">
+              <a:buNone/>
+              <a:defRPr sz="3973" b="1"/>
             </a:lvl4pPr>
-            <a:lvl5pPr marL="2099371" indent="0">
-              <a:buNone/>
-              <a:defRPr sz="1837" b="1"/>
+            <a:lvl5pPr marL="4541230" indent="0">
+              <a:buNone/>
+              <a:defRPr sz="3973" b="1"/>
             </a:lvl5pPr>
-            <a:lvl6pPr marL="2624214" indent="0">
-              <a:buNone/>
-              <a:defRPr sz="1837" b="1"/>
+            <a:lvl6pPr marL="5676538" indent="0">
+              <a:buNone/>
+              <a:defRPr sz="3973" b="1"/>
             </a:lvl6pPr>
-            <a:lvl7pPr marL="3149056" indent="0">
-              <a:buNone/>
-              <a:defRPr sz="1837" b="1"/>
+            <a:lvl7pPr marL="6811846" indent="0">
+              <a:buNone/>
+              <a:defRPr sz="3973" b="1"/>
             </a:lvl7pPr>
-            <a:lvl8pPr marL="3673899" indent="0">
-              <a:buNone/>
-              <a:defRPr sz="1837" b="1"/>
+            <a:lvl8pPr marL="7947153" indent="0">
+              <a:buNone/>
+              <a:defRPr sz="3973" b="1"/>
             </a:lvl8pPr>
-            <a:lvl9pPr marL="4198742" indent="0">
-              <a:buNone/>
-              <a:defRPr sz="1837" b="1"/>
+            <a:lvl9pPr marL="9082461" indent="0">
+              <a:buNone/>
+              <a:defRPr sz="3973" b="1"/>
             </a:lvl9pPr>
           </a:lstStyle>
           <a:p>
@@ -2421,8 +3028,8 @@
         </p:nvSpPr>
         <p:spPr>
           <a:xfrm>
-            <a:off x="1529123" y="6614460"/>
-            <a:ext cx="3374933" cy="4467578"/>
+            <a:off x="3307839" y="14070874"/>
+            <a:ext cx="7300743" cy="9503833"/>
           </a:xfrm>
           <a:prstGeom prst="roundRect">
             <a:avLst>
@@ -2444,39 +3051,39 @@
           <a:lstStyle>
             <a:lvl1pPr marL="0" indent="0" algn="ctr">
               <a:buNone/>
-              <a:defRPr sz="1837"/>
+              <a:defRPr sz="3973"/>
             </a:lvl1pPr>
-            <a:lvl2pPr marL="524843" indent="0">
-              <a:buNone/>
-              <a:defRPr sz="1837"/>
+            <a:lvl2pPr marL="1135308" indent="0">
+              <a:buNone/>
+              <a:defRPr sz="3973"/>
             </a:lvl2pPr>
-            <a:lvl3pPr marL="1049685" indent="0">
-              <a:buNone/>
-              <a:defRPr sz="1837"/>
+            <a:lvl3pPr marL="2270615" indent="0">
+              <a:buNone/>
+              <a:defRPr sz="3973"/>
             </a:lvl3pPr>
-            <a:lvl4pPr marL="1574528" indent="0">
-              <a:buNone/>
-              <a:defRPr sz="1837"/>
+            <a:lvl4pPr marL="3405923" indent="0">
+              <a:buNone/>
+              <a:defRPr sz="3973"/>
             </a:lvl4pPr>
-            <a:lvl5pPr marL="2099371" indent="0">
-              <a:buNone/>
-              <a:defRPr sz="1837"/>
+            <a:lvl5pPr marL="4541230" indent="0">
+              <a:buNone/>
+              <a:defRPr sz="3973"/>
             </a:lvl5pPr>
-            <a:lvl6pPr marL="2624214" indent="0">
-              <a:buNone/>
-              <a:defRPr sz="1837"/>
+            <a:lvl6pPr marL="5676538" indent="0">
+              <a:buNone/>
+              <a:defRPr sz="3973"/>
             </a:lvl6pPr>
-            <a:lvl7pPr marL="3149056" indent="0">
-              <a:buNone/>
-              <a:defRPr sz="1837"/>
+            <a:lvl7pPr marL="6811846" indent="0">
+              <a:buNone/>
+              <a:defRPr sz="3973"/>
             </a:lvl7pPr>
-            <a:lvl8pPr marL="3673899" indent="0">
-              <a:buNone/>
-              <a:defRPr sz="1837"/>
+            <a:lvl8pPr marL="7947153" indent="0">
+              <a:buNone/>
+              <a:defRPr sz="3973"/>
             </a:lvl8pPr>
-            <a:lvl9pPr marL="4198742" indent="0">
-              <a:buNone/>
-              <a:defRPr sz="1837"/>
+            <a:lvl9pPr marL="9082461" indent="0">
+              <a:buNone/>
+              <a:defRPr sz="3973"/>
             </a:lvl9pPr>
           </a:lstStyle>
           <a:p>
@@ -2500,8 +3107,8 @@
         </p:nvSpPr>
         <p:spPr>
           <a:xfrm>
-            <a:off x="1529123" y="14287356"/>
-            <a:ext cx="3374933" cy="1932400"/>
+            <a:off x="3307839" y="30393349"/>
+            <a:ext cx="7300743" cy="4110776"/>
           </a:xfrm>
         </p:spPr>
         <p:txBody>
@@ -2511,39 +3118,39 @@
           <a:lstStyle>
             <a:lvl1pPr marL="0" indent="0">
               <a:buNone/>
-              <a:defRPr sz="1607"/>
+              <a:defRPr sz="3476"/>
             </a:lvl1pPr>
-            <a:lvl2pPr marL="524843" indent="0">
-              <a:buNone/>
-              <a:defRPr sz="1378"/>
+            <a:lvl2pPr marL="1135308" indent="0">
+              <a:buNone/>
+              <a:defRPr sz="2980"/>
             </a:lvl2pPr>
-            <a:lvl3pPr marL="1049685" indent="0">
-              <a:buNone/>
-              <a:defRPr sz="1148"/>
+            <a:lvl3pPr marL="2270615" indent="0">
+              <a:buNone/>
+              <a:defRPr sz="2483"/>
             </a:lvl3pPr>
-            <a:lvl4pPr marL="1574528" indent="0">
-              <a:buNone/>
-              <a:defRPr sz="1033"/>
+            <a:lvl4pPr marL="3405923" indent="0">
+              <a:buNone/>
+              <a:defRPr sz="2235"/>
             </a:lvl4pPr>
-            <a:lvl5pPr marL="2099371" indent="0">
-              <a:buNone/>
-              <a:defRPr sz="1033"/>
+            <a:lvl5pPr marL="4541230" indent="0">
+              <a:buNone/>
+              <a:defRPr sz="2235"/>
             </a:lvl5pPr>
-            <a:lvl6pPr marL="2624214" indent="0">
-              <a:buNone/>
-              <a:defRPr sz="1033"/>
+            <a:lvl6pPr marL="5676538" indent="0">
+              <a:buNone/>
+              <a:defRPr sz="2235"/>
             </a:lvl6pPr>
-            <a:lvl7pPr marL="3149056" indent="0">
-              <a:buNone/>
-              <a:defRPr sz="1033"/>
+            <a:lvl7pPr marL="6811846" indent="0">
+              <a:buNone/>
+              <a:defRPr sz="2235"/>
             </a:lvl7pPr>
-            <a:lvl8pPr marL="3673899" indent="0">
-              <a:buNone/>
-              <a:defRPr sz="1033"/>
+            <a:lvl8pPr marL="7947153" indent="0">
+              <a:buNone/>
+              <a:defRPr sz="2235"/>
             </a:lvl8pPr>
-            <a:lvl9pPr marL="4198742" indent="0">
-              <a:buNone/>
-              <a:defRPr sz="1033"/>
+            <a:lvl9pPr marL="9082461" indent="0">
+              <a:buNone/>
+              <a:defRPr sz="2235"/>
             </a:lvl9pPr>
           </a:lstStyle>
           <a:p>
@@ -2567,8 +3174,8 @@
         </p:nvSpPr>
         <p:spPr>
           <a:xfrm>
-            <a:off x="5244828" y="12598051"/>
-            <a:ext cx="3363999" cy="1689301"/>
+            <a:off x="11345749" y="26799706"/>
+            <a:ext cx="7277090" cy="3593634"/>
           </a:xfrm>
         </p:spPr>
         <p:txBody>
@@ -2578,7 +3185,7 @@
           <a:lstStyle>
             <a:lvl1pPr marL="0" indent="0">
               <a:buNone/>
-              <a:defRPr sz="2755" b="0">
+              <a:defRPr sz="5960" b="0">
                 <a:gradFill>
                   <a:gsLst>
                     <a:gs pos="34000">
@@ -2603,37 +3210,37 @@
                 </a:gradFill>
               </a:defRPr>
             </a:lvl1pPr>
-            <a:lvl2pPr marL="524843" indent="0">
-              <a:buNone/>
-              <a:defRPr sz="2296" b="1"/>
+            <a:lvl2pPr marL="1135308" indent="0">
+              <a:buNone/>
+              <a:defRPr sz="4966" b="1"/>
             </a:lvl2pPr>
-            <a:lvl3pPr marL="1049685" indent="0">
-              <a:buNone/>
-              <a:defRPr sz="2066" b="1"/>
+            <a:lvl3pPr marL="2270615" indent="0">
+              <a:buNone/>
+              <a:defRPr sz="4470" b="1"/>
             </a:lvl3pPr>
-            <a:lvl4pPr marL="1574528" indent="0">
-              <a:buNone/>
-              <a:defRPr sz="1837" b="1"/>
+            <a:lvl4pPr marL="3405923" indent="0">
+              <a:buNone/>
+              <a:defRPr sz="3973" b="1"/>
             </a:lvl4pPr>
-            <a:lvl5pPr marL="2099371" indent="0">
-              <a:buNone/>
-              <a:defRPr sz="1837" b="1"/>
+            <a:lvl5pPr marL="4541230" indent="0">
+              <a:buNone/>
+              <a:defRPr sz="3973" b="1"/>
             </a:lvl5pPr>
-            <a:lvl6pPr marL="2624214" indent="0">
-              <a:buNone/>
-              <a:defRPr sz="1837" b="1"/>
+            <a:lvl6pPr marL="5676538" indent="0">
+              <a:buNone/>
+              <a:defRPr sz="3973" b="1"/>
             </a:lvl6pPr>
-            <a:lvl7pPr marL="3149056" indent="0">
-              <a:buNone/>
-              <a:defRPr sz="1837" b="1"/>
+            <a:lvl7pPr marL="6811846" indent="0">
+              <a:buNone/>
+              <a:defRPr sz="3973" b="1"/>
             </a:lvl7pPr>
-            <a:lvl8pPr marL="3673899" indent="0">
-              <a:buNone/>
-              <a:defRPr sz="1837" b="1"/>
+            <a:lvl8pPr marL="7947153" indent="0">
+              <a:buNone/>
+              <a:defRPr sz="3973" b="1"/>
             </a:lvl8pPr>
-            <a:lvl9pPr marL="4198742" indent="0">
-              <a:buNone/>
-              <a:defRPr sz="1837" b="1"/>
+            <a:lvl9pPr marL="9082461" indent="0">
+              <a:buNone/>
+              <a:defRPr sz="3973" b="1"/>
             </a:lvl9pPr>
           </a:lstStyle>
           <a:p>
@@ -2657,8 +3264,8 @@
         </p:nvSpPr>
         <p:spPr>
           <a:xfrm>
-            <a:off x="5244827" y="6614460"/>
-            <a:ext cx="3363999" cy="4467578"/>
+            <a:off x="11345745" y="14070874"/>
+            <a:ext cx="7277090" cy="9503833"/>
           </a:xfrm>
           <a:prstGeom prst="roundRect">
             <a:avLst>
@@ -2680,39 +3287,39 @@
           <a:lstStyle>
             <a:lvl1pPr marL="0" indent="0" algn="ctr">
               <a:buNone/>
-              <a:defRPr sz="1837"/>
+              <a:defRPr sz="3973"/>
             </a:lvl1pPr>
-            <a:lvl2pPr marL="524843" indent="0">
-              <a:buNone/>
-              <a:defRPr sz="1837"/>
+            <a:lvl2pPr marL="1135308" indent="0">
+              <a:buNone/>
+              <a:defRPr sz="3973"/>
             </a:lvl2pPr>
-            <a:lvl3pPr marL="1049685" indent="0">
-              <a:buNone/>
-              <a:defRPr sz="1837"/>
+            <a:lvl3pPr marL="2270615" indent="0">
+              <a:buNone/>
+              <a:defRPr sz="3973"/>
             </a:lvl3pPr>
-            <a:lvl4pPr marL="1574528" indent="0">
-              <a:buNone/>
-              <a:defRPr sz="1837"/>
+            <a:lvl4pPr marL="3405923" indent="0">
+              <a:buNone/>
+              <a:defRPr sz="3973"/>
             </a:lvl4pPr>
-            <a:lvl5pPr marL="2099371" indent="0">
-              <a:buNone/>
-              <a:defRPr sz="1837"/>
+            <a:lvl5pPr marL="4541230" indent="0">
+              <a:buNone/>
+              <a:defRPr sz="3973"/>
             </a:lvl5pPr>
-            <a:lvl6pPr marL="2624214" indent="0">
-              <a:buNone/>
-              <a:defRPr sz="1837"/>
+            <a:lvl6pPr marL="5676538" indent="0">
+              <a:buNone/>
+              <a:defRPr sz="3973"/>
             </a:lvl6pPr>
-            <a:lvl7pPr marL="3149056" indent="0">
-              <a:buNone/>
-              <a:defRPr sz="1837"/>
+            <a:lvl7pPr marL="6811846" indent="0">
+              <a:buNone/>
+              <a:defRPr sz="3973"/>
             </a:lvl7pPr>
-            <a:lvl8pPr marL="3673899" indent="0">
-              <a:buNone/>
-              <a:defRPr sz="1837"/>
+            <a:lvl8pPr marL="7947153" indent="0">
+              <a:buNone/>
+              <a:defRPr sz="3973"/>
             </a:lvl8pPr>
-            <a:lvl9pPr marL="4198742" indent="0">
-              <a:buNone/>
-              <a:defRPr sz="1837"/>
+            <a:lvl9pPr marL="9082461" indent="0">
+              <a:buNone/>
+              <a:defRPr sz="3973"/>
             </a:lvl9pPr>
           </a:lstStyle>
           <a:p>
@@ -2736,8 +3343,8 @@
         </p:nvSpPr>
         <p:spPr>
           <a:xfrm>
-            <a:off x="5243276" y="14287353"/>
-            <a:ext cx="3368454" cy="1932400"/>
+            <a:off x="11342390" y="30393343"/>
+            <a:ext cx="7286728" cy="4110776"/>
           </a:xfrm>
         </p:spPr>
         <p:txBody>
@@ -2747,39 +3354,39 @@
           <a:lstStyle>
             <a:lvl1pPr marL="0" indent="0">
               <a:buNone/>
-              <a:defRPr sz="1607"/>
+              <a:defRPr sz="3476"/>
             </a:lvl1pPr>
-            <a:lvl2pPr marL="524843" indent="0">
-              <a:buNone/>
-              <a:defRPr sz="1378"/>
+            <a:lvl2pPr marL="1135308" indent="0">
+              <a:buNone/>
+              <a:defRPr sz="2980"/>
             </a:lvl2pPr>
-            <a:lvl3pPr marL="1049685" indent="0">
-              <a:buNone/>
-              <a:defRPr sz="1148"/>
+            <a:lvl3pPr marL="2270615" indent="0">
+              <a:buNone/>
+              <a:defRPr sz="2483"/>
             </a:lvl3pPr>
-            <a:lvl4pPr marL="1574528" indent="0">
-              <a:buNone/>
-              <a:defRPr sz="1033"/>
+            <a:lvl4pPr marL="3405923" indent="0">
+              <a:buNone/>
+              <a:defRPr sz="2235"/>
             </a:lvl4pPr>
-            <a:lvl5pPr marL="2099371" indent="0">
-              <a:buNone/>
-              <a:defRPr sz="1033"/>
+            <a:lvl5pPr marL="4541230" indent="0">
+              <a:buNone/>
+              <a:defRPr sz="2235"/>
             </a:lvl5pPr>
-            <a:lvl6pPr marL="2624214" indent="0">
-              <a:buNone/>
-              <a:defRPr sz="1033"/>
+            <a:lvl6pPr marL="5676538" indent="0">
+              <a:buNone/>
+              <a:defRPr sz="2235"/>
             </a:lvl6pPr>
-            <a:lvl7pPr marL="3149056" indent="0">
-              <a:buNone/>
-              <a:defRPr sz="1033"/>
+            <a:lvl7pPr marL="6811846" indent="0">
+              <a:buNone/>
+              <a:defRPr sz="2235"/>
             </a:lvl7pPr>
-            <a:lvl8pPr marL="3673899" indent="0">
-              <a:buNone/>
-              <a:defRPr sz="1033"/>
+            <a:lvl8pPr marL="7947153" indent="0">
+              <a:buNone/>
+              <a:defRPr sz="2235"/>
             </a:lvl8pPr>
-            <a:lvl9pPr marL="4198742" indent="0">
-              <a:buNone/>
-              <a:defRPr sz="1033"/>
+            <a:lvl9pPr marL="9082461" indent="0">
+              <a:buNone/>
+              <a:defRPr sz="2235"/>
             </a:lvl9pPr>
           </a:lstStyle>
           <a:p>
@@ -2803,8 +3410,8 @@
         </p:nvSpPr>
         <p:spPr>
           <a:xfrm>
-            <a:off x="8958713" y="12598051"/>
-            <a:ext cx="3365822" cy="1689301"/>
+            <a:off x="19379720" y="26799706"/>
+            <a:ext cx="7281033" cy="3593634"/>
           </a:xfrm>
         </p:spPr>
         <p:txBody>
@@ -2814,7 +3421,7 @@
           <a:lstStyle>
             <a:lvl1pPr marL="0" indent="0">
               <a:buNone/>
-              <a:defRPr sz="2755" b="0">
+              <a:defRPr sz="5960" b="0">
                 <a:gradFill>
                   <a:gsLst>
                     <a:gs pos="34000">
@@ -2839,37 +3446,37 @@
                 </a:gradFill>
               </a:defRPr>
             </a:lvl1pPr>
-            <a:lvl2pPr marL="524843" indent="0">
-              <a:buNone/>
-              <a:defRPr sz="2296" b="1"/>
+            <a:lvl2pPr marL="1135308" indent="0">
+              <a:buNone/>
+              <a:defRPr sz="4966" b="1"/>
             </a:lvl2pPr>
-            <a:lvl3pPr marL="1049685" indent="0">
-              <a:buNone/>
-              <a:defRPr sz="2066" b="1"/>
+            <a:lvl3pPr marL="2270615" indent="0">
+              <a:buNone/>
+              <a:defRPr sz="4470" b="1"/>
             </a:lvl3pPr>
-            <a:lvl4pPr marL="1574528" indent="0">
-              <a:buNone/>
-              <a:defRPr sz="1837" b="1"/>
+            <a:lvl4pPr marL="3405923" indent="0">
+              <a:buNone/>
+              <a:defRPr sz="3973" b="1"/>
             </a:lvl4pPr>
-            <a:lvl5pPr marL="2099371" indent="0">
-              <a:buNone/>
-              <a:defRPr sz="1837" b="1"/>
+            <a:lvl5pPr marL="4541230" indent="0">
+              <a:buNone/>
+              <a:defRPr sz="3973" b="1"/>
             </a:lvl5pPr>
-            <a:lvl6pPr marL="2624214" indent="0">
-              <a:buNone/>
-              <a:defRPr sz="1837" b="1"/>
+            <a:lvl6pPr marL="5676538" indent="0">
+              <a:buNone/>
+              <a:defRPr sz="3973" b="1"/>
             </a:lvl6pPr>
-            <a:lvl7pPr marL="3149056" indent="0">
-              <a:buNone/>
-              <a:defRPr sz="1837" b="1"/>
+            <a:lvl7pPr marL="6811846" indent="0">
+              <a:buNone/>
+              <a:defRPr sz="3973" b="1"/>
             </a:lvl7pPr>
-            <a:lvl8pPr marL="3673899" indent="0">
-              <a:buNone/>
-              <a:defRPr sz="1837" b="1"/>
+            <a:lvl8pPr marL="7947153" indent="0">
+              <a:buNone/>
+              <a:defRPr sz="3973" b="1"/>
             </a:lvl8pPr>
-            <a:lvl9pPr marL="4198742" indent="0">
-              <a:buNone/>
-              <a:defRPr sz="1837" b="1"/>
+            <a:lvl9pPr marL="9082461" indent="0">
+              <a:buNone/>
+              <a:defRPr sz="3973" b="1"/>
             </a:lvl9pPr>
           </a:lstStyle>
           <a:p>
@@ -2893,8 +3500,8 @@
         </p:nvSpPr>
         <p:spPr>
           <a:xfrm>
-            <a:off x="8958711" y="6614460"/>
-            <a:ext cx="3365822" cy="4467578"/>
+            <a:off x="19379717" y="14070874"/>
+            <a:ext cx="7281033" cy="9503833"/>
           </a:xfrm>
           <a:prstGeom prst="roundRect">
             <a:avLst>
@@ -2916,39 +3523,39 @@
           <a:lstStyle>
             <a:lvl1pPr marL="0" indent="0" algn="ctr">
               <a:buNone/>
-              <a:defRPr sz="1837"/>
+              <a:defRPr sz="3973"/>
             </a:lvl1pPr>
-            <a:lvl2pPr marL="524843" indent="0">
-              <a:buNone/>
-              <a:defRPr sz="1837"/>
+            <a:lvl2pPr marL="1135308" indent="0">
+              <a:buNone/>
+              <a:defRPr sz="3973"/>
             </a:lvl2pPr>
-            <a:lvl3pPr marL="1049685" indent="0">
-              <a:buNone/>
-              <a:defRPr sz="1837"/>
+            <a:lvl3pPr marL="2270615" indent="0">
+              <a:buNone/>
+              <a:defRPr sz="3973"/>
             </a:lvl3pPr>
-            <a:lvl4pPr marL="1574528" indent="0">
-              <a:buNone/>
-              <a:defRPr sz="1837"/>
+            <a:lvl4pPr marL="3405923" indent="0">
+              <a:buNone/>
+              <a:defRPr sz="3973"/>
             </a:lvl4pPr>
-            <a:lvl5pPr marL="2099371" indent="0">
-              <a:buNone/>
-              <a:defRPr sz="1837"/>
+            <a:lvl5pPr marL="4541230" indent="0">
+              <a:buNone/>
+              <a:defRPr sz="3973"/>
             </a:lvl5pPr>
-            <a:lvl6pPr marL="2624214" indent="0">
-              <a:buNone/>
-              <a:defRPr sz="1837"/>
+            <a:lvl6pPr marL="5676538" indent="0">
+              <a:buNone/>
+              <a:defRPr sz="3973"/>
             </a:lvl6pPr>
-            <a:lvl7pPr marL="3149056" indent="0">
-              <a:buNone/>
-              <a:defRPr sz="1837"/>
+            <a:lvl7pPr marL="6811846" indent="0">
+              <a:buNone/>
+              <a:defRPr sz="3973"/>
             </a:lvl7pPr>
-            <a:lvl8pPr marL="3673899" indent="0">
-              <a:buNone/>
-              <a:defRPr sz="1837"/>
+            <a:lvl8pPr marL="7947153" indent="0">
+              <a:buNone/>
+              <a:defRPr sz="3973"/>
             </a:lvl8pPr>
-            <a:lvl9pPr marL="4198742" indent="0">
-              <a:buNone/>
-              <a:defRPr sz="1837"/>
+            <a:lvl9pPr marL="9082461" indent="0">
+              <a:buNone/>
+              <a:defRPr sz="3973"/>
             </a:lvl9pPr>
           </a:lstStyle>
           <a:p>
@@ -2972,8 +3579,8 @@
         </p:nvSpPr>
         <p:spPr>
           <a:xfrm>
-            <a:off x="8958568" y="14287348"/>
-            <a:ext cx="3370280" cy="1932400"/>
+            <a:off x="19379407" y="30393331"/>
+            <a:ext cx="7290678" cy="4110776"/>
           </a:xfrm>
         </p:spPr>
         <p:txBody>
@@ -2983,39 +3590,39 @@
           <a:lstStyle>
             <a:lvl1pPr marL="0" indent="0">
               <a:buNone/>
-              <a:defRPr sz="1607"/>
+              <a:defRPr sz="3476"/>
             </a:lvl1pPr>
-            <a:lvl2pPr marL="524843" indent="0">
-              <a:buNone/>
-              <a:defRPr sz="1378"/>
+            <a:lvl2pPr marL="1135308" indent="0">
+              <a:buNone/>
+              <a:defRPr sz="2980"/>
             </a:lvl2pPr>
-            <a:lvl3pPr marL="1049685" indent="0">
-              <a:buNone/>
-              <a:defRPr sz="1148"/>
+            <a:lvl3pPr marL="2270615" indent="0">
+              <a:buNone/>
+              <a:defRPr sz="2483"/>
             </a:lvl3pPr>
-            <a:lvl4pPr marL="1574528" indent="0">
-              <a:buNone/>
-              <a:defRPr sz="1033"/>
+            <a:lvl4pPr marL="3405923" indent="0">
+              <a:buNone/>
+              <a:defRPr sz="2235"/>
             </a:lvl4pPr>
-            <a:lvl5pPr marL="2099371" indent="0">
-              <a:buNone/>
-              <a:defRPr sz="1033"/>
+            <a:lvl5pPr marL="4541230" indent="0">
+              <a:buNone/>
+              <a:defRPr sz="2235"/>
             </a:lvl5pPr>
-            <a:lvl6pPr marL="2624214" indent="0">
-              <a:buNone/>
-              <a:defRPr sz="1033"/>
+            <a:lvl6pPr marL="5676538" indent="0">
+              <a:buNone/>
+              <a:defRPr sz="2235"/>
             </a:lvl6pPr>
-            <a:lvl7pPr marL="3149056" indent="0">
-              <a:buNone/>
-              <a:defRPr sz="1033"/>
+            <a:lvl7pPr marL="6811846" indent="0">
+              <a:buNone/>
+              <a:defRPr sz="2235"/>
             </a:lvl7pPr>
-            <a:lvl8pPr marL="3673899" indent="0">
-              <a:buNone/>
-              <a:defRPr sz="1033"/>
+            <a:lvl8pPr marL="7947153" indent="0">
+              <a:buNone/>
+              <a:defRPr sz="2235"/>
             </a:lvl8pPr>
-            <a:lvl9pPr marL="4198742" indent="0">
-              <a:buNone/>
-              <a:defRPr sz="1033"/>
+            <a:lvl9pPr marL="9082461" indent="0">
+              <a:buNone/>
+              <a:defRPr sz="2235"/>
             </a:lvl9pPr>
           </a:lstStyle>
           <a:p>
@@ -3044,7 +3651,7 @@
           <a:p>
             <a:fld id="{1D8BD707-D9CF-40AE-B4C6-C98DA3205C09}" type="datetimeFigureOut">
               <a:rPr lang="en-US" smtClean="0"/>
-              <a:t>1/18/2024</a:t>
+              <a:t>1/21/2024</a:t>
             </a:fld>
             <a:endParaRPr lang="en-US" dirty="0"/>
           </a:p>
@@ -3095,7 +3702,7 @@
     </p:spTree>
     <p:extLst>
       <p:ext uri="{BB962C8B-B14F-4D97-AF65-F5344CB8AC3E}">
-        <p14:creationId xmlns:p14="http://schemas.microsoft.com/office/powerpoint/2010/main" val="49109511"/>
+        <p14:creationId xmlns:p14="http://schemas.microsoft.com/office/powerpoint/2010/main" val="2630706418"/>
       </p:ext>
     </p:extLst>
   </p:cSld>
@@ -3214,7 +3821,7 @@
           <a:p>
             <a:fld id="{1D8BD707-D9CF-40AE-B4C6-C98DA3205C09}" type="datetimeFigureOut">
               <a:rPr lang="en-US" smtClean="0"/>
-              <a:t>1/18/2024</a:t>
+              <a:t>1/21/2024</a:t>
             </a:fld>
             <a:endParaRPr lang="en-US" dirty="0"/>
           </a:p>
@@ -3265,7 +3872,7 @@
     </p:spTree>
     <p:extLst>
       <p:ext uri="{BB962C8B-B14F-4D97-AF65-F5344CB8AC3E}">
-        <p14:creationId xmlns:p14="http://schemas.microsoft.com/office/powerpoint/2010/main" val="2424071001"/>
+        <p14:creationId xmlns:p14="http://schemas.microsoft.com/office/powerpoint/2010/main" val="1434757483"/>
       </p:ext>
     </p:extLst>
   </p:cSld>
@@ -3304,8 +3911,8 @@
         </p:nvSpPr>
         <p:spPr>
           <a:xfrm>
-            <a:off x="10015459" y="1070357"/>
-            <a:ext cx="3017758" cy="17037295"/>
+            <a:off x="21665701" y="2276960"/>
+            <a:ext cx="6528093" cy="36243268"/>
           </a:xfrm>
         </p:spPr>
         <p:txBody>
@@ -3332,8 +3939,8 @@
         </p:nvSpPr>
         <p:spPr>
           <a:xfrm>
-            <a:off x="962184" y="1070357"/>
-            <a:ext cx="8878332" cy="17037295"/>
+            <a:off x="2081423" y="2276960"/>
+            <a:ext cx="19205838" cy="36243268"/>
           </a:xfrm>
         </p:spPr>
         <p:txBody>
@@ -3394,7 +4001,7 @@
           <a:p>
             <a:fld id="{1D8BD707-D9CF-40AE-B4C6-C98DA3205C09}" type="datetimeFigureOut">
               <a:rPr lang="en-US" smtClean="0"/>
-              <a:t>1/18/2024</a:t>
+              <a:t>1/21/2024</a:t>
             </a:fld>
             <a:endParaRPr lang="en-US" dirty="0"/>
           </a:p>
@@ -3445,7 +4052,7 @@
     </p:spTree>
     <p:extLst>
       <p:ext uri="{BB962C8B-B14F-4D97-AF65-F5344CB8AC3E}">
-        <p14:creationId xmlns:p14="http://schemas.microsoft.com/office/powerpoint/2010/main" val="2187129041"/>
+        <p14:creationId xmlns:p14="http://schemas.microsoft.com/office/powerpoint/2010/main" val="3892141860"/>
       </p:ext>
     </p:extLst>
   </p:cSld>
@@ -3564,7 +4171,7 @@
           <a:p>
             <a:fld id="{1D8BD707-D9CF-40AE-B4C6-C98DA3205C09}" type="datetimeFigureOut">
               <a:rPr lang="en-US" smtClean="0"/>
-              <a:t>1/18/2024</a:t>
+              <a:t>1/21/2024</a:t>
             </a:fld>
             <a:endParaRPr lang="en-US" dirty="0"/>
           </a:p>
@@ -3615,7 +4222,7 @@
     </p:spTree>
     <p:extLst>
       <p:ext uri="{BB962C8B-B14F-4D97-AF65-F5344CB8AC3E}">
-        <p14:creationId xmlns:p14="http://schemas.microsoft.com/office/powerpoint/2010/main" val="608227731"/>
+        <p14:creationId xmlns:p14="http://schemas.microsoft.com/office/powerpoint/2010/main" val="2973783689"/>
       </p:ext>
     </p:extLst>
   </p:cSld>
@@ -3654,8 +4261,8 @@
         </p:nvSpPr>
         <p:spPr>
           <a:xfrm>
-            <a:off x="980932" y="13086216"/>
-            <a:ext cx="10496550" cy="3502094"/>
+            <a:off x="2121976" y="27838175"/>
+            <a:ext cx="22706410" cy="7449970"/>
           </a:xfrm>
         </p:spPr>
         <p:txBody>
@@ -3664,7 +4271,7 @@
           </a:bodyPr>
           <a:lstStyle>
             <a:lvl1pPr algn="l">
-              <a:defRPr sz="11020" b="0" spc="-344">
+              <a:defRPr sz="23838" b="0" spc="-745">
                 <a:gradFill flip="none" rotWithShape="1">
                   <a:gsLst>
                     <a:gs pos="32000">
@@ -3720,8 +4327,8 @@
         </p:nvSpPr>
         <p:spPr>
           <a:xfrm>
-            <a:off x="980932" y="11227216"/>
-            <a:ext cx="10496550" cy="1811134"/>
+            <a:off x="2121976" y="23883545"/>
+            <a:ext cx="22706410" cy="3852807"/>
           </a:xfrm>
         </p:spPr>
         <p:txBody>
@@ -3731,7 +4338,7 @@
           <a:lstStyle>
             <a:lvl1pPr marL="0" indent="0" algn="l">
               <a:buNone/>
-              <a:defRPr sz="3673" b="0">
+              <a:defRPr sz="7946" b="0">
                 <a:gradFill flip="none" rotWithShape="1">
                   <a:gsLst>
                     <a:gs pos="15000">
@@ -3762,37 +4369,37 @@
                 <a:latin typeface="+mj-lt"/>
               </a:defRPr>
             </a:lvl1pPr>
-            <a:lvl2pPr marL="524843" indent="0" algn="ctr">
-              <a:buNone/>
-              <a:defRPr sz="2296"/>
+            <a:lvl2pPr marL="1135308" indent="0" algn="ctr">
+              <a:buNone/>
+              <a:defRPr sz="4966"/>
             </a:lvl2pPr>
-            <a:lvl3pPr marL="1049685" indent="0" algn="ctr">
-              <a:buNone/>
-              <a:defRPr sz="2066"/>
+            <a:lvl3pPr marL="2270615" indent="0" algn="ctr">
+              <a:buNone/>
+              <a:defRPr sz="4470"/>
             </a:lvl3pPr>
-            <a:lvl4pPr marL="1574528" indent="0" algn="ctr">
-              <a:buNone/>
-              <a:defRPr sz="1837"/>
+            <a:lvl4pPr marL="3405923" indent="0" algn="ctr">
+              <a:buNone/>
+              <a:defRPr sz="3973"/>
             </a:lvl4pPr>
-            <a:lvl5pPr marL="2099371" indent="0" algn="ctr">
-              <a:buNone/>
-              <a:defRPr sz="1837"/>
+            <a:lvl5pPr marL="4541230" indent="0" algn="ctr">
+              <a:buNone/>
+              <a:defRPr sz="3973"/>
             </a:lvl5pPr>
-            <a:lvl6pPr marL="2624214" indent="0" algn="ctr">
-              <a:buNone/>
-              <a:defRPr sz="1837"/>
+            <a:lvl6pPr marL="5676538" indent="0" algn="ctr">
+              <a:buNone/>
+              <a:defRPr sz="3973"/>
             </a:lvl6pPr>
-            <a:lvl7pPr marL="3149056" indent="0" algn="ctr">
-              <a:buNone/>
-              <a:defRPr sz="1837"/>
+            <a:lvl7pPr marL="6811846" indent="0" algn="ctr">
+              <a:buNone/>
+              <a:defRPr sz="3973"/>
             </a:lvl7pPr>
-            <a:lvl8pPr marL="3673899" indent="0" algn="ctr">
-              <a:buNone/>
-              <a:defRPr sz="1837"/>
+            <a:lvl8pPr marL="7947153" indent="0" algn="ctr">
+              <a:buNone/>
+              <a:defRPr sz="3973"/>
             </a:lvl8pPr>
-            <a:lvl9pPr marL="4198742" indent="0" algn="ctr">
-              <a:buNone/>
-              <a:defRPr sz="1837"/>
+            <a:lvl9pPr marL="9082461" indent="0" algn="ctr">
+              <a:buNone/>
+              <a:defRPr sz="3973"/>
             </a:lvl9pPr>
           </a:lstStyle>
           <a:p>
@@ -3821,7 +4428,7 @@
           <a:p>
             <a:fld id="{1D8BD707-D9CF-40AE-B4C6-C98DA3205C09}" type="datetimeFigureOut">
               <a:rPr lang="en-US" smtClean="0"/>
-              <a:t>1/18/2024</a:t>
+              <a:t>1/21/2024</a:t>
             </a:fld>
             <a:endParaRPr lang="en-US" dirty="0"/>
           </a:p>
@@ -3872,7 +4479,7 @@
     </p:spTree>
     <p:extLst>
       <p:ext uri="{BB962C8B-B14F-4D97-AF65-F5344CB8AC3E}">
-        <p14:creationId xmlns:p14="http://schemas.microsoft.com/office/powerpoint/2010/main" val="3335406870"/>
+        <p14:creationId xmlns:p14="http://schemas.microsoft.com/office/powerpoint/2010/main" val="1441635305"/>
       </p:ext>
     </p:extLst>
   </p:cSld>
@@ -3934,8 +4541,8 @@
         </p:nvSpPr>
         <p:spPr>
           <a:xfrm>
-            <a:off x="1285667" y="5351786"/>
-            <a:ext cx="5768529" cy="12755867"/>
+            <a:off x="2781188" y="11384800"/>
+            <a:ext cx="12478632" cy="27135427"/>
           </a:xfrm>
         </p:spPr>
         <p:txBody>
@@ -3991,8 +4598,8 @@
         </p:nvSpPr>
         <p:spPr>
           <a:xfrm>
-            <a:off x="7254649" y="5351786"/>
-            <a:ext cx="5778567" cy="12755867"/>
+            <a:off x="15693447" y="11384800"/>
+            <a:ext cx="12500345" cy="27135427"/>
           </a:xfrm>
         </p:spPr>
         <p:txBody>
@@ -4053,7 +4660,7 @@
           <a:p>
             <a:fld id="{1D8BD707-D9CF-40AE-B4C6-C98DA3205C09}" type="datetimeFigureOut">
               <a:rPr lang="en-US" smtClean="0"/>
-              <a:t>1/18/2024</a:t>
+              <a:t>1/21/2024</a:t>
             </a:fld>
             <a:endParaRPr lang="en-US" dirty="0"/>
           </a:p>
@@ -4104,7 +4711,7 @@
     </p:spTree>
     <p:extLst>
       <p:ext uri="{BB962C8B-B14F-4D97-AF65-F5344CB8AC3E}">
-        <p14:creationId xmlns:p14="http://schemas.microsoft.com/office/powerpoint/2010/main" val="2329737988"/>
+        <p14:creationId xmlns:p14="http://schemas.microsoft.com/office/powerpoint/2010/main" val="1424194624"/>
       </p:ext>
     </p:extLst>
   </p:cSld>
@@ -4143,8 +4750,8 @@
         </p:nvSpPr>
         <p:spPr>
           <a:xfrm>
-            <a:off x="964006" y="1070362"/>
-            <a:ext cx="12071033" cy="3885863"/>
+            <a:off x="2085364" y="2276970"/>
+            <a:ext cx="26112371" cy="8266358"/>
           </a:xfrm>
         </p:spPr>
         <p:txBody>
@@ -4171,8 +4778,8 @@
         </p:nvSpPr>
         <p:spPr>
           <a:xfrm>
-            <a:off x="1285667" y="4928298"/>
-            <a:ext cx="5768529" cy="2415283"/>
+            <a:off x="2781188" y="10483919"/>
+            <a:ext cx="12478632" cy="5138007"/>
           </a:xfrm>
         </p:spPr>
         <p:txBody>
@@ -4182,7 +4789,7 @@
           <a:lstStyle>
             <a:lvl1pPr marL="0" indent="0">
               <a:buNone/>
-              <a:defRPr sz="3061" b="0">
+              <a:defRPr sz="6622" b="0">
                 <a:gradFill>
                   <a:gsLst>
                     <a:gs pos="15000">
@@ -4211,37 +4818,37 @@
                 </a:gradFill>
               </a:defRPr>
             </a:lvl1pPr>
-            <a:lvl2pPr marL="524843" indent="0">
-              <a:buNone/>
-              <a:defRPr sz="2296" b="1"/>
+            <a:lvl2pPr marL="1135308" indent="0">
+              <a:buNone/>
+              <a:defRPr sz="4966" b="1"/>
             </a:lvl2pPr>
-            <a:lvl3pPr marL="1049685" indent="0">
-              <a:buNone/>
-              <a:defRPr sz="2066" b="1"/>
+            <a:lvl3pPr marL="2270615" indent="0">
+              <a:buNone/>
+              <a:defRPr sz="4470" b="1"/>
             </a:lvl3pPr>
-            <a:lvl4pPr marL="1574528" indent="0">
-              <a:buNone/>
-              <a:defRPr sz="1837" b="1"/>
+            <a:lvl4pPr marL="3405923" indent="0">
+              <a:buNone/>
+              <a:defRPr sz="3973" b="1"/>
             </a:lvl4pPr>
-            <a:lvl5pPr marL="2099371" indent="0">
-              <a:buNone/>
-              <a:defRPr sz="1837" b="1"/>
+            <a:lvl5pPr marL="4541230" indent="0">
+              <a:buNone/>
+              <a:defRPr sz="3973" b="1"/>
             </a:lvl5pPr>
-            <a:lvl6pPr marL="2624214" indent="0">
-              <a:buNone/>
-              <a:defRPr sz="1837" b="1"/>
+            <a:lvl6pPr marL="5676538" indent="0">
+              <a:buNone/>
+              <a:defRPr sz="3973" b="1"/>
             </a:lvl6pPr>
-            <a:lvl7pPr marL="3149056" indent="0">
-              <a:buNone/>
-              <a:defRPr sz="1837" b="1"/>
+            <a:lvl7pPr marL="6811846" indent="0">
+              <a:buNone/>
+              <a:defRPr sz="3973" b="1"/>
             </a:lvl7pPr>
-            <a:lvl8pPr marL="3673899" indent="0">
-              <a:buNone/>
-              <a:defRPr sz="1837" b="1"/>
+            <a:lvl8pPr marL="7947153" indent="0">
+              <a:buNone/>
+              <a:defRPr sz="3973" b="1"/>
             </a:lvl8pPr>
-            <a:lvl9pPr marL="4198742" indent="0">
-              <a:buNone/>
-              <a:defRPr sz="1837" b="1"/>
+            <a:lvl9pPr marL="9082461" indent="0">
+              <a:buNone/>
+              <a:defRPr sz="3973" b="1"/>
             </a:lvl9pPr>
           </a:lstStyle>
           <a:p>
@@ -4265,8 +4872,8 @@
         </p:nvSpPr>
         <p:spPr>
           <a:xfrm>
-            <a:off x="1285667" y="7343581"/>
-            <a:ext cx="5768529" cy="10801301"/>
+            <a:off x="2781188" y="15621926"/>
+            <a:ext cx="12478632" cy="22977500"/>
           </a:xfrm>
         </p:spPr>
         <p:txBody>
@@ -4322,8 +4929,8 @@
         </p:nvSpPr>
         <p:spPr>
           <a:xfrm>
-            <a:off x="7254651" y="4928298"/>
-            <a:ext cx="5780389" cy="2415283"/>
+            <a:off x="15693448" y="10483919"/>
+            <a:ext cx="12504289" cy="5138007"/>
           </a:xfrm>
         </p:spPr>
         <p:txBody>
@@ -4333,7 +4940,7 @@
           <a:lstStyle>
             <a:lvl1pPr>
               <a:buNone/>
-              <a:defRPr lang="en-US" sz="3061" b="0">
+              <a:defRPr lang="en-US" sz="6622" b="0">
                 <a:gradFill>
                   <a:gsLst>
                     <a:gs pos="15000">
@@ -4386,8 +4993,8 @@
         </p:nvSpPr>
         <p:spPr>
           <a:xfrm>
-            <a:off x="7254651" y="7343581"/>
-            <a:ext cx="5780389" cy="10801301"/>
+            <a:off x="15693448" y="15621926"/>
+            <a:ext cx="12504289" cy="22977500"/>
           </a:xfrm>
         </p:spPr>
         <p:txBody>
@@ -4448,7 +5055,7 @@
           <a:p>
             <a:fld id="{1D8BD707-D9CF-40AE-B4C6-C98DA3205C09}" type="datetimeFigureOut">
               <a:rPr lang="en-US" smtClean="0"/>
-              <a:t>1/18/2024</a:t>
+              <a:t>1/21/2024</a:t>
             </a:fld>
             <a:endParaRPr lang="en-US" dirty="0"/>
           </a:p>
@@ -4499,7 +5106,7 @@
     </p:spTree>
     <p:extLst>
       <p:ext uri="{BB962C8B-B14F-4D97-AF65-F5344CB8AC3E}">
-        <p14:creationId xmlns:p14="http://schemas.microsoft.com/office/powerpoint/2010/main" val="3125230042"/>
+        <p14:creationId xmlns:p14="http://schemas.microsoft.com/office/powerpoint/2010/main" val="276741299"/>
       </p:ext>
     </p:extLst>
   </p:cSld>
@@ -4566,7 +5173,7 @@
           <a:p>
             <a:fld id="{1D8BD707-D9CF-40AE-B4C6-C98DA3205C09}" type="datetimeFigureOut">
               <a:rPr lang="en-US" smtClean="0"/>
-              <a:t>1/18/2024</a:t>
+              <a:t>1/21/2024</a:t>
             </a:fld>
             <a:endParaRPr lang="en-US" dirty="0"/>
           </a:p>
@@ -4617,7 +5224,7 @@
     </p:spTree>
     <p:extLst>
       <p:ext uri="{BB962C8B-B14F-4D97-AF65-F5344CB8AC3E}">
-        <p14:creationId xmlns:p14="http://schemas.microsoft.com/office/powerpoint/2010/main" val="3876618155"/>
+        <p14:creationId xmlns:p14="http://schemas.microsoft.com/office/powerpoint/2010/main" val="3262898337"/>
       </p:ext>
     </p:extLst>
   </p:cSld>
@@ -4661,7 +5268,7 @@
           <a:p>
             <a:fld id="{1D8BD707-D9CF-40AE-B4C6-C98DA3205C09}" type="datetimeFigureOut">
               <a:rPr lang="en-US" smtClean="0"/>
-              <a:t>1/18/2024</a:t>
+              <a:t>1/21/2024</a:t>
             </a:fld>
             <a:endParaRPr lang="en-US" dirty="0"/>
           </a:p>
@@ -4712,7 +5319,7 @@
     </p:spTree>
     <p:extLst>
       <p:ext uri="{BB962C8B-B14F-4D97-AF65-F5344CB8AC3E}">
-        <p14:creationId xmlns:p14="http://schemas.microsoft.com/office/powerpoint/2010/main" val="1636551360"/>
+        <p14:creationId xmlns:p14="http://schemas.microsoft.com/office/powerpoint/2010/main" val="709034594"/>
       </p:ext>
     </p:extLst>
   </p:cSld>
@@ -4751,15 +5358,15 @@
         </p:nvSpPr>
         <p:spPr>
           <a:xfrm>
-            <a:off x="964007" y="1340273"/>
-            <a:ext cx="4513881" cy="4690957"/>
+            <a:off x="2085364" y="2851150"/>
+            <a:ext cx="9764544" cy="9979025"/>
           </a:xfrm>
         </p:spPr>
         <p:txBody>
           <a:bodyPr anchor="b"/>
           <a:lstStyle>
             <a:lvl1pPr>
-              <a:defRPr sz="3673"/>
+              <a:defRPr sz="7946"/>
             </a:lvl1pPr>
           </a:lstStyle>
           <a:p>
@@ -4783,8 +5390,8 @@
         </p:nvSpPr>
         <p:spPr>
           <a:xfrm>
-            <a:off x="5949868" y="2894623"/>
-            <a:ext cx="7085171" cy="14286941"/>
+            <a:off x="12870909" y="6157701"/>
+            <a:ext cx="15326827" cy="30392467"/>
           </a:xfrm>
         </p:spPr>
         <p:txBody>
@@ -4840,8 +5447,8 @@
         </p:nvSpPr>
         <p:spPr>
           <a:xfrm>
-            <a:off x="1285667" y="6031230"/>
-            <a:ext cx="4192221" cy="11173600"/>
+            <a:off x="2781189" y="12830175"/>
+            <a:ext cx="9068721" cy="23769486"/>
           </a:xfrm>
         </p:spPr>
         <p:txBody>
@@ -4851,7 +5458,7 @@
           <a:lstStyle>
             <a:lvl1pPr marL="0" indent="0">
               <a:buNone/>
-              <a:defRPr sz="2143">
+              <a:defRPr sz="4635">
                 <a:gradFill>
                   <a:gsLst>
                     <a:gs pos="15000">
@@ -4877,37 +5484,37 @@
                 </a:gradFill>
               </a:defRPr>
             </a:lvl1pPr>
-            <a:lvl2pPr marL="524843" indent="0">
-              <a:buNone/>
-              <a:defRPr sz="1607"/>
+            <a:lvl2pPr marL="1135308" indent="0">
+              <a:buNone/>
+              <a:defRPr sz="3476"/>
             </a:lvl2pPr>
-            <a:lvl3pPr marL="1049685" indent="0">
-              <a:buNone/>
-              <a:defRPr sz="1378"/>
+            <a:lvl3pPr marL="2270615" indent="0">
+              <a:buNone/>
+              <a:defRPr sz="2980"/>
             </a:lvl3pPr>
-            <a:lvl4pPr marL="1574528" indent="0">
-              <a:buNone/>
-              <a:defRPr sz="1148"/>
+            <a:lvl4pPr marL="3405923" indent="0">
+              <a:buNone/>
+              <a:defRPr sz="2483"/>
             </a:lvl4pPr>
-            <a:lvl5pPr marL="2099371" indent="0">
-              <a:buNone/>
-              <a:defRPr sz="1148"/>
+            <a:lvl5pPr marL="4541230" indent="0">
+              <a:buNone/>
+              <a:defRPr sz="2483"/>
             </a:lvl5pPr>
-            <a:lvl6pPr marL="2624214" indent="0">
-              <a:buNone/>
-              <a:defRPr sz="1148"/>
+            <a:lvl6pPr marL="5676538" indent="0">
+              <a:buNone/>
+              <a:defRPr sz="2483"/>
             </a:lvl6pPr>
-            <a:lvl7pPr marL="3149056" indent="0">
-              <a:buNone/>
-              <a:defRPr sz="1148"/>
+            <a:lvl7pPr marL="6811846" indent="0">
+              <a:buNone/>
+              <a:defRPr sz="2483"/>
             </a:lvl7pPr>
-            <a:lvl8pPr marL="3673899" indent="0">
-              <a:buNone/>
-              <a:defRPr sz="1148"/>
+            <a:lvl8pPr marL="7947153" indent="0">
+              <a:buNone/>
+              <a:defRPr sz="2483"/>
             </a:lvl8pPr>
-            <a:lvl9pPr marL="4198742" indent="0">
-              <a:buNone/>
-              <a:defRPr sz="1148"/>
+            <a:lvl9pPr marL="9082461" indent="0">
+              <a:buNone/>
+              <a:defRPr sz="2483"/>
             </a:lvl9pPr>
           </a:lstStyle>
           <a:p>
@@ -4936,7 +5543,7 @@
           <a:p>
             <a:fld id="{1D8BD707-D9CF-40AE-B4C6-C98DA3205C09}" type="datetimeFigureOut">
               <a:rPr lang="en-US" smtClean="0"/>
-              <a:t>1/18/2024</a:t>
+              <a:t>1/21/2024</a:t>
             </a:fld>
             <a:endParaRPr lang="en-US" dirty="0"/>
           </a:p>
@@ -4987,7 +5594,7 @@
     </p:spTree>
     <p:extLst>
       <p:ext uri="{BB962C8B-B14F-4D97-AF65-F5344CB8AC3E}">
-        <p14:creationId xmlns:p14="http://schemas.microsoft.com/office/powerpoint/2010/main" val="1454825611"/>
+        <p14:creationId xmlns:p14="http://schemas.microsoft.com/office/powerpoint/2010/main" val="2872203975"/>
       </p:ext>
     </p:extLst>
   </p:cSld>
@@ -5026,15 +5633,15 @@
         </p:nvSpPr>
         <p:spPr>
           <a:xfrm>
-            <a:off x="964007" y="1340273"/>
-            <a:ext cx="4513881" cy="4690957"/>
+            <a:off x="2085364" y="2851150"/>
+            <a:ext cx="9764544" cy="9979025"/>
           </a:xfrm>
         </p:spPr>
         <p:txBody>
           <a:bodyPr anchor="b"/>
           <a:lstStyle>
             <a:lvl1pPr>
-              <a:defRPr sz="3673"/>
+              <a:defRPr sz="7946"/>
             </a:lvl1pPr>
           </a:lstStyle>
           <a:p>
@@ -5058,8 +5665,8 @@
         </p:nvSpPr>
         <p:spPr>
           <a:xfrm>
-            <a:off x="5949868" y="2894623"/>
-            <a:ext cx="7085171" cy="14286941"/>
+            <a:off x="12870909" y="6157701"/>
+            <a:ext cx="15326827" cy="30392467"/>
           </a:xfrm>
         </p:spPr>
         <p:txBody>
@@ -5067,39 +5674,39 @@
           <a:lstStyle>
             <a:lvl1pPr marL="0" indent="0">
               <a:buNone/>
-              <a:defRPr sz="3673"/>
+              <a:defRPr sz="7946"/>
             </a:lvl1pPr>
-            <a:lvl2pPr marL="524843" indent="0">
-              <a:buNone/>
-              <a:defRPr sz="3214"/>
+            <a:lvl2pPr marL="1135308" indent="0">
+              <a:buNone/>
+              <a:defRPr sz="6953"/>
             </a:lvl2pPr>
-            <a:lvl3pPr marL="1049685" indent="0">
-              <a:buNone/>
-              <a:defRPr sz="2755"/>
+            <a:lvl3pPr marL="2270615" indent="0">
+              <a:buNone/>
+              <a:defRPr sz="5960"/>
             </a:lvl3pPr>
-            <a:lvl4pPr marL="1574528" indent="0">
-              <a:buNone/>
-              <a:defRPr sz="2296"/>
+            <a:lvl4pPr marL="3405923" indent="0">
+              <a:buNone/>
+              <a:defRPr sz="4966"/>
             </a:lvl4pPr>
-            <a:lvl5pPr marL="2099371" indent="0">
-              <a:buNone/>
-              <a:defRPr sz="2296"/>
+            <a:lvl5pPr marL="4541230" indent="0">
+              <a:buNone/>
+              <a:defRPr sz="4966"/>
             </a:lvl5pPr>
-            <a:lvl6pPr marL="2624214" indent="0">
-              <a:buNone/>
-              <a:defRPr sz="2296"/>
+            <a:lvl6pPr marL="5676538" indent="0">
+              <a:buNone/>
+              <a:defRPr sz="4966"/>
             </a:lvl6pPr>
-            <a:lvl7pPr marL="3149056" indent="0">
-              <a:buNone/>
-              <a:defRPr sz="2296"/>
+            <a:lvl7pPr marL="6811846" indent="0">
+              <a:buNone/>
+              <a:defRPr sz="4966"/>
             </a:lvl7pPr>
-            <a:lvl8pPr marL="3673899" indent="0">
-              <a:buNone/>
-              <a:defRPr sz="2296"/>
+            <a:lvl8pPr marL="7947153" indent="0">
+              <a:buNone/>
+              <a:defRPr sz="4966"/>
             </a:lvl8pPr>
-            <a:lvl9pPr marL="4198742" indent="0">
-              <a:buNone/>
-              <a:defRPr sz="2296"/>
+            <a:lvl9pPr marL="9082461" indent="0">
+              <a:buNone/>
+              <a:defRPr sz="4966"/>
             </a:lvl9pPr>
           </a:lstStyle>
           <a:p>
@@ -5123,8 +5730,8 @@
         </p:nvSpPr>
         <p:spPr>
           <a:xfrm>
-            <a:off x="1285667" y="6031230"/>
-            <a:ext cx="4192221" cy="11173600"/>
+            <a:off x="2781189" y="12830175"/>
+            <a:ext cx="9068721" cy="23769486"/>
           </a:xfrm>
         </p:spPr>
         <p:txBody>
@@ -5134,7 +5741,7 @@
           <a:lstStyle>
             <a:lvl1pPr marL="0" indent="0">
               <a:buNone/>
-              <a:defRPr sz="2143">
+              <a:defRPr sz="4635">
                 <a:gradFill>
                   <a:gsLst>
                     <a:gs pos="15000">
@@ -5160,37 +5767,37 @@
                 </a:gradFill>
               </a:defRPr>
             </a:lvl1pPr>
-            <a:lvl2pPr marL="524843" indent="0">
-              <a:buNone/>
-              <a:defRPr sz="1607"/>
+            <a:lvl2pPr marL="1135308" indent="0">
+              <a:buNone/>
+              <a:defRPr sz="3476"/>
             </a:lvl2pPr>
-            <a:lvl3pPr marL="1049685" indent="0">
-              <a:buNone/>
-              <a:defRPr sz="1378"/>
+            <a:lvl3pPr marL="2270615" indent="0">
+              <a:buNone/>
+              <a:defRPr sz="2980"/>
             </a:lvl3pPr>
-            <a:lvl4pPr marL="1574528" indent="0">
-              <a:buNone/>
-              <a:defRPr sz="1148"/>
+            <a:lvl4pPr marL="3405923" indent="0">
+              <a:buNone/>
+              <a:defRPr sz="2483"/>
             </a:lvl4pPr>
-            <a:lvl5pPr marL="2099371" indent="0">
-              <a:buNone/>
-              <a:defRPr sz="1148"/>
+            <a:lvl5pPr marL="4541230" indent="0">
+              <a:buNone/>
+              <a:defRPr sz="2483"/>
             </a:lvl5pPr>
-            <a:lvl6pPr marL="2624214" indent="0">
-              <a:buNone/>
-              <a:defRPr sz="1148"/>
+            <a:lvl6pPr marL="5676538" indent="0">
+              <a:buNone/>
+              <a:defRPr sz="2483"/>
             </a:lvl6pPr>
-            <a:lvl7pPr marL="3149056" indent="0">
-              <a:buNone/>
-              <a:defRPr sz="1148"/>
+            <a:lvl7pPr marL="6811846" indent="0">
+              <a:buNone/>
+              <a:defRPr sz="2483"/>
             </a:lvl7pPr>
-            <a:lvl8pPr marL="3673899" indent="0">
-              <a:buNone/>
-              <a:defRPr sz="1148"/>
+            <a:lvl8pPr marL="7947153" indent="0">
+              <a:buNone/>
+              <a:defRPr sz="2483"/>
             </a:lvl8pPr>
-            <a:lvl9pPr marL="4198742" indent="0">
-              <a:buNone/>
-              <a:defRPr sz="1148"/>
+            <a:lvl9pPr marL="9082461" indent="0">
+              <a:buNone/>
+              <a:defRPr sz="2483"/>
             </a:lvl9pPr>
           </a:lstStyle>
           <a:p>
@@ -5219,7 +5826,7 @@
           <a:p>
             <a:fld id="{1D8BD707-D9CF-40AE-B4C6-C98DA3205C09}" type="datetimeFigureOut">
               <a:rPr lang="en-US" smtClean="0"/>
-              <a:t>1/18/2024</a:t>
+              <a:t>1/21/2024</a:t>
             </a:fld>
             <a:endParaRPr lang="en-US" dirty="0"/>
           </a:p>
@@ -5270,7 +5877,7 @@
     </p:spTree>
     <p:extLst>
       <p:ext uri="{BB962C8B-B14F-4D97-AF65-F5344CB8AC3E}">
-        <p14:creationId xmlns:p14="http://schemas.microsoft.com/office/powerpoint/2010/main" val="2684443969"/>
+        <p14:creationId xmlns:p14="http://schemas.microsoft.com/office/powerpoint/2010/main" val="3533995047"/>
       </p:ext>
     </p:extLst>
   </p:cSld>
@@ -5323,8 +5930,8 @@
         </p:nvSpPr>
         <p:spPr>
           <a:xfrm>
-            <a:off x="962184" y="1070362"/>
-            <a:ext cx="12071033" cy="3885863"/>
+            <a:off x="2081421" y="2276970"/>
+            <a:ext cx="26112371" cy="8266358"/>
           </a:xfrm>
           <a:prstGeom prst="rect">
             <a:avLst/>
@@ -5356,8 +5963,8 @@
         </p:nvSpPr>
         <p:spPr>
           <a:xfrm>
-            <a:off x="1285666" y="5351786"/>
-            <a:ext cx="11747550" cy="12755867"/>
+            <a:off x="2781187" y="11384800"/>
+            <a:ext cx="25412605" cy="27135427"/>
           </a:xfrm>
           <a:prstGeom prst="rect">
             <a:avLst/>
@@ -5418,8 +6025,8 @@
         </p:nvSpPr>
         <p:spPr>
           <a:xfrm>
-            <a:off x="962184" y="18633527"/>
-            <a:ext cx="3148965" cy="1070357"/>
+            <a:off x="2081421" y="39638914"/>
+            <a:ext cx="6811923" cy="2276960"/>
           </a:xfrm>
           <a:prstGeom prst="rect">
             <a:avLst/>
@@ -5429,7 +6036,7 @@
           <a:bodyPr vert="horz" lIns="91440" tIns="45720" rIns="91440" bIns="45720" rtlCol="0" anchor="ctr"/>
           <a:lstStyle>
             <a:lvl1pPr algn="l">
-              <a:defRPr sz="1378">
+              <a:defRPr sz="2980">
                 <a:gradFill flip="none" rotWithShape="1">
                   <a:gsLst>
                     <a:gs pos="28000">
@@ -5459,7 +6066,7 @@
           <a:p>
             <a:fld id="{1D8BD707-D9CF-40AE-B4C6-C98DA3205C09}" type="datetimeFigureOut">
               <a:rPr lang="en-US" smtClean="0"/>
-              <a:t>1/18/2024</a:t>
+              <a:t>1/21/2024</a:t>
             </a:fld>
             <a:endParaRPr lang="en-US" dirty="0"/>
           </a:p>
@@ -5477,8 +6084,8 @@
         </p:nvSpPr>
         <p:spPr>
           <a:xfrm>
-            <a:off x="4635976" y="18633527"/>
-            <a:ext cx="4723448" cy="1070357"/>
+            <a:off x="10028665" y="39638914"/>
+            <a:ext cx="10217884" cy="2276960"/>
           </a:xfrm>
           <a:prstGeom prst="rect">
             <a:avLst/>
@@ -5488,7 +6095,7 @@
           <a:bodyPr vert="horz" lIns="91440" tIns="45720" rIns="91440" bIns="45720" rtlCol="0" anchor="ctr"/>
           <a:lstStyle>
             <a:lvl1pPr algn="ctr">
-              <a:defRPr sz="1378">
+              <a:defRPr sz="2980">
                 <a:gradFill flip="none" rotWithShape="1">
                   <a:gsLst>
                     <a:gs pos="28000">
@@ -5532,8 +6139,8 @@
         </p:nvSpPr>
         <p:spPr>
           <a:xfrm>
-            <a:off x="9884251" y="18633527"/>
-            <a:ext cx="3148965" cy="1070357"/>
+            <a:off x="21381869" y="39638914"/>
+            <a:ext cx="6811923" cy="2276960"/>
           </a:xfrm>
           <a:prstGeom prst="rect">
             <a:avLst/>
@@ -5543,7 +6150,7 @@
           <a:bodyPr vert="horz" lIns="91440" tIns="45720" rIns="91440" bIns="45720" rtlCol="0" anchor="ctr"/>
           <a:lstStyle>
             <a:lvl1pPr algn="r">
-              <a:defRPr sz="1378">
+              <a:defRPr sz="2980">
                 <a:gradFill flip="none" rotWithShape="1">
                   <a:gsLst>
                     <a:gs pos="28000">
@@ -5582,33 +6189,33 @@
     </p:spTree>
     <p:extLst>
       <p:ext uri="{BB962C8B-B14F-4D97-AF65-F5344CB8AC3E}">
-        <p14:creationId xmlns:p14="http://schemas.microsoft.com/office/powerpoint/2010/main" val="1528956381"/>
+        <p14:creationId xmlns:p14="http://schemas.microsoft.com/office/powerpoint/2010/main" val="3831775485"/>
       </p:ext>
     </p:extLst>
   </p:cSld>
   <p:clrMap bg1="dk1" tx1="lt1" bg2="dk2" tx2="lt2" accent1="accent1" accent2="accent2" accent3="accent3" accent4="accent4" accent5="accent5" accent6="accent6" hlink="hlink" folHlink="folHlink"/>
   <p:sldLayoutIdLst>
-    <p:sldLayoutId id="2147483997" r:id="rId1"/>
-    <p:sldLayoutId id="2147483998" r:id="rId2"/>
-    <p:sldLayoutId id="2147483999" r:id="rId3"/>
-    <p:sldLayoutId id="2147484000" r:id="rId4"/>
-    <p:sldLayoutId id="2147484001" r:id="rId5"/>
-    <p:sldLayoutId id="2147484002" r:id="rId6"/>
-    <p:sldLayoutId id="2147484003" r:id="rId7"/>
-    <p:sldLayoutId id="2147484004" r:id="rId8"/>
-    <p:sldLayoutId id="2147484005" r:id="rId9"/>
-    <p:sldLayoutId id="2147484006" r:id="rId10"/>
-    <p:sldLayoutId id="2147484007" r:id="rId11"/>
-    <p:sldLayoutId id="2147484008" r:id="rId12"/>
-    <p:sldLayoutId id="2147484009" r:id="rId13"/>
-    <p:sldLayoutId id="2147484010" r:id="rId14"/>
-    <p:sldLayoutId id="2147484011" r:id="rId15"/>
-    <p:sldLayoutId id="2147484012" r:id="rId16"/>
-    <p:sldLayoutId id="2147484013" r:id="rId17"/>
+    <p:sldLayoutId id="2147484015" r:id="rId1"/>
+    <p:sldLayoutId id="2147484016" r:id="rId2"/>
+    <p:sldLayoutId id="2147484017" r:id="rId3"/>
+    <p:sldLayoutId id="2147484018" r:id="rId4"/>
+    <p:sldLayoutId id="2147484019" r:id="rId5"/>
+    <p:sldLayoutId id="2147484020" r:id="rId6"/>
+    <p:sldLayoutId id="2147484021" r:id="rId7"/>
+    <p:sldLayoutId id="2147484022" r:id="rId8"/>
+    <p:sldLayoutId id="2147484023" r:id="rId9"/>
+    <p:sldLayoutId id="2147484024" r:id="rId10"/>
+    <p:sldLayoutId id="2147484025" r:id="rId11"/>
+    <p:sldLayoutId id="2147484026" r:id="rId12"/>
+    <p:sldLayoutId id="2147484027" r:id="rId13"/>
+    <p:sldLayoutId id="2147484028" r:id="rId14"/>
+    <p:sldLayoutId id="2147484029" r:id="rId15"/>
+    <p:sldLayoutId id="2147484030" r:id="rId16"/>
+    <p:sldLayoutId id="2147484031" r:id="rId17"/>
   </p:sldLayoutIdLst>
   <p:txStyles>
     <p:titleStyle>
-      <a:lvl1pPr algn="l" defTabSz="1049685" rtl="0" eaLnBrk="1" latinLnBrk="0" hangingPunct="1">
+      <a:lvl1pPr algn="l" defTabSz="2270615" rtl="0" eaLnBrk="1" latinLnBrk="0" hangingPunct="1">
         <a:lnSpc>
           <a:spcPct val="90000"/>
         </a:lnSpc>
@@ -5616,7 +6223,7 @@
           <a:spcPct val="0"/>
         </a:spcBef>
         <a:buNone/>
-        <a:defRPr sz="6735" b="0" kern="1200">
+        <a:defRPr sz="14568" b="0" kern="1200">
           <a:gradFill flip="none" rotWithShape="1">
             <a:gsLst>
               <a:gs pos="28000">
@@ -5647,16 +6254,16 @@
       </a:lvl1pPr>
     </p:titleStyle>
     <p:bodyStyle>
-      <a:lvl1pPr marL="262421" indent="-262421" algn="l" defTabSz="1049685" rtl="0" eaLnBrk="1" latinLnBrk="0" hangingPunct="1">
+      <a:lvl1pPr marL="567654" indent="-567654" algn="l" defTabSz="2270615" rtl="0" eaLnBrk="1" latinLnBrk="0" hangingPunct="1">
         <a:lnSpc>
           <a:spcPct val="90000"/>
         </a:lnSpc>
         <a:spcBef>
-          <a:spcPts val="1148"/>
+          <a:spcPts val="2483"/>
         </a:spcBef>
         <a:buFont typeface="Arial" panose="020B0604020202020204" pitchFamily="34" charset="0"/>
         <a:buChar char="•"/>
-        <a:defRPr sz="3673" kern="1200">
+        <a:defRPr sz="7946" kern="1200">
           <a:gradFill>
             <a:gsLst>
               <a:gs pos="34000">
@@ -5684,16 +6291,16 @@
           <a:cs typeface="+mn-cs"/>
         </a:defRPr>
       </a:lvl1pPr>
-      <a:lvl2pPr marL="787264" indent="-262421" algn="l" defTabSz="1049685" rtl="0" eaLnBrk="1" latinLnBrk="0" hangingPunct="1">
+      <a:lvl2pPr marL="1702961" indent="-567654" algn="l" defTabSz="2270615" rtl="0" eaLnBrk="1" latinLnBrk="0" hangingPunct="1">
         <a:lnSpc>
           <a:spcPct val="90000"/>
         </a:lnSpc>
         <a:spcBef>
-          <a:spcPts val="574"/>
+          <a:spcPts val="1242"/>
         </a:spcBef>
         <a:buFont typeface="Arial" panose="020B0604020202020204" pitchFamily="34" charset="0"/>
         <a:buChar char="•"/>
-        <a:defRPr sz="3061" kern="1200">
+        <a:defRPr sz="6622" kern="1200">
           <a:gradFill>
             <a:gsLst>
               <a:gs pos="34000">
@@ -5721,16 +6328,16 @@
           <a:cs typeface="+mn-cs"/>
         </a:defRPr>
       </a:lvl2pPr>
-      <a:lvl3pPr marL="1312107" indent="-262421" algn="l" defTabSz="1049685" rtl="0" eaLnBrk="1" latinLnBrk="0" hangingPunct="1">
+      <a:lvl3pPr marL="2838269" indent="-567654" algn="l" defTabSz="2270615" rtl="0" eaLnBrk="1" latinLnBrk="0" hangingPunct="1">
         <a:lnSpc>
           <a:spcPct val="90000"/>
         </a:lnSpc>
         <a:spcBef>
-          <a:spcPts val="574"/>
+          <a:spcPts val="1242"/>
         </a:spcBef>
         <a:buFont typeface="Arial" panose="020B0604020202020204" pitchFamily="34" charset="0"/>
         <a:buChar char="•"/>
-        <a:defRPr sz="2449" kern="1200">
+        <a:defRPr sz="5297" kern="1200">
           <a:gradFill>
             <a:gsLst>
               <a:gs pos="34000">
@@ -5758,16 +6365,16 @@
           <a:cs typeface="+mn-cs"/>
         </a:defRPr>
       </a:lvl3pPr>
-      <a:lvl4pPr marL="1836950" indent="-262421" algn="l" defTabSz="1049685" rtl="0" eaLnBrk="1" latinLnBrk="0" hangingPunct="1">
+      <a:lvl4pPr marL="3973577" indent="-567654" algn="l" defTabSz="2270615" rtl="0" eaLnBrk="1" latinLnBrk="0" hangingPunct="1">
         <a:lnSpc>
           <a:spcPct val="90000"/>
         </a:lnSpc>
         <a:spcBef>
-          <a:spcPts val="574"/>
+          <a:spcPts val="1242"/>
         </a:spcBef>
         <a:buFont typeface="Arial" panose="020B0604020202020204" pitchFamily="34" charset="0"/>
         <a:buChar char="•"/>
-        <a:defRPr sz="2143" kern="1200">
+        <a:defRPr sz="4635" kern="1200">
           <a:gradFill>
             <a:gsLst>
               <a:gs pos="34000">
@@ -5795,16 +6402,16 @@
           <a:cs typeface="+mn-cs"/>
         </a:defRPr>
       </a:lvl4pPr>
-      <a:lvl5pPr marL="2361792" indent="-262421" algn="l" defTabSz="1049685" rtl="0" eaLnBrk="1" latinLnBrk="0" hangingPunct="1">
+      <a:lvl5pPr marL="5108884" indent="-567654" algn="l" defTabSz="2270615" rtl="0" eaLnBrk="1" latinLnBrk="0" hangingPunct="1">
         <a:lnSpc>
           <a:spcPct val="90000"/>
         </a:lnSpc>
         <a:spcBef>
-          <a:spcPts val="574"/>
+          <a:spcPts val="1242"/>
         </a:spcBef>
         <a:buFont typeface="Arial" panose="020B0604020202020204" pitchFamily="34" charset="0"/>
         <a:buChar char="•"/>
-        <a:defRPr sz="2143" kern="1200">
+        <a:defRPr sz="4635" kern="1200">
           <a:gradFill>
             <a:gsLst>
               <a:gs pos="34000">
@@ -5832,16 +6439,16 @@
           <a:cs typeface="+mn-cs"/>
         </a:defRPr>
       </a:lvl5pPr>
-      <a:lvl6pPr marL="2886635" indent="-262421" algn="l" defTabSz="1049685" rtl="0" eaLnBrk="1" latinLnBrk="0" hangingPunct="1">
+      <a:lvl6pPr marL="6244192" indent="-567654" algn="l" defTabSz="2270615" rtl="0" eaLnBrk="1" latinLnBrk="0" hangingPunct="1">
         <a:lnSpc>
           <a:spcPct val="90000"/>
         </a:lnSpc>
         <a:spcBef>
-          <a:spcPts val="574"/>
+          <a:spcPts val="1242"/>
         </a:spcBef>
         <a:buFont typeface="Arial" panose="020B0604020202020204" pitchFamily="34" charset="0"/>
         <a:buChar char="•"/>
-        <a:defRPr sz="2066" kern="1200">
+        <a:defRPr sz="4470" kern="1200">
           <a:solidFill>
             <a:schemeClr val="tx1"/>
           </a:solidFill>
@@ -5850,16 +6457,16 @@
           <a:cs typeface="+mn-cs"/>
         </a:defRPr>
       </a:lvl6pPr>
-      <a:lvl7pPr marL="3411478" indent="-262421" algn="l" defTabSz="1049685" rtl="0" eaLnBrk="1" latinLnBrk="0" hangingPunct="1">
+      <a:lvl7pPr marL="7379499" indent="-567654" algn="l" defTabSz="2270615" rtl="0" eaLnBrk="1" latinLnBrk="0" hangingPunct="1">
         <a:lnSpc>
           <a:spcPct val="90000"/>
         </a:lnSpc>
         <a:spcBef>
-          <a:spcPts val="574"/>
+          <a:spcPts val="1242"/>
         </a:spcBef>
         <a:buFont typeface="Arial" panose="020B0604020202020204" pitchFamily="34" charset="0"/>
         <a:buChar char="•"/>
-        <a:defRPr sz="2066" kern="1200">
+        <a:defRPr sz="4470" kern="1200">
           <a:solidFill>
             <a:schemeClr val="tx1"/>
           </a:solidFill>
@@ -5868,16 +6475,16 @@
           <a:cs typeface="+mn-cs"/>
         </a:defRPr>
       </a:lvl7pPr>
-      <a:lvl8pPr marL="3936321" indent="-262421" algn="l" defTabSz="1049685" rtl="0" eaLnBrk="1" latinLnBrk="0" hangingPunct="1">
+      <a:lvl8pPr marL="8514807" indent="-567654" algn="l" defTabSz="2270615" rtl="0" eaLnBrk="1" latinLnBrk="0" hangingPunct="1">
         <a:lnSpc>
           <a:spcPct val="90000"/>
         </a:lnSpc>
         <a:spcBef>
-          <a:spcPts val="574"/>
+          <a:spcPts val="1242"/>
         </a:spcBef>
         <a:buFont typeface="Arial" panose="020B0604020202020204" pitchFamily="34" charset="0"/>
         <a:buChar char="•"/>
-        <a:defRPr sz="2066" kern="1200">
+        <a:defRPr sz="4470" kern="1200">
           <a:solidFill>
             <a:schemeClr val="tx1"/>
           </a:solidFill>
@@ -5886,16 +6493,16 @@
           <a:cs typeface="+mn-cs"/>
         </a:defRPr>
       </a:lvl8pPr>
-      <a:lvl9pPr marL="4461163" indent="-262421" algn="l" defTabSz="1049685" rtl="0" eaLnBrk="1" latinLnBrk="0" hangingPunct="1">
+      <a:lvl9pPr marL="9650115" indent="-567654" algn="l" defTabSz="2270615" rtl="0" eaLnBrk="1" latinLnBrk="0" hangingPunct="1">
         <a:lnSpc>
           <a:spcPct val="90000"/>
         </a:lnSpc>
         <a:spcBef>
-          <a:spcPts val="574"/>
+          <a:spcPts val="1242"/>
         </a:spcBef>
         <a:buFont typeface="Arial" panose="020B0604020202020204" pitchFamily="34" charset="0"/>
         <a:buChar char="•"/>
-        <a:defRPr sz="2066" kern="1200">
+        <a:defRPr sz="4470" kern="1200">
           <a:solidFill>
             <a:schemeClr val="tx1"/>
           </a:solidFill>
@@ -5909,8 +6516,8 @@
       <a:defPPr>
         <a:defRPr lang="en-US"/>
       </a:defPPr>
-      <a:lvl1pPr marL="0" algn="l" defTabSz="1049685" rtl="0" eaLnBrk="1" latinLnBrk="0" hangingPunct="1">
-        <a:defRPr sz="2066" kern="1200">
+      <a:lvl1pPr marL="0" algn="l" defTabSz="2270615" rtl="0" eaLnBrk="1" latinLnBrk="0" hangingPunct="1">
+        <a:defRPr sz="4470" kern="1200">
           <a:solidFill>
             <a:schemeClr val="tx1"/>
           </a:solidFill>
@@ -5919,8 +6526,8 @@
           <a:cs typeface="+mn-cs"/>
         </a:defRPr>
       </a:lvl1pPr>
-      <a:lvl2pPr marL="524843" algn="l" defTabSz="1049685" rtl="0" eaLnBrk="1" latinLnBrk="0" hangingPunct="1">
-        <a:defRPr sz="2066" kern="1200">
+      <a:lvl2pPr marL="1135308" algn="l" defTabSz="2270615" rtl="0" eaLnBrk="1" latinLnBrk="0" hangingPunct="1">
+        <a:defRPr sz="4470" kern="1200">
           <a:solidFill>
             <a:schemeClr val="tx1"/>
           </a:solidFill>
@@ -5929,8 +6536,8 @@
           <a:cs typeface="+mn-cs"/>
         </a:defRPr>
       </a:lvl2pPr>
-      <a:lvl3pPr marL="1049685" algn="l" defTabSz="1049685" rtl="0" eaLnBrk="1" latinLnBrk="0" hangingPunct="1">
-        <a:defRPr sz="2066" kern="1200">
+      <a:lvl3pPr marL="2270615" algn="l" defTabSz="2270615" rtl="0" eaLnBrk="1" latinLnBrk="0" hangingPunct="1">
+        <a:defRPr sz="4470" kern="1200">
           <a:solidFill>
             <a:schemeClr val="tx1"/>
           </a:solidFill>
@@ -5939,8 +6546,8 @@
           <a:cs typeface="+mn-cs"/>
         </a:defRPr>
       </a:lvl3pPr>
-      <a:lvl4pPr marL="1574528" algn="l" defTabSz="1049685" rtl="0" eaLnBrk="1" latinLnBrk="0" hangingPunct="1">
-        <a:defRPr sz="2066" kern="1200">
+      <a:lvl4pPr marL="3405923" algn="l" defTabSz="2270615" rtl="0" eaLnBrk="1" latinLnBrk="0" hangingPunct="1">
+        <a:defRPr sz="4470" kern="1200">
           <a:solidFill>
             <a:schemeClr val="tx1"/>
           </a:solidFill>
@@ -5949,8 +6556,8 @@
           <a:cs typeface="+mn-cs"/>
         </a:defRPr>
       </a:lvl4pPr>
-      <a:lvl5pPr marL="2099371" algn="l" defTabSz="1049685" rtl="0" eaLnBrk="1" latinLnBrk="0" hangingPunct="1">
-        <a:defRPr sz="2066" kern="1200">
+      <a:lvl5pPr marL="4541230" algn="l" defTabSz="2270615" rtl="0" eaLnBrk="1" latinLnBrk="0" hangingPunct="1">
+        <a:defRPr sz="4470" kern="1200">
           <a:solidFill>
             <a:schemeClr val="tx1"/>
           </a:solidFill>
@@ -5959,8 +6566,8 @@
           <a:cs typeface="+mn-cs"/>
         </a:defRPr>
       </a:lvl5pPr>
-      <a:lvl6pPr marL="2624214" algn="l" defTabSz="1049685" rtl="0" eaLnBrk="1" latinLnBrk="0" hangingPunct="1">
-        <a:defRPr sz="2066" kern="1200">
+      <a:lvl6pPr marL="5676538" algn="l" defTabSz="2270615" rtl="0" eaLnBrk="1" latinLnBrk="0" hangingPunct="1">
+        <a:defRPr sz="4470" kern="1200">
           <a:solidFill>
             <a:schemeClr val="tx1"/>
           </a:solidFill>
@@ -5969,8 +6576,8 @@
           <a:cs typeface="+mn-cs"/>
         </a:defRPr>
       </a:lvl6pPr>
-      <a:lvl7pPr marL="3149056" algn="l" defTabSz="1049685" rtl="0" eaLnBrk="1" latinLnBrk="0" hangingPunct="1">
-        <a:defRPr sz="2066" kern="1200">
+      <a:lvl7pPr marL="6811846" algn="l" defTabSz="2270615" rtl="0" eaLnBrk="1" latinLnBrk="0" hangingPunct="1">
+        <a:defRPr sz="4470" kern="1200">
           <a:solidFill>
             <a:schemeClr val="tx1"/>
           </a:solidFill>
@@ -5979,8 +6586,8 @@
           <a:cs typeface="+mn-cs"/>
         </a:defRPr>
       </a:lvl7pPr>
-      <a:lvl8pPr marL="3673899" algn="l" defTabSz="1049685" rtl="0" eaLnBrk="1" latinLnBrk="0" hangingPunct="1">
-        <a:defRPr sz="2066" kern="1200">
+      <a:lvl8pPr marL="7947153" algn="l" defTabSz="2270615" rtl="0" eaLnBrk="1" latinLnBrk="0" hangingPunct="1">
+        <a:defRPr sz="4470" kern="1200">
           <a:solidFill>
             <a:schemeClr val="tx1"/>
           </a:solidFill>
@@ -5989,8 +6596,8 @@
           <a:cs typeface="+mn-cs"/>
         </a:defRPr>
       </a:lvl8pPr>
-      <a:lvl9pPr marL="4198742" algn="l" defTabSz="1049685" rtl="0" eaLnBrk="1" latinLnBrk="0" hangingPunct="1">
-        <a:defRPr sz="2066" kern="1200">
+      <a:lvl9pPr marL="9082461" algn="l" defTabSz="2270615" rtl="0" eaLnBrk="1" latinLnBrk="0" hangingPunct="1">
+        <a:defRPr sz="4470" kern="1200">
           <a:solidFill>
             <a:schemeClr val="tx1"/>
           </a:solidFill>
@@ -6029,35 +6636,40 @@
         </p:nvSpPr>
         <p:spPr>
           <a:xfrm>
-            <a:off x="682290" y="384660"/>
-            <a:ext cx="12167109" cy="994466"/>
+            <a:off x="1959946" y="408115"/>
+            <a:ext cx="25882969" cy="2100578"/>
           </a:xfrm>
           <a:prstGeom prst="rect">
             <a:avLst/>
           </a:prstGeom>
         </p:spPr>
         <p:txBody>
-          <a:bodyPr vert="horz" wrap="square" lIns="0" tIns="70448" rIns="0" bIns="0" rtlCol="0">
+          <a:bodyPr vert="horz" wrap="square" lIns="0" tIns="149863" rIns="0" bIns="0" rtlCol="0">
             <a:spAutoFit/>
           </a:bodyPr>
           <a:lstStyle/>
           <a:p>
-            <a:pPr marL="88850" marR="5080" indent="-76791" algn="ctr">
+            <a:pPr marL="189011" marR="10807" indent="-163357" algn="ctr">
               <a:lnSpc>
-                <a:spcPts val="3586"/>
+                <a:spcPts val="7628"/>
               </a:lnSpc>
               <a:spcBef>
-                <a:spcPts val="554"/>
+                <a:spcPts val="1179"/>
               </a:spcBef>
             </a:pPr>
             <a:r>
-              <a:rPr lang="en-US" sz="3200" b="1" dirty="0">
-                <a:latin typeface="Carlito"/>
-                <a:cs typeface="Carlito"/>
+              <a:rPr lang="en-GB" sz="6807" b="1" dirty="0">
+                <a:latin typeface="Söhne"/>
               </a:rPr>
-              <a:t>Analyzing Trends in Electricity Production: A Comparative Study Across Countries Using Exponential Growth Modeling</a:t>
-            </a:r>
-            <a:endParaRPr sz="3200" b="1" dirty="0">
+              <a:t>Unveiling Global Energy Pathways</a:t>
+            </a:r>
+            <a:r>
+              <a:rPr lang="en-US" sz="6807" b="1" dirty="0">
+                <a:latin typeface="Söhne"/>
+              </a:rPr>
+              <a:t>: Clustering Nations Based on Energy Sources and Future Prediction of Dependance on Coal Sources</a:t>
+            </a:r>
+            <a:endParaRPr sz="6807" b="1" dirty="0">
               <a:latin typeface="Carlito"/>
               <a:cs typeface="Carlito"/>
             </a:endParaRPr>
@@ -6072,8 +6684,8 @@
         </p:nvSpPr>
         <p:spPr>
           <a:xfrm>
-            <a:off x="10731500" y="18205451"/>
-            <a:ext cx="2622935" cy="756618"/>
+            <a:off x="23080487" y="38728273"/>
+            <a:ext cx="5579743" cy="1629420"/>
           </a:xfrm>
           <a:prstGeom prst="rect">
             <a:avLst/>
@@ -6095,72 +6707,72 @@
           </a:bodyPr>
           <a:lstStyle/>
           <a:p>
-            <a:pPr marL="42522">
+            <a:pPr marL="90457">
               <a:lnSpc>
-                <a:spcPts val="2745"/>
+                <a:spcPts val="5839"/>
               </a:lnSpc>
             </a:pPr>
             <a:r>
-              <a:rPr sz="2000" i="1" dirty="0">
+              <a:rPr sz="4255" i="1" dirty="0">
                 <a:latin typeface="Carlito"/>
                 <a:cs typeface="Carlito"/>
               </a:rPr>
               <a:t>Name:</a:t>
             </a:r>
             <a:r>
-              <a:rPr lang="en-GB" sz="2000" i="1" dirty="0">
+              <a:rPr lang="en-GB" sz="4255" i="1" dirty="0">
                 <a:latin typeface="Carlito"/>
                 <a:cs typeface="Carlito"/>
               </a:rPr>
               <a:t> Sandra Binu</a:t>
             </a:r>
-            <a:endParaRPr sz="2000" dirty="0">
+            <a:endParaRPr sz="4255" dirty="0">
               <a:latin typeface="Carlito"/>
               <a:cs typeface="Carlito"/>
             </a:endParaRPr>
           </a:p>
           <a:p>
-            <a:pPr marL="42522">
+            <a:pPr marL="90457">
               <a:spcBef>
-                <a:spcPts val="840"/>
+                <a:spcPts val="1787"/>
               </a:spcBef>
             </a:pPr>
             <a:r>
-              <a:rPr sz="2000" i="1" dirty="0">
+              <a:rPr sz="4255" i="1" dirty="0">
                 <a:latin typeface="Carlito"/>
                 <a:cs typeface="Carlito"/>
               </a:rPr>
               <a:t>Student</a:t>
             </a:r>
             <a:r>
-              <a:rPr sz="2000" i="1" spc="-89" dirty="0">
+              <a:rPr sz="4255" i="1" spc="-189" dirty="0">
                 <a:latin typeface="Carlito"/>
                 <a:cs typeface="Carlito"/>
               </a:rPr>
               <a:t> </a:t>
             </a:r>
             <a:r>
-              <a:rPr sz="2000" i="1" dirty="0">
+              <a:rPr sz="4255" i="1" dirty="0">
                 <a:latin typeface="Carlito"/>
                 <a:cs typeface="Carlito"/>
               </a:rPr>
               <a:t>ID:</a:t>
             </a:r>
             <a:r>
-              <a:rPr sz="2000" i="1" spc="-85" dirty="0">
+              <a:rPr sz="4255" i="1" spc="-181" dirty="0">
                 <a:latin typeface="Carlito"/>
                 <a:cs typeface="Carlito"/>
               </a:rPr>
               <a:t> </a:t>
             </a:r>
             <a:r>
-              <a:rPr lang="en-GB" sz="2000" i="1" spc="190" dirty="0">
+              <a:rPr lang="en-GB" sz="4255" i="1" spc="404" dirty="0">
                 <a:latin typeface="Carlito"/>
                 <a:cs typeface="Carlito"/>
               </a:rPr>
               <a:t> 22029960</a:t>
             </a:r>
-            <a:endParaRPr sz="2000" dirty="0">
+            <a:endParaRPr sz="4255" dirty="0">
               <a:latin typeface="Carlito"/>
               <a:cs typeface="Carlito"/>
             </a:endParaRPr>
@@ -6175,8 +6787,8 @@
         </p:nvSpPr>
         <p:spPr>
           <a:xfrm>
-            <a:off x="529269" y="1498401"/>
-            <a:ext cx="5875021" cy="2777853"/>
+            <a:off x="628795" y="2692021"/>
+            <a:ext cx="13939577" cy="5102802"/>
           </a:xfrm>
           <a:prstGeom prst="roundRect">
             <a:avLst/>
@@ -6203,21 +6815,21 @@
           </a:fontRef>
         </p:style>
         <p:txBody>
-          <a:bodyPr vert="horz" wrap="square" lIns="0" tIns="1905" rIns="0" bIns="0" rtlCol="0">
+          <a:bodyPr vert="horz" wrap="square" lIns="0" tIns="4052" rIns="0" bIns="0" rtlCol="0">
             <a:spAutoFit/>
           </a:bodyPr>
           <a:lstStyle/>
           <a:p>
-            <a:pPr marL="42522" marR="34271" algn="just">
+            <a:pPr marL="90457" marR="72905" algn="just">
               <a:lnSpc>
                 <a:spcPct val="100899"/>
               </a:lnSpc>
               <a:spcBef>
-                <a:spcPts val="15"/>
+                <a:spcPts val="32"/>
               </a:spcBef>
             </a:pPr>
             <a:r>
-              <a:rPr b="1" dirty="0">
+              <a:rPr sz="4255" b="1" dirty="0">
                 <a:latin typeface="Calibri" panose="020F0502020204030204" pitchFamily="34" charset="0"/>
                 <a:ea typeface="Calibri" panose="020F0502020204030204" pitchFamily="34" charset="0"/>
                 <a:cs typeface="Calibri" panose="020F0502020204030204" pitchFamily="34" charset="0"/>
@@ -6225,7 +6837,7 @@
               <a:t>Abstract:</a:t>
             </a:r>
             <a:r>
-              <a:rPr lang="en-US" b="1" dirty="0">
+              <a:rPr lang="en-US" sz="4255" b="1" dirty="0">
                 <a:latin typeface="Calibri" panose="020F0502020204030204" pitchFamily="34" charset="0"/>
                 <a:ea typeface="Calibri" panose="020F0502020204030204" pitchFamily="34" charset="0"/>
                 <a:cs typeface="Calibri" panose="020F0502020204030204" pitchFamily="34" charset="0"/>
@@ -6233,7 +6845,7 @@
               <a:t> </a:t>
             </a:r>
             <a:r>
-              <a:rPr lang="en-US" dirty="0">
+              <a:rPr lang="en-US" sz="4255" dirty="0">
                 <a:solidFill>
                   <a:schemeClr val="bg1"/>
                 </a:solidFill>
@@ -6241,9 +6853,9 @@
                 <a:ea typeface="Calibri" panose="020F0502020204030204" pitchFamily="34" charset="0"/>
                 <a:cs typeface="Calibri" panose="020F0502020204030204" pitchFamily="34" charset="0"/>
               </a:rPr>
-              <a:t>This poster investigates the clustering of electricity production in India, United States, and European Union. Focused on indicators related to hydroelectric and coal sources, the analysis of India reveals key growth rates and offers predictive insights. By scrutinizing fitted parameters and confidence intervals, the study provides a concise yet informative overview, facilitating a nuanced understanding of energy trends and aiding informed decision-making.</a:t>
-            </a:r>
-            <a:endParaRPr dirty="0">
+              <a:t>This poster investigates the energy landscapes across the world. Focused on indicators related to hydroelectric and coal sources, clustering . By scrutinizing fitted parameters and confidence intervals, the study provides a concise yet informative overview, facilitating a nuanced understanding of energy trends and aiding informed decision-making.</a:t>
+            </a:r>
+            <a:endParaRPr sz="4255" dirty="0">
               <a:solidFill>
                 <a:schemeClr val="bg1"/>
               </a:solidFill>
@@ -6262,8 +6874,8 @@
         </p:nvSpPr>
         <p:spPr>
           <a:xfrm>
-            <a:off x="6677667" y="1462530"/>
-            <a:ext cx="6792970" cy="2667001"/>
+            <a:off x="14901431" y="2676303"/>
+            <a:ext cx="14764513" cy="5118519"/>
           </a:xfrm>
           <a:prstGeom prst="roundRect">
             <a:avLst/>
@@ -6297,7 +6909,7 @@
           <a:p>
             <a:pPr algn="just"/>
             <a:r>
-              <a:rPr lang="en-US" b="1" dirty="0">
+              <a:rPr lang="en-US" sz="4255" b="1" dirty="0">
                 <a:solidFill>
                   <a:schemeClr val="bg1"/>
                 </a:solidFill>
@@ -6305,13 +6917,10 @@
                 <a:ea typeface="Calibri" panose="020F0502020204030204" pitchFamily="34" charset="0"/>
                 <a:cs typeface="Calibri" panose="020F0502020204030204" pitchFamily="34" charset="0"/>
               </a:rPr>
-              <a:t>Introduction:</a:t>
-            </a:r>
-          </a:p>
-          <a:p>
-            <a:pPr algn="just"/>
-            <a:r>
-              <a:rPr lang="en-US" dirty="0">
+              <a:t>Introduction: </a:t>
+            </a:r>
+            <a:r>
+              <a:rPr lang="en-US" sz="4255" dirty="0">
                 <a:solidFill>
                   <a:schemeClr val="bg1"/>
                 </a:solidFill>
@@ -6321,7 +6930,7 @@
               </a:rPr>
               <a:t>Unraveling the dynamics of electricity production is pivotal for sustainable energy planning. This study employs exponential growth modeling to analyze key indicators, including hydroelectric and coal sources, across nations. By scrutinizing growth rates and projecting future trends, our exploration lays the foundation for informed decision-making in the realm of global energy sustainability.</a:t>
             </a:r>
-            <a:endParaRPr lang="en-IN" dirty="0">
+            <a:endParaRPr lang="en-IN" sz="4255" dirty="0">
               <a:solidFill>
                 <a:schemeClr val="bg1"/>
               </a:solidFill>
@@ -6334,89 +6943,14 @@
       </p:sp>
       <p:sp>
         <p:nvSpPr>
-          <p:cNvPr id="33" name="Snip Single Corner Rectangle 32"/>
-          <p:cNvSpPr/>
-          <p:nvPr/>
-        </p:nvSpPr>
-        <p:spPr>
-          <a:xfrm>
-            <a:off x="715778" y="4395529"/>
-            <a:ext cx="5832454" cy="2667000"/>
-          </a:xfrm>
-          <a:prstGeom prst="snip1Rect">
-            <a:avLst/>
-          </a:prstGeom>
-          <a:solidFill>
-            <a:srgbClr val="00B0F0"/>
-          </a:solidFill>
-        </p:spPr>
-        <p:style>
-          <a:lnRef idx="2">
-            <a:schemeClr val="accent1">
-              <a:shade val="50000"/>
-            </a:schemeClr>
-          </a:lnRef>
-          <a:fillRef idx="1">
-            <a:schemeClr val="accent1"/>
-          </a:fillRef>
-          <a:effectRef idx="0">
-            <a:schemeClr val="accent1"/>
-          </a:effectRef>
-          <a:fontRef idx="minor">
-            <a:schemeClr val="lt1"/>
-          </a:fontRef>
-        </p:style>
-        <p:txBody>
-          <a:bodyPr rtlCol="0" anchor="ctr"/>
-          <a:lstStyle/>
-          <a:p>
-            <a:pPr algn="just"/>
-            <a:r>
-              <a:rPr lang="en-US" sz="2000" b="1" dirty="0">
-                <a:solidFill>
-                  <a:schemeClr val="tx1"/>
-                </a:solidFill>
-                <a:latin typeface="Calibri" panose="020F0502020204030204" pitchFamily="34" charset="0"/>
-                <a:ea typeface="Calibri" panose="020F0502020204030204" pitchFamily="34" charset="0"/>
-                <a:cs typeface="Calibri" panose="020F0502020204030204" pitchFamily="34" charset="0"/>
-              </a:rPr>
-              <a:t>Country and Indicator Selection:</a:t>
-            </a:r>
-          </a:p>
-          <a:p>
-            <a:pPr algn="just"/>
-            <a:r>
-              <a:rPr lang="en-US" sz="2000" dirty="0">
-                <a:solidFill>
-                  <a:schemeClr val="tx1"/>
-                </a:solidFill>
-                <a:latin typeface="Calibri" panose="020F0502020204030204" pitchFamily="34" charset="0"/>
-                <a:ea typeface="Calibri" panose="020F0502020204030204" pitchFamily="34" charset="0"/>
-                <a:cs typeface="Calibri" panose="020F0502020204030204" pitchFamily="34" charset="0"/>
-              </a:rPr>
-              <a:t>Four countries – Canada, European Union, India, and the United States – were selected for in-depth analysis. Two indicators, "Electricity production from hydroelectric sources (% of total)" and "Electricity production from coal sources (% of total)," were chosen for their significance in the energy landscape.</a:t>
-            </a:r>
-            <a:endParaRPr lang="en-IN" sz="2000" dirty="0">
-              <a:solidFill>
-                <a:schemeClr val="tx1"/>
-              </a:solidFill>
-              <a:latin typeface="Calibri" panose="020F0502020204030204" pitchFamily="34" charset="0"/>
-              <a:ea typeface="Calibri" panose="020F0502020204030204" pitchFamily="34" charset="0"/>
-              <a:cs typeface="Calibri" panose="020F0502020204030204" pitchFamily="34" charset="0"/>
-            </a:endParaRPr>
-          </a:p>
-        </p:txBody>
-      </p:sp>
-      <p:sp>
-        <p:nvSpPr>
           <p:cNvPr id="34" name="Rounded Rectangle 33"/>
           <p:cNvSpPr/>
           <p:nvPr/>
         </p:nvSpPr>
         <p:spPr>
           <a:xfrm>
-            <a:off x="488175" y="13252230"/>
-            <a:ext cx="6398501" cy="4079888"/>
+            <a:off x="1289964" y="28191336"/>
+            <a:ext cx="13611467" cy="8679105"/>
           </a:xfrm>
           <a:prstGeom prst="roundRect">
             <a:avLst/>
@@ -6444,7 +6978,7 @@
           <a:p>
             <a:pPr algn="just"/>
             <a:r>
-              <a:rPr lang="en-US" sz="2000" b="1" dirty="0">
+              <a:rPr lang="en-US" sz="4255" b="1" dirty="0">
                 <a:latin typeface="Calibri" panose="020F0502020204030204" pitchFamily="34" charset="0"/>
                 <a:ea typeface="Calibri" panose="020F0502020204030204" pitchFamily="34" charset="0"/>
                 <a:cs typeface="Calibri" panose="020F0502020204030204" pitchFamily="34" charset="0"/>
@@ -6455,7 +6989,7 @@
           <a:p>
             <a:pPr algn="just"/>
             <a:r>
-              <a:rPr lang="en-US" sz="2000" dirty="0">
+              <a:rPr lang="en-US" sz="4255" dirty="0">
                 <a:latin typeface="Calibri" panose="020F0502020204030204" pitchFamily="34" charset="0"/>
                 <a:ea typeface="Calibri" panose="020F0502020204030204" pitchFamily="34" charset="0"/>
                 <a:cs typeface="Calibri" panose="020F0502020204030204" pitchFamily="34" charset="0"/>
@@ -6466,14 +7000,14 @@
           <a:p>
             <a:pPr algn="just"/>
             <a:r>
-              <a:rPr lang="en-US" sz="2000" dirty="0">
+              <a:rPr lang="en-US" sz="4255" dirty="0">
                 <a:latin typeface="Calibri" panose="020F0502020204030204" pitchFamily="34" charset="0"/>
                 <a:ea typeface="Calibri" panose="020F0502020204030204" pitchFamily="34" charset="0"/>
                 <a:cs typeface="Calibri" panose="020F0502020204030204" pitchFamily="34" charset="0"/>
               </a:rPr>
               <a:t>Confidence Intervals: Confidence intervals provide a measure of uncertainty around the growth rates. For India, the confidence interval for the growth rate is [-0.0405 ± 7.00], emphasizing the variability in the predictions.</a:t>
             </a:r>
-            <a:endParaRPr lang="en-IN" sz="2000" dirty="0">
+            <a:endParaRPr lang="en-IN" sz="4255" dirty="0">
               <a:latin typeface="Calibri" panose="020F0502020204030204" pitchFamily="34" charset="0"/>
               <a:ea typeface="Calibri" panose="020F0502020204030204" pitchFamily="34" charset="0"/>
               <a:cs typeface="Calibri" panose="020F0502020204030204" pitchFamily="34" charset="0"/>
@@ -6489,8 +7023,8 @@
         </p:nvSpPr>
         <p:spPr>
           <a:xfrm>
-            <a:off x="6909185" y="11007935"/>
-            <a:ext cx="6561862" cy="2446729"/>
+            <a:off x="14273851" y="17142624"/>
+            <a:ext cx="14656417" cy="7400446"/>
           </a:xfrm>
           <a:prstGeom prst="roundRect">
             <a:avLst/>
@@ -6517,7 +7051,7 @@
           <a:lstStyle/>
           <a:p>
             <a:r>
-              <a:rPr lang="en-US" b="1" dirty="0">
+              <a:rPr lang="en-US" sz="4255" b="1" dirty="0">
                 <a:solidFill>
                   <a:schemeClr val="tx1"/>
                 </a:solidFill>
@@ -6527,7 +7061,7 @@
               </a:rPr>
               <a:t>Future Predictions:</a:t>
             </a:r>
-            <a:endParaRPr lang="en-IN" b="1" dirty="0">
+            <a:endParaRPr lang="en-IN" sz="4255" b="1" dirty="0">
               <a:solidFill>
                 <a:schemeClr val="tx1"/>
               </a:solidFill>
@@ -6538,20 +7072,14 @@
           </a:p>
           <a:p>
             <a:r>
-              <a:rPr lang="en-US" dirty="0">
-                <a:solidFill>
-                  <a:schemeClr val="lt1"/>
-                </a:solidFill>
+              <a:rPr lang="en-US" sz="4255" dirty="0">
                 <a:latin typeface="Calibri" panose="020F0502020204030204" pitchFamily="34" charset="0"/>
                 <a:ea typeface="Calibri" panose="020F0502020204030204" pitchFamily="34" charset="0"/>
                 <a:cs typeface="Calibri" panose="020F0502020204030204" pitchFamily="34" charset="0"/>
               </a:rPr>
               <a:t>Exponential growth modeling predicts future values for electricity production indicators. These predictions offer a glimpse into the expected trajectory of hydroelectric and coal sources.</a:t>
             </a:r>
-            <a:endParaRPr lang="en-IN" dirty="0">
-              <a:solidFill>
-                <a:schemeClr val="lt1"/>
-              </a:solidFill>
+            <a:endParaRPr lang="en-IN" sz="4255" dirty="0">
               <a:latin typeface="Calibri" panose="020F0502020204030204" pitchFamily="34" charset="0"/>
               <a:ea typeface="Calibri" panose="020F0502020204030204" pitchFamily="34" charset="0"/>
               <a:cs typeface="Calibri" panose="020F0502020204030204" pitchFamily="34" charset="0"/>
@@ -6560,20 +7088,14 @@
           <a:p>
             <a:pPr algn="just"/>
             <a:r>
-              <a:rPr lang="en-US" dirty="0">
-                <a:solidFill>
-                  <a:schemeClr val="lt1"/>
-                </a:solidFill>
+              <a:rPr lang="en-US" sz="4255" dirty="0">
                 <a:latin typeface="Calibri" panose="020F0502020204030204" pitchFamily="34" charset="0"/>
                 <a:ea typeface="Calibri" panose="020F0502020204030204" pitchFamily="34" charset="0"/>
                 <a:cs typeface="Calibri" panose="020F0502020204030204" pitchFamily="34" charset="0"/>
               </a:rPr>
               <a:t>Example Interpretation (for European Union - Coal Sources):</a:t>
             </a:r>
-            <a:endParaRPr lang="en-IN" dirty="0">
-              <a:solidFill>
-                <a:schemeClr val="lt1"/>
-              </a:solidFill>
+            <a:endParaRPr lang="en-IN" sz="4255" dirty="0">
               <a:latin typeface="Calibri" panose="020F0502020204030204" pitchFamily="34" charset="0"/>
               <a:ea typeface="Calibri" panose="020F0502020204030204" pitchFamily="34" charset="0"/>
               <a:cs typeface="Calibri" panose="020F0502020204030204" pitchFamily="34" charset="0"/>
@@ -6581,20 +7103,22 @@
           </a:p>
           <a:p>
             <a:r>
-              <a:rPr lang="en-US" dirty="0">
-                <a:solidFill>
-                  <a:schemeClr val="lt1"/>
-                </a:solidFill>
+              <a:rPr lang="en-US" sz="4255" dirty="0">
                 <a:latin typeface="Calibri" panose="020F0502020204030204" pitchFamily="34" charset="0"/>
                 <a:ea typeface="Calibri" panose="020F0502020204030204" pitchFamily="34" charset="0"/>
                 <a:cs typeface="Calibri" panose="020F0502020204030204" pitchFamily="34" charset="0"/>
               </a:rPr>
-              <a:t>The predicted growth rate of -0.0109, with confidence intervals [-0.0109 ± 2.27], suggests a relatively stable, but slightly decreasing trend in coal-based electricity production in the European Union.</a:t>
-            </a:r>
-            <a:endParaRPr lang="en-IN" dirty="0">
-              <a:solidFill>
-                <a:schemeClr val="lt1"/>
-              </a:solidFill>
+              <a:t>The predicted growth rate of -0.0109, with confidence intervals [-0.0109 ± 2.27], suggests a relatively stable, but slightly decreasing trend in coal-based electricity production in the European Union</a:t>
+            </a:r>
+            <a:r>
+              <a:rPr lang="en-US" sz="8203" dirty="0">
+                <a:latin typeface="Calibri" panose="020F0502020204030204" pitchFamily="34" charset="0"/>
+                <a:ea typeface="Calibri" panose="020F0502020204030204" pitchFamily="34" charset="0"/>
+                <a:cs typeface="Calibri" panose="020F0502020204030204" pitchFamily="34" charset="0"/>
+              </a:rPr>
+              <a:t>.</a:t>
+            </a:r>
+            <a:endParaRPr lang="en-IN" sz="8203" dirty="0">
               <a:latin typeface="Calibri" panose="020F0502020204030204" pitchFamily="34" charset="0"/>
               <a:ea typeface="Calibri" panose="020F0502020204030204" pitchFamily="34" charset="0"/>
               <a:cs typeface="Calibri" panose="020F0502020204030204" pitchFamily="34" charset="0"/>
@@ -6623,8 +7147,8 @@
         </p:blipFill>
         <p:spPr bwMode="auto">
           <a:xfrm>
-            <a:off x="500351" y="9189622"/>
-            <a:ext cx="6214970" cy="3867150"/>
+            <a:off x="8440477" y="11134207"/>
+            <a:ext cx="12921906" cy="8158108"/>
           </a:xfrm>
           <a:prstGeom prst="rect">
             <a:avLst/>
@@ -6662,8 +7186,8 @@
         </p:nvSpPr>
         <p:spPr>
           <a:xfrm>
-            <a:off x="466279" y="7145934"/>
-            <a:ext cx="6255118" cy="1828800"/>
+            <a:off x="628796" y="8092612"/>
+            <a:ext cx="22451692" cy="2913347"/>
           </a:xfrm>
           <a:prstGeom prst="roundRect">
             <a:avLst/>
@@ -6689,8 +7213,9 @@
           <a:bodyPr rtlCol="0" anchor="ctr"/>
           <a:lstStyle/>
           <a:p>
-            <a:r>
-              <a:rPr lang="en-US" b="1" dirty="0">
+            <a:pPr algn="ctr"/>
+            <a:r>
+              <a:rPr lang="en-US" sz="2800" b="1" dirty="0">
                 <a:solidFill>
                   <a:schemeClr val="tx1"/>
                 </a:solidFill>
@@ -6700,68 +7225,8 @@
               </a:rPr>
               <a:t>Cluster Analysis:</a:t>
             </a:r>
-            <a:endParaRPr lang="en-IN" b="1" dirty="0">
-              <a:solidFill>
-                <a:schemeClr val="tx1"/>
-              </a:solidFill>
-              <a:latin typeface="Calibri" panose="020F0502020204030204" pitchFamily="34" charset="0"/>
-              <a:ea typeface="Calibri" panose="020F0502020204030204" pitchFamily="34" charset="0"/>
-              <a:cs typeface="Calibri" panose="020F0502020204030204" pitchFamily="34" charset="0"/>
-            </a:endParaRPr>
-          </a:p>
-          <a:p>
-            <a:pPr algn="just"/>
-            <a:r>
-              <a:rPr lang="en-US" dirty="0">
-                <a:solidFill>
-                  <a:schemeClr val="lt1"/>
-                </a:solidFill>
-                <a:latin typeface="Calibri" panose="020F0502020204030204" pitchFamily="34" charset="0"/>
-                <a:ea typeface="Calibri" panose="020F0502020204030204" pitchFamily="34" charset="0"/>
-                <a:cs typeface="Calibri" panose="020F0502020204030204" pitchFamily="34" charset="0"/>
-              </a:rPr>
-              <a:t>K-Means clustering identifies patterns in normalized data. Similarities and differences in electricity production trends among the selected countries are revealed. This allows for a nuanced understanding of how countries group based on their electricity production profiles.</a:t>
-            </a:r>
-          </a:p>
-        </p:txBody>
-      </p:sp>
-      <p:sp>
-        <p:nvSpPr>
-          <p:cNvPr id="37" name="Rounded Rectangle 36"/>
-          <p:cNvSpPr/>
-          <p:nvPr/>
-        </p:nvSpPr>
-        <p:spPr>
-          <a:xfrm>
-            <a:off x="6713805" y="4235300"/>
-            <a:ext cx="6792970" cy="2667001"/>
-          </a:xfrm>
-          <a:prstGeom prst="roundRect">
-            <a:avLst/>
-          </a:prstGeom>
-        </p:spPr>
-        <p:style>
-          <a:lnRef idx="2">
-            <a:schemeClr val="accent1">
-              <a:shade val="50000"/>
-            </a:schemeClr>
-          </a:lnRef>
-          <a:fillRef idx="1">
-            <a:schemeClr val="accent1"/>
-          </a:fillRef>
-          <a:effectRef idx="0">
-            <a:schemeClr val="accent1"/>
-          </a:effectRef>
-          <a:fontRef idx="minor">
-            <a:schemeClr val="lt1"/>
-          </a:fontRef>
-        </p:style>
-        <p:txBody>
-          <a:bodyPr rtlCol="0" anchor="ctr"/>
-          <a:lstStyle/>
-          <a:p>
-            <a:r>
-              <a:rPr lang="en-US" b="1" dirty="0">
+            <a:r>
+              <a:rPr lang="en-IN" sz="2800" b="1" dirty="0">
                 <a:solidFill>
                   <a:schemeClr val="tx1"/>
                 </a:solidFill>
@@ -6769,127 +7234,19 @@
                 <a:ea typeface="Calibri" panose="020F0502020204030204" pitchFamily="34" charset="0"/>
                 <a:cs typeface="Calibri" panose="020F0502020204030204" pitchFamily="34" charset="0"/>
               </a:rPr>
-              <a:t>Normalized Data Visualization:</a:t>
-            </a:r>
-            <a:endParaRPr lang="en-IN" b="1" dirty="0">
-              <a:solidFill>
-                <a:schemeClr val="tx1"/>
-              </a:solidFill>
-              <a:latin typeface="Calibri" panose="020F0502020204030204" pitchFamily="34" charset="0"/>
-              <a:ea typeface="Calibri" panose="020F0502020204030204" pitchFamily="34" charset="0"/>
-              <a:cs typeface="Calibri" panose="020F0502020204030204" pitchFamily="34" charset="0"/>
-            </a:endParaRPr>
-          </a:p>
-          <a:p>
-            <a:pPr algn="just"/>
-            <a:r>
-              <a:rPr lang="en-US" dirty="0">
-                <a:solidFill>
-                  <a:schemeClr val="lt1"/>
-                </a:solidFill>
+              <a:t> </a:t>
+            </a:r>
+            <a:r>
+              <a:rPr lang="en-US" sz="2800" dirty="0">
                 <a:latin typeface="Calibri" panose="020F0502020204030204" pitchFamily="34" charset="0"/>
                 <a:ea typeface="Calibri" panose="020F0502020204030204" pitchFamily="34" charset="0"/>
                 <a:cs typeface="Calibri" panose="020F0502020204030204" pitchFamily="34" charset="0"/>
               </a:rPr>
-              <a:t>The stacked bar chart of normalized data from 1980 to 2014 visually showcases trends over the years. Observing how countries' electricity production indicators have evolved provides valuable insights into changing energy landscapes.</a:t>
-            </a:r>
-            <a:endParaRPr lang="en-IN" dirty="0">
-              <a:solidFill>
-                <a:schemeClr val="lt1"/>
-              </a:solidFill>
-              <a:latin typeface="Calibri" panose="020F0502020204030204" pitchFamily="34" charset="0"/>
-              <a:ea typeface="Calibri" panose="020F0502020204030204" pitchFamily="34" charset="0"/>
-              <a:cs typeface="Calibri" panose="020F0502020204030204" pitchFamily="34" charset="0"/>
-            </a:endParaRPr>
-          </a:p>
-          <a:p>
-            <a:r>
-              <a:rPr lang="en-US" dirty="0">
-                <a:solidFill>
-                  <a:schemeClr val="lt1"/>
-                </a:solidFill>
-                <a:latin typeface="Calibri" panose="020F0502020204030204" pitchFamily="34" charset="0"/>
-                <a:ea typeface="Calibri" panose="020F0502020204030204" pitchFamily="34" charset="0"/>
-                <a:cs typeface="Calibri" panose="020F0502020204030204" pitchFamily="34" charset="0"/>
-              </a:rPr>
-              <a:t>Example Interpretation (for Canada):</a:t>
-            </a:r>
-            <a:endParaRPr lang="en-IN" dirty="0">
-              <a:solidFill>
-                <a:schemeClr val="lt1"/>
-              </a:solidFill>
-              <a:latin typeface="Calibri" panose="020F0502020204030204" pitchFamily="34" charset="0"/>
-              <a:ea typeface="Calibri" panose="020F0502020204030204" pitchFamily="34" charset="0"/>
-              <a:cs typeface="Calibri" panose="020F0502020204030204" pitchFamily="34" charset="0"/>
-            </a:endParaRPr>
-          </a:p>
-          <a:p>
-            <a:r>
-              <a:rPr lang="en-US" dirty="0">
-                <a:solidFill>
-                  <a:schemeClr val="lt1"/>
-                </a:solidFill>
-                <a:latin typeface="Calibri" panose="020F0502020204030204" pitchFamily="34" charset="0"/>
-                <a:ea typeface="Calibri" panose="020F0502020204030204" pitchFamily="34" charset="0"/>
-                <a:cs typeface="Calibri" panose="020F0502020204030204" pitchFamily="34" charset="0"/>
-              </a:rPr>
-              <a:t>The chart indicates an upward trend in hydroelectric sources from 1980 to 2014, potentially reflecting a shift towards cleaner energy sources.</a:t>
-            </a:r>
-          </a:p>
-        </p:txBody>
-      </p:sp>
-      <p:pic>
-        <p:nvPicPr>
-          <p:cNvPr id="1028" name="Picture 4"/>
-          <p:cNvPicPr>
-            <a:picLocks noChangeAspect="1" noChangeArrowheads="1"/>
-          </p:cNvPicPr>
-          <p:nvPr/>
-        </p:nvPicPr>
-        <p:blipFill>
-          <a:blip r:embed="rId3">
-            <a:extLst>
-              <a:ext uri="{28A0092B-C50C-407E-A947-70E740481C1C}">
-                <a14:useLocalDpi xmlns:a14="http://schemas.microsoft.com/office/drawing/2010/main" val="0"/>
-              </a:ext>
-            </a:extLst>
-          </a:blip>
-          <a:srcRect/>
-          <a:stretch/>
-        </p:blipFill>
-        <p:spPr bwMode="auto">
-          <a:xfrm>
-            <a:off x="6909185" y="7021543"/>
-            <a:ext cx="6445249" cy="3867150"/>
-          </a:xfrm>
-          <a:prstGeom prst="rect">
-            <a:avLst/>
-          </a:prstGeom>
-          <a:noFill/>
-          <a:ln>
-            <a:noFill/>
-          </a:ln>
-          <a:extLst>
-            <a:ext uri="{909E8E84-426E-40DD-AFC4-6F175D3DCCD1}">
-              <a14:hiddenFill xmlns:a14="http://schemas.microsoft.com/office/drawing/2010/main">
-                <a:solidFill>
-                  <a:schemeClr val="accent1"/>
-                </a:solidFill>
-              </a14:hiddenFill>
-            </a:ext>
-            <a:ext uri="{91240B29-F687-4F45-9708-019B960494DF}">
-              <a14:hiddenLine xmlns:a14="http://schemas.microsoft.com/office/drawing/2010/main" w="9525">
-                <a:solidFill>
-                  <a:schemeClr val="tx1"/>
-                </a:solidFill>
-                <a:miter lim="800000"/>
-                <a:headEnd/>
-                <a:tailEnd/>
-              </a14:hiddenLine>
-            </a:ext>
-          </a:extLst>
-        </p:spPr>
-      </p:pic>
+              <a:t>K-Means clustering identifies patterns in normalized data. Similarities and differences in electricity production trends among the selected countries are revealed. This allows for a nuanced understanding of how countries group based on their electricity production profiles.</a:t>
+            </a:r>
+          </a:p>
+        </p:txBody>
+      </p:sp>
       <p:sp>
         <p:nvSpPr>
           <p:cNvPr id="38" name="Rectangle: Rounded Corners 37"/>
@@ -6898,8 +7255,8 @@
         </p:nvSpPr>
         <p:spPr>
           <a:xfrm>
-            <a:off x="419019" y="18017707"/>
-            <a:ext cx="10083882" cy="1274671"/>
+            <a:off x="1142844" y="38328892"/>
+            <a:ext cx="21451341" cy="2711595"/>
           </a:xfrm>
           <a:prstGeom prst="roundRect">
             <a:avLst/>
@@ -6930,7 +7287,7 @@
           <a:p>
             <a:pPr algn="just"/>
             <a:r>
-              <a:rPr lang="en-US" b="1" dirty="0">
+              <a:rPr lang="en-US" sz="4255" b="1" dirty="0">
                 <a:latin typeface="Calibri" panose="020F0502020204030204" pitchFamily="34" charset="0"/>
                 <a:ea typeface="Calibri" panose="020F0502020204030204" pitchFamily="34" charset="0"/>
                 <a:cs typeface="Calibri" panose="020F0502020204030204" pitchFamily="34" charset="0"/>
@@ -6941,14 +7298,14 @@
           <a:p>
             <a:pPr algn="just"/>
             <a:r>
-              <a:rPr lang="en-US" dirty="0">
+              <a:rPr lang="en-US" sz="4255" dirty="0">
                 <a:latin typeface="Calibri" panose="020F0502020204030204" pitchFamily="34" charset="0"/>
                 <a:ea typeface="Calibri" panose="020F0502020204030204" pitchFamily="34" charset="0"/>
                 <a:cs typeface="Calibri" panose="020F0502020204030204" pitchFamily="34" charset="0"/>
               </a:rPr>
               <a:t>This analysis provides a comprehensive and interpretable overview of electricity production trends. The combination of exponential growth modeling, clustering, and correlation analysis offers valuable insights for stakeholders involved in shaping sustainable energy futures.</a:t>
             </a:r>
-            <a:endParaRPr lang="en-IN" dirty="0">
+            <a:endParaRPr lang="en-IN" sz="4255" dirty="0">
               <a:latin typeface="Calibri" panose="020F0502020204030204" pitchFamily="34" charset="0"/>
               <a:ea typeface="Calibri" panose="020F0502020204030204" pitchFamily="34" charset="0"/>
               <a:cs typeface="Calibri" panose="020F0502020204030204" pitchFamily="34" charset="0"/>
@@ -6964,8 +7321,8 @@
         </p:nvSpPr>
         <p:spPr>
           <a:xfrm>
-            <a:off x="500351" y="19481644"/>
-            <a:ext cx="12993724" cy="475591"/>
+            <a:off x="1315861" y="41443111"/>
+            <a:ext cx="27641419" cy="1011720"/>
           </a:xfrm>
           <a:prstGeom prst="rect">
             <a:avLst/>
@@ -6996,7 +7353,7 @@
           <a:p>
             <a:pPr algn="l"/>
             <a:r>
-              <a:rPr lang="en-US" dirty="0" err="1">
+              <a:rPr lang="en-US" sz="8203" dirty="0" err="1">
                 <a:solidFill>
                   <a:schemeClr val="tx1"/>
                 </a:solidFill>
@@ -7004,14 +7361,14 @@
               <a:t>GitLink</a:t>
             </a:r>
             <a:r>
-              <a:rPr lang="en-US" dirty="0">
+              <a:rPr lang="en-US" sz="8203" dirty="0">
                 <a:solidFill>
                   <a:schemeClr val="tx1"/>
                 </a:solidFill>
               </a:rPr>
               <a:t>:</a:t>
             </a:r>
-            <a:endParaRPr lang="en-IN" dirty="0">
+            <a:endParaRPr lang="en-IN" sz="8203" dirty="0">
               <a:solidFill>
                 <a:schemeClr val="tx1"/>
               </a:solidFill>
@@ -7021,10 +7378,46 @@
       </p:sp>
       <p:pic>
         <p:nvPicPr>
-          <p:cNvPr id="9" name="Picture 8">
+          <p:cNvPr id="6" name="Picture 5">
             <a:extLst>
               <a:ext uri="{FF2B5EF4-FFF2-40B4-BE49-F238E27FC236}">
-                <a16:creationId xmlns:a16="http://schemas.microsoft.com/office/drawing/2014/main" id="{32512E36-5CE1-89D5-5909-D64BFBF1EA69}"/>
+                <a16:creationId xmlns:a16="http://schemas.microsoft.com/office/drawing/2014/main" id="{7E968EDD-44F7-EBBE-F293-288AFC5D05F8}"/>
+              </a:ext>
+            </a:extLst>
+          </p:cNvPr>
+          <p:cNvPicPr>
+            <a:picLocks noChangeAspect="1"/>
+          </p:cNvPicPr>
+          <p:nvPr/>
+        </p:nvPicPr>
+        <p:blipFill>
+          <a:blip r:embed="rId3">
+            <a:extLst>
+              <a:ext uri="{28A0092B-C50C-407E-A947-70E740481C1C}">
+                <a14:useLocalDpi xmlns:a14="http://schemas.microsoft.com/office/drawing/2010/main" val="0"/>
+              </a:ext>
+            </a:extLst>
+          </a:blip>
+          <a:stretch>
+            <a:fillRect/>
+          </a:stretch>
+        </p:blipFill>
+        <p:spPr>
+          <a:xfrm>
+            <a:off x="2330341" y="20225134"/>
+            <a:ext cx="11132527" cy="7653613"/>
+          </a:xfrm>
+          <a:prstGeom prst="rect">
+            <a:avLst/>
+          </a:prstGeom>
+        </p:spPr>
+      </p:pic>
+      <p:pic>
+        <p:nvPicPr>
+          <p:cNvPr id="8" name="Picture 7">
+            <a:extLst>
+              <a:ext uri="{FF2B5EF4-FFF2-40B4-BE49-F238E27FC236}">
+                <a16:creationId xmlns:a16="http://schemas.microsoft.com/office/drawing/2014/main" id="{0E439E68-811C-29BE-E22C-D4B11BDB25C8}"/>
               </a:ext>
             </a:extLst>
           </p:cNvPr>
@@ -7047,8 +7440,44 @@
         </p:blipFill>
         <p:spPr>
           <a:xfrm>
-            <a:off x="7108725" y="13643930"/>
-            <a:ext cx="6245709" cy="4079888"/>
+            <a:off x="16211147" y="24840860"/>
+            <a:ext cx="11789071" cy="8104985"/>
+          </a:xfrm>
+          <a:prstGeom prst="rect">
+            <a:avLst/>
+          </a:prstGeom>
+        </p:spPr>
+      </p:pic>
+      <p:pic>
+        <p:nvPicPr>
+          <p:cNvPr id="11" name="Picture 10">
+            <a:extLst>
+              <a:ext uri="{FF2B5EF4-FFF2-40B4-BE49-F238E27FC236}">
+                <a16:creationId xmlns:a16="http://schemas.microsoft.com/office/drawing/2014/main" id="{6102D002-2E67-F5FB-489F-B40AADF61F46}"/>
+              </a:ext>
+            </a:extLst>
+          </p:cNvPr>
+          <p:cNvPicPr>
+            <a:picLocks noChangeAspect="1"/>
+          </p:cNvPicPr>
+          <p:nvPr/>
+        </p:nvPicPr>
+        <p:blipFill>
+          <a:blip r:embed="rId5">
+            <a:extLst>
+              <a:ext uri="{28A0092B-C50C-407E-A947-70E740481C1C}">
+                <a14:useLocalDpi xmlns:a14="http://schemas.microsoft.com/office/drawing/2010/main" val="0"/>
+              </a:ext>
+            </a:extLst>
+          </a:blip>
+          <a:stretch>
+            <a:fillRect/>
+          </a:stretch>
+        </p:blipFill>
+        <p:spPr>
+          <a:xfrm>
+            <a:off x="2875291" y="26408709"/>
+            <a:ext cx="12261284" cy="8429633"/>
           </a:xfrm>
           <a:prstGeom prst="rect">
             <a:avLst/>
